--- a/Docs/Куратор - виртуальный куратор.pptx
+++ b/Docs/Куратор - виртуальный куратор.pptx
@@ -5,7 +5,7 @@
     <p:sldMasterId id="2147483648" r:id="rId1"/>
   </p:sldMasterIdLst>
   <p:notesMasterIdLst>
-    <p:notesMasterId r:id="rId16"/>
+    <p:notesMasterId r:id="rId17"/>
   </p:notesMasterIdLst>
   <p:sldIdLst>
     <p:sldId id="256" r:id="rId2"/>
@@ -20,8 +20,9 @@
     <p:sldId id="268" r:id="rId11"/>
     <p:sldId id="271" r:id="rId12"/>
     <p:sldId id="272" r:id="rId13"/>
-    <p:sldId id="269" r:id="rId14"/>
-    <p:sldId id="270" r:id="rId15"/>
+    <p:sldId id="273" r:id="rId14"/>
+    <p:sldId id="269" r:id="rId15"/>
+    <p:sldId id="270" r:id="rId16"/>
   </p:sldIdLst>
   <p:sldSz cx="12192000" cy="6858000"/>
   <p:notesSz cx="6858000" cy="9144000"/>
@@ -266,7 +267,7 @@
           <a:p>
             <a:fld id="{05D31001-4353-44D7-B9FE-795F8DC7CA7D}" type="datetimeFigureOut">
               <a:rPr lang="ru-RU" smtClean="0"/>
-              <a:t>03.04.2025</a:t>
+              <a:t>11.05.2025</a:t>
             </a:fld>
             <a:endParaRPr lang="ru-RU"/>
           </a:p>
@@ -828,7 +829,7 @@
           <a:p>
             <a:fld id="{F81985B3-CC42-460E-B3BD-EBD81321C544}" type="slidenum">
               <a:rPr lang="ru-RU" smtClean="0"/>
-              <a:t>13</a:t>
+              <a:t>14</a:t>
             </a:fld>
             <a:endParaRPr lang="ru-RU"/>
           </a:p>
@@ -1710,7 +1711,7 @@
           <a:p>
             <a:fld id="{49B16F87-269C-4B9D-ACFD-A2D4D9F1DCB9}" type="datetimeFigureOut">
               <a:rPr lang="ru-RU" smtClean="0"/>
-              <a:t>03.04.2025</a:t>
+              <a:t>11.05.2025</a:t>
             </a:fld>
             <a:endParaRPr lang="ru-RU"/>
           </a:p>
@@ -1908,7 +1909,7 @@
           <a:p>
             <a:fld id="{49B16F87-269C-4B9D-ACFD-A2D4D9F1DCB9}" type="datetimeFigureOut">
               <a:rPr lang="ru-RU" smtClean="0"/>
-              <a:t>03.04.2025</a:t>
+              <a:t>11.05.2025</a:t>
             </a:fld>
             <a:endParaRPr lang="ru-RU"/>
           </a:p>
@@ -2116,7 +2117,7 @@
           <a:p>
             <a:fld id="{49B16F87-269C-4B9D-ACFD-A2D4D9F1DCB9}" type="datetimeFigureOut">
               <a:rPr lang="ru-RU" smtClean="0"/>
-              <a:t>03.04.2025</a:t>
+              <a:t>11.05.2025</a:t>
             </a:fld>
             <a:endParaRPr lang="ru-RU"/>
           </a:p>
@@ -2314,7 +2315,7 @@
           <a:p>
             <a:fld id="{49B16F87-269C-4B9D-ACFD-A2D4D9F1DCB9}" type="datetimeFigureOut">
               <a:rPr lang="ru-RU" smtClean="0"/>
-              <a:t>03.04.2025</a:t>
+              <a:t>11.05.2025</a:t>
             </a:fld>
             <a:endParaRPr lang="ru-RU"/>
           </a:p>
@@ -2589,7 +2590,7 @@
           <a:p>
             <a:fld id="{49B16F87-269C-4B9D-ACFD-A2D4D9F1DCB9}" type="datetimeFigureOut">
               <a:rPr lang="ru-RU" smtClean="0"/>
-              <a:t>03.04.2025</a:t>
+              <a:t>11.05.2025</a:t>
             </a:fld>
             <a:endParaRPr lang="ru-RU"/>
           </a:p>
@@ -2854,7 +2855,7 @@
           <a:p>
             <a:fld id="{49B16F87-269C-4B9D-ACFD-A2D4D9F1DCB9}" type="datetimeFigureOut">
               <a:rPr lang="ru-RU" smtClean="0"/>
-              <a:t>03.04.2025</a:t>
+              <a:t>11.05.2025</a:t>
             </a:fld>
             <a:endParaRPr lang="ru-RU"/>
           </a:p>
@@ -3266,7 +3267,7 @@
           <a:p>
             <a:fld id="{49B16F87-269C-4B9D-ACFD-A2D4D9F1DCB9}" type="datetimeFigureOut">
               <a:rPr lang="ru-RU" smtClean="0"/>
-              <a:t>03.04.2025</a:t>
+              <a:t>11.05.2025</a:t>
             </a:fld>
             <a:endParaRPr lang="ru-RU"/>
           </a:p>
@@ -3407,7 +3408,7 @@
           <a:p>
             <a:fld id="{49B16F87-269C-4B9D-ACFD-A2D4D9F1DCB9}" type="datetimeFigureOut">
               <a:rPr lang="ru-RU" smtClean="0"/>
-              <a:t>03.04.2025</a:t>
+              <a:t>11.05.2025</a:t>
             </a:fld>
             <a:endParaRPr lang="ru-RU"/>
           </a:p>
@@ -3520,7 +3521,7 @@
           <a:p>
             <a:fld id="{49B16F87-269C-4B9D-ACFD-A2D4D9F1DCB9}" type="datetimeFigureOut">
               <a:rPr lang="ru-RU" smtClean="0"/>
-              <a:t>03.04.2025</a:t>
+              <a:t>11.05.2025</a:t>
             </a:fld>
             <a:endParaRPr lang="ru-RU"/>
           </a:p>
@@ -3847,7 +3848,7 @@
           <a:p>
             <a:fld id="{49B16F87-269C-4B9D-ACFD-A2D4D9F1DCB9}" type="datetimeFigureOut">
               <a:rPr lang="ru-RU" smtClean="0"/>
-              <a:t>03.04.2025</a:t>
+              <a:t>11.05.2025</a:t>
             </a:fld>
             <a:endParaRPr lang="ru-RU"/>
           </a:p>
@@ -4135,7 +4136,7 @@
           <a:p>
             <a:fld id="{49B16F87-269C-4B9D-ACFD-A2D4D9F1DCB9}" type="datetimeFigureOut">
               <a:rPr lang="ru-RU" smtClean="0"/>
-              <a:t>03.04.2025</a:t>
+              <a:t>11.05.2025</a:t>
             </a:fld>
             <a:endParaRPr lang="ru-RU"/>
           </a:p>
@@ -4376,7 +4377,7 @@
           <a:p>
             <a:fld id="{49B16F87-269C-4B9D-ACFD-A2D4D9F1DCB9}" type="datetimeFigureOut">
               <a:rPr lang="ru-RU" smtClean="0"/>
-              <a:t>03.04.2025</a:t>
+              <a:t>11.05.2025</a:t>
             </a:fld>
             <a:endParaRPr lang="ru-RU"/>
           </a:p>
@@ -6426,6 +6427,590 @@
           <a:chExt cx="0" cy="0"/>
         </a:xfrm>
       </p:grpSpPr>
+      <p:graphicFrame>
+        <p:nvGraphicFramePr>
+          <p:cNvPr id="2" name="Таблица 1">
+            <a:extLst>
+              <a:ext uri="{FF2B5EF4-FFF2-40B4-BE49-F238E27FC236}">
+                <a16:creationId xmlns:a16="http://schemas.microsoft.com/office/drawing/2014/main" id="{30215ED5-E7E0-4216-AF1F-C5E037CDF853}"/>
+              </a:ext>
+            </a:extLst>
+          </p:cNvPr>
+          <p:cNvGraphicFramePr>
+            <a:graphicFrameLocks noGrp="1"/>
+          </p:cNvGraphicFramePr>
+          <p:nvPr>
+            <p:extLst>
+              <p:ext uri="{D42A27DB-BD31-4B8C-83A1-F6EECF244321}">
+                <p14:modId xmlns:p14="http://schemas.microsoft.com/office/powerpoint/2010/main" val="1236122231"/>
+              </p:ext>
+            </p:extLst>
+          </p:nvPr>
+        </p:nvGraphicFramePr>
+        <p:xfrm>
+          <a:off x="407989" y="1125538"/>
+          <a:ext cx="11376024" cy="2579252"/>
+        </p:xfrm>
+        <a:graphic>
+          <a:graphicData uri="http://schemas.openxmlformats.org/drawingml/2006/table">
+            <a:tbl>
+              <a:tblPr firstRow="1" bandRow="1">
+                <a:tableStyleId>{5C22544A-7EE6-4342-B048-85BDC9FD1C3A}</a:tableStyleId>
+              </a:tblPr>
+              <a:tblGrid>
+                <a:gridCol w="2844006">
+                  <a:extLst>
+                    <a:ext uri="{9D8B030D-6E8A-4147-A177-3AD203B41FA5}">
+                      <a16:colId xmlns:a16="http://schemas.microsoft.com/office/drawing/2014/main" val="2874928719"/>
+                    </a:ext>
+                  </a:extLst>
+                </a:gridCol>
+                <a:gridCol w="2569557">
+                  <a:extLst>
+                    <a:ext uri="{9D8B030D-6E8A-4147-A177-3AD203B41FA5}">
+                      <a16:colId xmlns:a16="http://schemas.microsoft.com/office/drawing/2014/main" val="1414040175"/>
+                    </a:ext>
+                  </a:extLst>
+                </a:gridCol>
+                <a:gridCol w="3326203">
+                  <a:extLst>
+                    <a:ext uri="{9D8B030D-6E8A-4147-A177-3AD203B41FA5}">
+                      <a16:colId xmlns:a16="http://schemas.microsoft.com/office/drawing/2014/main" val="958826021"/>
+                    </a:ext>
+                  </a:extLst>
+                </a:gridCol>
+                <a:gridCol w="2636258">
+                  <a:extLst>
+                    <a:ext uri="{9D8B030D-6E8A-4147-A177-3AD203B41FA5}">
+                      <a16:colId xmlns:a16="http://schemas.microsoft.com/office/drawing/2014/main" val="2301608202"/>
+                    </a:ext>
+                  </a:extLst>
+                </a:gridCol>
+              </a:tblGrid>
+              <a:tr h="1151731">
+                <a:tc>
+                  <a:txBody>
+                    <a:bodyPr/>
+                    <a:lstStyle/>
+                    <a:p>
+                      <a:pPr marL="0" indent="0" algn="ctr">
+                        <a:buNone/>
+                      </a:pPr>
+                      <a:r>
+                        <a:rPr lang="en-US" sz="2500" b="1" dirty="0">
+                          <a:latin typeface="Roboto" panose="02000000000000000000" pitchFamily="2" charset="0"/>
+                          <a:ea typeface="Roboto" panose="02000000000000000000" pitchFamily="2" charset="0"/>
+                          <a:cs typeface="Roboto" panose="02000000000000000000" pitchFamily="2" charset="0"/>
+                        </a:rPr>
+                        <a:t>1) </a:t>
+                      </a:r>
+                      <a:r>
+                        <a:rPr lang="ru-RU" sz="2500" b="1" dirty="0">
+                          <a:latin typeface="Roboto" panose="02000000000000000000" pitchFamily="2" charset="0"/>
+                          <a:ea typeface="Roboto" panose="02000000000000000000" pitchFamily="2" charset="0"/>
+                          <a:cs typeface="Roboto" panose="02000000000000000000" pitchFamily="2" charset="0"/>
+                        </a:rPr>
+                        <a:t>Наши потребители</a:t>
+                      </a:r>
+                    </a:p>
+                  </a:txBody>
+                  <a:tcPr marL="146627" marR="146627" marT="73313" marB="73313"/>
+                </a:tc>
+                <a:tc>
+                  <a:txBody>
+                    <a:bodyPr/>
+                    <a:lstStyle/>
+                    <a:p>
+                      <a:pPr algn="ctr"/>
+                      <a:r>
+                        <a:rPr lang="ru-RU" sz="2500" b="1" dirty="0">
+                          <a:latin typeface="Roboto" panose="02000000000000000000" pitchFamily="2" charset="0"/>
+                          <a:ea typeface="Roboto" panose="02000000000000000000" pitchFamily="2" charset="0"/>
+                          <a:cs typeface="Roboto" panose="02000000000000000000" pitchFamily="2" charset="0"/>
+                        </a:rPr>
+                        <a:t>2) Ценностное предложение</a:t>
+                      </a:r>
+                    </a:p>
+                  </a:txBody>
+                  <a:tcPr marL="146627" marR="146627" marT="73313" marB="73313"/>
+                </a:tc>
+                <a:tc>
+                  <a:txBody>
+                    <a:bodyPr/>
+                    <a:lstStyle/>
+                    <a:p>
+                      <a:pPr algn="ctr"/>
+                      <a:r>
+                        <a:rPr lang="ru-RU" sz="2400" b="1" dirty="0">
+                          <a:latin typeface="Roboto" panose="02000000000000000000" pitchFamily="2" charset="0"/>
+                          <a:ea typeface="Roboto" panose="02000000000000000000" pitchFamily="2" charset="0"/>
+                          <a:cs typeface="Roboto" panose="02000000000000000000" pitchFamily="2" charset="0"/>
+                        </a:rPr>
+                        <a:t>3)Взаимоотношения с потребителями</a:t>
+                      </a:r>
+                    </a:p>
+                  </a:txBody>
+                  <a:tcPr marL="146627" marR="146627" marT="73313" marB="73313"/>
+                </a:tc>
+                <a:tc>
+                  <a:txBody>
+                    <a:bodyPr/>
+                    <a:lstStyle/>
+                    <a:p>
+                      <a:pPr algn="ctr"/>
+                      <a:r>
+                        <a:rPr lang="ru-RU" sz="2500" b="1" dirty="0">
+                          <a:latin typeface="Roboto" panose="02000000000000000000" pitchFamily="2" charset="0"/>
+                          <a:ea typeface="Roboto" panose="02000000000000000000" pitchFamily="2" charset="0"/>
+                          <a:cs typeface="Roboto" panose="02000000000000000000" pitchFamily="2" charset="0"/>
+                        </a:rPr>
+                        <a:t>4) Потоки постоянных доходов</a:t>
+                      </a:r>
+                    </a:p>
+                  </a:txBody>
+                  <a:tcPr marL="146627" marR="146627" marT="73313" marB="73313"/>
+                </a:tc>
+                <a:extLst>
+                  <a:ext uri="{0D108BD9-81ED-4DB2-BD59-A6C34878D82A}">
+                    <a16:rowId xmlns:a16="http://schemas.microsoft.com/office/drawing/2014/main" val="2902717763"/>
+                  </a:ext>
+                </a:extLst>
+              </a:tr>
+              <a:tr h="1151731">
+                <a:tc>
+                  <a:txBody>
+                    <a:bodyPr/>
+                    <a:lstStyle/>
+                    <a:p>
+                      <a:pPr algn="ctr"/>
+                      <a:r>
+                        <a:rPr lang="ru-RU" sz="2500" dirty="0">
+                          <a:latin typeface="Roboto" panose="02000000000000000000" pitchFamily="2" charset="0"/>
+                          <a:ea typeface="Roboto" panose="02000000000000000000" pitchFamily="2" charset="0"/>
+                          <a:cs typeface="Roboto" panose="02000000000000000000" pitchFamily="2" charset="0"/>
+                        </a:rPr>
+                        <a:t>Студенты</a:t>
+                      </a:r>
+                      <a:r>
+                        <a:rPr lang="en-US" sz="2500" dirty="0">
+                          <a:latin typeface="Roboto" panose="02000000000000000000" pitchFamily="2" charset="0"/>
+                          <a:ea typeface="Roboto" panose="02000000000000000000" pitchFamily="2" charset="0"/>
+                          <a:cs typeface="Roboto" panose="02000000000000000000" pitchFamily="2" charset="0"/>
+                        </a:rPr>
+                        <a:t>/</a:t>
+                      </a:r>
+                      <a:endParaRPr lang="ru-RU" sz="2500" dirty="0">
+                        <a:latin typeface="Roboto" panose="02000000000000000000" pitchFamily="2" charset="0"/>
+                        <a:ea typeface="Roboto" panose="02000000000000000000" pitchFamily="2" charset="0"/>
+                        <a:cs typeface="Roboto" panose="02000000000000000000" pitchFamily="2" charset="0"/>
+                      </a:endParaRPr>
+                    </a:p>
+                    <a:p>
+                      <a:pPr algn="ctr"/>
+                      <a:r>
+                        <a:rPr lang="ru-RU" sz="2500" dirty="0">
+                          <a:latin typeface="Roboto" panose="02000000000000000000" pitchFamily="2" charset="0"/>
+                          <a:ea typeface="Roboto" panose="02000000000000000000" pitchFamily="2" charset="0"/>
+                          <a:cs typeface="Roboto" panose="02000000000000000000" pitchFamily="2" charset="0"/>
+                        </a:rPr>
+                        <a:t>школьники</a:t>
+                      </a:r>
+                    </a:p>
+                  </a:txBody>
+                  <a:tcPr marL="146627" marR="146627" marT="73313" marB="73313"/>
+                </a:tc>
+                <a:tc>
+                  <a:txBody>
+                    <a:bodyPr/>
+                    <a:lstStyle/>
+                    <a:p>
+                      <a:pPr algn="ctr"/>
+                      <a:r>
+                        <a:rPr lang="ru-RU" sz="2500" dirty="0">
+                          <a:latin typeface="Roboto" panose="02000000000000000000" pitchFamily="2" charset="0"/>
+                          <a:ea typeface="Roboto" panose="02000000000000000000" pitchFamily="2" charset="0"/>
+                          <a:cs typeface="Roboto" panose="02000000000000000000" pitchFamily="2" charset="0"/>
+                        </a:rPr>
+                        <a:t>Полезность</a:t>
+                      </a:r>
+                    </a:p>
+                  </a:txBody>
+                  <a:tcPr marL="146627" marR="146627" marT="73313" marB="73313"/>
+                </a:tc>
+                <a:tc>
+                  <a:txBody>
+                    <a:bodyPr/>
+                    <a:lstStyle/>
+                    <a:p>
+                      <a:pPr algn="ctr"/>
+                      <a:r>
+                        <a:rPr lang="ru-RU" sz="2500" dirty="0">
+                          <a:latin typeface="Roboto" panose="02000000000000000000" pitchFamily="2" charset="0"/>
+                          <a:ea typeface="Roboto" panose="02000000000000000000" pitchFamily="2" charset="0"/>
+                          <a:cs typeface="Roboto" panose="02000000000000000000" pitchFamily="2" charset="0"/>
+                        </a:rPr>
+                        <a:t>Помощь </a:t>
+                      </a:r>
+                    </a:p>
+                    <a:p>
+                      <a:pPr algn="ctr"/>
+                      <a:r>
+                        <a:rPr lang="ru-RU" sz="2500" dirty="0">
+                          <a:latin typeface="Roboto" panose="02000000000000000000" pitchFamily="2" charset="0"/>
+                          <a:ea typeface="Roboto" panose="02000000000000000000" pitchFamily="2" charset="0"/>
+                          <a:cs typeface="Roboto" panose="02000000000000000000" pitchFamily="2" charset="0"/>
+                        </a:rPr>
+                        <a:t>Планировка</a:t>
+                      </a:r>
+                    </a:p>
+                    <a:p>
+                      <a:pPr algn="ctr"/>
+                      <a:endParaRPr lang="ru-RU" sz="2500" dirty="0">
+                        <a:latin typeface="Roboto" panose="02000000000000000000" pitchFamily="2" charset="0"/>
+                        <a:ea typeface="Roboto" panose="02000000000000000000" pitchFamily="2" charset="0"/>
+                        <a:cs typeface="Roboto" panose="02000000000000000000" pitchFamily="2" charset="0"/>
+                      </a:endParaRPr>
+                    </a:p>
+                  </a:txBody>
+                  <a:tcPr marL="146627" marR="146627" marT="73313" marB="73313"/>
+                </a:tc>
+                <a:tc>
+                  <a:txBody>
+                    <a:bodyPr/>
+                    <a:lstStyle/>
+                    <a:p>
+                      <a:pPr algn="ctr"/>
+                      <a:r>
+                        <a:rPr lang="ru-RU" sz="2500" dirty="0">
+                          <a:latin typeface="Roboto" panose="02000000000000000000" pitchFamily="2" charset="0"/>
+                          <a:ea typeface="Roboto" panose="02000000000000000000" pitchFamily="2" charset="0"/>
+                          <a:cs typeface="Roboto" panose="02000000000000000000" pitchFamily="2" charset="0"/>
+                        </a:rPr>
+                        <a:t>Отсутствуют</a:t>
+                      </a:r>
+                    </a:p>
+                  </a:txBody>
+                  <a:tcPr marL="146627" marR="146627" marT="73313" marB="73313"/>
+                </a:tc>
+                <a:extLst>
+                  <a:ext uri="{0D108BD9-81ED-4DB2-BD59-A6C34878D82A}">
+                    <a16:rowId xmlns:a16="http://schemas.microsoft.com/office/drawing/2014/main" val="778267325"/>
+                  </a:ext>
+                </a:extLst>
+              </a:tr>
+            </a:tbl>
+          </a:graphicData>
+        </a:graphic>
+      </p:graphicFrame>
+      <p:graphicFrame>
+        <p:nvGraphicFramePr>
+          <p:cNvPr id="3" name="Таблица 2">
+            <a:extLst>
+              <a:ext uri="{FF2B5EF4-FFF2-40B4-BE49-F238E27FC236}">
+                <a16:creationId xmlns:a16="http://schemas.microsoft.com/office/drawing/2014/main" id="{EB6C638C-A6EB-4B6A-858C-EDA6F5A5118D}"/>
+              </a:ext>
+            </a:extLst>
+          </p:cNvPr>
+          <p:cNvGraphicFramePr>
+            <a:graphicFrameLocks noGrp="1"/>
+          </p:cNvGraphicFramePr>
+          <p:nvPr>
+            <p:extLst>
+              <p:ext uri="{D42A27DB-BD31-4B8C-83A1-F6EECF244321}">
+                <p14:modId xmlns:p14="http://schemas.microsoft.com/office/powerpoint/2010/main" val="3262789941"/>
+              </p:ext>
+            </p:extLst>
+          </p:nvPr>
+        </p:nvGraphicFramePr>
+        <p:xfrm>
+          <a:off x="407986" y="3945373"/>
+          <a:ext cx="11376026" cy="2579252"/>
+        </p:xfrm>
+        <a:graphic>
+          <a:graphicData uri="http://schemas.openxmlformats.org/drawingml/2006/table">
+            <a:tbl>
+              <a:tblPr firstRow="1" bandRow="1">
+                <a:tableStyleId>{5C22544A-7EE6-4342-B048-85BDC9FD1C3A}</a:tableStyleId>
+              </a:tblPr>
+              <a:tblGrid>
+                <a:gridCol w="2844006">
+                  <a:extLst>
+                    <a:ext uri="{9D8B030D-6E8A-4147-A177-3AD203B41FA5}">
+                      <a16:colId xmlns:a16="http://schemas.microsoft.com/office/drawing/2014/main" val="2874928719"/>
+                    </a:ext>
+                  </a:extLst>
+                </a:gridCol>
+                <a:gridCol w="2579792">
+                  <a:extLst>
+                    <a:ext uri="{9D8B030D-6E8A-4147-A177-3AD203B41FA5}">
+                      <a16:colId xmlns:a16="http://schemas.microsoft.com/office/drawing/2014/main" val="1414040175"/>
+                    </a:ext>
+                  </a:extLst>
+                </a:gridCol>
+                <a:gridCol w="3326204">
+                  <a:extLst>
+                    <a:ext uri="{9D8B030D-6E8A-4147-A177-3AD203B41FA5}">
+                      <a16:colId xmlns:a16="http://schemas.microsoft.com/office/drawing/2014/main" val="958826021"/>
+                    </a:ext>
+                  </a:extLst>
+                </a:gridCol>
+                <a:gridCol w="2626024">
+                  <a:extLst>
+                    <a:ext uri="{9D8B030D-6E8A-4147-A177-3AD203B41FA5}">
+                      <a16:colId xmlns:a16="http://schemas.microsoft.com/office/drawing/2014/main" val="2301608202"/>
+                    </a:ext>
+                  </a:extLst>
+                </a:gridCol>
+              </a:tblGrid>
+              <a:tr h="1048802">
+                <a:tc>
+                  <a:txBody>
+                    <a:bodyPr/>
+                    <a:lstStyle/>
+                    <a:p>
+                      <a:pPr algn="ctr"/>
+                      <a:r>
+                        <a:rPr lang="ru-RU" sz="2500" b="1" dirty="0">
+                          <a:latin typeface="Roboto" panose="02000000000000000000" pitchFamily="2" charset="0"/>
+                          <a:ea typeface="Roboto" panose="02000000000000000000" pitchFamily="2" charset="0"/>
+                          <a:cs typeface="Roboto" panose="02000000000000000000" pitchFamily="2" charset="0"/>
+                        </a:rPr>
+                        <a:t>5) Ключевые ресурсы</a:t>
+                      </a:r>
+                    </a:p>
+                  </a:txBody>
+                  <a:tcPr marL="146627" marR="146627" marT="73313" marB="73313"/>
+                </a:tc>
+                <a:tc>
+                  <a:txBody>
+                    <a:bodyPr/>
+                    <a:lstStyle/>
+                    <a:p>
+                      <a:pPr algn="ctr"/>
+                      <a:r>
+                        <a:rPr lang="ru-RU" sz="2500" b="1" dirty="0">
+                          <a:latin typeface="Roboto" panose="02000000000000000000" pitchFamily="2" charset="0"/>
+                          <a:ea typeface="Roboto" panose="02000000000000000000" pitchFamily="2" charset="0"/>
+                          <a:cs typeface="Roboto" panose="02000000000000000000" pitchFamily="2" charset="0"/>
+                        </a:rPr>
+                        <a:t>6) Ключевые виды деятельности</a:t>
+                      </a:r>
+                    </a:p>
+                  </a:txBody>
+                  <a:tcPr marL="146627" marR="146627" marT="73313" marB="73313"/>
+                </a:tc>
+                <a:tc>
+                  <a:txBody>
+                    <a:bodyPr/>
+                    <a:lstStyle/>
+                    <a:p>
+                      <a:pPr algn="ctr"/>
+                      <a:r>
+                        <a:rPr lang="ru-RU" sz="2500" b="1" dirty="0">
+                          <a:latin typeface="Roboto" panose="02000000000000000000" pitchFamily="2" charset="0"/>
+                          <a:ea typeface="Roboto" panose="02000000000000000000" pitchFamily="2" charset="0"/>
+                          <a:cs typeface="Roboto" panose="02000000000000000000" pitchFamily="2" charset="0"/>
+                        </a:rPr>
+                        <a:t>7) Ключевые партнеры</a:t>
+                      </a:r>
+                    </a:p>
+                  </a:txBody>
+                  <a:tcPr marL="146627" marR="146627" marT="73313" marB="73313"/>
+                </a:tc>
+                <a:tc>
+                  <a:txBody>
+                    <a:bodyPr/>
+                    <a:lstStyle/>
+                    <a:p>
+                      <a:pPr algn="ctr"/>
+                      <a:r>
+                        <a:rPr lang="ru-RU" sz="2500" b="1" dirty="0">
+                          <a:latin typeface="Roboto" panose="02000000000000000000" pitchFamily="2" charset="0"/>
+                          <a:ea typeface="Roboto" panose="02000000000000000000" pitchFamily="2" charset="0"/>
+                          <a:cs typeface="Roboto" panose="02000000000000000000" pitchFamily="2" charset="0"/>
+                        </a:rPr>
+                        <a:t>8) Ключевые издержки</a:t>
+                      </a:r>
+                    </a:p>
+                  </a:txBody>
+                  <a:tcPr marL="146627" marR="146627" marT="73313" marB="73313"/>
+                </a:tc>
+                <a:extLst>
+                  <a:ext uri="{0D108BD9-81ED-4DB2-BD59-A6C34878D82A}">
+                    <a16:rowId xmlns:a16="http://schemas.microsoft.com/office/drawing/2014/main" val="2902717763"/>
+                  </a:ext>
+                </a:extLst>
+              </a:tr>
+              <a:tr h="1106404">
+                <a:tc>
+                  <a:txBody>
+                    <a:bodyPr/>
+                    <a:lstStyle/>
+                    <a:p>
+                      <a:pPr algn="ctr"/>
+                      <a:r>
+                        <a:rPr lang="ru-RU" sz="2500" b="0" dirty="0">
+                          <a:latin typeface="Roboto" panose="02000000000000000000" pitchFamily="2" charset="0"/>
+                          <a:ea typeface="Roboto" panose="02000000000000000000" pitchFamily="2" charset="0"/>
+                          <a:cs typeface="Roboto" panose="02000000000000000000" pitchFamily="2" charset="0"/>
+                        </a:rPr>
+                        <a:t>Компьютеры</a:t>
+                      </a:r>
+                    </a:p>
+                    <a:p>
+                      <a:pPr algn="ctr"/>
+                      <a:endParaRPr lang="ru-RU" sz="2500" b="0" dirty="0">
+                        <a:latin typeface="Roboto" panose="02000000000000000000" pitchFamily="2" charset="0"/>
+                        <a:ea typeface="Roboto" panose="02000000000000000000" pitchFamily="2" charset="0"/>
+                        <a:cs typeface="Roboto" panose="02000000000000000000" pitchFamily="2" charset="0"/>
+                      </a:endParaRPr>
+                    </a:p>
+                  </a:txBody>
+                  <a:tcPr marL="146627" marR="146627" marT="73313" marB="73313"/>
+                </a:tc>
+                <a:tc>
+                  <a:txBody>
+                    <a:bodyPr/>
+                    <a:lstStyle/>
+                    <a:p>
+                      <a:pPr algn="ctr"/>
+                      <a:r>
+                        <a:rPr lang="ru-RU" sz="2500" b="0" dirty="0">
+                          <a:latin typeface="Roboto" panose="02000000000000000000" pitchFamily="2" charset="0"/>
+                          <a:ea typeface="Roboto" panose="02000000000000000000" pitchFamily="2" charset="0"/>
+                          <a:cs typeface="Roboto" panose="02000000000000000000" pitchFamily="2" charset="0"/>
+                        </a:rPr>
+                        <a:t>Разработка приложения</a:t>
+                      </a:r>
+                    </a:p>
+                    <a:p>
+                      <a:pPr algn="ctr"/>
+                      <a:endParaRPr lang="ru-RU" sz="2500" b="0" dirty="0">
+                        <a:latin typeface="Roboto" panose="02000000000000000000" pitchFamily="2" charset="0"/>
+                        <a:ea typeface="Roboto" panose="02000000000000000000" pitchFamily="2" charset="0"/>
+                        <a:cs typeface="Roboto" panose="02000000000000000000" pitchFamily="2" charset="0"/>
+                      </a:endParaRPr>
+                    </a:p>
+                  </a:txBody>
+                  <a:tcPr marL="146627" marR="146627" marT="73313" marB="73313"/>
+                </a:tc>
+                <a:tc>
+                  <a:txBody>
+                    <a:bodyPr/>
+                    <a:lstStyle/>
+                    <a:p>
+                      <a:pPr algn="ctr"/>
+                      <a:r>
+                        <a:rPr lang="en-US" sz="2500" b="0" dirty="0">
+                          <a:latin typeface="Roboto" panose="02000000000000000000" pitchFamily="2" charset="0"/>
+                          <a:ea typeface="Roboto" panose="02000000000000000000" pitchFamily="2" charset="0"/>
+                          <a:cs typeface="Roboto" panose="02000000000000000000" pitchFamily="2" charset="0"/>
+                        </a:rPr>
+                        <a:t>GitHub</a:t>
+                      </a:r>
+                      <a:endParaRPr lang="ru-RU" sz="2500" b="0" dirty="0">
+                        <a:latin typeface="Roboto" panose="02000000000000000000" pitchFamily="2" charset="0"/>
+                        <a:ea typeface="Roboto" panose="02000000000000000000" pitchFamily="2" charset="0"/>
+                        <a:cs typeface="Roboto" panose="02000000000000000000" pitchFamily="2" charset="0"/>
+                      </a:endParaRPr>
+                    </a:p>
+                  </a:txBody>
+                  <a:tcPr marL="146627" marR="146627" marT="73313" marB="73313"/>
+                </a:tc>
+                <a:tc>
+                  <a:txBody>
+                    <a:bodyPr/>
+                    <a:lstStyle/>
+                    <a:p>
+                      <a:pPr algn="ctr"/>
+                      <a:r>
+                        <a:rPr lang="ru-RU" sz="2500" b="0" dirty="0">
+                          <a:latin typeface="Roboto" panose="02000000000000000000" pitchFamily="2" charset="0"/>
+                          <a:ea typeface="Roboto" panose="02000000000000000000" pitchFamily="2" charset="0"/>
+                          <a:cs typeface="Roboto" panose="02000000000000000000" pitchFamily="2" charset="0"/>
+                        </a:rPr>
+                        <a:t>Отсутствуют</a:t>
+                      </a:r>
+                    </a:p>
+                  </a:txBody>
+                  <a:tcPr marL="146627" marR="146627" marT="73313" marB="73313"/>
+                </a:tc>
+                <a:extLst>
+                  <a:ext uri="{0D108BD9-81ED-4DB2-BD59-A6C34878D82A}">
+                    <a16:rowId xmlns:a16="http://schemas.microsoft.com/office/drawing/2014/main" val="778267325"/>
+                  </a:ext>
+                </a:extLst>
+              </a:tr>
+            </a:tbl>
+          </a:graphicData>
+        </a:graphic>
+      </p:graphicFrame>
+      <p:sp>
+        <p:nvSpPr>
+          <p:cNvPr id="5" name="TextBox 4">
+            <a:extLst>
+              <a:ext uri="{FF2B5EF4-FFF2-40B4-BE49-F238E27FC236}">
+                <a16:creationId xmlns:a16="http://schemas.microsoft.com/office/drawing/2014/main" id="{C81C3C42-FD20-4588-BBAC-8E9E05DF71F5}"/>
+              </a:ext>
+            </a:extLst>
+          </p:cNvPr>
+          <p:cNvSpPr txBox="1"/>
+          <p:nvPr/>
+        </p:nvSpPr>
+        <p:spPr>
+          <a:xfrm>
+            <a:off x="407988" y="333375"/>
+            <a:ext cx="11376024" cy="707886"/>
+          </a:xfrm>
+          <a:prstGeom prst="rect">
+            <a:avLst/>
+          </a:prstGeom>
+          <a:noFill/>
+        </p:spPr>
+        <p:txBody>
+          <a:bodyPr wrap="square" rtlCol="0">
+            <a:spAutoFit/>
+          </a:bodyPr>
+          <a:lstStyle/>
+          <a:p>
+            <a:pPr algn="ctr"/>
+            <a:r>
+              <a:rPr lang="ru-RU" sz="4000" b="1" dirty="0"/>
+              <a:t>Бизнес модель</a:t>
+            </a:r>
+          </a:p>
+        </p:txBody>
+      </p:sp>
+    </p:spTree>
+    <p:extLst>
+      <p:ext uri="{BB962C8B-B14F-4D97-AF65-F5344CB8AC3E}">
+        <p14:creationId xmlns:p14="http://schemas.microsoft.com/office/powerpoint/2010/main" val="4240052868"/>
+      </p:ext>
+    </p:extLst>
+  </p:cSld>
+  <p:clrMapOvr>
+    <a:masterClrMapping/>
+  </p:clrMapOvr>
+</p:sld>
+</file>
+
+<file path=ppt/slides/slide14.xml><?xml version="1.0" encoding="utf-8"?>
+<p:sld xmlns:a="http://schemas.openxmlformats.org/drawingml/2006/main" xmlns:r="http://schemas.openxmlformats.org/officeDocument/2006/relationships" xmlns:p="http://schemas.openxmlformats.org/presentationml/2006/main">
+  <p:cSld>
+    <p:spTree>
+      <p:nvGrpSpPr>
+        <p:cNvPr id="1" name=""/>
+        <p:cNvGrpSpPr/>
+        <p:nvPr/>
+      </p:nvGrpSpPr>
+      <p:grpSpPr>
+        <a:xfrm>
+          <a:off x="0" y="0"/>
+          <a:ext cx="0" cy="0"/>
+          <a:chOff x="0" y="0"/>
+          <a:chExt cx="0" cy="0"/>
+        </a:xfrm>
+      </p:grpSpPr>
       <p:sp>
         <p:nvSpPr>
           <p:cNvPr id="4" name="TextBox 3">
@@ -6762,7 +7347,7 @@
 </p:sld>
 </file>
 
-<file path=ppt/slides/slide14.xml><?xml version="1.0" encoding="utf-8"?>
+<file path=ppt/slides/slide15.xml><?xml version="1.0" encoding="utf-8"?>
 <p:sld xmlns:a="http://schemas.openxmlformats.org/drawingml/2006/main" xmlns:r="http://schemas.openxmlformats.org/officeDocument/2006/relationships" xmlns:p="http://schemas.openxmlformats.org/presentationml/2006/main">
   <p:cSld>
     <p:spTree>

--- a/Docs/Куратор - виртуальный куратор.pptx
+++ b/Docs/Куратор - виртуальный куратор.pptx
@@ -6442,7 +6442,7 @@
           <p:nvPr>
             <p:extLst>
               <p:ext uri="{D42A27DB-BD31-4B8C-83A1-F6EECF244321}">
-                <p14:modId xmlns:p14="http://schemas.microsoft.com/office/powerpoint/2010/main" val="1236122231"/>
+                <p14:modId xmlns:p14="http://schemas.microsoft.com/office/powerpoint/2010/main" val="3472546917"/>
               </p:ext>
             </p:extLst>
           </p:nvPr>
@@ -6655,13 +6655,18 @@
                     <a:p>
                       <a:pPr algn="ctr"/>
                       <a:r>
-                        <a:rPr lang="ru-RU" sz="2500" dirty="0">
+                        <a:rPr lang="ru-RU" sz="2500">
                           <a:latin typeface="Roboto" panose="02000000000000000000" pitchFamily="2" charset="0"/>
                           <a:ea typeface="Roboto" panose="02000000000000000000" pitchFamily="2" charset="0"/>
                           <a:cs typeface="Roboto" panose="02000000000000000000" pitchFamily="2" charset="0"/>
                         </a:rPr>
-                        <a:t>Планировка</a:t>
+                        <a:t>Планирование</a:t>
                       </a:r>
+                      <a:endParaRPr lang="ru-RU" sz="2500" dirty="0">
+                        <a:latin typeface="Roboto" panose="02000000000000000000" pitchFamily="2" charset="0"/>
+                        <a:ea typeface="Roboto" panose="02000000000000000000" pitchFamily="2" charset="0"/>
+                        <a:cs typeface="Roboto" panose="02000000000000000000" pitchFamily="2" charset="0"/>
+                      </a:endParaRPr>
                     </a:p>
                     <a:p>
                       <a:pPr algn="ctr"/>

--- a/Docs/Куратор - виртуальный куратор.pptx
+++ b/Docs/Куратор - виртуальный куратор.pptx
@@ -5,7 +5,7 @@
     <p:sldMasterId id="2147483648" r:id="rId1"/>
   </p:sldMasterIdLst>
   <p:notesMasterIdLst>
-    <p:notesMasterId r:id="rId17"/>
+    <p:notesMasterId r:id="rId19"/>
   </p:notesMasterIdLst>
   <p:sldIdLst>
     <p:sldId id="256" r:id="rId2"/>
@@ -21,8 +21,10 @@
     <p:sldId id="271" r:id="rId12"/>
     <p:sldId id="272" r:id="rId13"/>
     <p:sldId id="273" r:id="rId14"/>
-    <p:sldId id="269" r:id="rId15"/>
-    <p:sldId id="270" r:id="rId16"/>
+    <p:sldId id="274" r:id="rId15"/>
+    <p:sldId id="275" r:id="rId16"/>
+    <p:sldId id="269" r:id="rId17"/>
+    <p:sldId id="270" r:id="rId18"/>
   </p:sldIdLst>
   <p:sldSz cx="12192000" cy="6858000"/>
   <p:notesSz cx="6858000" cy="9144000"/>
@@ -185,6 +187,6549 @@
 </p:presentation>
 </file>
 
+<file path=ppt/charts/chart1.xml><?xml version="1.0" encoding="utf-8"?>
+<c:chartSpace xmlns:c="http://schemas.openxmlformats.org/drawingml/2006/chart" xmlns:a="http://schemas.openxmlformats.org/drawingml/2006/main" xmlns:r="http://schemas.openxmlformats.org/officeDocument/2006/relationships" xmlns:c16r2="http://schemas.microsoft.com/office/drawing/2015/06/chart">
+  <c:date1904 val="0"/>
+  <c:lang val="ru-RU"/>
+  <c:roundedCorners val="0"/>
+  <mc:AlternateContent xmlns:mc="http://schemas.openxmlformats.org/markup-compatibility/2006">
+    <mc:Choice xmlns:c14="http://schemas.microsoft.com/office/drawing/2007/8/2/chart" Requires="c14">
+      <c14:style val="102"/>
+    </mc:Choice>
+    <mc:Fallback>
+      <c:style val="2"/>
+    </mc:Fallback>
+  </mc:AlternateContent>
+  <c:chart>
+    <c:title>
+      <c:overlay val="0"/>
+      <c:spPr>
+        <a:noFill/>
+        <a:ln>
+          <a:noFill/>
+        </a:ln>
+        <a:effectLst/>
+      </c:spPr>
+      <c:txPr>
+        <a:bodyPr rot="0" spcFirstLastPara="1" vertOverflow="ellipsis" vert="horz" wrap="square" anchor="ctr" anchorCtr="1"/>
+        <a:lstStyle/>
+        <a:p>
+          <a:pPr>
+            <a:defRPr sz="1862" b="0" i="0" u="none" strike="noStrike" kern="1200" spc="0" baseline="0">
+              <a:solidFill>
+                <a:schemeClr val="tx1">
+                  <a:lumMod val="65000"/>
+                  <a:lumOff val="35000"/>
+                </a:schemeClr>
+              </a:solidFill>
+              <a:latin typeface="+mn-lt"/>
+              <a:ea typeface="+mn-ea"/>
+              <a:cs typeface="+mn-cs"/>
+            </a:defRPr>
+          </a:pPr>
+          <a:endParaRPr lang="ru-RU"/>
+        </a:p>
+      </c:txPr>
+    </c:title>
+    <c:autoTitleDeleted val="0"/>
+    <c:plotArea>
+      <c:layout/>
+      <c:pieChart>
+        <c:varyColors val="1"/>
+        <c:ser>
+          <c:idx val="0"/>
+          <c:order val="0"/>
+          <c:tx>
+            <c:strRef>
+              <c:f>Лист1!$B$1</c:f>
+              <c:strCache>
+                <c:ptCount val="1"/>
+                <c:pt idx="0">
+                  <c:v>Чувствуете ли Вы, что испытываете зависимость от цифровых медиа (проще говоря, от всего  того, что мы читаем, смотрим или слушаем в интернете)?</c:v>
+                </c:pt>
+              </c:strCache>
+            </c:strRef>
+          </c:tx>
+          <c:dPt>
+            <c:idx val="0"/>
+            <c:bubble3D val="0"/>
+            <c:spPr>
+              <a:solidFill>
+                <a:schemeClr val="accent1"/>
+              </a:solidFill>
+              <a:ln w="19050">
+                <a:solidFill>
+                  <a:schemeClr val="lt1"/>
+                </a:solidFill>
+              </a:ln>
+              <a:effectLst/>
+            </c:spPr>
+          </c:dPt>
+          <c:dPt>
+            <c:idx val="1"/>
+            <c:bubble3D val="0"/>
+            <c:spPr>
+              <a:solidFill>
+                <a:schemeClr val="accent2"/>
+              </a:solidFill>
+              <a:ln w="19050">
+                <a:solidFill>
+                  <a:schemeClr val="lt1"/>
+                </a:solidFill>
+              </a:ln>
+              <a:effectLst/>
+            </c:spPr>
+          </c:dPt>
+          <c:dPt>
+            <c:idx val="2"/>
+            <c:bubble3D val="0"/>
+            <c:spPr>
+              <a:solidFill>
+                <a:schemeClr val="accent3"/>
+              </a:solidFill>
+              <a:ln w="19050">
+                <a:solidFill>
+                  <a:schemeClr val="lt1"/>
+                </a:solidFill>
+              </a:ln>
+              <a:effectLst/>
+            </c:spPr>
+          </c:dPt>
+          <c:dPt>
+            <c:idx val="3"/>
+            <c:bubble3D val="0"/>
+            <c:spPr>
+              <a:solidFill>
+                <a:schemeClr val="accent4"/>
+              </a:solidFill>
+              <a:ln w="19050">
+                <a:solidFill>
+                  <a:schemeClr val="lt1"/>
+                </a:solidFill>
+              </a:ln>
+              <a:effectLst/>
+            </c:spPr>
+          </c:dPt>
+          <c:cat>
+            <c:strRef>
+              <c:f>Лист1!$A$2:$A$5</c:f>
+              <c:strCache>
+                <c:ptCount val="3"/>
+                <c:pt idx="0">
+                  <c:v>Да</c:v>
+                </c:pt>
+                <c:pt idx="1">
+                  <c:v>Возможно</c:v>
+                </c:pt>
+                <c:pt idx="2">
+                  <c:v>Нет</c:v>
+                </c:pt>
+              </c:strCache>
+            </c:strRef>
+          </c:cat>
+          <c:val>
+            <c:numRef>
+              <c:f>Лист1!$B$2:$B$5</c:f>
+              <c:numCache>
+                <c:formatCode>General</c:formatCode>
+                <c:ptCount val="4"/>
+                <c:pt idx="0">
+                  <c:v>6</c:v>
+                </c:pt>
+                <c:pt idx="1">
+                  <c:v>4</c:v>
+                </c:pt>
+                <c:pt idx="2">
+                  <c:v>0</c:v>
+                </c:pt>
+              </c:numCache>
+            </c:numRef>
+          </c:val>
+          <c:extLst>
+            <c:ext xmlns:c16="http://schemas.microsoft.com/office/drawing/2014/chart" uri="{C3380CC4-5D6E-409C-BE32-E72D297353CC}">
+              <c16:uniqueId val="{00000000-2545-4273-86BF-FCA6DA6116D8}"/>
+            </c:ext>
+          </c:extLst>
+        </c:ser>
+        <c:dLbls>
+          <c:showLegendKey val="0"/>
+          <c:showVal val="0"/>
+          <c:showCatName val="0"/>
+          <c:showSerName val="0"/>
+          <c:showPercent val="0"/>
+          <c:showBubbleSize val="0"/>
+          <c:showLeaderLines val="1"/>
+        </c:dLbls>
+        <c:firstSliceAng val="0"/>
+      </c:pieChart>
+      <c:spPr>
+        <a:noFill/>
+        <a:ln>
+          <a:noFill/>
+        </a:ln>
+        <a:effectLst/>
+      </c:spPr>
+    </c:plotArea>
+    <c:legend>
+      <c:legendPos val="b"/>
+      <c:overlay val="0"/>
+      <c:spPr>
+        <a:noFill/>
+        <a:ln>
+          <a:noFill/>
+        </a:ln>
+        <a:effectLst/>
+      </c:spPr>
+      <c:txPr>
+        <a:bodyPr rot="0" spcFirstLastPara="1" vertOverflow="ellipsis" vert="horz" wrap="square" anchor="ctr" anchorCtr="1"/>
+        <a:lstStyle/>
+        <a:p>
+          <a:pPr>
+            <a:defRPr sz="1197" b="0" i="0" u="none" strike="noStrike" kern="1200" baseline="0">
+              <a:solidFill>
+                <a:schemeClr val="tx1">
+                  <a:lumMod val="65000"/>
+                  <a:lumOff val="35000"/>
+                </a:schemeClr>
+              </a:solidFill>
+              <a:latin typeface="+mn-lt"/>
+              <a:ea typeface="+mn-ea"/>
+              <a:cs typeface="+mn-cs"/>
+            </a:defRPr>
+          </a:pPr>
+          <a:endParaRPr lang="ru-RU"/>
+        </a:p>
+      </c:txPr>
+    </c:legend>
+    <c:plotVisOnly val="1"/>
+    <c:dispBlanksAs val="gap"/>
+    <c:extLst>
+      <c:ext xmlns:c16r3="http://schemas.microsoft.com/office/drawing/2017/03/chart" uri="{56B9EC1D-385E-4148-901F-78D8002777C0}">
+        <c16r3:dataDisplayOptions16>
+          <c16r3:dispNaAsBlank val="1"/>
+        </c16r3:dataDisplayOptions16>
+      </c:ext>
+    </c:extLst>
+    <c:showDLblsOverMax val="0"/>
+  </c:chart>
+  <c:spPr>
+    <a:noFill/>
+    <a:ln>
+      <a:noFill/>
+    </a:ln>
+    <a:effectLst/>
+  </c:spPr>
+  <c:txPr>
+    <a:bodyPr/>
+    <a:lstStyle/>
+    <a:p>
+      <a:pPr>
+        <a:defRPr/>
+      </a:pPr>
+      <a:endParaRPr lang="ru-RU"/>
+    </a:p>
+  </c:txPr>
+  <c:externalData r:id="rId3">
+    <c:autoUpdate val="0"/>
+  </c:externalData>
+</c:chartSpace>
+</file>
+
+<file path=ppt/charts/chart2.xml><?xml version="1.0" encoding="utf-8"?>
+<c:chartSpace xmlns:c="http://schemas.openxmlformats.org/drawingml/2006/chart" xmlns:a="http://schemas.openxmlformats.org/drawingml/2006/main" xmlns:r="http://schemas.openxmlformats.org/officeDocument/2006/relationships" xmlns:c16r2="http://schemas.microsoft.com/office/drawing/2015/06/chart">
+  <c:date1904 val="0"/>
+  <c:lang val="ru-RU"/>
+  <c:roundedCorners val="0"/>
+  <mc:AlternateContent xmlns:mc="http://schemas.openxmlformats.org/markup-compatibility/2006">
+    <mc:Choice xmlns:c14="http://schemas.microsoft.com/office/drawing/2007/8/2/chart" Requires="c14">
+      <c14:style val="102"/>
+    </mc:Choice>
+    <mc:Fallback>
+      <c:style val="2"/>
+    </mc:Fallback>
+  </mc:AlternateContent>
+  <c:chart>
+    <c:title>
+      <c:layout>
+        <c:manualLayout>
+          <c:xMode val="edge"/>
+          <c:yMode val="edge"/>
+          <c:x val="0.12012319557940161"/>
+          <c:y val="2.3951885000776392E-2"/>
+        </c:manualLayout>
+      </c:layout>
+      <c:overlay val="0"/>
+      <c:spPr>
+        <a:noFill/>
+        <a:ln>
+          <a:noFill/>
+        </a:ln>
+        <a:effectLst/>
+      </c:spPr>
+      <c:txPr>
+        <a:bodyPr rot="0" spcFirstLastPara="1" vertOverflow="ellipsis" vert="horz" wrap="square" anchor="ctr" anchorCtr="1"/>
+        <a:lstStyle/>
+        <a:p>
+          <a:pPr>
+            <a:defRPr sz="1862" b="0" i="0" u="none" strike="noStrike" kern="1200" spc="0" baseline="0">
+              <a:solidFill>
+                <a:schemeClr val="tx1">
+                  <a:lumMod val="65000"/>
+                  <a:lumOff val="35000"/>
+                </a:schemeClr>
+              </a:solidFill>
+              <a:latin typeface="+mn-lt"/>
+              <a:ea typeface="+mn-ea"/>
+              <a:cs typeface="+mn-cs"/>
+            </a:defRPr>
+          </a:pPr>
+          <a:endParaRPr lang="ru-RU"/>
+        </a:p>
+      </c:txPr>
+    </c:title>
+    <c:autoTitleDeleted val="0"/>
+    <c:plotArea>
+      <c:layout/>
+      <c:pieChart>
+        <c:varyColors val="1"/>
+        <c:ser>
+          <c:idx val="0"/>
+          <c:order val="0"/>
+          <c:tx>
+            <c:strRef>
+              <c:f>Лист1!$B$1</c:f>
+              <c:strCache>
+                <c:ptCount val="1"/>
+                <c:pt idx="0">
+                  <c:v>Как Вы думаете, влияет ли чрезмерное использование цифровых медиа на Вашу концентрацию и продуктивность?</c:v>
+                </c:pt>
+              </c:strCache>
+            </c:strRef>
+          </c:tx>
+          <c:dPt>
+            <c:idx val="0"/>
+            <c:bubble3D val="0"/>
+            <c:spPr>
+              <a:solidFill>
+                <a:schemeClr val="accent1"/>
+              </a:solidFill>
+              <a:ln w="19050">
+                <a:solidFill>
+                  <a:schemeClr val="lt1"/>
+                </a:solidFill>
+              </a:ln>
+              <a:effectLst/>
+            </c:spPr>
+          </c:dPt>
+          <c:dPt>
+            <c:idx val="1"/>
+            <c:bubble3D val="0"/>
+            <c:spPr>
+              <a:solidFill>
+                <a:schemeClr val="accent2"/>
+              </a:solidFill>
+              <a:ln w="19050">
+                <a:solidFill>
+                  <a:schemeClr val="lt1"/>
+                </a:solidFill>
+              </a:ln>
+              <a:effectLst/>
+            </c:spPr>
+          </c:dPt>
+          <c:dPt>
+            <c:idx val="2"/>
+            <c:bubble3D val="0"/>
+            <c:spPr>
+              <a:solidFill>
+                <a:schemeClr val="accent3"/>
+              </a:solidFill>
+              <a:ln w="19050">
+                <a:solidFill>
+                  <a:schemeClr val="lt1"/>
+                </a:solidFill>
+              </a:ln>
+              <a:effectLst/>
+            </c:spPr>
+          </c:dPt>
+          <c:dPt>
+            <c:idx val="3"/>
+            <c:bubble3D val="0"/>
+            <c:spPr>
+              <a:solidFill>
+                <a:schemeClr val="accent4"/>
+              </a:solidFill>
+              <a:ln w="19050">
+                <a:solidFill>
+                  <a:schemeClr val="lt1"/>
+                </a:solidFill>
+              </a:ln>
+              <a:effectLst/>
+            </c:spPr>
+          </c:dPt>
+          <c:cat>
+            <c:strRef>
+              <c:f>Лист1!$A$2:$A$5</c:f>
+              <c:strCache>
+                <c:ptCount val="3"/>
+                <c:pt idx="0">
+                  <c:v>Да</c:v>
+                </c:pt>
+                <c:pt idx="1">
+                  <c:v>Возможно</c:v>
+                </c:pt>
+                <c:pt idx="2">
+                  <c:v>Нет</c:v>
+                </c:pt>
+              </c:strCache>
+            </c:strRef>
+          </c:cat>
+          <c:val>
+            <c:numRef>
+              <c:f>Лист1!$B$2:$B$5</c:f>
+              <c:numCache>
+                <c:formatCode>General</c:formatCode>
+                <c:ptCount val="4"/>
+                <c:pt idx="0">
+                  <c:v>7.33</c:v>
+                </c:pt>
+                <c:pt idx="1">
+                  <c:v>26.7</c:v>
+                </c:pt>
+                <c:pt idx="2">
+                  <c:v>0</c:v>
+                </c:pt>
+              </c:numCache>
+            </c:numRef>
+          </c:val>
+          <c:extLst>
+            <c:ext xmlns:c16="http://schemas.microsoft.com/office/drawing/2014/chart" uri="{C3380CC4-5D6E-409C-BE32-E72D297353CC}">
+              <c16:uniqueId val="{00000000-882A-4B0A-A72A-4024BE3EE5F1}"/>
+            </c:ext>
+          </c:extLst>
+        </c:ser>
+        <c:dLbls>
+          <c:showLegendKey val="0"/>
+          <c:showVal val="0"/>
+          <c:showCatName val="0"/>
+          <c:showSerName val="0"/>
+          <c:showPercent val="0"/>
+          <c:showBubbleSize val="0"/>
+          <c:showLeaderLines val="1"/>
+        </c:dLbls>
+        <c:firstSliceAng val="0"/>
+      </c:pieChart>
+      <c:spPr>
+        <a:noFill/>
+        <a:ln>
+          <a:noFill/>
+        </a:ln>
+        <a:effectLst/>
+      </c:spPr>
+    </c:plotArea>
+    <c:legend>
+      <c:legendPos val="b"/>
+      <c:overlay val="0"/>
+      <c:spPr>
+        <a:noFill/>
+        <a:ln>
+          <a:noFill/>
+        </a:ln>
+        <a:effectLst/>
+      </c:spPr>
+      <c:txPr>
+        <a:bodyPr rot="0" spcFirstLastPara="1" vertOverflow="ellipsis" vert="horz" wrap="square" anchor="ctr" anchorCtr="1"/>
+        <a:lstStyle/>
+        <a:p>
+          <a:pPr>
+            <a:defRPr sz="1197" b="0" i="0" u="none" strike="noStrike" kern="1200" baseline="0">
+              <a:solidFill>
+                <a:schemeClr val="tx1">
+                  <a:lumMod val="65000"/>
+                  <a:lumOff val="35000"/>
+                </a:schemeClr>
+              </a:solidFill>
+              <a:latin typeface="+mn-lt"/>
+              <a:ea typeface="+mn-ea"/>
+              <a:cs typeface="+mn-cs"/>
+            </a:defRPr>
+          </a:pPr>
+          <a:endParaRPr lang="ru-RU"/>
+        </a:p>
+      </c:txPr>
+    </c:legend>
+    <c:plotVisOnly val="1"/>
+    <c:dispBlanksAs val="gap"/>
+    <c:extLst>
+      <c:ext xmlns:c16r3="http://schemas.microsoft.com/office/drawing/2017/03/chart" uri="{56B9EC1D-385E-4148-901F-78D8002777C0}">
+        <c16r3:dataDisplayOptions16>
+          <c16r3:dispNaAsBlank val="1"/>
+        </c16r3:dataDisplayOptions16>
+      </c:ext>
+    </c:extLst>
+    <c:showDLblsOverMax val="0"/>
+  </c:chart>
+  <c:spPr>
+    <a:noFill/>
+    <a:ln>
+      <a:noFill/>
+    </a:ln>
+    <a:effectLst/>
+  </c:spPr>
+  <c:txPr>
+    <a:bodyPr/>
+    <a:lstStyle/>
+    <a:p>
+      <a:pPr>
+        <a:defRPr/>
+      </a:pPr>
+      <a:endParaRPr lang="ru-RU"/>
+    </a:p>
+  </c:txPr>
+  <c:externalData r:id="rId3">
+    <c:autoUpdate val="0"/>
+  </c:externalData>
+</c:chartSpace>
+</file>
+
+<file path=ppt/charts/chart3.xml><?xml version="1.0" encoding="utf-8"?>
+<c:chartSpace xmlns:c="http://schemas.openxmlformats.org/drawingml/2006/chart" xmlns:a="http://schemas.openxmlformats.org/drawingml/2006/main" xmlns:r="http://schemas.openxmlformats.org/officeDocument/2006/relationships" xmlns:c16r2="http://schemas.microsoft.com/office/drawing/2015/06/chart">
+  <c:date1904 val="0"/>
+  <c:lang val="ru-RU"/>
+  <c:roundedCorners val="0"/>
+  <mc:AlternateContent xmlns:mc="http://schemas.openxmlformats.org/markup-compatibility/2006">
+    <mc:Choice xmlns:c14="http://schemas.microsoft.com/office/drawing/2007/8/2/chart" Requires="c14">
+      <c14:style val="102"/>
+    </mc:Choice>
+    <mc:Fallback>
+      <c:style val="2"/>
+    </mc:Fallback>
+  </mc:AlternateContent>
+  <c:chart>
+    <c:title>
+      <c:overlay val="0"/>
+      <c:spPr>
+        <a:noFill/>
+        <a:ln>
+          <a:noFill/>
+        </a:ln>
+        <a:effectLst/>
+      </c:spPr>
+      <c:txPr>
+        <a:bodyPr rot="0" spcFirstLastPara="1" vertOverflow="ellipsis" vert="horz" wrap="square" anchor="ctr" anchorCtr="1"/>
+        <a:lstStyle/>
+        <a:p>
+          <a:pPr>
+            <a:defRPr sz="1862" b="0" i="0" u="none" strike="noStrike" kern="1200" spc="0" baseline="0">
+              <a:solidFill>
+                <a:schemeClr val="tx1">
+                  <a:lumMod val="65000"/>
+                  <a:lumOff val="35000"/>
+                </a:schemeClr>
+              </a:solidFill>
+              <a:latin typeface="+mn-lt"/>
+              <a:ea typeface="+mn-ea"/>
+              <a:cs typeface="+mn-cs"/>
+            </a:defRPr>
+          </a:pPr>
+          <a:endParaRPr lang="ru-RU"/>
+        </a:p>
+      </c:txPr>
+    </c:title>
+    <c:autoTitleDeleted val="0"/>
+    <c:plotArea>
+      <c:layout/>
+      <c:pieChart>
+        <c:varyColors val="1"/>
+        <c:ser>
+          <c:idx val="0"/>
+          <c:order val="0"/>
+          <c:tx>
+            <c:strRef>
+              <c:f>Лист1!$B$1</c:f>
+              <c:strCache>
+                <c:ptCount val="1"/>
+                <c:pt idx="0">
+                  <c:v>Чувствовали ли Вы, что информация из соц. сетей перегружает Ваш мозг?</c:v>
+                </c:pt>
+              </c:strCache>
+            </c:strRef>
+          </c:tx>
+          <c:dPt>
+            <c:idx val="0"/>
+            <c:bubble3D val="0"/>
+            <c:spPr>
+              <a:solidFill>
+                <a:schemeClr val="accent1"/>
+              </a:solidFill>
+              <a:ln w="19050">
+                <a:solidFill>
+                  <a:schemeClr val="lt1"/>
+                </a:solidFill>
+              </a:ln>
+              <a:effectLst/>
+            </c:spPr>
+          </c:dPt>
+          <c:dPt>
+            <c:idx val="1"/>
+            <c:bubble3D val="0"/>
+            <c:spPr>
+              <a:solidFill>
+                <a:schemeClr val="accent2"/>
+              </a:solidFill>
+              <a:ln w="19050">
+                <a:solidFill>
+                  <a:schemeClr val="lt1"/>
+                </a:solidFill>
+              </a:ln>
+              <a:effectLst/>
+            </c:spPr>
+          </c:dPt>
+          <c:dPt>
+            <c:idx val="2"/>
+            <c:bubble3D val="0"/>
+            <c:spPr>
+              <a:solidFill>
+                <a:schemeClr val="accent3"/>
+              </a:solidFill>
+              <a:ln w="19050">
+                <a:solidFill>
+                  <a:schemeClr val="lt1"/>
+                </a:solidFill>
+              </a:ln>
+              <a:effectLst/>
+            </c:spPr>
+          </c:dPt>
+          <c:dPt>
+            <c:idx val="3"/>
+            <c:bubble3D val="0"/>
+            <c:spPr>
+              <a:solidFill>
+                <a:schemeClr val="accent4"/>
+              </a:solidFill>
+              <a:ln w="19050">
+                <a:solidFill>
+                  <a:schemeClr val="lt1"/>
+                </a:solidFill>
+              </a:ln>
+              <a:effectLst/>
+            </c:spPr>
+          </c:dPt>
+          <c:cat>
+            <c:strRef>
+              <c:f>Лист1!$A$2:$A$5</c:f>
+              <c:strCache>
+                <c:ptCount val="3"/>
+                <c:pt idx="0">
+                  <c:v>Да</c:v>
+                </c:pt>
+                <c:pt idx="1">
+                  <c:v>Возможно</c:v>
+                </c:pt>
+                <c:pt idx="2">
+                  <c:v>Нет</c:v>
+                </c:pt>
+              </c:strCache>
+            </c:strRef>
+          </c:cat>
+          <c:val>
+            <c:numRef>
+              <c:f>Лист1!$B$2:$B$5</c:f>
+              <c:numCache>
+                <c:formatCode>General</c:formatCode>
+                <c:ptCount val="4"/>
+                <c:pt idx="0">
+                  <c:v>5.33</c:v>
+                </c:pt>
+                <c:pt idx="1">
+                  <c:v>3.33</c:v>
+                </c:pt>
+                <c:pt idx="2">
+                  <c:v>1.33</c:v>
+                </c:pt>
+              </c:numCache>
+            </c:numRef>
+          </c:val>
+          <c:extLst>
+            <c:ext xmlns:c16="http://schemas.microsoft.com/office/drawing/2014/chart" uri="{C3380CC4-5D6E-409C-BE32-E72D297353CC}">
+              <c16:uniqueId val="{00000000-5F66-4B22-BCFE-0E1F4F25268A}"/>
+            </c:ext>
+          </c:extLst>
+        </c:ser>
+        <c:dLbls>
+          <c:showLegendKey val="0"/>
+          <c:showVal val="0"/>
+          <c:showCatName val="0"/>
+          <c:showSerName val="0"/>
+          <c:showPercent val="0"/>
+          <c:showBubbleSize val="0"/>
+          <c:showLeaderLines val="1"/>
+        </c:dLbls>
+        <c:firstSliceAng val="0"/>
+      </c:pieChart>
+      <c:spPr>
+        <a:noFill/>
+        <a:ln>
+          <a:noFill/>
+        </a:ln>
+        <a:effectLst/>
+      </c:spPr>
+    </c:plotArea>
+    <c:legend>
+      <c:legendPos val="b"/>
+      <c:overlay val="0"/>
+      <c:spPr>
+        <a:noFill/>
+        <a:ln>
+          <a:noFill/>
+        </a:ln>
+        <a:effectLst/>
+      </c:spPr>
+      <c:txPr>
+        <a:bodyPr rot="0" spcFirstLastPara="1" vertOverflow="ellipsis" vert="horz" wrap="square" anchor="ctr" anchorCtr="1"/>
+        <a:lstStyle/>
+        <a:p>
+          <a:pPr>
+            <a:defRPr sz="1197" b="0" i="0" u="none" strike="noStrike" kern="1200" baseline="0">
+              <a:solidFill>
+                <a:schemeClr val="tx1">
+                  <a:lumMod val="65000"/>
+                  <a:lumOff val="35000"/>
+                </a:schemeClr>
+              </a:solidFill>
+              <a:latin typeface="+mn-lt"/>
+              <a:ea typeface="+mn-ea"/>
+              <a:cs typeface="+mn-cs"/>
+            </a:defRPr>
+          </a:pPr>
+          <a:endParaRPr lang="ru-RU"/>
+        </a:p>
+      </c:txPr>
+    </c:legend>
+    <c:plotVisOnly val="1"/>
+    <c:dispBlanksAs val="gap"/>
+    <c:extLst>
+      <c:ext xmlns:c16r3="http://schemas.microsoft.com/office/drawing/2017/03/chart" uri="{56B9EC1D-385E-4148-901F-78D8002777C0}">
+        <c16r3:dataDisplayOptions16>
+          <c16r3:dispNaAsBlank val="1"/>
+        </c16r3:dataDisplayOptions16>
+      </c:ext>
+    </c:extLst>
+    <c:showDLblsOverMax val="0"/>
+  </c:chart>
+  <c:spPr>
+    <a:noFill/>
+    <a:ln>
+      <a:noFill/>
+    </a:ln>
+    <a:effectLst/>
+  </c:spPr>
+  <c:txPr>
+    <a:bodyPr/>
+    <a:lstStyle/>
+    <a:p>
+      <a:pPr>
+        <a:defRPr/>
+      </a:pPr>
+      <a:endParaRPr lang="ru-RU"/>
+    </a:p>
+  </c:txPr>
+  <c:externalData r:id="rId3">
+    <c:autoUpdate val="0"/>
+  </c:externalData>
+</c:chartSpace>
+</file>
+
+<file path=ppt/charts/chart4.xml><?xml version="1.0" encoding="utf-8"?>
+<c:chartSpace xmlns:c="http://schemas.openxmlformats.org/drawingml/2006/chart" xmlns:a="http://schemas.openxmlformats.org/drawingml/2006/main" xmlns:r="http://schemas.openxmlformats.org/officeDocument/2006/relationships" xmlns:c16r2="http://schemas.microsoft.com/office/drawing/2015/06/chart">
+  <c:date1904 val="0"/>
+  <c:lang val="ru-RU"/>
+  <c:roundedCorners val="0"/>
+  <mc:AlternateContent xmlns:mc="http://schemas.openxmlformats.org/markup-compatibility/2006">
+    <mc:Choice xmlns:c14="http://schemas.microsoft.com/office/drawing/2007/8/2/chart" Requires="c14">
+      <c14:style val="102"/>
+    </mc:Choice>
+    <mc:Fallback>
+      <c:style val="2"/>
+    </mc:Fallback>
+  </mc:AlternateContent>
+  <c:chart>
+    <c:title>
+      <c:overlay val="0"/>
+      <c:spPr>
+        <a:noFill/>
+        <a:ln>
+          <a:noFill/>
+        </a:ln>
+        <a:effectLst/>
+      </c:spPr>
+      <c:txPr>
+        <a:bodyPr rot="0" spcFirstLastPara="1" vertOverflow="ellipsis" vert="horz" wrap="square" anchor="ctr" anchorCtr="1"/>
+        <a:lstStyle/>
+        <a:p>
+          <a:pPr>
+            <a:defRPr sz="1862" b="0" i="0" u="none" strike="noStrike" kern="1200" spc="0" baseline="0">
+              <a:solidFill>
+                <a:schemeClr val="tx1">
+                  <a:lumMod val="65000"/>
+                  <a:lumOff val="35000"/>
+                </a:schemeClr>
+              </a:solidFill>
+              <a:latin typeface="+mn-lt"/>
+              <a:ea typeface="+mn-ea"/>
+              <a:cs typeface="+mn-cs"/>
+            </a:defRPr>
+          </a:pPr>
+          <a:endParaRPr lang="ru-RU"/>
+        </a:p>
+      </c:txPr>
+    </c:title>
+    <c:autoTitleDeleted val="0"/>
+    <c:plotArea>
+      <c:layout/>
+      <c:pieChart>
+        <c:varyColors val="1"/>
+        <c:ser>
+          <c:idx val="0"/>
+          <c:order val="0"/>
+          <c:tx>
+            <c:strRef>
+              <c:f>Лист1!$B$1</c:f>
+              <c:strCache>
+                <c:ptCount val="1"/>
+                <c:pt idx="0">
+                  <c:v>Как Вы относитесь к идее установки лимитов времени на использование соц. сетей?</c:v>
+                </c:pt>
+              </c:strCache>
+            </c:strRef>
+          </c:tx>
+          <c:dPt>
+            <c:idx val="0"/>
+            <c:bubble3D val="0"/>
+            <c:spPr>
+              <a:solidFill>
+                <a:schemeClr val="accent1"/>
+              </a:solidFill>
+              <a:ln w="19050">
+                <a:solidFill>
+                  <a:schemeClr val="lt1"/>
+                </a:solidFill>
+              </a:ln>
+              <a:effectLst/>
+            </c:spPr>
+          </c:dPt>
+          <c:dPt>
+            <c:idx val="1"/>
+            <c:bubble3D val="0"/>
+            <c:spPr>
+              <a:solidFill>
+                <a:schemeClr val="accent2"/>
+              </a:solidFill>
+              <a:ln w="19050">
+                <a:solidFill>
+                  <a:schemeClr val="lt1"/>
+                </a:solidFill>
+              </a:ln>
+              <a:effectLst/>
+            </c:spPr>
+          </c:dPt>
+          <c:dPt>
+            <c:idx val="2"/>
+            <c:bubble3D val="0"/>
+            <c:spPr>
+              <a:solidFill>
+                <a:schemeClr val="accent3"/>
+              </a:solidFill>
+              <a:ln w="19050">
+                <a:solidFill>
+                  <a:schemeClr val="lt1"/>
+                </a:solidFill>
+              </a:ln>
+              <a:effectLst/>
+            </c:spPr>
+          </c:dPt>
+          <c:dPt>
+            <c:idx val="3"/>
+            <c:bubble3D val="0"/>
+            <c:spPr>
+              <a:solidFill>
+                <a:schemeClr val="accent4"/>
+              </a:solidFill>
+              <a:ln w="19050">
+                <a:solidFill>
+                  <a:schemeClr val="lt1"/>
+                </a:solidFill>
+              </a:ln>
+              <a:effectLst/>
+            </c:spPr>
+          </c:dPt>
+          <c:cat>
+            <c:strRef>
+              <c:f>Лист1!$A$2:$A$5</c:f>
+              <c:strCache>
+                <c:ptCount val="3"/>
+                <c:pt idx="0">
+                  <c:v>Положительно</c:v>
+                </c:pt>
+                <c:pt idx="1">
+                  <c:v>Отрицательно</c:v>
+                </c:pt>
+                <c:pt idx="2">
+                  <c:v>Нейтрально</c:v>
+                </c:pt>
+              </c:strCache>
+            </c:strRef>
+          </c:cat>
+          <c:val>
+            <c:numRef>
+              <c:f>Лист1!$B$2:$B$5</c:f>
+              <c:numCache>
+                <c:formatCode>General</c:formatCode>
+                <c:ptCount val="4"/>
+                <c:pt idx="0">
+                  <c:v>2</c:v>
+                </c:pt>
+                <c:pt idx="1">
+                  <c:v>2</c:v>
+                </c:pt>
+                <c:pt idx="2">
+                  <c:v>6</c:v>
+                </c:pt>
+              </c:numCache>
+            </c:numRef>
+          </c:val>
+          <c:extLst>
+            <c:ext xmlns:c16="http://schemas.microsoft.com/office/drawing/2014/chart" uri="{C3380CC4-5D6E-409C-BE32-E72D297353CC}">
+              <c16:uniqueId val="{00000000-5728-4BB7-B4C0-413551B6A9EE}"/>
+            </c:ext>
+          </c:extLst>
+        </c:ser>
+        <c:dLbls>
+          <c:showLegendKey val="0"/>
+          <c:showVal val="0"/>
+          <c:showCatName val="0"/>
+          <c:showSerName val="0"/>
+          <c:showPercent val="0"/>
+          <c:showBubbleSize val="0"/>
+          <c:showLeaderLines val="1"/>
+        </c:dLbls>
+        <c:firstSliceAng val="0"/>
+      </c:pieChart>
+      <c:spPr>
+        <a:noFill/>
+        <a:ln>
+          <a:noFill/>
+        </a:ln>
+        <a:effectLst/>
+      </c:spPr>
+    </c:plotArea>
+    <c:legend>
+      <c:legendPos val="b"/>
+      <c:overlay val="0"/>
+      <c:spPr>
+        <a:noFill/>
+        <a:ln>
+          <a:noFill/>
+        </a:ln>
+        <a:effectLst/>
+      </c:spPr>
+      <c:txPr>
+        <a:bodyPr rot="0" spcFirstLastPara="1" vertOverflow="ellipsis" vert="horz" wrap="square" anchor="ctr" anchorCtr="1"/>
+        <a:lstStyle/>
+        <a:p>
+          <a:pPr>
+            <a:defRPr sz="1197" b="0" i="0" u="none" strike="noStrike" kern="1200" baseline="0">
+              <a:solidFill>
+                <a:schemeClr val="tx1">
+                  <a:lumMod val="65000"/>
+                  <a:lumOff val="35000"/>
+                </a:schemeClr>
+              </a:solidFill>
+              <a:latin typeface="+mn-lt"/>
+              <a:ea typeface="+mn-ea"/>
+              <a:cs typeface="+mn-cs"/>
+            </a:defRPr>
+          </a:pPr>
+          <a:endParaRPr lang="ru-RU"/>
+        </a:p>
+      </c:txPr>
+    </c:legend>
+    <c:plotVisOnly val="1"/>
+    <c:dispBlanksAs val="gap"/>
+    <c:extLst>
+      <c:ext xmlns:c16r3="http://schemas.microsoft.com/office/drawing/2017/03/chart" uri="{56B9EC1D-385E-4148-901F-78D8002777C0}">
+        <c16r3:dataDisplayOptions16>
+          <c16r3:dispNaAsBlank val="1"/>
+        </c16r3:dataDisplayOptions16>
+      </c:ext>
+    </c:extLst>
+    <c:showDLblsOverMax val="0"/>
+  </c:chart>
+  <c:spPr>
+    <a:noFill/>
+    <a:ln>
+      <a:noFill/>
+    </a:ln>
+    <a:effectLst/>
+  </c:spPr>
+  <c:txPr>
+    <a:bodyPr/>
+    <a:lstStyle/>
+    <a:p>
+      <a:pPr>
+        <a:defRPr/>
+      </a:pPr>
+      <a:endParaRPr lang="ru-RU"/>
+    </a:p>
+  </c:txPr>
+  <c:externalData r:id="rId3">
+    <c:autoUpdate val="0"/>
+  </c:externalData>
+</c:chartSpace>
+</file>
+
+<file path=ppt/charts/chart5.xml><?xml version="1.0" encoding="utf-8"?>
+<c:chartSpace xmlns:c="http://schemas.openxmlformats.org/drawingml/2006/chart" xmlns:a="http://schemas.openxmlformats.org/drawingml/2006/main" xmlns:r="http://schemas.openxmlformats.org/officeDocument/2006/relationships" xmlns:c16r2="http://schemas.microsoft.com/office/drawing/2015/06/chart">
+  <c:date1904 val="0"/>
+  <c:lang val="ru-RU"/>
+  <c:roundedCorners val="0"/>
+  <mc:AlternateContent xmlns:mc="http://schemas.openxmlformats.org/markup-compatibility/2006">
+    <mc:Choice xmlns:c14="http://schemas.microsoft.com/office/drawing/2007/8/2/chart" Requires="c14">
+      <c14:style val="102"/>
+    </mc:Choice>
+    <mc:Fallback>
+      <c:style val="2"/>
+    </mc:Fallback>
+  </mc:AlternateContent>
+  <c:chart>
+    <c:title>
+      <c:overlay val="0"/>
+      <c:spPr>
+        <a:noFill/>
+        <a:ln>
+          <a:noFill/>
+        </a:ln>
+        <a:effectLst/>
+      </c:spPr>
+      <c:txPr>
+        <a:bodyPr rot="0" spcFirstLastPara="1" vertOverflow="ellipsis" vert="horz" wrap="square" anchor="ctr" anchorCtr="1"/>
+        <a:lstStyle/>
+        <a:p>
+          <a:pPr>
+            <a:defRPr sz="1862" b="0" i="0" u="none" strike="noStrike" kern="1200" spc="0" baseline="0">
+              <a:solidFill>
+                <a:schemeClr val="tx1">
+                  <a:lumMod val="65000"/>
+                  <a:lumOff val="35000"/>
+                </a:schemeClr>
+              </a:solidFill>
+              <a:latin typeface="+mn-lt"/>
+              <a:ea typeface="+mn-ea"/>
+              <a:cs typeface="+mn-cs"/>
+            </a:defRPr>
+          </a:pPr>
+          <a:endParaRPr lang="ru-RU"/>
+        </a:p>
+      </c:txPr>
+    </c:title>
+    <c:autoTitleDeleted val="0"/>
+    <c:plotArea>
+      <c:layout/>
+      <c:pieChart>
+        <c:varyColors val="1"/>
+        <c:ser>
+          <c:idx val="0"/>
+          <c:order val="0"/>
+          <c:tx>
+            <c:strRef>
+              <c:f>Лист1!$B$1</c:f>
+              <c:strCache>
+                <c:ptCount val="1"/>
+                <c:pt idx="0">
+                  <c:v>Как часто Вы отвлекаетесь, во время выполнения дел?</c:v>
+                </c:pt>
+              </c:strCache>
+            </c:strRef>
+          </c:tx>
+          <c:dPt>
+            <c:idx val="0"/>
+            <c:bubble3D val="0"/>
+            <c:spPr>
+              <a:solidFill>
+                <a:schemeClr val="accent1"/>
+              </a:solidFill>
+              <a:ln w="19050">
+                <a:solidFill>
+                  <a:schemeClr val="lt1"/>
+                </a:solidFill>
+              </a:ln>
+              <a:effectLst/>
+            </c:spPr>
+            <c:extLst>
+              <c:ext xmlns:c16="http://schemas.microsoft.com/office/drawing/2014/chart" uri="{C3380CC4-5D6E-409C-BE32-E72D297353CC}">
+                <c16:uniqueId val="{00000001-FFC7-42EC-B484-52AF4D8DE2CA}"/>
+              </c:ext>
+            </c:extLst>
+          </c:dPt>
+          <c:dPt>
+            <c:idx val="1"/>
+            <c:bubble3D val="0"/>
+            <c:spPr>
+              <a:solidFill>
+                <a:schemeClr val="accent2"/>
+              </a:solidFill>
+              <a:ln w="19050">
+                <a:solidFill>
+                  <a:schemeClr val="lt1"/>
+                </a:solidFill>
+              </a:ln>
+              <a:effectLst/>
+            </c:spPr>
+            <c:extLst>
+              <c:ext xmlns:c16="http://schemas.microsoft.com/office/drawing/2014/chart" uri="{C3380CC4-5D6E-409C-BE32-E72D297353CC}">
+                <c16:uniqueId val="{00000003-FFC7-42EC-B484-52AF4D8DE2CA}"/>
+              </c:ext>
+            </c:extLst>
+          </c:dPt>
+          <c:dPt>
+            <c:idx val="2"/>
+            <c:bubble3D val="0"/>
+            <c:spPr>
+              <a:solidFill>
+                <a:schemeClr val="accent3"/>
+              </a:solidFill>
+              <a:ln w="19050">
+                <a:solidFill>
+                  <a:schemeClr val="lt1"/>
+                </a:solidFill>
+              </a:ln>
+              <a:effectLst/>
+            </c:spPr>
+            <c:extLst>
+              <c:ext xmlns:c16="http://schemas.microsoft.com/office/drawing/2014/chart" uri="{C3380CC4-5D6E-409C-BE32-E72D297353CC}">
+                <c16:uniqueId val="{00000005-FFC7-42EC-B484-52AF4D8DE2CA}"/>
+              </c:ext>
+            </c:extLst>
+          </c:dPt>
+          <c:dPt>
+            <c:idx val="3"/>
+            <c:bubble3D val="0"/>
+            <c:spPr>
+              <a:solidFill>
+                <a:schemeClr val="accent4"/>
+              </a:solidFill>
+              <a:ln w="19050">
+                <a:solidFill>
+                  <a:schemeClr val="lt1"/>
+                </a:solidFill>
+              </a:ln>
+              <a:effectLst/>
+            </c:spPr>
+            <c:extLst>
+              <c:ext xmlns:c16="http://schemas.microsoft.com/office/drawing/2014/chart" uri="{C3380CC4-5D6E-409C-BE32-E72D297353CC}">
+                <c16:uniqueId val="{00000007-FFC7-42EC-B484-52AF4D8DE2CA}"/>
+              </c:ext>
+            </c:extLst>
+          </c:dPt>
+          <c:dPt>
+            <c:idx val="4"/>
+            <c:bubble3D val="0"/>
+            <c:spPr>
+              <a:solidFill>
+                <a:schemeClr val="accent5"/>
+              </a:solidFill>
+              <a:ln w="19050">
+                <a:solidFill>
+                  <a:schemeClr val="lt1"/>
+                </a:solidFill>
+              </a:ln>
+              <a:effectLst/>
+            </c:spPr>
+            <c:extLst>
+              <c:ext xmlns:c16="http://schemas.microsoft.com/office/drawing/2014/chart" uri="{C3380CC4-5D6E-409C-BE32-E72D297353CC}">
+                <c16:uniqueId val="{00000009-FFC7-42EC-B484-52AF4D8DE2CA}"/>
+              </c:ext>
+            </c:extLst>
+          </c:dPt>
+          <c:cat>
+            <c:strRef>
+              <c:f>Лист1!$A$2:$A$6</c:f>
+              <c:strCache>
+                <c:ptCount val="5"/>
+                <c:pt idx="0">
+                  <c:v>Могу отвлечься и забыть про дело</c:v>
+                </c:pt>
+                <c:pt idx="1">
+                  <c:v>Иногда отвлекаюсь, чтобы ответитьна сообщения</c:v>
+                </c:pt>
+                <c:pt idx="2">
+                  <c:v>Делаю краткие перерывы междуделами</c:v>
+                </c:pt>
+                <c:pt idx="3">
+                  <c:v>Не пользуюсь соц. сетями пока незакончу все дела</c:v>
+                </c:pt>
+                <c:pt idx="4">
+                  <c:v>Свой вариант ниже</c:v>
+                </c:pt>
+              </c:strCache>
+            </c:strRef>
+          </c:cat>
+          <c:val>
+            <c:numRef>
+              <c:f>Лист1!$B$2:$B$6</c:f>
+              <c:numCache>
+                <c:formatCode>General</c:formatCode>
+                <c:ptCount val="5"/>
+                <c:pt idx="0">
+                  <c:v>2</c:v>
+                </c:pt>
+                <c:pt idx="1">
+                  <c:v>4</c:v>
+                </c:pt>
+                <c:pt idx="2">
+                  <c:v>2.67</c:v>
+                </c:pt>
+                <c:pt idx="3">
+                  <c:v>0.67</c:v>
+                </c:pt>
+                <c:pt idx="4">
+                  <c:v>0.67</c:v>
+                </c:pt>
+              </c:numCache>
+            </c:numRef>
+          </c:val>
+          <c:extLst>
+            <c:ext xmlns:c16="http://schemas.microsoft.com/office/drawing/2014/chart" uri="{C3380CC4-5D6E-409C-BE32-E72D297353CC}">
+              <c16:uniqueId val="{0000000A-FFC7-42EC-B484-52AF4D8DE2CA}"/>
+            </c:ext>
+          </c:extLst>
+        </c:ser>
+        <c:dLbls>
+          <c:showLegendKey val="0"/>
+          <c:showVal val="0"/>
+          <c:showCatName val="0"/>
+          <c:showSerName val="0"/>
+          <c:showPercent val="0"/>
+          <c:showBubbleSize val="0"/>
+          <c:showLeaderLines val="1"/>
+        </c:dLbls>
+        <c:firstSliceAng val="0"/>
+      </c:pieChart>
+      <c:spPr>
+        <a:noFill/>
+        <a:ln>
+          <a:noFill/>
+        </a:ln>
+        <a:effectLst/>
+      </c:spPr>
+    </c:plotArea>
+    <c:legend>
+      <c:legendPos val="b"/>
+      <c:overlay val="0"/>
+      <c:spPr>
+        <a:noFill/>
+        <a:ln>
+          <a:noFill/>
+        </a:ln>
+        <a:effectLst/>
+      </c:spPr>
+      <c:txPr>
+        <a:bodyPr rot="0" spcFirstLastPara="1" vertOverflow="ellipsis" vert="horz" wrap="square" anchor="ctr" anchorCtr="1"/>
+        <a:lstStyle/>
+        <a:p>
+          <a:pPr>
+            <a:defRPr sz="1197" b="0" i="0" u="none" strike="noStrike" kern="1200" baseline="0">
+              <a:solidFill>
+                <a:schemeClr val="tx1">
+                  <a:lumMod val="65000"/>
+                  <a:lumOff val="35000"/>
+                </a:schemeClr>
+              </a:solidFill>
+              <a:latin typeface="+mn-lt"/>
+              <a:ea typeface="+mn-ea"/>
+              <a:cs typeface="+mn-cs"/>
+            </a:defRPr>
+          </a:pPr>
+          <a:endParaRPr lang="ru-RU"/>
+        </a:p>
+      </c:txPr>
+    </c:legend>
+    <c:plotVisOnly val="1"/>
+    <c:dispBlanksAs val="gap"/>
+    <c:extLst>
+      <c:ext xmlns:c16r3="http://schemas.microsoft.com/office/drawing/2017/03/chart" uri="{56B9EC1D-385E-4148-901F-78D8002777C0}">
+        <c16r3:dataDisplayOptions16>
+          <c16r3:dispNaAsBlank val="1"/>
+        </c16r3:dataDisplayOptions16>
+      </c:ext>
+    </c:extLst>
+    <c:showDLblsOverMax val="0"/>
+  </c:chart>
+  <c:spPr>
+    <a:noFill/>
+    <a:ln>
+      <a:noFill/>
+    </a:ln>
+    <a:effectLst/>
+  </c:spPr>
+  <c:txPr>
+    <a:bodyPr/>
+    <a:lstStyle/>
+    <a:p>
+      <a:pPr>
+        <a:defRPr/>
+      </a:pPr>
+      <a:endParaRPr lang="ru-RU"/>
+    </a:p>
+  </c:txPr>
+  <c:externalData r:id="rId3">
+    <c:autoUpdate val="0"/>
+  </c:externalData>
+</c:chartSpace>
+</file>
+
+<file path=ppt/charts/chart6.xml><?xml version="1.0" encoding="utf-8"?>
+<c:chartSpace xmlns:c="http://schemas.openxmlformats.org/drawingml/2006/chart" xmlns:a="http://schemas.openxmlformats.org/drawingml/2006/main" xmlns:r="http://schemas.openxmlformats.org/officeDocument/2006/relationships" xmlns:c16r2="http://schemas.microsoft.com/office/drawing/2015/06/chart">
+  <c:date1904 val="0"/>
+  <c:lang val="ru-RU"/>
+  <c:roundedCorners val="0"/>
+  <mc:AlternateContent xmlns:mc="http://schemas.openxmlformats.org/markup-compatibility/2006">
+    <mc:Choice xmlns:c14="http://schemas.microsoft.com/office/drawing/2007/8/2/chart" Requires="c14">
+      <c14:style val="102"/>
+    </mc:Choice>
+    <mc:Fallback>
+      <c:style val="2"/>
+    </mc:Fallback>
+  </mc:AlternateContent>
+  <c:chart>
+    <c:title>
+      <c:overlay val="0"/>
+      <c:spPr>
+        <a:noFill/>
+        <a:ln>
+          <a:noFill/>
+        </a:ln>
+        <a:effectLst/>
+      </c:spPr>
+      <c:txPr>
+        <a:bodyPr rot="0" spcFirstLastPara="1" vertOverflow="ellipsis" vert="horz" wrap="square" anchor="ctr" anchorCtr="1"/>
+        <a:lstStyle/>
+        <a:p>
+          <a:pPr>
+            <a:defRPr sz="1862" b="0" i="0" u="none" strike="noStrike" kern="1200" spc="0" baseline="0">
+              <a:solidFill>
+                <a:schemeClr val="tx1">
+                  <a:lumMod val="65000"/>
+                  <a:lumOff val="35000"/>
+                </a:schemeClr>
+              </a:solidFill>
+              <a:latin typeface="+mn-lt"/>
+              <a:ea typeface="+mn-ea"/>
+              <a:cs typeface="+mn-cs"/>
+            </a:defRPr>
+          </a:pPr>
+          <a:endParaRPr lang="ru-RU"/>
+        </a:p>
+      </c:txPr>
+    </c:title>
+    <c:autoTitleDeleted val="0"/>
+    <c:plotArea>
+      <c:layout/>
+      <c:pieChart>
+        <c:varyColors val="1"/>
+        <c:ser>
+          <c:idx val="0"/>
+          <c:order val="0"/>
+          <c:tx>
+            <c:strRef>
+              <c:f>Лист1!$B$1</c:f>
+              <c:strCache>
+                <c:ptCount val="1"/>
+                <c:pt idx="0">
+                  <c:v>Чувствуете ли Вы, что Ваше психическое здоровье ухудшается из-за частого использования интернета?</c:v>
+                </c:pt>
+              </c:strCache>
+            </c:strRef>
+          </c:tx>
+          <c:dPt>
+            <c:idx val="0"/>
+            <c:bubble3D val="0"/>
+            <c:spPr>
+              <a:solidFill>
+                <a:schemeClr val="accent1"/>
+              </a:solidFill>
+              <a:ln w="19050">
+                <a:solidFill>
+                  <a:schemeClr val="lt1"/>
+                </a:solidFill>
+              </a:ln>
+              <a:effectLst/>
+            </c:spPr>
+          </c:dPt>
+          <c:dPt>
+            <c:idx val="1"/>
+            <c:bubble3D val="0"/>
+            <c:spPr>
+              <a:solidFill>
+                <a:schemeClr val="accent2"/>
+              </a:solidFill>
+              <a:ln w="19050">
+                <a:solidFill>
+                  <a:schemeClr val="lt1"/>
+                </a:solidFill>
+              </a:ln>
+              <a:effectLst/>
+            </c:spPr>
+          </c:dPt>
+          <c:dPt>
+            <c:idx val="2"/>
+            <c:bubble3D val="0"/>
+            <c:spPr>
+              <a:solidFill>
+                <a:schemeClr val="accent3"/>
+              </a:solidFill>
+              <a:ln w="19050">
+                <a:solidFill>
+                  <a:schemeClr val="lt1"/>
+                </a:solidFill>
+              </a:ln>
+              <a:effectLst/>
+            </c:spPr>
+          </c:dPt>
+          <c:dPt>
+            <c:idx val="3"/>
+            <c:bubble3D val="0"/>
+            <c:spPr>
+              <a:solidFill>
+                <a:schemeClr val="accent4"/>
+              </a:solidFill>
+              <a:ln w="19050">
+                <a:solidFill>
+                  <a:schemeClr val="lt1"/>
+                </a:solidFill>
+              </a:ln>
+              <a:effectLst/>
+            </c:spPr>
+          </c:dPt>
+          <c:cat>
+            <c:strRef>
+              <c:f>Лист1!$A$2:$A$5</c:f>
+              <c:strCache>
+                <c:ptCount val="3"/>
+                <c:pt idx="0">
+                  <c:v>Да</c:v>
+                </c:pt>
+                <c:pt idx="1">
+                  <c:v>Нет</c:v>
+                </c:pt>
+                <c:pt idx="2">
+                  <c:v>Возможно</c:v>
+                </c:pt>
+              </c:strCache>
+            </c:strRef>
+          </c:cat>
+          <c:val>
+            <c:numRef>
+              <c:f>Лист1!$B$2:$B$5</c:f>
+              <c:numCache>
+                <c:formatCode>General</c:formatCode>
+                <c:ptCount val="4"/>
+                <c:pt idx="0">
+                  <c:v>2</c:v>
+                </c:pt>
+                <c:pt idx="1">
+                  <c:v>6</c:v>
+                </c:pt>
+                <c:pt idx="2">
+                  <c:v>2</c:v>
+                </c:pt>
+              </c:numCache>
+            </c:numRef>
+          </c:val>
+          <c:extLst>
+            <c:ext xmlns:c16="http://schemas.microsoft.com/office/drawing/2014/chart" uri="{C3380CC4-5D6E-409C-BE32-E72D297353CC}">
+              <c16:uniqueId val="{00000000-91B2-41E8-A44E-0796C02D206F}"/>
+            </c:ext>
+          </c:extLst>
+        </c:ser>
+        <c:dLbls>
+          <c:showLegendKey val="0"/>
+          <c:showVal val="0"/>
+          <c:showCatName val="0"/>
+          <c:showSerName val="0"/>
+          <c:showPercent val="0"/>
+          <c:showBubbleSize val="0"/>
+          <c:showLeaderLines val="1"/>
+        </c:dLbls>
+        <c:firstSliceAng val="0"/>
+      </c:pieChart>
+      <c:spPr>
+        <a:noFill/>
+        <a:ln>
+          <a:noFill/>
+        </a:ln>
+        <a:effectLst/>
+      </c:spPr>
+    </c:plotArea>
+    <c:legend>
+      <c:legendPos val="b"/>
+      <c:overlay val="0"/>
+      <c:spPr>
+        <a:noFill/>
+        <a:ln>
+          <a:noFill/>
+        </a:ln>
+        <a:effectLst/>
+      </c:spPr>
+      <c:txPr>
+        <a:bodyPr rot="0" spcFirstLastPara="1" vertOverflow="ellipsis" vert="horz" wrap="square" anchor="ctr" anchorCtr="1"/>
+        <a:lstStyle/>
+        <a:p>
+          <a:pPr>
+            <a:defRPr sz="1197" b="0" i="0" u="none" strike="noStrike" kern="1200" baseline="0">
+              <a:solidFill>
+                <a:schemeClr val="tx1">
+                  <a:lumMod val="65000"/>
+                  <a:lumOff val="35000"/>
+                </a:schemeClr>
+              </a:solidFill>
+              <a:latin typeface="+mn-lt"/>
+              <a:ea typeface="+mn-ea"/>
+              <a:cs typeface="+mn-cs"/>
+            </a:defRPr>
+          </a:pPr>
+          <a:endParaRPr lang="ru-RU"/>
+        </a:p>
+      </c:txPr>
+    </c:legend>
+    <c:plotVisOnly val="1"/>
+    <c:dispBlanksAs val="gap"/>
+    <c:extLst>
+      <c:ext xmlns:c16r3="http://schemas.microsoft.com/office/drawing/2017/03/chart" uri="{56B9EC1D-385E-4148-901F-78D8002777C0}">
+        <c16r3:dataDisplayOptions16>
+          <c16r3:dispNaAsBlank val="1"/>
+        </c16r3:dataDisplayOptions16>
+      </c:ext>
+    </c:extLst>
+    <c:showDLblsOverMax val="0"/>
+  </c:chart>
+  <c:spPr>
+    <a:noFill/>
+    <a:ln>
+      <a:noFill/>
+    </a:ln>
+    <a:effectLst/>
+  </c:spPr>
+  <c:txPr>
+    <a:bodyPr/>
+    <a:lstStyle/>
+    <a:p>
+      <a:pPr>
+        <a:defRPr/>
+      </a:pPr>
+      <a:endParaRPr lang="ru-RU"/>
+    </a:p>
+  </c:txPr>
+  <c:externalData r:id="rId3">
+    <c:autoUpdate val="0"/>
+  </c:externalData>
+</c:chartSpace>
+</file>
+
+<file path=ppt/charts/chart7.xml><?xml version="1.0" encoding="utf-8"?>
+<c:chartSpace xmlns:c="http://schemas.openxmlformats.org/drawingml/2006/chart" xmlns:a="http://schemas.openxmlformats.org/drawingml/2006/main" xmlns:r="http://schemas.openxmlformats.org/officeDocument/2006/relationships" xmlns:c16r2="http://schemas.microsoft.com/office/drawing/2015/06/chart">
+  <c:date1904 val="0"/>
+  <c:lang val="ru-RU"/>
+  <c:roundedCorners val="0"/>
+  <mc:AlternateContent xmlns:mc="http://schemas.openxmlformats.org/markup-compatibility/2006">
+    <mc:Choice xmlns:c14="http://schemas.microsoft.com/office/drawing/2007/8/2/chart" Requires="c14">
+      <c14:style val="102"/>
+    </mc:Choice>
+    <mc:Fallback>
+      <c:style val="2"/>
+    </mc:Fallback>
+  </mc:AlternateContent>
+  <c:chart>
+    <c:title>
+      <c:overlay val="0"/>
+      <c:spPr>
+        <a:noFill/>
+        <a:ln>
+          <a:noFill/>
+        </a:ln>
+        <a:effectLst/>
+      </c:spPr>
+      <c:txPr>
+        <a:bodyPr rot="0" spcFirstLastPara="1" vertOverflow="ellipsis" vert="horz" wrap="square" anchor="ctr" anchorCtr="1"/>
+        <a:lstStyle/>
+        <a:p>
+          <a:pPr>
+            <a:defRPr sz="1862" b="0" i="0" u="none" strike="noStrike" kern="1200" spc="0" baseline="0">
+              <a:solidFill>
+                <a:schemeClr val="tx1">
+                  <a:lumMod val="65000"/>
+                  <a:lumOff val="35000"/>
+                </a:schemeClr>
+              </a:solidFill>
+              <a:latin typeface="+mn-lt"/>
+              <a:ea typeface="+mn-ea"/>
+              <a:cs typeface="+mn-cs"/>
+            </a:defRPr>
+          </a:pPr>
+          <a:endParaRPr lang="ru-RU"/>
+        </a:p>
+      </c:txPr>
+    </c:title>
+    <c:autoTitleDeleted val="0"/>
+    <c:plotArea>
+      <c:layout/>
+      <c:pieChart>
+        <c:varyColors val="1"/>
+        <c:ser>
+          <c:idx val="0"/>
+          <c:order val="0"/>
+          <c:tx>
+            <c:strRef>
+              <c:f>Лист1!$B$1</c:f>
+              <c:strCache>
+                <c:ptCount val="1"/>
+                <c:pt idx="0">
+                  <c:v>Как Вы относитесь к идее создания виртуального куратора?</c:v>
+                </c:pt>
+              </c:strCache>
+            </c:strRef>
+          </c:tx>
+          <c:dPt>
+            <c:idx val="0"/>
+            <c:bubble3D val="0"/>
+            <c:spPr>
+              <a:solidFill>
+                <a:schemeClr val="accent1"/>
+              </a:solidFill>
+              <a:ln w="19050">
+                <a:solidFill>
+                  <a:schemeClr val="lt1"/>
+                </a:solidFill>
+              </a:ln>
+              <a:effectLst/>
+            </c:spPr>
+          </c:dPt>
+          <c:dPt>
+            <c:idx val="1"/>
+            <c:bubble3D val="0"/>
+            <c:spPr>
+              <a:solidFill>
+                <a:schemeClr val="accent2"/>
+              </a:solidFill>
+              <a:ln w="19050">
+                <a:solidFill>
+                  <a:schemeClr val="lt1"/>
+                </a:solidFill>
+              </a:ln>
+              <a:effectLst/>
+            </c:spPr>
+          </c:dPt>
+          <c:dPt>
+            <c:idx val="2"/>
+            <c:bubble3D val="0"/>
+            <c:spPr>
+              <a:solidFill>
+                <a:schemeClr val="accent3"/>
+              </a:solidFill>
+              <a:ln w="19050">
+                <a:solidFill>
+                  <a:schemeClr val="lt1"/>
+                </a:solidFill>
+              </a:ln>
+              <a:effectLst/>
+            </c:spPr>
+          </c:dPt>
+          <c:dPt>
+            <c:idx val="3"/>
+            <c:bubble3D val="0"/>
+            <c:spPr>
+              <a:solidFill>
+                <a:schemeClr val="accent4"/>
+              </a:solidFill>
+              <a:ln w="19050">
+                <a:solidFill>
+                  <a:schemeClr val="lt1"/>
+                </a:solidFill>
+              </a:ln>
+              <a:effectLst/>
+            </c:spPr>
+          </c:dPt>
+          <c:cat>
+            <c:strRef>
+              <c:f>Лист1!$A$2:$A$5</c:f>
+              <c:strCache>
+                <c:ptCount val="3"/>
+                <c:pt idx="0">
+                  <c:v>Положительно</c:v>
+                </c:pt>
+                <c:pt idx="1">
+                  <c:v>Нейтрально</c:v>
+                </c:pt>
+                <c:pt idx="2">
+                  <c:v>Нет надобности</c:v>
+                </c:pt>
+              </c:strCache>
+            </c:strRef>
+          </c:cat>
+          <c:val>
+            <c:numRef>
+              <c:f>Лист1!$B$2:$B$5</c:f>
+              <c:numCache>
+                <c:formatCode>General</c:formatCode>
+                <c:ptCount val="4"/>
+                <c:pt idx="0">
+                  <c:v>66.7</c:v>
+                </c:pt>
+                <c:pt idx="1">
+                  <c:v>27.7</c:v>
+                </c:pt>
+                <c:pt idx="2">
+                  <c:v>0.67</c:v>
+                </c:pt>
+              </c:numCache>
+            </c:numRef>
+          </c:val>
+          <c:extLst>
+            <c:ext xmlns:c16="http://schemas.microsoft.com/office/drawing/2014/chart" uri="{C3380CC4-5D6E-409C-BE32-E72D297353CC}">
+              <c16:uniqueId val="{00000000-AE22-473A-BEF7-73FA4F3F3CF8}"/>
+            </c:ext>
+          </c:extLst>
+        </c:ser>
+        <c:dLbls>
+          <c:showLegendKey val="0"/>
+          <c:showVal val="0"/>
+          <c:showCatName val="0"/>
+          <c:showSerName val="0"/>
+          <c:showPercent val="0"/>
+          <c:showBubbleSize val="0"/>
+          <c:showLeaderLines val="1"/>
+        </c:dLbls>
+        <c:firstSliceAng val="0"/>
+      </c:pieChart>
+      <c:spPr>
+        <a:noFill/>
+        <a:ln>
+          <a:noFill/>
+        </a:ln>
+        <a:effectLst/>
+      </c:spPr>
+    </c:plotArea>
+    <c:legend>
+      <c:legendPos val="b"/>
+      <c:overlay val="0"/>
+      <c:spPr>
+        <a:noFill/>
+        <a:ln>
+          <a:noFill/>
+        </a:ln>
+        <a:effectLst/>
+      </c:spPr>
+      <c:txPr>
+        <a:bodyPr rot="0" spcFirstLastPara="1" vertOverflow="ellipsis" vert="horz" wrap="square" anchor="ctr" anchorCtr="1"/>
+        <a:lstStyle/>
+        <a:p>
+          <a:pPr>
+            <a:defRPr sz="1197" b="0" i="0" u="none" strike="noStrike" kern="1200" baseline="0">
+              <a:solidFill>
+                <a:schemeClr val="tx1">
+                  <a:lumMod val="65000"/>
+                  <a:lumOff val="35000"/>
+                </a:schemeClr>
+              </a:solidFill>
+              <a:latin typeface="+mn-lt"/>
+              <a:ea typeface="+mn-ea"/>
+              <a:cs typeface="+mn-cs"/>
+            </a:defRPr>
+          </a:pPr>
+          <a:endParaRPr lang="ru-RU"/>
+        </a:p>
+      </c:txPr>
+    </c:legend>
+    <c:plotVisOnly val="1"/>
+    <c:dispBlanksAs val="gap"/>
+    <c:extLst>
+      <c:ext xmlns:c16r3="http://schemas.microsoft.com/office/drawing/2017/03/chart" uri="{56B9EC1D-385E-4148-901F-78D8002777C0}">
+        <c16r3:dataDisplayOptions16>
+          <c16r3:dispNaAsBlank val="1"/>
+        </c16r3:dataDisplayOptions16>
+      </c:ext>
+    </c:extLst>
+    <c:showDLblsOverMax val="0"/>
+  </c:chart>
+  <c:spPr>
+    <a:noFill/>
+    <a:ln>
+      <a:noFill/>
+    </a:ln>
+    <a:effectLst/>
+  </c:spPr>
+  <c:txPr>
+    <a:bodyPr/>
+    <a:lstStyle/>
+    <a:p>
+      <a:pPr>
+        <a:defRPr/>
+      </a:pPr>
+      <a:endParaRPr lang="ru-RU"/>
+    </a:p>
+  </c:txPr>
+  <c:externalData r:id="rId3">
+    <c:autoUpdate val="0"/>
+  </c:externalData>
+</c:chartSpace>
+</file>
+
+<file path=ppt/charts/chart8.xml><?xml version="1.0" encoding="utf-8"?>
+<c:chartSpace xmlns:c="http://schemas.openxmlformats.org/drawingml/2006/chart" xmlns:a="http://schemas.openxmlformats.org/drawingml/2006/main" xmlns:r="http://schemas.openxmlformats.org/officeDocument/2006/relationships" xmlns:c16r2="http://schemas.microsoft.com/office/drawing/2015/06/chart">
+  <c:date1904 val="0"/>
+  <c:lang val="ru-RU"/>
+  <c:roundedCorners val="0"/>
+  <mc:AlternateContent xmlns:mc="http://schemas.openxmlformats.org/markup-compatibility/2006">
+    <mc:Choice xmlns:c14="http://schemas.microsoft.com/office/drawing/2007/8/2/chart" Requires="c14">
+      <c14:style val="102"/>
+    </mc:Choice>
+    <mc:Fallback>
+      <c:style val="2"/>
+    </mc:Fallback>
+  </mc:AlternateContent>
+  <c:chart>
+    <c:title>
+      <c:overlay val="0"/>
+      <c:spPr>
+        <a:noFill/>
+        <a:ln>
+          <a:noFill/>
+        </a:ln>
+        <a:effectLst/>
+      </c:spPr>
+      <c:txPr>
+        <a:bodyPr rot="0" spcFirstLastPara="1" vertOverflow="ellipsis" vert="horz" wrap="square" anchor="ctr" anchorCtr="1"/>
+        <a:lstStyle/>
+        <a:p>
+          <a:pPr>
+            <a:defRPr sz="1862" b="0" i="0" u="none" strike="noStrike" kern="1200" spc="0" baseline="0">
+              <a:solidFill>
+                <a:schemeClr val="tx1">
+                  <a:lumMod val="65000"/>
+                  <a:lumOff val="35000"/>
+                </a:schemeClr>
+              </a:solidFill>
+              <a:latin typeface="+mn-lt"/>
+              <a:ea typeface="+mn-ea"/>
+              <a:cs typeface="+mn-cs"/>
+            </a:defRPr>
+          </a:pPr>
+          <a:endParaRPr lang="ru-RU"/>
+        </a:p>
+      </c:txPr>
+    </c:title>
+    <c:autoTitleDeleted val="0"/>
+    <c:plotArea>
+      <c:layout/>
+      <c:pieChart>
+        <c:varyColors val="1"/>
+        <c:ser>
+          <c:idx val="0"/>
+          <c:order val="0"/>
+          <c:tx>
+            <c:strRef>
+              <c:f>Лист1!$B$1</c:f>
+              <c:strCache>
+                <c:ptCount val="1"/>
+                <c:pt idx="0">
+                  <c:v>Что бы Вы хотели улучшить в своем взаимодействии с соц. сетями?*</c:v>
+                </c:pt>
+              </c:strCache>
+            </c:strRef>
+          </c:tx>
+          <c:dPt>
+            <c:idx val="0"/>
+            <c:bubble3D val="0"/>
+            <c:spPr>
+              <a:solidFill>
+                <a:schemeClr val="accent1"/>
+              </a:solidFill>
+              <a:ln w="19050">
+                <a:solidFill>
+                  <a:schemeClr val="lt1"/>
+                </a:solidFill>
+              </a:ln>
+              <a:effectLst/>
+            </c:spPr>
+          </c:dPt>
+          <c:dPt>
+            <c:idx val="1"/>
+            <c:bubble3D val="0"/>
+            <c:spPr>
+              <a:solidFill>
+                <a:schemeClr val="accent2"/>
+              </a:solidFill>
+              <a:ln w="19050">
+                <a:solidFill>
+                  <a:schemeClr val="lt1"/>
+                </a:solidFill>
+              </a:ln>
+              <a:effectLst/>
+            </c:spPr>
+          </c:dPt>
+          <c:dPt>
+            <c:idx val="2"/>
+            <c:bubble3D val="0"/>
+            <c:spPr>
+              <a:solidFill>
+                <a:schemeClr val="accent3"/>
+              </a:solidFill>
+              <a:ln w="19050">
+                <a:solidFill>
+                  <a:schemeClr val="lt1"/>
+                </a:solidFill>
+              </a:ln>
+              <a:effectLst/>
+            </c:spPr>
+          </c:dPt>
+          <c:dPt>
+            <c:idx val="3"/>
+            <c:bubble3D val="0"/>
+            <c:spPr>
+              <a:solidFill>
+                <a:schemeClr val="accent4"/>
+              </a:solidFill>
+              <a:ln w="19050">
+                <a:solidFill>
+                  <a:schemeClr val="lt1"/>
+                </a:solidFill>
+              </a:ln>
+              <a:effectLst/>
+            </c:spPr>
+          </c:dPt>
+          <c:dPt>
+            <c:idx val="4"/>
+            <c:bubble3D val="0"/>
+            <c:spPr>
+              <a:solidFill>
+                <a:schemeClr val="accent5"/>
+              </a:solidFill>
+              <a:ln w="19050">
+                <a:solidFill>
+                  <a:schemeClr val="lt1"/>
+                </a:solidFill>
+              </a:ln>
+              <a:effectLst/>
+            </c:spPr>
+          </c:dPt>
+          <c:cat>
+            <c:strRef>
+              <c:f>Лист1!$A$2:$A$6</c:f>
+              <c:strCache>
+                <c:ptCount val="5"/>
+                <c:pt idx="0">
+                  <c:v>Сократить время использования</c:v>
+                </c:pt>
+                <c:pt idx="1">
+                  <c:v>Уменьшить стресс отинформации</c:v>
+                </c:pt>
+                <c:pt idx="2">
+                  <c:v>Повысить концентрацию</c:v>
+                </c:pt>
+                <c:pt idx="3">
+                  <c:v>Улучшить качество сна</c:v>
+                </c:pt>
+                <c:pt idx="4">
+                  <c:v>Другое</c:v>
+                </c:pt>
+              </c:strCache>
+            </c:strRef>
+          </c:cat>
+          <c:val>
+            <c:numRef>
+              <c:f>Лист1!$B$2:$B$6</c:f>
+              <c:numCache>
+                <c:formatCode>General</c:formatCode>
+                <c:ptCount val="5"/>
+                <c:pt idx="0">
+                  <c:v>2.67</c:v>
+                </c:pt>
+                <c:pt idx="1">
+                  <c:v>5.33</c:v>
+                </c:pt>
+                <c:pt idx="2">
+                  <c:v>6</c:v>
+                </c:pt>
+                <c:pt idx="3">
+                  <c:v>4.67</c:v>
+                </c:pt>
+                <c:pt idx="4">
+                  <c:v>13.4</c:v>
+                </c:pt>
+              </c:numCache>
+            </c:numRef>
+          </c:val>
+          <c:extLst>
+            <c:ext xmlns:c16="http://schemas.microsoft.com/office/drawing/2014/chart" uri="{C3380CC4-5D6E-409C-BE32-E72D297353CC}">
+              <c16:uniqueId val="{00000000-C1B9-4C6E-954F-C33DEFC33F4F}"/>
+            </c:ext>
+          </c:extLst>
+        </c:ser>
+        <c:dLbls>
+          <c:showLegendKey val="0"/>
+          <c:showVal val="0"/>
+          <c:showCatName val="0"/>
+          <c:showSerName val="0"/>
+          <c:showPercent val="0"/>
+          <c:showBubbleSize val="0"/>
+          <c:showLeaderLines val="1"/>
+        </c:dLbls>
+        <c:firstSliceAng val="0"/>
+      </c:pieChart>
+      <c:spPr>
+        <a:noFill/>
+        <a:ln>
+          <a:noFill/>
+        </a:ln>
+        <a:effectLst/>
+      </c:spPr>
+    </c:plotArea>
+    <c:legend>
+      <c:legendPos val="b"/>
+      <c:overlay val="0"/>
+      <c:spPr>
+        <a:noFill/>
+        <a:ln>
+          <a:noFill/>
+        </a:ln>
+        <a:effectLst/>
+      </c:spPr>
+      <c:txPr>
+        <a:bodyPr rot="0" spcFirstLastPara="1" vertOverflow="ellipsis" vert="horz" wrap="square" anchor="ctr" anchorCtr="1"/>
+        <a:lstStyle/>
+        <a:p>
+          <a:pPr>
+            <a:defRPr sz="1197" b="0" i="0" u="none" strike="noStrike" kern="1200" baseline="0">
+              <a:solidFill>
+                <a:schemeClr val="tx1">
+                  <a:lumMod val="65000"/>
+                  <a:lumOff val="35000"/>
+                </a:schemeClr>
+              </a:solidFill>
+              <a:latin typeface="+mn-lt"/>
+              <a:ea typeface="+mn-ea"/>
+              <a:cs typeface="+mn-cs"/>
+            </a:defRPr>
+          </a:pPr>
+          <a:endParaRPr lang="ru-RU"/>
+        </a:p>
+      </c:txPr>
+    </c:legend>
+    <c:plotVisOnly val="1"/>
+    <c:dispBlanksAs val="gap"/>
+    <c:extLst>
+      <c:ext xmlns:c16r3="http://schemas.microsoft.com/office/drawing/2017/03/chart" uri="{56B9EC1D-385E-4148-901F-78D8002777C0}">
+        <c16r3:dataDisplayOptions16>
+          <c16r3:dispNaAsBlank val="1"/>
+        </c16r3:dataDisplayOptions16>
+      </c:ext>
+    </c:extLst>
+    <c:showDLblsOverMax val="0"/>
+  </c:chart>
+  <c:spPr>
+    <a:noFill/>
+    <a:ln>
+      <a:noFill/>
+    </a:ln>
+    <a:effectLst/>
+  </c:spPr>
+  <c:txPr>
+    <a:bodyPr/>
+    <a:lstStyle/>
+    <a:p>
+      <a:pPr>
+        <a:defRPr/>
+      </a:pPr>
+      <a:endParaRPr lang="ru-RU"/>
+    </a:p>
+  </c:txPr>
+  <c:externalData r:id="rId3">
+    <c:autoUpdate val="0"/>
+  </c:externalData>
+</c:chartSpace>
+</file>
+
+<file path=ppt/charts/colors1.xml><?xml version="1.0" encoding="utf-8"?>
+<cs:colorStyle xmlns:cs="http://schemas.microsoft.com/office/drawing/2012/chartStyle" xmlns:a="http://schemas.openxmlformats.org/drawingml/2006/main" meth="cycle" id="10">
+  <a:schemeClr val="accent1"/>
+  <a:schemeClr val="accent2"/>
+  <a:schemeClr val="accent3"/>
+  <a:schemeClr val="accent4"/>
+  <a:schemeClr val="accent5"/>
+  <a:schemeClr val="accent6"/>
+  <cs:variation/>
+  <cs:variation>
+    <a:lumMod val="60000"/>
+  </cs:variation>
+  <cs:variation>
+    <a:lumMod val="80000"/>
+    <a:lumOff val="20000"/>
+  </cs:variation>
+  <cs:variation>
+    <a:lumMod val="80000"/>
+  </cs:variation>
+  <cs:variation>
+    <a:lumMod val="60000"/>
+    <a:lumOff val="40000"/>
+  </cs:variation>
+  <cs:variation>
+    <a:lumMod val="50000"/>
+  </cs:variation>
+  <cs:variation>
+    <a:lumMod val="70000"/>
+    <a:lumOff val="30000"/>
+  </cs:variation>
+  <cs:variation>
+    <a:lumMod val="70000"/>
+  </cs:variation>
+  <cs:variation>
+    <a:lumMod val="50000"/>
+    <a:lumOff val="50000"/>
+  </cs:variation>
+</cs:colorStyle>
+</file>
+
+<file path=ppt/charts/colors2.xml><?xml version="1.0" encoding="utf-8"?>
+<cs:colorStyle xmlns:cs="http://schemas.microsoft.com/office/drawing/2012/chartStyle" xmlns:a="http://schemas.openxmlformats.org/drawingml/2006/main" meth="cycle" id="10">
+  <a:schemeClr val="accent1"/>
+  <a:schemeClr val="accent2"/>
+  <a:schemeClr val="accent3"/>
+  <a:schemeClr val="accent4"/>
+  <a:schemeClr val="accent5"/>
+  <a:schemeClr val="accent6"/>
+  <cs:variation/>
+  <cs:variation>
+    <a:lumMod val="60000"/>
+  </cs:variation>
+  <cs:variation>
+    <a:lumMod val="80000"/>
+    <a:lumOff val="20000"/>
+  </cs:variation>
+  <cs:variation>
+    <a:lumMod val="80000"/>
+  </cs:variation>
+  <cs:variation>
+    <a:lumMod val="60000"/>
+    <a:lumOff val="40000"/>
+  </cs:variation>
+  <cs:variation>
+    <a:lumMod val="50000"/>
+  </cs:variation>
+  <cs:variation>
+    <a:lumMod val="70000"/>
+    <a:lumOff val="30000"/>
+  </cs:variation>
+  <cs:variation>
+    <a:lumMod val="70000"/>
+  </cs:variation>
+  <cs:variation>
+    <a:lumMod val="50000"/>
+    <a:lumOff val="50000"/>
+  </cs:variation>
+</cs:colorStyle>
+</file>
+
+<file path=ppt/charts/colors3.xml><?xml version="1.0" encoding="utf-8"?>
+<cs:colorStyle xmlns:cs="http://schemas.microsoft.com/office/drawing/2012/chartStyle" xmlns:a="http://schemas.openxmlformats.org/drawingml/2006/main" meth="cycle" id="10">
+  <a:schemeClr val="accent1"/>
+  <a:schemeClr val="accent2"/>
+  <a:schemeClr val="accent3"/>
+  <a:schemeClr val="accent4"/>
+  <a:schemeClr val="accent5"/>
+  <a:schemeClr val="accent6"/>
+  <cs:variation/>
+  <cs:variation>
+    <a:lumMod val="60000"/>
+  </cs:variation>
+  <cs:variation>
+    <a:lumMod val="80000"/>
+    <a:lumOff val="20000"/>
+  </cs:variation>
+  <cs:variation>
+    <a:lumMod val="80000"/>
+  </cs:variation>
+  <cs:variation>
+    <a:lumMod val="60000"/>
+    <a:lumOff val="40000"/>
+  </cs:variation>
+  <cs:variation>
+    <a:lumMod val="50000"/>
+  </cs:variation>
+  <cs:variation>
+    <a:lumMod val="70000"/>
+    <a:lumOff val="30000"/>
+  </cs:variation>
+  <cs:variation>
+    <a:lumMod val="70000"/>
+  </cs:variation>
+  <cs:variation>
+    <a:lumMod val="50000"/>
+    <a:lumOff val="50000"/>
+  </cs:variation>
+</cs:colorStyle>
+</file>
+
+<file path=ppt/charts/colors4.xml><?xml version="1.0" encoding="utf-8"?>
+<cs:colorStyle xmlns:cs="http://schemas.microsoft.com/office/drawing/2012/chartStyle" xmlns:a="http://schemas.openxmlformats.org/drawingml/2006/main" meth="cycle" id="10">
+  <a:schemeClr val="accent1"/>
+  <a:schemeClr val="accent2"/>
+  <a:schemeClr val="accent3"/>
+  <a:schemeClr val="accent4"/>
+  <a:schemeClr val="accent5"/>
+  <a:schemeClr val="accent6"/>
+  <cs:variation/>
+  <cs:variation>
+    <a:lumMod val="60000"/>
+  </cs:variation>
+  <cs:variation>
+    <a:lumMod val="80000"/>
+    <a:lumOff val="20000"/>
+  </cs:variation>
+  <cs:variation>
+    <a:lumMod val="80000"/>
+  </cs:variation>
+  <cs:variation>
+    <a:lumMod val="60000"/>
+    <a:lumOff val="40000"/>
+  </cs:variation>
+  <cs:variation>
+    <a:lumMod val="50000"/>
+  </cs:variation>
+  <cs:variation>
+    <a:lumMod val="70000"/>
+    <a:lumOff val="30000"/>
+  </cs:variation>
+  <cs:variation>
+    <a:lumMod val="70000"/>
+  </cs:variation>
+  <cs:variation>
+    <a:lumMod val="50000"/>
+    <a:lumOff val="50000"/>
+  </cs:variation>
+</cs:colorStyle>
+</file>
+
+<file path=ppt/charts/colors5.xml><?xml version="1.0" encoding="utf-8"?>
+<cs:colorStyle xmlns:cs="http://schemas.microsoft.com/office/drawing/2012/chartStyle" xmlns:a="http://schemas.openxmlformats.org/drawingml/2006/main" meth="cycle" id="10">
+  <a:schemeClr val="accent1"/>
+  <a:schemeClr val="accent2"/>
+  <a:schemeClr val="accent3"/>
+  <a:schemeClr val="accent4"/>
+  <a:schemeClr val="accent5"/>
+  <a:schemeClr val="accent6"/>
+  <cs:variation/>
+  <cs:variation>
+    <a:lumMod val="60000"/>
+  </cs:variation>
+  <cs:variation>
+    <a:lumMod val="80000"/>
+    <a:lumOff val="20000"/>
+  </cs:variation>
+  <cs:variation>
+    <a:lumMod val="80000"/>
+  </cs:variation>
+  <cs:variation>
+    <a:lumMod val="60000"/>
+    <a:lumOff val="40000"/>
+  </cs:variation>
+  <cs:variation>
+    <a:lumMod val="50000"/>
+  </cs:variation>
+  <cs:variation>
+    <a:lumMod val="70000"/>
+    <a:lumOff val="30000"/>
+  </cs:variation>
+  <cs:variation>
+    <a:lumMod val="70000"/>
+  </cs:variation>
+  <cs:variation>
+    <a:lumMod val="50000"/>
+    <a:lumOff val="50000"/>
+  </cs:variation>
+</cs:colorStyle>
+</file>
+
+<file path=ppt/charts/colors6.xml><?xml version="1.0" encoding="utf-8"?>
+<cs:colorStyle xmlns:cs="http://schemas.microsoft.com/office/drawing/2012/chartStyle" xmlns:a="http://schemas.openxmlformats.org/drawingml/2006/main" meth="cycle" id="10">
+  <a:schemeClr val="accent1"/>
+  <a:schemeClr val="accent2"/>
+  <a:schemeClr val="accent3"/>
+  <a:schemeClr val="accent4"/>
+  <a:schemeClr val="accent5"/>
+  <a:schemeClr val="accent6"/>
+  <cs:variation/>
+  <cs:variation>
+    <a:lumMod val="60000"/>
+  </cs:variation>
+  <cs:variation>
+    <a:lumMod val="80000"/>
+    <a:lumOff val="20000"/>
+  </cs:variation>
+  <cs:variation>
+    <a:lumMod val="80000"/>
+  </cs:variation>
+  <cs:variation>
+    <a:lumMod val="60000"/>
+    <a:lumOff val="40000"/>
+  </cs:variation>
+  <cs:variation>
+    <a:lumMod val="50000"/>
+  </cs:variation>
+  <cs:variation>
+    <a:lumMod val="70000"/>
+    <a:lumOff val="30000"/>
+  </cs:variation>
+  <cs:variation>
+    <a:lumMod val="70000"/>
+  </cs:variation>
+  <cs:variation>
+    <a:lumMod val="50000"/>
+    <a:lumOff val="50000"/>
+  </cs:variation>
+</cs:colorStyle>
+</file>
+
+<file path=ppt/charts/colors7.xml><?xml version="1.0" encoding="utf-8"?>
+<cs:colorStyle xmlns:cs="http://schemas.microsoft.com/office/drawing/2012/chartStyle" xmlns:a="http://schemas.openxmlformats.org/drawingml/2006/main" meth="cycle" id="10">
+  <a:schemeClr val="accent1"/>
+  <a:schemeClr val="accent2"/>
+  <a:schemeClr val="accent3"/>
+  <a:schemeClr val="accent4"/>
+  <a:schemeClr val="accent5"/>
+  <a:schemeClr val="accent6"/>
+  <cs:variation/>
+  <cs:variation>
+    <a:lumMod val="60000"/>
+  </cs:variation>
+  <cs:variation>
+    <a:lumMod val="80000"/>
+    <a:lumOff val="20000"/>
+  </cs:variation>
+  <cs:variation>
+    <a:lumMod val="80000"/>
+  </cs:variation>
+  <cs:variation>
+    <a:lumMod val="60000"/>
+    <a:lumOff val="40000"/>
+  </cs:variation>
+  <cs:variation>
+    <a:lumMod val="50000"/>
+  </cs:variation>
+  <cs:variation>
+    <a:lumMod val="70000"/>
+    <a:lumOff val="30000"/>
+  </cs:variation>
+  <cs:variation>
+    <a:lumMod val="70000"/>
+  </cs:variation>
+  <cs:variation>
+    <a:lumMod val="50000"/>
+    <a:lumOff val="50000"/>
+  </cs:variation>
+</cs:colorStyle>
+</file>
+
+<file path=ppt/charts/colors8.xml><?xml version="1.0" encoding="utf-8"?>
+<cs:colorStyle xmlns:cs="http://schemas.microsoft.com/office/drawing/2012/chartStyle" xmlns:a="http://schemas.openxmlformats.org/drawingml/2006/main" meth="cycle" id="10">
+  <a:schemeClr val="accent1"/>
+  <a:schemeClr val="accent2"/>
+  <a:schemeClr val="accent3"/>
+  <a:schemeClr val="accent4"/>
+  <a:schemeClr val="accent5"/>
+  <a:schemeClr val="accent6"/>
+  <cs:variation/>
+  <cs:variation>
+    <a:lumMod val="60000"/>
+  </cs:variation>
+  <cs:variation>
+    <a:lumMod val="80000"/>
+    <a:lumOff val="20000"/>
+  </cs:variation>
+  <cs:variation>
+    <a:lumMod val="80000"/>
+  </cs:variation>
+  <cs:variation>
+    <a:lumMod val="60000"/>
+    <a:lumOff val="40000"/>
+  </cs:variation>
+  <cs:variation>
+    <a:lumMod val="50000"/>
+  </cs:variation>
+  <cs:variation>
+    <a:lumMod val="70000"/>
+    <a:lumOff val="30000"/>
+  </cs:variation>
+  <cs:variation>
+    <a:lumMod val="70000"/>
+  </cs:variation>
+  <cs:variation>
+    <a:lumMod val="50000"/>
+    <a:lumOff val="50000"/>
+  </cs:variation>
+</cs:colorStyle>
+</file>
+
+<file path=ppt/charts/style1.xml><?xml version="1.0" encoding="utf-8"?>
+<cs:chartStyle xmlns:cs="http://schemas.microsoft.com/office/drawing/2012/chartStyle" xmlns:a="http://schemas.openxmlformats.org/drawingml/2006/main" id="251">
+  <cs:axisTitle>
+    <cs:lnRef idx="0"/>
+    <cs:fillRef idx="0"/>
+    <cs:effectRef idx="0"/>
+    <cs:fontRef idx="minor">
+      <a:schemeClr val="tx1">
+        <a:lumMod val="65000"/>
+        <a:lumOff val="35000"/>
+      </a:schemeClr>
+    </cs:fontRef>
+    <cs:defRPr sz="1330" kern="1200"/>
+  </cs:axisTitle>
+  <cs:categoryAxis>
+    <cs:lnRef idx="0"/>
+    <cs:fillRef idx="0"/>
+    <cs:effectRef idx="0"/>
+    <cs:fontRef idx="minor">
+      <a:schemeClr val="tx1">
+        <a:lumMod val="65000"/>
+        <a:lumOff val="35000"/>
+      </a:schemeClr>
+    </cs:fontRef>
+    <cs:spPr>
+      <a:ln w="9525" cap="flat" cmpd="sng" algn="ctr">
+        <a:solidFill>
+          <a:schemeClr val="tx1">
+            <a:lumMod val="15000"/>
+            <a:lumOff val="85000"/>
+          </a:schemeClr>
+        </a:solidFill>
+        <a:round/>
+      </a:ln>
+    </cs:spPr>
+    <cs:defRPr sz="1197" kern="1200"/>
+  </cs:categoryAxis>
+  <cs:chartArea mods="allowNoFillOverride allowNoLineOverride">
+    <cs:lnRef idx="0"/>
+    <cs:fillRef idx="0"/>
+    <cs:effectRef idx="0"/>
+    <cs:fontRef idx="minor">
+      <a:schemeClr val="tx1"/>
+    </cs:fontRef>
+    <cs:spPr>
+      <a:solidFill>
+        <a:schemeClr val="bg1"/>
+      </a:solidFill>
+      <a:ln w="9525" cap="flat" cmpd="sng" algn="ctr">
+        <a:solidFill>
+          <a:schemeClr val="tx1">
+            <a:lumMod val="15000"/>
+            <a:lumOff val="85000"/>
+          </a:schemeClr>
+        </a:solidFill>
+        <a:round/>
+      </a:ln>
+    </cs:spPr>
+    <cs:defRPr sz="1197" kern="1200"/>
+  </cs:chartArea>
+  <cs:dataLabel>
+    <cs:lnRef idx="0"/>
+    <cs:fillRef idx="0"/>
+    <cs:effectRef idx="0"/>
+    <cs:fontRef idx="minor">
+      <a:schemeClr val="tx1">
+        <a:lumMod val="75000"/>
+        <a:lumOff val="25000"/>
+      </a:schemeClr>
+    </cs:fontRef>
+    <cs:defRPr sz="1197" kern="1200"/>
+  </cs:dataLabel>
+  <cs:dataLabelCallout>
+    <cs:lnRef idx="0"/>
+    <cs:fillRef idx="0"/>
+    <cs:effectRef idx="0"/>
+    <cs:fontRef idx="minor">
+      <a:schemeClr val="dk1">
+        <a:lumMod val="65000"/>
+        <a:lumOff val="35000"/>
+      </a:schemeClr>
+    </cs:fontRef>
+    <cs:spPr>
+      <a:solidFill>
+        <a:schemeClr val="lt1"/>
+      </a:solidFill>
+      <a:ln>
+        <a:solidFill>
+          <a:schemeClr val="dk1">
+            <a:lumMod val="25000"/>
+            <a:lumOff val="75000"/>
+          </a:schemeClr>
+        </a:solidFill>
+      </a:ln>
+    </cs:spPr>
+    <cs:defRPr sz="1197" kern="1200"/>
+    <cs:bodyPr rot="0" spcFirstLastPara="1" vertOverflow="clip" horzOverflow="clip" vert="horz" wrap="square" lIns="36576" tIns="18288" rIns="36576" bIns="18288" anchor="ctr" anchorCtr="1">
+      <a:spAutoFit/>
+    </cs:bodyPr>
+  </cs:dataLabelCallout>
+  <cs:dataPoint>
+    <cs:lnRef idx="0"/>
+    <cs:fillRef idx="1">
+      <cs:styleClr val="auto"/>
+    </cs:fillRef>
+    <cs:effectRef idx="0"/>
+    <cs:fontRef idx="minor">
+      <a:schemeClr val="tx1"/>
+    </cs:fontRef>
+    <cs:spPr>
+      <a:ln w="19050">
+        <a:solidFill>
+          <a:schemeClr val="lt1"/>
+        </a:solidFill>
+      </a:ln>
+    </cs:spPr>
+  </cs:dataPoint>
+  <cs:dataPoint3D>
+    <cs:lnRef idx="0"/>
+    <cs:fillRef idx="1">
+      <cs:styleClr val="auto"/>
+    </cs:fillRef>
+    <cs:effectRef idx="0"/>
+    <cs:fontRef idx="minor">
+      <a:schemeClr val="tx1"/>
+    </cs:fontRef>
+    <cs:spPr>
+      <a:ln w="25400">
+        <a:solidFill>
+          <a:schemeClr val="lt1"/>
+        </a:solidFill>
+      </a:ln>
+    </cs:spPr>
+  </cs:dataPoint3D>
+  <cs:dataPointLine>
+    <cs:lnRef idx="0">
+      <cs:styleClr val="auto"/>
+    </cs:lnRef>
+    <cs:fillRef idx="0"/>
+    <cs:effectRef idx="0"/>
+    <cs:fontRef idx="minor">
+      <a:schemeClr val="tx1"/>
+    </cs:fontRef>
+    <cs:spPr>
+      <a:ln w="28575" cap="rnd">
+        <a:solidFill>
+          <a:schemeClr val="phClr"/>
+        </a:solidFill>
+        <a:round/>
+      </a:ln>
+    </cs:spPr>
+  </cs:dataPointLine>
+  <cs:dataPointMarker>
+    <cs:lnRef idx="0">
+      <cs:styleClr val="auto"/>
+    </cs:lnRef>
+    <cs:fillRef idx="1">
+      <cs:styleClr val="auto"/>
+    </cs:fillRef>
+    <cs:effectRef idx="0"/>
+    <cs:fontRef idx="minor">
+      <a:schemeClr val="tx1"/>
+    </cs:fontRef>
+    <cs:spPr>
+      <a:ln w="9525">
+        <a:solidFill>
+          <a:schemeClr val="phClr"/>
+        </a:solidFill>
+      </a:ln>
+    </cs:spPr>
+  </cs:dataPointMarker>
+  <cs:dataPointMarkerLayout symbol="circle" size="5"/>
+  <cs:dataPointWireframe>
+    <cs:lnRef idx="0">
+      <cs:styleClr val="auto"/>
+    </cs:lnRef>
+    <cs:fillRef idx="0"/>
+    <cs:effectRef idx="0"/>
+    <cs:fontRef idx="minor">
+      <a:schemeClr val="tx1"/>
+    </cs:fontRef>
+    <cs:spPr>
+      <a:ln w="9525" cap="rnd">
+        <a:solidFill>
+          <a:schemeClr val="phClr"/>
+        </a:solidFill>
+        <a:round/>
+      </a:ln>
+    </cs:spPr>
+  </cs:dataPointWireframe>
+  <cs:dataTable>
+    <cs:lnRef idx="0"/>
+    <cs:fillRef idx="0"/>
+    <cs:effectRef idx="0"/>
+    <cs:fontRef idx="minor">
+      <a:schemeClr val="tx1">
+        <a:lumMod val="65000"/>
+        <a:lumOff val="35000"/>
+      </a:schemeClr>
+    </cs:fontRef>
+    <cs:spPr>
+      <a:noFill/>
+      <a:ln w="9525" cap="flat" cmpd="sng" algn="ctr">
+        <a:solidFill>
+          <a:schemeClr val="tx1">
+            <a:lumMod val="15000"/>
+            <a:lumOff val="85000"/>
+          </a:schemeClr>
+        </a:solidFill>
+        <a:round/>
+      </a:ln>
+    </cs:spPr>
+    <cs:defRPr sz="1197" kern="1200"/>
+  </cs:dataTable>
+  <cs:downBar>
+    <cs:lnRef idx="0"/>
+    <cs:fillRef idx="0"/>
+    <cs:effectRef idx="0"/>
+    <cs:fontRef idx="minor">
+      <a:schemeClr val="tx1"/>
+    </cs:fontRef>
+    <cs:spPr>
+      <a:solidFill>
+        <a:schemeClr val="dk1">
+          <a:lumMod val="75000"/>
+          <a:lumOff val="25000"/>
+        </a:schemeClr>
+      </a:solidFill>
+      <a:ln w="9525" cap="flat" cmpd="sng" algn="ctr">
+        <a:solidFill>
+          <a:schemeClr val="tx1">
+            <a:lumMod val="65000"/>
+            <a:lumOff val="35000"/>
+          </a:schemeClr>
+        </a:solidFill>
+        <a:round/>
+      </a:ln>
+    </cs:spPr>
+  </cs:downBar>
+  <cs:dropLine>
+    <cs:lnRef idx="0"/>
+    <cs:fillRef idx="0"/>
+    <cs:effectRef idx="0"/>
+    <cs:fontRef idx="minor">
+      <a:schemeClr val="tx1"/>
+    </cs:fontRef>
+    <cs:spPr>
+      <a:ln w="9525" cap="flat" cmpd="sng" algn="ctr">
+        <a:solidFill>
+          <a:schemeClr val="tx1">
+            <a:lumMod val="35000"/>
+            <a:lumOff val="65000"/>
+          </a:schemeClr>
+        </a:solidFill>
+        <a:round/>
+      </a:ln>
+    </cs:spPr>
+  </cs:dropLine>
+  <cs:errorBar>
+    <cs:lnRef idx="0"/>
+    <cs:fillRef idx="0"/>
+    <cs:effectRef idx="0"/>
+    <cs:fontRef idx="minor">
+      <a:schemeClr val="tx1"/>
+    </cs:fontRef>
+    <cs:spPr>
+      <a:ln w="9525" cap="flat" cmpd="sng" algn="ctr">
+        <a:solidFill>
+          <a:schemeClr val="tx1">
+            <a:lumMod val="65000"/>
+            <a:lumOff val="35000"/>
+          </a:schemeClr>
+        </a:solidFill>
+        <a:round/>
+      </a:ln>
+    </cs:spPr>
+  </cs:errorBar>
+  <cs:floor>
+    <cs:lnRef idx="0"/>
+    <cs:fillRef idx="0"/>
+    <cs:effectRef idx="0"/>
+    <cs:fontRef idx="minor">
+      <a:schemeClr val="tx1"/>
+    </cs:fontRef>
+    <cs:spPr>
+      <a:noFill/>
+      <a:ln>
+        <a:noFill/>
+      </a:ln>
+    </cs:spPr>
+  </cs:floor>
+  <cs:gridlineMajor>
+    <cs:lnRef idx="0"/>
+    <cs:fillRef idx="0"/>
+    <cs:effectRef idx="0"/>
+    <cs:fontRef idx="minor">
+      <a:schemeClr val="tx1"/>
+    </cs:fontRef>
+    <cs:spPr>
+      <a:ln w="9525" cap="flat" cmpd="sng" algn="ctr">
+        <a:solidFill>
+          <a:schemeClr val="tx1">
+            <a:lumMod val="15000"/>
+            <a:lumOff val="85000"/>
+          </a:schemeClr>
+        </a:solidFill>
+        <a:round/>
+      </a:ln>
+    </cs:spPr>
+  </cs:gridlineMajor>
+  <cs:gridlineMinor>
+    <cs:lnRef idx="0"/>
+    <cs:fillRef idx="0"/>
+    <cs:effectRef idx="0"/>
+    <cs:fontRef idx="minor">
+      <a:schemeClr val="tx1"/>
+    </cs:fontRef>
+    <cs:spPr>
+      <a:ln w="9525" cap="flat" cmpd="sng" algn="ctr">
+        <a:solidFill>
+          <a:schemeClr val="tx1">
+            <a:lumMod val="5000"/>
+            <a:lumOff val="95000"/>
+          </a:schemeClr>
+        </a:solidFill>
+        <a:round/>
+      </a:ln>
+    </cs:spPr>
+  </cs:gridlineMinor>
+  <cs:hiLoLine>
+    <cs:lnRef idx="0"/>
+    <cs:fillRef idx="0"/>
+    <cs:effectRef idx="0"/>
+    <cs:fontRef idx="minor">
+      <a:schemeClr val="tx1"/>
+    </cs:fontRef>
+    <cs:spPr>
+      <a:ln w="9525" cap="flat" cmpd="sng" algn="ctr">
+        <a:solidFill>
+          <a:schemeClr val="tx1">
+            <a:lumMod val="50000"/>
+            <a:lumOff val="50000"/>
+          </a:schemeClr>
+        </a:solidFill>
+        <a:round/>
+      </a:ln>
+    </cs:spPr>
+  </cs:hiLoLine>
+  <cs:leaderLine>
+    <cs:lnRef idx="0"/>
+    <cs:fillRef idx="0"/>
+    <cs:effectRef idx="0"/>
+    <cs:fontRef idx="minor">
+      <a:schemeClr val="tx1"/>
+    </cs:fontRef>
+    <cs:spPr>
+      <a:ln w="9525" cap="flat" cmpd="sng" algn="ctr">
+        <a:solidFill>
+          <a:schemeClr val="tx1">
+            <a:lumMod val="35000"/>
+            <a:lumOff val="65000"/>
+          </a:schemeClr>
+        </a:solidFill>
+        <a:round/>
+      </a:ln>
+    </cs:spPr>
+  </cs:leaderLine>
+  <cs:legend>
+    <cs:lnRef idx="0"/>
+    <cs:fillRef idx="0"/>
+    <cs:effectRef idx="0"/>
+    <cs:fontRef idx="minor">
+      <a:schemeClr val="tx1">
+        <a:lumMod val="65000"/>
+        <a:lumOff val="35000"/>
+      </a:schemeClr>
+    </cs:fontRef>
+    <cs:defRPr sz="1197" kern="1200"/>
+  </cs:legend>
+  <cs:plotArea mods="allowNoFillOverride allowNoLineOverride">
+    <cs:lnRef idx="0"/>
+    <cs:fillRef idx="0"/>
+    <cs:effectRef idx="0"/>
+    <cs:fontRef idx="minor">
+      <a:schemeClr val="tx1"/>
+    </cs:fontRef>
+  </cs:plotArea>
+  <cs:plotArea3D mods="allowNoFillOverride allowNoLineOverride">
+    <cs:lnRef idx="0"/>
+    <cs:fillRef idx="0"/>
+    <cs:effectRef idx="0"/>
+    <cs:fontRef idx="minor">
+      <a:schemeClr val="tx1"/>
+    </cs:fontRef>
+  </cs:plotArea3D>
+  <cs:seriesAxis>
+    <cs:lnRef idx="0"/>
+    <cs:fillRef idx="0"/>
+    <cs:effectRef idx="0"/>
+    <cs:fontRef idx="minor">
+      <a:schemeClr val="tx1">
+        <a:lumMod val="65000"/>
+        <a:lumOff val="35000"/>
+      </a:schemeClr>
+    </cs:fontRef>
+    <cs:defRPr sz="1197" kern="1200"/>
+  </cs:seriesAxis>
+  <cs:seriesLine>
+    <cs:lnRef idx="0"/>
+    <cs:fillRef idx="0"/>
+    <cs:effectRef idx="0"/>
+    <cs:fontRef idx="minor">
+      <a:schemeClr val="tx1"/>
+    </cs:fontRef>
+    <cs:spPr>
+      <a:ln w="9525" cap="flat" cmpd="sng" algn="ctr">
+        <a:solidFill>
+          <a:schemeClr val="tx1">
+            <a:lumMod val="35000"/>
+            <a:lumOff val="65000"/>
+          </a:schemeClr>
+        </a:solidFill>
+        <a:round/>
+      </a:ln>
+    </cs:spPr>
+  </cs:seriesLine>
+  <cs:title>
+    <cs:lnRef idx="0"/>
+    <cs:fillRef idx="0"/>
+    <cs:effectRef idx="0"/>
+    <cs:fontRef idx="minor">
+      <a:schemeClr val="tx1">
+        <a:lumMod val="65000"/>
+        <a:lumOff val="35000"/>
+      </a:schemeClr>
+    </cs:fontRef>
+    <cs:defRPr sz="1862" b="0" kern="1200" spc="0" baseline="0"/>
+  </cs:title>
+  <cs:trendline>
+    <cs:lnRef idx="0">
+      <cs:styleClr val="auto"/>
+    </cs:lnRef>
+    <cs:fillRef idx="0"/>
+    <cs:effectRef idx="0"/>
+    <cs:fontRef idx="minor">
+      <a:schemeClr val="tx1"/>
+    </cs:fontRef>
+    <cs:spPr>
+      <a:ln w="19050" cap="rnd">
+        <a:solidFill>
+          <a:schemeClr val="phClr"/>
+        </a:solidFill>
+        <a:prstDash val="sysDot"/>
+      </a:ln>
+    </cs:spPr>
+  </cs:trendline>
+  <cs:trendlineLabel>
+    <cs:lnRef idx="0"/>
+    <cs:fillRef idx="0"/>
+    <cs:effectRef idx="0"/>
+    <cs:fontRef idx="minor">
+      <a:schemeClr val="tx1">
+        <a:lumMod val="65000"/>
+        <a:lumOff val="35000"/>
+      </a:schemeClr>
+    </cs:fontRef>
+    <cs:defRPr sz="1197" kern="1200"/>
+  </cs:trendlineLabel>
+  <cs:upBar>
+    <cs:lnRef idx="0"/>
+    <cs:fillRef idx="0"/>
+    <cs:effectRef idx="0"/>
+    <cs:fontRef idx="minor">
+      <a:schemeClr val="tx1"/>
+    </cs:fontRef>
+    <cs:spPr>
+      <a:solidFill>
+        <a:schemeClr val="lt1"/>
+      </a:solidFill>
+      <a:ln w="9525" cap="flat" cmpd="sng" algn="ctr">
+        <a:solidFill>
+          <a:schemeClr val="tx1">
+            <a:lumMod val="65000"/>
+            <a:lumOff val="35000"/>
+          </a:schemeClr>
+        </a:solidFill>
+        <a:round/>
+      </a:ln>
+    </cs:spPr>
+  </cs:upBar>
+  <cs:valueAxis>
+    <cs:lnRef idx="0"/>
+    <cs:fillRef idx="0"/>
+    <cs:effectRef idx="0"/>
+    <cs:fontRef idx="minor">
+      <a:schemeClr val="tx1">
+        <a:lumMod val="65000"/>
+        <a:lumOff val="35000"/>
+      </a:schemeClr>
+    </cs:fontRef>
+    <cs:defRPr sz="1197" kern="1200"/>
+  </cs:valueAxis>
+  <cs:wall>
+    <cs:lnRef idx="0"/>
+    <cs:fillRef idx="0"/>
+    <cs:effectRef idx="0"/>
+    <cs:fontRef idx="minor">
+      <a:schemeClr val="tx1"/>
+    </cs:fontRef>
+    <cs:spPr>
+      <a:noFill/>
+      <a:ln>
+        <a:noFill/>
+      </a:ln>
+    </cs:spPr>
+  </cs:wall>
+</cs:chartStyle>
+</file>
+
+<file path=ppt/charts/style2.xml><?xml version="1.0" encoding="utf-8"?>
+<cs:chartStyle xmlns:cs="http://schemas.microsoft.com/office/drawing/2012/chartStyle" xmlns:a="http://schemas.openxmlformats.org/drawingml/2006/main" id="251">
+  <cs:axisTitle>
+    <cs:lnRef idx="0"/>
+    <cs:fillRef idx="0"/>
+    <cs:effectRef idx="0"/>
+    <cs:fontRef idx="minor">
+      <a:schemeClr val="tx1">
+        <a:lumMod val="65000"/>
+        <a:lumOff val="35000"/>
+      </a:schemeClr>
+    </cs:fontRef>
+    <cs:defRPr sz="1330" kern="1200"/>
+  </cs:axisTitle>
+  <cs:categoryAxis>
+    <cs:lnRef idx="0"/>
+    <cs:fillRef idx="0"/>
+    <cs:effectRef idx="0"/>
+    <cs:fontRef idx="minor">
+      <a:schemeClr val="tx1">
+        <a:lumMod val="65000"/>
+        <a:lumOff val="35000"/>
+      </a:schemeClr>
+    </cs:fontRef>
+    <cs:spPr>
+      <a:ln w="9525" cap="flat" cmpd="sng" algn="ctr">
+        <a:solidFill>
+          <a:schemeClr val="tx1">
+            <a:lumMod val="15000"/>
+            <a:lumOff val="85000"/>
+          </a:schemeClr>
+        </a:solidFill>
+        <a:round/>
+      </a:ln>
+    </cs:spPr>
+    <cs:defRPr sz="1197" kern="1200"/>
+  </cs:categoryAxis>
+  <cs:chartArea mods="allowNoFillOverride allowNoLineOverride">
+    <cs:lnRef idx="0"/>
+    <cs:fillRef idx="0"/>
+    <cs:effectRef idx="0"/>
+    <cs:fontRef idx="minor">
+      <a:schemeClr val="tx1"/>
+    </cs:fontRef>
+    <cs:spPr>
+      <a:solidFill>
+        <a:schemeClr val="bg1"/>
+      </a:solidFill>
+      <a:ln w="9525" cap="flat" cmpd="sng" algn="ctr">
+        <a:solidFill>
+          <a:schemeClr val="tx1">
+            <a:lumMod val="15000"/>
+            <a:lumOff val="85000"/>
+          </a:schemeClr>
+        </a:solidFill>
+        <a:round/>
+      </a:ln>
+    </cs:spPr>
+    <cs:defRPr sz="1197" kern="1200"/>
+  </cs:chartArea>
+  <cs:dataLabel>
+    <cs:lnRef idx="0"/>
+    <cs:fillRef idx="0"/>
+    <cs:effectRef idx="0"/>
+    <cs:fontRef idx="minor">
+      <a:schemeClr val="tx1">
+        <a:lumMod val="75000"/>
+        <a:lumOff val="25000"/>
+      </a:schemeClr>
+    </cs:fontRef>
+    <cs:defRPr sz="1197" kern="1200"/>
+  </cs:dataLabel>
+  <cs:dataLabelCallout>
+    <cs:lnRef idx="0"/>
+    <cs:fillRef idx="0"/>
+    <cs:effectRef idx="0"/>
+    <cs:fontRef idx="minor">
+      <a:schemeClr val="dk1">
+        <a:lumMod val="65000"/>
+        <a:lumOff val="35000"/>
+      </a:schemeClr>
+    </cs:fontRef>
+    <cs:spPr>
+      <a:solidFill>
+        <a:schemeClr val="lt1"/>
+      </a:solidFill>
+      <a:ln>
+        <a:solidFill>
+          <a:schemeClr val="dk1">
+            <a:lumMod val="25000"/>
+            <a:lumOff val="75000"/>
+          </a:schemeClr>
+        </a:solidFill>
+      </a:ln>
+    </cs:spPr>
+    <cs:defRPr sz="1197" kern="1200"/>
+    <cs:bodyPr rot="0" spcFirstLastPara="1" vertOverflow="clip" horzOverflow="clip" vert="horz" wrap="square" lIns="36576" tIns="18288" rIns="36576" bIns="18288" anchor="ctr" anchorCtr="1">
+      <a:spAutoFit/>
+    </cs:bodyPr>
+  </cs:dataLabelCallout>
+  <cs:dataPoint>
+    <cs:lnRef idx="0"/>
+    <cs:fillRef idx="1">
+      <cs:styleClr val="auto"/>
+    </cs:fillRef>
+    <cs:effectRef idx="0"/>
+    <cs:fontRef idx="minor">
+      <a:schemeClr val="tx1"/>
+    </cs:fontRef>
+    <cs:spPr>
+      <a:ln w="19050">
+        <a:solidFill>
+          <a:schemeClr val="lt1"/>
+        </a:solidFill>
+      </a:ln>
+    </cs:spPr>
+  </cs:dataPoint>
+  <cs:dataPoint3D>
+    <cs:lnRef idx="0"/>
+    <cs:fillRef idx="1">
+      <cs:styleClr val="auto"/>
+    </cs:fillRef>
+    <cs:effectRef idx="0"/>
+    <cs:fontRef idx="minor">
+      <a:schemeClr val="tx1"/>
+    </cs:fontRef>
+    <cs:spPr>
+      <a:ln w="25400">
+        <a:solidFill>
+          <a:schemeClr val="lt1"/>
+        </a:solidFill>
+      </a:ln>
+    </cs:spPr>
+  </cs:dataPoint3D>
+  <cs:dataPointLine>
+    <cs:lnRef idx="0">
+      <cs:styleClr val="auto"/>
+    </cs:lnRef>
+    <cs:fillRef idx="0"/>
+    <cs:effectRef idx="0"/>
+    <cs:fontRef idx="minor">
+      <a:schemeClr val="tx1"/>
+    </cs:fontRef>
+    <cs:spPr>
+      <a:ln w="28575" cap="rnd">
+        <a:solidFill>
+          <a:schemeClr val="phClr"/>
+        </a:solidFill>
+        <a:round/>
+      </a:ln>
+    </cs:spPr>
+  </cs:dataPointLine>
+  <cs:dataPointMarker>
+    <cs:lnRef idx="0">
+      <cs:styleClr val="auto"/>
+    </cs:lnRef>
+    <cs:fillRef idx="1">
+      <cs:styleClr val="auto"/>
+    </cs:fillRef>
+    <cs:effectRef idx="0"/>
+    <cs:fontRef idx="minor">
+      <a:schemeClr val="tx1"/>
+    </cs:fontRef>
+    <cs:spPr>
+      <a:ln w="9525">
+        <a:solidFill>
+          <a:schemeClr val="phClr"/>
+        </a:solidFill>
+      </a:ln>
+    </cs:spPr>
+  </cs:dataPointMarker>
+  <cs:dataPointMarkerLayout symbol="circle" size="5"/>
+  <cs:dataPointWireframe>
+    <cs:lnRef idx="0">
+      <cs:styleClr val="auto"/>
+    </cs:lnRef>
+    <cs:fillRef idx="0"/>
+    <cs:effectRef idx="0"/>
+    <cs:fontRef idx="minor">
+      <a:schemeClr val="tx1"/>
+    </cs:fontRef>
+    <cs:spPr>
+      <a:ln w="9525" cap="rnd">
+        <a:solidFill>
+          <a:schemeClr val="phClr"/>
+        </a:solidFill>
+        <a:round/>
+      </a:ln>
+    </cs:spPr>
+  </cs:dataPointWireframe>
+  <cs:dataTable>
+    <cs:lnRef idx="0"/>
+    <cs:fillRef idx="0"/>
+    <cs:effectRef idx="0"/>
+    <cs:fontRef idx="minor">
+      <a:schemeClr val="tx1">
+        <a:lumMod val="65000"/>
+        <a:lumOff val="35000"/>
+      </a:schemeClr>
+    </cs:fontRef>
+    <cs:spPr>
+      <a:noFill/>
+      <a:ln w="9525" cap="flat" cmpd="sng" algn="ctr">
+        <a:solidFill>
+          <a:schemeClr val="tx1">
+            <a:lumMod val="15000"/>
+            <a:lumOff val="85000"/>
+          </a:schemeClr>
+        </a:solidFill>
+        <a:round/>
+      </a:ln>
+    </cs:spPr>
+    <cs:defRPr sz="1197" kern="1200"/>
+  </cs:dataTable>
+  <cs:downBar>
+    <cs:lnRef idx="0"/>
+    <cs:fillRef idx="0"/>
+    <cs:effectRef idx="0"/>
+    <cs:fontRef idx="minor">
+      <a:schemeClr val="tx1"/>
+    </cs:fontRef>
+    <cs:spPr>
+      <a:solidFill>
+        <a:schemeClr val="dk1">
+          <a:lumMod val="75000"/>
+          <a:lumOff val="25000"/>
+        </a:schemeClr>
+      </a:solidFill>
+      <a:ln w="9525" cap="flat" cmpd="sng" algn="ctr">
+        <a:solidFill>
+          <a:schemeClr val="tx1">
+            <a:lumMod val="65000"/>
+            <a:lumOff val="35000"/>
+          </a:schemeClr>
+        </a:solidFill>
+        <a:round/>
+      </a:ln>
+    </cs:spPr>
+  </cs:downBar>
+  <cs:dropLine>
+    <cs:lnRef idx="0"/>
+    <cs:fillRef idx="0"/>
+    <cs:effectRef idx="0"/>
+    <cs:fontRef idx="minor">
+      <a:schemeClr val="tx1"/>
+    </cs:fontRef>
+    <cs:spPr>
+      <a:ln w="9525" cap="flat" cmpd="sng" algn="ctr">
+        <a:solidFill>
+          <a:schemeClr val="tx1">
+            <a:lumMod val="35000"/>
+            <a:lumOff val="65000"/>
+          </a:schemeClr>
+        </a:solidFill>
+        <a:round/>
+      </a:ln>
+    </cs:spPr>
+  </cs:dropLine>
+  <cs:errorBar>
+    <cs:lnRef idx="0"/>
+    <cs:fillRef idx="0"/>
+    <cs:effectRef idx="0"/>
+    <cs:fontRef idx="minor">
+      <a:schemeClr val="tx1"/>
+    </cs:fontRef>
+    <cs:spPr>
+      <a:ln w="9525" cap="flat" cmpd="sng" algn="ctr">
+        <a:solidFill>
+          <a:schemeClr val="tx1">
+            <a:lumMod val="65000"/>
+            <a:lumOff val="35000"/>
+          </a:schemeClr>
+        </a:solidFill>
+        <a:round/>
+      </a:ln>
+    </cs:spPr>
+  </cs:errorBar>
+  <cs:floor>
+    <cs:lnRef idx="0"/>
+    <cs:fillRef idx="0"/>
+    <cs:effectRef idx="0"/>
+    <cs:fontRef idx="minor">
+      <a:schemeClr val="tx1"/>
+    </cs:fontRef>
+    <cs:spPr>
+      <a:noFill/>
+      <a:ln>
+        <a:noFill/>
+      </a:ln>
+    </cs:spPr>
+  </cs:floor>
+  <cs:gridlineMajor>
+    <cs:lnRef idx="0"/>
+    <cs:fillRef idx="0"/>
+    <cs:effectRef idx="0"/>
+    <cs:fontRef idx="minor">
+      <a:schemeClr val="tx1"/>
+    </cs:fontRef>
+    <cs:spPr>
+      <a:ln w="9525" cap="flat" cmpd="sng" algn="ctr">
+        <a:solidFill>
+          <a:schemeClr val="tx1">
+            <a:lumMod val="15000"/>
+            <a:lumOff val="85000"/>
+          </a:schemeClr>
+        </a:solidFill>
+        <a:round/>
+      </a:ln>
+    </cs:spPr>
+  </cs:gridlineMajor>
+  <cs:gridlineMinor>
+    <cs:lnRef idx="0"/>
+    <cs:fillRef idx="0"/>
+    <cs:effectRef idx="0"/>
+    <cs:fontRef idx="minor">
+      <a:schemeClr val="tx1"/>
+    </cs:fontRef>
+    <cs:spPr>
+      <a:ln w="9525" cap="flat" cmpd="sng" algn="ctr">
+        <a:solidFill>
+          <a:schemeClr val="tx1">
+            <a:lumMod val="5000"/>
+            <a:lumOff val="95000"/>
+          </a:schemeClr>
+        </a:solidFill>
+        <a:round/>
+      </a:ln>
+    </cs:spPr>
+  </cs:gridlineMinor>
+  <cs:hiLoLine>
+    <cs:lnRef idx="0"/>
+    <cs:fillRef idx="0"/>
+    <cs:effectRef idx="0"/>
+    <cs:fontRef idx="minor">
+      <a:schemeClr val="tx1"/>
+    </cs:fontRef>
+    <cs:spPr>
+      <a:ln w="9525" cap="flat" cmpd="sng" algn="ctr">
+        <a:solidFill>
+          <a:schemeClr val="tx1">
+            <a:lumMod val="50000"/>
+            <a:lumOff val="50000"/>
+          </a:schemeClr>
+        </a:solidFill>
+        <a:round/>
+      </a:ln>
+    </cs:spPr>
+  </cs:hiLoLine>
+  <cs:leaderLine>
+    <cs:lnRef idx="0"/>
+    <cs:fillRef idx="0"/>
+    <cs:effectRef idx="0"/>
+    <cs:fontRef idx="minor">
+      <a:schemeClr val="tx1"/>
+    </cs:fontRef>
+    <cs:spPr>
+      <a:ln w="9525" cap="flat" cmpd="sng" algn="ctr">
+        <a:solidFill>
+          <a:schemeClr val="tx1">
+            <a:lumMod val="35000"/>
+            <a:lumOff val="65000"/>
+          </a:schemeClr>
+        </a:solidFill>
+        <a:round/>
+      </a:ln>
+    </cs:spPr>
+  </cs:leaderLine>
+  <cs:legend>
+    <cs:lnRef idx="0"/>
+    <cs:fillRef idx="0"/>
+    <cs:effectRef idx="0"/>
+    <cs:fontRef idx="minor">
+      <a:schemeClr val="tx1">
+        <a:lumMod val="65000"/>
+        <a:lumOff val="35000"/>
+      </a:schemeClr>
+    </cs:fontRef>
+    <cs:defRPr sz="1197" kern="1200"/>
+  </cs:legend>
+  <cs:plotArea mods="allowNoFillOverride allowNoLineOverride">
+    <cs:lnRef idx="0"/>
+    <cs:fillRef idx="0"/>
+    <cs:effectRef idx="0"/>
+    <cs:fontRef idx="minor">
+      <a:schemeClr val="tx1"/>
+    </cs:fontRef>
+  </cs:plotArea>
+  <cs:plotArea3D mods="allowNoFillOverride allowNoLineOverride">
+    <cs:lnRef idx="0"/>
+    <cs:fillRef idx="0"/>
+    <cs:effectRef idx="0"/>
+    <cs:fontRef idx="minor">
+      <a:schemeClr val="tx1"/>
+    </cs:fontRef>
+  </cs:plotArea3D>
+  <cs:seriesAxis>
+    <cs:lnRef idx="0"/>
+    <cs:fillRef idx="0"/>
+    <cs:effectRef idx="0"/>
+    <cs:fontRef idx="minor">
+      <a:schemeClr val="tx1">
+        <a:lumMod val="65000"/>
+        <a:lumOff val="35000"/>
+      </a:schemeClr>
+    </cs:fontRef>
+    <cs:defRPr sz="1197" kern="1200"/>
+  </cs:seriesAxis>
+  <cs:seriesLine>
+    <cs:lnRef idx="0"/>
+    <cs:fillRef idx="0"/>
+    <cs:effectRef idx="0"/>
+    <cs:fontRef idx="minor">
+      <a:schemeClr val="tx1"/>
+    </cs:fontRef>
+    <cs:spPr>
+      <a:ln w="9525" cap="flat" cmpd="sng" algn="ctr">
+        <a:solidFill>
+          <a:schemeClr val="tx1">
+            <a:lumMod val="35000"/>
+            <a:lumOff val="65000"/>
+          </a:schemeClr>
+        </a:solidFill>
+        <a:round/>
+      </a:ln>
+    </cs:spPr>
+  </cs:seriesLine>
+  <cs:title>
+    <cs:lnRef idx="0"/>
+    <cs:fillRef idx="0"/>
+    <cs:effectRef idx="0"/>
+    <cs:fontRef idx="minor">
+      <a:schemeClr val="tx1">
+        <a:lumMod val="65000"/>
+        <a:lumOff val="35000"/>
+      </a:schemeClr>
+    </cs:fontRef>
+    <cs:defRPr sz="1862" b="0" kern="1200" spc="0" baseline="0"/>
+  </cs:title>
+  <cs:trendline>
+    <cs:lnRef idx="0">
+      <cs:styleClr val="auto"/>
+    </cs:lnRef>
+    <cs:fillRef idx="0"/>
+    <cs:effectRef idx="0"/>
+    <cs:fontRef idx="minor">
+      <a:schemeClr val="tx1"/>
+    </cs:fontRef>
+    <cs:spPr>
+      <a:ln w="19050" cap="rnd">
+        <a:solidFill>
+          <a:schemeClr val="phClr"/>
+        </a:solidFill>
+        <a:prstDash val="sysDot"/>
+      </a:ln>
+    </cs:spPr>
+  </cs:trendline>
+  <cs:trendlineLabel>
+    <cs:lnRef idx="0"/>
+    <cs:fillRef idx="0"/>
+    <cs:effectRef idx="0"/>
+    <cs:fontRef idx="minor">
+      <a:schemeClr val="tx1">
+        <a:lumMod val="65000"/>
+        <a:lumOff val="35000"/>
+      </a:schemeClr>
+    </cs:fontRef>
+    <cs:defRPr sz="1197" kern="1200"/>
+  </cs:trendlineLabel>
+  <cs:upBar>
+    <cs:lnRef idx="0"/>
+    <cs:fillRef idx="0"/>
+    <cs:effectRef idx="0"/>
+    <cs:fontRef idx="minor">
+      <a:schemeClr val="tx1"/>
+    </cs:fontRef>
+    <cs:spPr>
+      <a:solidFill>
+        <a:schemeClr val="lt1"/>
+      </a:solidFill>
+      <a:ln w="9525" cap="flat" cmpd="sng" algn="ctr">
+        <a:solidFill>
+          <a:schemeClr val="tx1">
+            <a:lumMod val="65000"/>
+            <a:lumOff val="35000"/>
+          </a:schemeClr>
+        </a:solidFill>
+        <a:round/>
+      </a:ln>
+    </cs:spPr>
+  </cs:upBar>
+  <cs:valueAxis>
+    <cs:lnRef idx="0"/>
+    <cs:fillRef idx="0"/>
+    <cs:effectRef idx="0"/>
+    <cs:fontRef idx="minor">
+      <a:schemeClr val="tx1">
+        <a:lumMod val="65000"/>
+        <a:lumOff val="35000"/>
+      </a:schemeClr>
+    </cs:fontRef>
+    <cs:defRPr sz="1197" kern="1200"/>
+  </cs:valueAxis>
+  <cs:wall>
+    <cs:lnRef idx="0"/>
+    <cs:fillRef idx="0"/>
+    <cs:effectRef idx="0"/>
+    <cs:fontRef idx="minor">
+      <a:schemeClr val="tx1"/>
+    </cs:fontRef>
+    <cs:spPr>
+      <a:noFill/>
+      <a:ln>
+        <a:noFill/>
+      </a:ln>
+    </cs:spPr>
+  </cs:wall>
+</cs:chartStyle>
+</file>
+
+<file path=ppt/charts/style3.xml><?xml version="1.0" encoding="utf-8"?>
+<cs:chartStyle xmlns:cs="http://schemas.microsoft.com/office/drawing/2012/chartStyle" xmlns:a="http://schemas.openxmlformats.org/drawingml/2006/main" id="251">
+  <cs:axisTitle>
+    <cs:lnRef idx="0"/>
+    <cs:fillRef idx="0"/>
+    <cs:effectRef idx="0"/>
+    <cs:fontRef idx="minor">
+      <a:schemeClr val="tx1">
+        <a:lumMod val="65000"/>
+        <a:lumOff val="35000"/>
+      </a:schemeClr>
+    </cs:fontRef>
+    <cs:defRPr sz="1330" kern="1200"/>
+  </cs:axisTitle>
+  <cs:categoryAxis>
+    <cs:lnRef idx="0"/>
+    <cs:fillRef idx="0"/>
+    <cs:effectRef idx="0"/>
+    <cs:fontRef idx="minor">
+      <a:schemeClr val="tx1">
+        <a:lumMod val="65000"/>
+        <a:lumOff val="35000"/>
+      </a:schemeClr>
+    </cs:fontRef>
+    <cs:spPr>
+      <a:ln w="9525" cap="flat" cmpd="sng" algn="ctr">
+        <a:solidFill>
+          <a:schemeClr val="tx1">
+            <a:lumMod val="15000"/>
+            <a:lumOff val="85000"/>
+          </a:schemeClr>
+        </a:solidFill>
+        <a:round/>
+      </a:ln>
+    </cs:spPr>
+    <cs:defRPr sz="1197" kern="1200"/>
+  </cs:categoryAxis>
+  <cs:chartArea mods="allowNoFillOverride allowNoLineOverride">
+    <cs:lnRef idx="0"/>
+    <cs:fillRef idx="0"/>
+    <cs:effectRef idx="0"/>
+    <cs:fontRef idx="minor">
+      <a:schemeClr val="tx1"/>
+    </cs:fontRef>
+    <cs:spPr>
+      <a:solidFill>
+        <a:schemeClr val="bg1"/>
+      </a:solidFill>
+      <a:ln w="9525" cap="flat" cmpd="sng" algn="ctr">
+        <a:solidFill>
+          <a:schemeClr val="tx1">
+            <a:lumMod val="15000"/>
+            <a:lumOff val="85000"/>
+          </a:schemeClr>
+        </a:solidFill>
+        <a:round/>
+      </a:ln>
+    </cs:spPr>
+    <cs:defRPr sz="1197" kern="1200"/>
+  </cs:chartArea>
+  <cs:dataLabel>
+    <cs:lnRef idx="0"/>
+    <cs:fillRef idx="0"/>
+    <cs:effectRef idx="0"/>
+    <cs:fontRef idx="minor">
+      <a:schemeClr val="tx1">
+        <a:lumMod val="75000"/>
+        <a:lumOff val="25000"/>
+      </a:schemeClr>
+    </cs:fontRef>
+    <cs:defRPr sz="1197" kern="1200"/>
+  </cs:dataLabel>
+  <cs:dataLabelCallout>
+    <cs:lnRef idx="0"/>
+    <cs:fillRef idx="0"/>
+    <cs:effectRef idx="0"/>
+    <cs:fontRef idx="minor">
+      <a:schemeClr val="dk1">
+        <a:lumMod val="65000"/>
+        <a:lumOff val="35000"/>
+      </a:schemeClr>
+    </cs:fontRef>
+    <cs:spPr>
+      <a:solidFill>
+        <a:schemeClr val="lt1"/>
+      </a:solidFill>
+      <a:ln>
+        <a:solidFill>
+          <a:schemeClr val="dk1">
+            <a:lumMod val="25000"/>
+            <a:lumOff val="75000"/>
+          </a:schemeClr>
+        </a:solidFill>
+      </a:ln>
+    </cs:spPr>
+    <cs:defRPr sz="1197" kern="1200"/>
+    <cs:bodyPr rot="0" spcFirstLastPara="1" vertOverflow="clip" horzOverflow="clip" vert="horz" wrap="square" lIns="36576" tIns="18288" rIns="36576" bIns="18288" anchor="ctr" anchorCtr="1">
+      <a:spAutoFit/>
+    </cs:bodyPr>
+  </cs:dataLabelCallout>
+  <cs:dataPoint>
+    <cs:lnRef idx="0"/>
+    <cs:fillRef idx="1">
+      <cs:styleClr val="auto"/>
+    </cs:fillRef>
+    <cs:effectRef idx="0"/>
+    <cs:fontRef idx="minor">
+      <a:schemeClr val="tx1"/>
+    </cs:fontRef>
+    <cs:spPr>
+      <a:ln w="19050">
+        <a:solidFill>
+          <a:schemeClr val="lt1"/>
+        </a:solidFill>
+      </a:ln>
+    </cs:spPr>
+  </cs:dataPoint>
+  <cs:dataPoint3D>
+    <cs:lnRef idx="0"/>
+    <cs:fillRef idx="1">
+      <cs:styleClr val="auto"/>
+    </cs:fillRef>
+    <cs:effectRef idx="0"/>
+    <cs:fontRef idx="minor">
+      <a:schemeClr val="tx1"/>
+    </cs:fontRef>
+    <cs:spPr>
+      <a:ln w="25400">
+        <a:solidFill>
+          <a:schemeClr val="lt1"/>
+        </a:solidFill>
+      </a:ln>
+    </cs:spPr>
+  </cs:dataPoint3D>
+  <cs:dataPointLine>
+    <cs:lnRef idx="0">
+      <cs:styleClr val="auto"/>
+    </cs:lnRef>
+    <cs:fillRef idx="0"/>
+    <cs:effectRef idx="0"/>
+    <cs:fontRef idx="minor">
+      <a:schemeClr val="tx1"/>
+    </cs:fontRef>
+    <cs:spPr>
+      <a:ln w="28575" cap="rnd">
+        <a:solidFill>
+          <a:schemeClr val="phClr"/>
+        </a:solidFill>
+        <a:round/>
+      </a:ln>
+    </cs:spPr>
+  </cs:dataPointLine>
+  <cs:dataPointMarker>
+    <cs:lnRef idx="0">
+      <cs:styleClr val="auto"/>
+    </cs:lnRef>
+    <cs:fillRef idx="1">
+      <cs:styleClr val="auto"/>
+    </cs:fillRef>
+    <cs:effectRef idx="0"/>
+    <cs:fontRef idx="minor">
+      <a:schemeClr val="tx1"/>
+    </cs:fontRef>
+    <cs:spPr>
+      <a:ln w="9525">
+        <a:solidFill>
+          <a:schemeClr val="phClr"/>
+        </a:solidFill>
+      </a:ln>
+    </cs:spPr>
+  </cs:dataPointMarker>
+  <cs:dataPointMarkerLayout symbol="circle" size="5"/>
+  <cs:dataPointWireframe>
+    <cs:lnRef idx="0">
+      <cs:styleClr val="auto"/>
+    </cs:lnRef>
+    <cs:fillRef idx="0"/>
+    <cs:effectRef idx="0"/>
+    <cs:fontRef idx="minor">
+      <a:schemeClr val="tx1"/>
+    </cs:fontRef>
+    <cs:spPr>
+      <a:ln w="9525" cap="rnd">
+        <a:solidFill>
+          <a:schemeClr val="phClr"/>
+        </a:solidFill>
+        <a:round/>
+      </a:ln>
+    </cs:spPr>
+  </cs:dataPointWireframe>
+  <cs:dataTable>
+    <cs:lnRef idx="0"/>
+    <cs:fillRef idx="0"/>
+    <cs:effectRef idx="0"/>
+    <cs:fontRef idx="minor">
+      <a:schemeClr val="tx1">
+        <a:lumMod val="65000"/>
+        <a:lumOff val="35000"/>
+      </a:schemeClr>
+    </cs:fontRef>
+    <cs:spPr>
+      <a:noFill/>
+      <a:ln w="9525" cap="flat" cmpd="sng" algn="ctr">
+        <a:solidFill>
+          <a:schemeClr val="tx1">
+            <a:lumMod val="15000"/>
+            <a:lumOff val="85000"/>
+          </a:schemeClr>
+        </a:solidFill>
+        <a:round/>
+      </a:ln>
+    </cs:spPr>
+    <cs:defRPr sz="1197" kern="1200"/>
+  </cs:dataTable>
+  <cs:downBar>
+    <cs:lnRef idx="0"/>
+    <cs:fillRef idx="0"/>
+    <cs:effectRef idx="0"/>
+    <cs:fontRef idx="minor">
+      <a:schemeClr val="tx1"/>
+    </cs:fontRef>
+    <cs:spPr>
+      <a:solidFill>
+        <a:schemeClr val="dk1">
+          <a:lumMod val="75000"/>
+          <a:lumOff val="25000"/>
+        </a:schemeClr>
+      </a:solidFill>
+      <a:ln w="9525" cap="flat" cmpd="sng" algn="ctr">
+        <a:solidFill>
+          <a:schemeClr val="tx1">
+            <a:lumMod val="65000"/>
+            <a:lumOff val="35000"/>
+          </a:schemeClr>
+        </a:solidFill>
+        <a:round/>
+      </a:ln>
+    </cs:spPr>
+  </cs:downBar>
+  <cs:dropLine>
+    <cs:lnRef idx="0"/>
+    <cs:fillRef idx="0"/>
+    <cs:effectRef idx="0"/>
+    <cs:fontRef idx="minor">
+      <a:schemeClr val="tx1"/>
+    </cs:fontRef>
+    <cs:spPr>
+      <a:ln w="9525" cap="flat" cmpd="sng" algn="ctr">
+        <a:solidFill>
+          <a:schemeClr val="tx1">
+            <a:lumMod val="35000"/>
+            <a:lumOff val="65000"/>
+          </a:schemeClr>
+        </a:solidFill>
+        <a:round/>
+      </a:ln>
+    </cs:spPr>
+  </cs:dropLine>
+  <cs:errorBar>
+    <cs:lnRef idx="0"/>
+    <cs:fillRef idx="0"/>
+    <cs:effectRef idx="0"/>
+    <cs:fontRef idx="minor">
+      <a:schemeClr val="tx1"/>
+    </cs:fontRef>
+    <cs:spPr>
+      <a:ln w="9525" cap="flat" cmpd="sng" algn="ctr">
+        <a:solidFill>
+          <a:schemeClr val="tx1">
+            <a:lumMod val="65000"/>
+            <a:lumOff val="35000"/>
+          </a:schemeClr>
+        </a:solidFill>
+        <a:round/>
+      </a:ln>
+    </cs:spPr>
+  </cs:errorBar>
+  <cs:floor>
+    <cs:lnRef idx="0"/>
+    <cs:fillRef idx="0"/>
+    <cs:effectRef idx="0"/>
+    <cs:fontRef idx="minor">
+      <a:schemeClr val="tx1"/>
+    </cs:fontRef>
+    <cs:spPr>
+      <a:noFill/>
+      <a:ln>
+        <a:noFill/>
+      </a:ln>
+    </cs:spPr>
+  </cs:floor>
+  <cs:gridlineMajor>
+    <cs:lnRef idx="0"/>
+    <cs:fillRef idx="0"/>
+    <cs:effectRef idx="0"/>
+    <cs:fontRef idx="minor">
+      <a:schemeClr val="tx1"/>
+    </cs:fontRef>
+    <cs:spPr>
+      <a:ln w="9525" cap="flat" cmpd="sng" algn="ctr">
+        <a:solidFill>
+          <a:schemeClr val="tx1">
+            <a:lumMod val="15000"/>
+            <a:lumOff val="85000"/>
+          </a:schemeClr>
+        </a:solidFill>
+        <a:round/>
+      </a:ln>
+    </cs:spPr>
+  </cs:gridlineMajor>
+  <cs:gridlineMinor>
+    <cs:lnRef idx="0"/>
+    <cs:fillRef idx="0"/>
+    <cs:effectRef idx="0"/>
+    <cs:fontRef idx="minor">
+      <a:schemeClr val="tx1"/>
+    </cs:fontRef>
+    <cs:spPr>
+      <a:ln w="9525" cap="flat" cmpd="sng" algn="ctr">
+        <a:solidFill>
+          <a:schemeClr val="tx1">
+            <a:lumMod val="5000"/>
+            <a:lumOff val="95000"/>
+          </a:schemeClr>
+        </a:solidFill>
+        <a:round/>
+      </a:ln>
+    </cs:spPr>
+  </cs:gridlineMinor>
+  <cs:hiLoLine>
+    <cs:lnRef idx="0"/>
+    <cs:fillRef idx="0"/>
+    <cs:effectRef idx="0"/>
+    <cs:fontRef idx="minor">
+      <a:schemeClr val="tx1"/>
+    </cs:fontRef>
+    <cs:spPr>
+      <a:ln w="9525" cap="flat" cmpd="sng" algn="ctr">
+        <a:solidFill>
+          <a:schemeClr val="tx1">
+            <a:lumMod val="50000"/>
+            <a:lumOff val="50000"/>
+          </a:schemeClr>
+        </a:solidFill>
+        <a:round/>
+      </a:ln>
+    </cs:spPr>
+  </cs:hiLoLine>
+  <cs:leaderLine>
+    <cs:lnRef idx="0"/>
+    <cs:fillRef idx="0"/>
+    <cs:effectRef idx="0"/>
+    <cs:fontRef idx="minor">
+      <a:schemeClr val="tx1"/>
+    </cs:fontRef>
+    <cs:spPr>
+      <a:ln w="9525" cap="flat" cmpd="sng" algn="ctr">
+        <a:solidFill>
+          <a:schemeClr val="tx1">
+            <a:lumMod val="35000"/>
+            <a:lumOff val="65000"/>
+          </a:schemeClr>
+        </a:solidFill>
+        <a:round/>
+      </a:ln>
+    </cs:spPr>
+  </cs:leaderLine>
+  <cs:legend>
+    <cs:lnRef idx="0"/>
+    <cs:fillRef idx="0"/>
+    <cs:effectRef idx="0"/>
+    <cs:fontRef idx="minor">
+      <a:schemeClr val="tx1">
+        <a:lumMod val="65000"/>
+        <a:lumOff val="35000"/>
+      </a:schemeClr>
+    </cs:fontRef>
+    <cs:defRPr sz="1197" kern="1200"/>
+  </cs:legend>
+  <cs:plotArea mods="allowNoFillOverride allowNoLineOverride">
+    <cs:lnRef idx="0"/>
+    <cs:fillRef idx="0"/>
+    <cs:effectRef idx="0"/>
+    <cs:fontRef idx="minor">
+      <a:schemeClr val="tx1"/>
+    </cs:fontRef>
+  </cs:plotArea>
+  <cs:plotArea3D mods="allowNoFillOverride allowNoLineOverride">
+    <cs:lnRef idx="0"/>
+    <cs:fillRef idx="0"/>
+    <cs:effectRef idx="0"/>
+    <cs:fontRef idx="minor">
+      <a:schemeClr val="tx1"/>
+    </cs:fontRef>
+  </cs:plotArea3D>
+  <cs:seriesAxis>
+    <cs:lnRef idx="0"/>
+    <cs:fillRef idx="0"/>
+    <cs:effectRef idx="0"/>
+    <cs:fontRef idx="minor">
+      <a:schemeClr val="tx1">
+        <a:lumMod val="65000"/>
+        <a:lumOff val="35000"/>
+      </a:schemeClr>
+    </cs:fontRef>
+    <cs:defRPr sz="1197" kern="1200"/>
+  </cs:seriesAxis>
+  <cs:seriesLine>
+    <cs:lnRef idx="0"/>
+    <cs:fillRef idx="0"/>
+    <cs:effectRef idx="0"/>
+    <cs:fontRef idx="minor">
+      <a:schemeClr val="tx1"/>
+    </cs:fontRef>
+    <cs:spPr>
+      <a:ln w="9525" cap="flat" cmpd="sng" algn="ctr">
+        <a:solidFill>
+          <a:schemeClr val="tx1">
+            <a:lumMod val="35000"/>
+            <a:lumOff val="65000"/>
+          </a:schemeClr>
+        </a:solidFill>
+        <a:round/>
+      </a:ln>
+    </cs:spPr>
+  </cs:seriesLine>
+  <cs:title>
+    <cs:lnRef idx="0"/>
+    <cs:fillRef idx="0"/>
+    <cs:effectRef idx="0"/>
+    <cs:fontRef idx="minor">
+      <a:schemeClr val="tx1">
+        <a:lumMod val="65000"/>
+        <a:lumOff val="35000"/>
+      </a:schemeClr>
+    </cs:fontRef>
+    <cs:defRPr sz="1862" b="0" kern="1200" spc="0" baseline="0"/>
+  </cs:title>
+  <cs:trendline>
+    <cs:lnRef idx="0">
+      <cs:styleClr val="auto"/>
+    </cs:lnRef>
+    <cs:fillRef idx="0"/>
+    <cs:effectRef idx="0"/>
+    <cs:fontRef idx="minor">
+      <a:schemeClr val="tx1"/>
+    </cs:fontRef>
+    <cs:spPr>
+      <a:ln w="19050" cap="rnd">
+        <a:solidFill>
+          <a:schemeClr val="phClr"/>
+        </a:solidFill>
+        <a:prstDash val="sysDot"/>
+      </a:ln>
+    </cs:spPr>
+  </cs:trendline>
+  <cs:trendlineLabel>
+    <cs:lnRef idx="0"/>
+    <cs:fillRef idx="0"/>
+    <cs:effectRef idx="0"/>
+    <cs:fontRef idx="minor">
+      <a:schemeClr val="tx1">
+        <a:lumMod val="65000"/>
+        <a:lumOff val="35000"/>
+      </a:schemeClr>
+    </cs:fontRef>
+    <cs:defRPr sz="1197" kern="1200"/>
+  </cs:trendlineLabel>
+  <cs:upBar>
+    <cs:lnRef idx="0"/>
+    <cs:fillRef idx="0"/>
+    <cs:effectRef idx="0"/>
+    <cs:fontRef idx="minor">
+      <a:schemeClr val="tx1"/>
+    </cs:fontRef>
+    <cs:spPr>
+      <a:solidFill>
+        <a:schemeClr val="lt1"/>
+      </a:solidFill>
+      <a:ln w="9525" cap="flat" cmpd="sng" algn="ctr">
+        <a:solidFill>
+          <a:schemeClr val="tx1">
+            <a:lumMod val="65000"/>
+            <a:lumOff val="35000"/>
+          </a:schemeClr>
+        </a:solidFill>
+        <a:round/>
+      </a:ln>
+    </cs:spPr>
+  </cs:upBar>
+  <cs:valueAxis>
+    <cs:lnRef idx="0"/>
+    <cs:fillRef idx="0"/>
+    <cs:effectRef idx="0"/>
+    <cs:fontRef idx="minor">
+      <a:schemeClr val="tx1">
+        <a:lumMod val="65000"/>
+        <a:lumOff val="35000"/>
+      </a:schemeClr>
+    </cs:fontRef>
+    <cs:defRPr sz="1197" kern="1200"/>
+  </cs:valueAxis>
+  <cs:wall>
+    <cs:lnRef idx="0"/>
+    <cs:fillRef idx="0"/>
+    <cs:effectRef idx="0"/>
+    <cs:fontRef idx="minor">
+      <a:schemeClr val="tx1"/>
+    </cs:fontRef>
+    <cs:spPr>
+      <a:noFill/>
+      <a:ln>
+        <a:noFill/>
+      </a:ln>
+    </cs:spPr>
+  </cs:wall>
+</cs:chartStyle>
+</file>
+
+<file path=ppt/charts/style4.xml><?xml version="1.0" encoding="utf-8"?>
+<cs:chartStyle xmlns:cs="http://schemas.microsoft.com/office/drawing/2012/chartStyle" xmlns:a="http://schemas.openxmlformats.org/drawingml/2006/main" id="251">
+  <cs:axisTitle>
+    <cs:lnRef idx="0"/>
+    <cs:fillRef idx="0"/>
+    <cs:effectRef idx="0"/>
+    <cs:fontRef idx="minor">
+      <a:schemeClr val="tx1">
+        <a:lumMod val="65000"/>
+        <a:lumOff val="35000"/>
+      </a:schemeClr>
+    </cs:fontRef>
+    <cs:defRPr sz="1330" kern="1200"/>
+  </cs:axisTitle>
+  <cs:categoryAxis>
+    <cs:lnRef idx="0"/>
+    <cs:fillRef idx="0"/>
+    <cs:effectRef idx="0"/>
+    <cs:fontRef idx="minor">
+      <a:schemeClr val="tx1">
+        <a:lumMod val="65000"/>
+        <a:lumOff val="35000"/>
+      </a:schemeClr>
+    </cs:fontRef>
+    <cs:spPr>
+      <a:ln w="9525" cap="flat" cmpd="sng" algn="ctr">
+        <a:solidFill>
+          <a:schemeClr val="tx1">
+            <a:lumMod val="15000"/>
+            <a:lumOff val="85000"/>
+          </a:schemeClr>
+        </a:solidFill>
+        <a:round/>
+      </a:ln>
+    </cs:spPr>
+    <cs:defRPr sz="1197" kern="1200"/>
+  </cs:categoryAxis>
+  <cs:chartArea mods="allowNoFillOverride allowNoLineOverride">
+    <cs:lnRef idx="0"/>
+    <cs:fillRef idx="0"/>
+    <cs:effectRef idx="0"/>
+    <cs:fontRef idx="minor">
+      <a:schemeClr val="tx1"/>
+    </cs:fontRef>
+    <cs:spPr>
+      <a:solidFill>
+        <a:schemeClr val="bg1"/>
+      </a:solidFill>
+      <a:ln w="9525" cap="flat" cmpd="sng" algn="ctr">
+        <a:solidFill>
+          <a:schemeClr val="tx1">
+            <a:lumMod val="15000"/>
+            <a:lumOff val="85000"/>
+          </a:schemeClr>
+        </a:solidFill>
+        <a:round/>
+      </a:ln>
+    </cs:spPr>
+    <cs:defRPr sz="1197" kern="1200"/>
+  </cs:chartArea>
+  <cs:dataLabel>
+    <cs:lnRef idx="0"/>
+    <cs:fillRef idx="0"/>
+    <cs:effectRef idx="0"/>
+    <cs:fontRef idx="minor">
+      <a:schemeClr val="tx1">
+        <a:lumMod val="75000"/>
+        <a:lumOff val="25000"/>
+      </a:schemeClr>
+    </cs:fontRef>
+    <cs:defRPr sz="1197" kern="1200"/>
+  </cs:dataLabel>
+  <cs:dataLabelCallout>
+    <cs:lnRef idx="0"/>
+    <cs:fillRef idx="0"/>
+    <cs:effectRef idx="0"/>
+    <cs:fontRef idx="minor">
+      <a:schemeClr val="dk1">
+        <a:lumMod val="65000"/>
+        <a:lumOff val="35000"/>
+      </a:schemeClr>
+    </cs:fontRef>
+    <cs:spPr>
+      <a:solidFill>
+        <a:schemeClr val="lt1"/>
+      </a:solidFill>
+      <a:ln>
+        <a:solidFill>
+          <a:schemeClr val="dk1">
+            <a:lumMod val="25000"/>
+            <a:lumOff val="75000"/>
+          </a:schemeClr>
+        </a:solidFill>
+      </a:ln>
+    </cs:spPr>
+    <cs:defRPr sz="1197" kern="1200"/>
+    <cs:bodyPr rot="0" spcFirstLastPara="1" vertOverflow="clip" horzOverflow="clip" vert="horz" wrap="square" lIns="36576" tIns="18288" rIns="36576" bIns="18288" anchor="ctr" anchorCtr="1">
+      <a:spAutoFit/>
+    </cs:bodyPr>
+  </cs:dataLabelCallout>
+  <cs:dataPoint>
+    <cs:lnRef idx="0"/>
+    <cs:fillRef idx="1">
+      <cs:styleClr val="auto"/>
+    </cs:fillRef>
+    <cs:effectRef idx="0"/>
+    <cs:fontRef idx="minor">
+      <a:schemeClr val="tx1"/>
+    </cs:fontRef>
+    <cs:spPr>
+      <a:ln w="19050">
+        <a:solidFill>
+          <a:schemeClr val="lt1"/>
+        </a:solidFill>
+      </a:ln>
+    </cs:spPr>
+  </cs:dataPoint>
+  <cs:dataPoint3D>
+    <cs:lnRef idx="0"/>
+    <cs:fillRef idx="1">
+      <cs:styleClr val="auto"/>
+    </cs:fillRef>
+    <cs:effectRef idx="0"/>
+    <cs:fontRef idx="minor">
+      <a:schemeClr val="tx1"/>
+    </cs:fontRef>
+    <cs:spPr>
+      <a:ln w="25400">
+        <a:solidFill>
+          <a:schemeClr val="lt1"/>
+        </a:solidFill>
+      </a:ln>
+    </cs:spPr>
+  </cs:dataPoint3D>
+  <cs:dataPointLine>
+    <cs:lnRef idx="0">
+      <cs:styleClr val="auto"/>
+    </cs:lnRef>
+    <cs:fillRef idx="0"/>
+    <cs:effectRef idx="0"/>
+    <cs:fontRef idx="minor">
+      <a:schemeClr val="tx1"/>
+    </cs:fontRef>
+    <cs:spPr>
+      <a:ln w="28575" cap="rnd">
+        <a:solidFill>
+          <a:schemeClr val="phClr"/>
+        </a:solidFill>
+        <a:round/>
+      </a:ln>
+    </cs:spPr>
+  </cs:dataPointLine>
+  <cs:dataPointMarker>
+    <cs:lnRef idx="0">
+      <cs:styleClr val="auto"/>
+    </cs:lnRef>
+    <cs:fillRef idx="1">
+      <cs:styleClr val="auto"/>
+    </cs:fillRef>
+    <cs:effectRef idx="0"/>
+    <cs:fontRef idx="minor">
+      <a:schemeClr val="tx1"/>
+    </cs:fontRef>
+    <cs:spPr>
+      <a:ln w="9525">
+        <a:solidFill>
+          <a:schemeClr val="phClr"/>
+        </a:solidFill>
+      </a:ln>
+    </cs:spPr>
+  </cs:dataPointMarker>
+  <cs:dataPointMarkerLayout symbol="circle" size="5"/>
+  <cs:dataPointWireframe>
+    <cs:lnRef idx="0">
+      <cs:styleClr val="auto"/>
+    </cs:lnRef>
+    <cs:fillRef idx="0"/>
+    <cs:effectRef idx="0"/>
+    <cs:fontRef idx="minor">
+      <a:schemeClr val="tx1"/>
+    </cs:fontRef>
+    <cs:spPr>
+      <a:ln w="9525" cap="rnd">
+        <a:solidFill>
+          <a:schemeClr val="phClr"/>
+        </a:solidFill>
+        <a:round/>
+      </a:ln>
+    </cs:spPr>
+  </cs:dataPointWireframe>
+  <cs:dataTable>
+    <cs:lnRef idx="0"/>
+    <cs:fillRef idx="0"/>
+    <cs:effectRef idx="0"/>
+    <cs:fontRef idx="minor">
+      <a:schemeClr val="tx1">
+        <a:lumMod val="65000"/>
+        <a:lumOff val="35000"/>
+      </a:schemeClr>
+    </cs:fontRef>
+    <cs:spPr>
+      <a:noFill/>
+      <a:ln w="9525" cap="flat" cmpd="sng" algn="ctr">
+        <a:solidFill>
+          <a:schemeClr val="tx1">
+            <a:lumMod val="15000"/>
+            <a:lumOff val="85000"/>
+          </a:schemeClr>
+        </a:solidFill>
+        <a:round/>
+      </a:ln>
+    </cs:spPr>
+    <cs:defRPr sz="1197" kern="1200"/>
+  </cs:dataTable>
+  <cs:downBar>
+    <cs:lnRef idx="0"/>
+    <cs:fillRef idx="0"/>
+    <cs:effectRef idx="0"/>
+    <cs:fontRef idx="minor">
+      <a:schemeClr val="tx1"/>
+    </cs:fontRef>
+    <cs:spPr>
+      <a:solidFill>
+        <a:schemeClr val="dk1">
+          <a:lumMod val="75000"/>
+          <a:lumOff val="25000"/>
+        </a:schemeClr>
+      </a:solidFill>
+      <a:ln w="9525" cap="flat" cmpd="sng" algn="ctr">
+        <a:solidFill>
+          <a:schemeClr val="tx1">
+            <a:lumMod val="65000"/>
+            <a:lumOff val="35000"/>
+          </a:schemeClr>
+        </a:solidFill>
+        <a:round/>
+      </a:ln>
+    </cs:spPr>
+  </cs:downBar>
+  <cs:dropLine>
+    <cs:lnRef idx="0"/>
+    <cs:fillRef idx="0"/>
+    <cs:effectRef idx="0"/>
+    <cs:fontRef idx="minor">
+      <a:schemeClr val="tx1"/>
+    </cs:fontRef>
+    <cs:spPr>
+      <a:ln w="9525" cap="flat" cmpd="sng" algn="ctr">
+        <a:solidFill>
+          <a:schemeClr val="tx1">
+            <a:lumMod val="35000"/>
+            <a:lumOff val="65000"/>
+          </a:schemeClr>
+        </a:solidFill>
+        <a:round/>
+      </a:ln>
+    </cs:spPr>
+  </cs:dropLine>
+  <cs:errorBar>
+    <cs:lnRef idx="0"/>
+    <cs:fillRef idx="0"/>
+    <cs:effectRef idx="0"/>
+    <cs:fontRef idx="minor">
+      <a:schemeClr val="tx1"/>
+    </cs:fontRef>
+    <cs:spPr>
+      <a:ln w="9525" cap="flat" cmpd="sng" algn="ctr">
+        <a:solidFill>
+          <a:schemeClr val="tx1">
+            <a:lumMod val="65000"/>
+            <a:lumOff val="35000"/>
+          </a:schemeClr>
+        </a:solidFill>
+        <a:round/>
+      </a:ln>
+    </cs:spPr>
+  </cs:errorBar>
+  <cs:floor>
+    <cs:lnRef idx="0"/>
+    <cs:fillRef idx="0"/>
+    <cs:effectRef idx="0"/>
+    <cs:fontRef idx="minor">
+      <a:schemeClr val="tx1"/>
+    </cs:fontRef>
+    <cs:spPr>
+      <a:noFill/>
+      <a:ln>
+        <a:noFill/>
+      </a:ln>
+    </cs:spPr>
+  </cs:floor>
+  <cs:gridlineMajor>
+    <cs:lnRef idx="0"/>
+    <cs:fillRef idx="0"/>
+    <cs:effectRef idx="0"/>
+    <cs:fontRef idx="minor">
+      <a:schemeClr val="tx1"/>
+    </cs:fontRef>
+    <cs:spPr>
+      <a:ln w="9525" cap="flat" cmpd="sng" algn="ctr">
+        <a:solidFill>
+          <a:schemeClr val="tx1">
+            <a:lumMod val="15000"/>
+            <a:lumOff val="85000"/>
+          </a:schemeClr>
+        </a:solidFill>
+        <a:round/>
+      </a:ln>
+    </cs:spPr>
+  </cs:gridlineMajor>
+  <cs:gridlineMinor>
+    <cs:lnRef idx="0"/>
+    <cs:fillRef idx="0"/>
+    <cs:effectRef idx="0"/>
+    <cs:fontRef idx="minor">
+      <a:schemeClr val="tx1"/>
+    </cs:fontRef>
+    <cs:spPr>
+      <a:ln w="9525" cap="flat" cmpd="sng" algn="ctr">
+        <a:solidFill>
+          <a:schemeClr val="tx1">
+            <a:lumMod val="5000"/>
+            <a:lumOff val="95000"/>
+          </a:schemeClr>
+        </a:solidFill>
+        <a:round/>
+      </a:ln>
+    </cs:spPr>
+  </cs:gridlineMinor>
+  <cs:hiLoLine>
+    <cs:lnRef idx="0"/>
+    <cs:fillRef idx="0"/>
+    <cs:effectRef idx="0"/>
+    <cs:fontRef idx="minor">
+      <a:schemeClr val="tx1"/>
+    </cs:fontRef>
+    <cs:spPr>
+      <a:ln w="9525" cap="flat" cmpd="sng" algn="ctr">
+        <a:solidFill>
+          <a:schemeClr val="tx1">
+            <a:lumMod val="50000"/>
+            <a:lumOff val="50000"/>
+          </a:schemeClr>
+        </a:solidFill>
+        <a:round/>
+      </a:ln>
+    </cs:spPr>
+  </cs:hiLoLine>
+  <cs:leaderLine>
+    <cs:lnRef idx="0"/>
+    <cs:fillRef idx="0"/>
+    <cs:effectRef idx="0"/>
+    <cs:fontRef idx="minor">
+      <a:schemeClr val="tx1"/>
+    </cs:fontRef>
+    <cs:spPr>
+      <a:ln w="9525" cap="flat" cmpd="sng" algn="ctr">
+        <a:solidFill>
+          <a:schemeClr val="tx1">
+            <a:lumMod val="35000"/>
+            <a:lumOff val="65000"/>
+          </a:schemeClr>
+        </a:solidFill>
+        <a:round/>
+      </a:ln>
+    </cs:spPr>
+  </cs:leaderLine>
+  <cs:legend>
+    <cs:lnRef idx="0"/>
+    <cs:fillRef idx="0"/>
+    <cs:effectRef idx="0"/>
+    <cs:fontRef idx="minor">
+      <a:schemeClr val="tx1">
+        <a:lumMod val="65000"/>
+        <a:lumOff val="35000"/>
+      </a:schemeClr>
+    </cs:fontRef>
+    <cs:defRPr sz="1197" kern="1200"/>
+  </cs:legend>
+  <cs:plotArea mods="allowNoFillOverride allowNoLineOverride">
+    <cs:lnRef idx="0"/>
+    <cs:fillRef idx="0"/>
+    <cs:effectRef idx="0"/>
+    <cs:fontRef idx="minor">
+      <a:schemeClr val="tx1"/>
+    </cs:fontRef>
+  </cs:plotArea>
+  <cs:plotArea3D mods="allowNoFillOverride allowNoLineOverride">
+    <cs:lnRef idx="0"/>
+    <cs:fillRef idx="0"/>
+    <cs:effectRef idx="0"/>
+    <cs:fontRef idx="minor">
+      <a:schemeClr val="tx1"/>
+    </cs:fontRef>
+  </cs:plotArea3D>
+  <cs:seriesAxis>
+    <cs:lnRef idx="0"/>
+    <cs:fillRef idx="0"/>
+    <cs:effectRef idx="0"/>
+    <cs:fontRef idx="minor">
+      <a:schemeClr val="tx1">
+        <a:lumMod val="65000"/>
+        <a:lumOff val="35000"/>
+      </a:schemeClr>
+    </cs:fontRef>
+    <cs:defRPr sz="1197" kern="1200"/>
+  </cs:seriesAxis>
+  <cs:seriesLine>
+    <cs:lnRef idx="0"/>
+    <cs:fillRef idx="0"/>
+    <cs:effectRef idx="0"/>
+    <cs:fontRef idx="minor">
+      <a:schemeClr val="tx1"/>
+    </cs:fontRef>
+    <cs:spPr>
+      <a:ln w="9525" cap="flat" cmpd="sng" algn="ctr">
+        <a:solidFill>
+          <a:schemeClr val="tx1">
+            <a:lumMod val="35000"/>
+            <a:lumOff val="65000"/>
+          </a:schemeClr>
+        </a:solidFill>
+        <a:round/>
+      </a:ln>
+    </cs:spPr>
+  </cs:seriesLine>
+  <cs:title>
+    <cs:lnRef idx="0"/>
+    <cs:fillRef idx="0"/>
+    <cs:effectRef idx="0"/>
+    <cs:fontRef idx="minor">
+      <a:schemeClr val="tx1">
+        <a:lumMod val="65000"/>
+        <a:lumOff val="35000"/>
+      </a:schemeClr>
+    </cs:fontRef>
+    <cs:defRPr sz="1862" b="0" kern="1200" spc="0" baseline="0"/>
+  </cs:title>
+  <cs:trendline>
+    <cs:lnRef idx="0">
+      <cs:styleClr val="auto"/>
+    </cs:lnRef>
+    <cs:fillRef idx="0"/>
+    <cs:effectRef idx="0"/>
+    <cs:fontRef idx="minor">
+      <a:schemeClr val="tx1"/>
+    </cs:fontRef>
+    <cs:spPr>
+      <a:ln w="19050" cap="rnd">
+        <a:solidFill>
+          <a:schemeClr val="phClr"/>
+        </a:solidFill>
+        <a:prstDash val="sysDot"/>
+      </a:ln>
+    </cs:spPr>
+  </cs:trendline>
+  <cs:trendlineLabel>
+    <cs:lnRef idx="0"/>
+    <cs:fillRef idx="0"/>
+    <cs:effectRef idx="0"/>
+    <cs:fontRef idx="minor">
+      <a:schemeClr val="tx1">
+        <a:lumMod val="65000"/>
+        <a:lumOff val="35000"/>
+      </a:schemeClr>
+    </cs:fontRef>
+    <cs:defRPr sz="1197" kern="1200"/>
+  </cs:trendlineLabel>
+  <cs:upBar>
+    <cs:lnRef idx="0"/>
+    <cs:fillRef idx="0"/>
+    <cs:effectRef idx="0"/>
+    <cs:fontRef idx="minor">
+      <a:schemeClr val="tx1"/>
+    </cs:fontRef>
+    <cs:spPr>
+      <a:solidFill>
+        <a:schemeClr val="lt1"/>
+      </a:solidFill>
+      <a:ln w="9525" cap="flat" cmpd="sng" algn="ctr">
+        <a:solidFill>
+          <a:schemeClr val="tx1">
+            <a:lumMod val="65000"/>
+            <a:lumOff val="35000"/>
+          </a:schemeClr>
+        </a:solidFill>
+        <a:round/>
+      </a:ln>
+    </cs:spPr>
+  </cs:upBar>
+  <cs:valueAxis>
+    <cs:lnRef idx="0"/>
+    <cs:fillRef idx="0"/>
+    <cs:effectRef idx="0"/>
+    <cs:fontRef idx="minor">
+      <a:schemeClr val="tx1">
+        <a:lumMod val="65000"/>
+        <a:lumOff val="35000"/>
+      </a:schemeClr>
+    </cs:fontRef>
+    <cs:defRPr sz="1197" kern="1200"/>
+  </cs:valueAxis>
+  <cs:wall>
+    <cs:lnRef idx="0"/>
+    <cs:fillRef idx="0"/>
+    <cs:effectRef idx="0"/>
+    <cs:fontRef idx="minor">
+      <a:schemeClr val="tx1"/>
+    </cs:fontRef>
+    <cs:spPr>
+      <a:noFill/>
+      <a:ln>
+        <a:noFill/>
+      </a:ln>
+    </cs:spPr>
+  </cs:wall>
+</cs:chartStyle>
+</file>
+
+<file path=ppt/charts/style5.xml><?xml version="1.0" encoding="utf-8"?>
+<cs:chartStyle xmlns:cs="http://schemas.microsoft.com/office/drawing/2012/chartStyle" xmlns:a="http://schemas.openxmlformats.org/drawingml/2006/main" id="251">
+  <cs:axisTitle>
+    <cs:lnRef idx="0"/>
+    <cs:fillRef idx="0"/>
+    <cs:effectRef idx="0"/>
+    <cs:fontRef idx="minor">
+      <a:schemeClr val="tx1">
+        <a:lumMod val="65000"/>
+        <a:lumOff val="35000"/>
+      </a:schemeClr>
+    </cs:fontRef>
+    <cs:defRPr sz="1330" kern="1200"/>
+  </cs:axisTitle>
+  <cs:categoryAxis>
+    <cs:lnRef idx="0"/>
+    <cs:fillRef idx="0"/>
+    <cs:effectRef idx="0"/>
+    <cs:fontRef idx="minor">
+      <a:schemeClr val="tx1">
+        <a:lumMod val="65000"/>
+        <a:lumOff val="35000"/>
+      </a:schemeClr>
+    </cs:fontRef>
+    <cs:spPr>
+      <a:ln w="9525" cap="flat" cmpd="sng" algn="ctr">
+        <a:solidFill>
+          <a:schemeClr val="tx1">
+            <a:lumMod val="15000"/>
+            <a:lumOff val="85000"/>
+          </a:schemeClr>
+        </a:solidFill>
+        <a:round/>
+      </a:ln>
+    </cs:spPr>
+    <cs:defRPr sz="1197" kern="1200"/>
+  </cs:categoryAxis>
+  <cs:chartArea mods="allowNoFillOverride allowNoLineOverride">
+    <cs:lnRef idx="0"/>
+    <cs:fillRef idx="0"/>
+    <cs:effectRef idx="0"/>
+    <cs:fontRef idx="minor">
+      <a:schemeClr val="tx1"/>
+    </cs:fontRef>
+    <cs:spPr>
+      <a:solidFill>
+        <a:schemeClr val="bg1"/>
+      </a:solidFill>
+      <a:ln w="9525" cap="flat" cmpd="sng" algn="ctr">
+        <a:solidFill>
+          <a:schemeClr val="tx1">
+            <a:lumMod val="15000"/>
+            <a:lumOff val="85000"/>
+          </a:schemeClr>
+        </a:solidFill>
+        <a:round/>
+      </a:ln>
+    </cs:spPr>
+    <cs:defRPr sz="1197" kern="1200"/>
+  </cs:chartArea>
+  <cs:dataLabel>
+    <cs:lnRef idx="0"/>
+    <cs:fillRef idx="0"/>
+    <cs:effectRef idx="0"/>
+    <cs:fontRef idx="minor">
+      <a:schemeClr val="tx1">
+        <a:lumMod val="75000"/>
+        <a:lumOff val="25000"/>
+      </a:schemeClr>
+    </cs:fontRef>
+    <cs:defRPr sz="1197" kern="1200"/>
+  </cs:dataLabel>
+  <cs:dataLabelCallout>
+    <cs:lnRef idx="0"/>
+    <cs:fillRef idx="0"/>
+    <cs:effectRef idx="0"/>
+    <cs:fontRef idx="minor">
+      <a:schemeClr val="dk1">
+        <a:lumMod val="65000"/>
+        <a:lumOff val="35000"/>
+      </a:schemeClr>
+    </cs:fontRef>
+    <cs:spPr>
+      <a:solidFill>
+        <a:schemeClr val="lt1"/>
+      </a:solidFill>
+      <a:ln>
+        <a:solidFill>
+          <a:schemeClr val="dk1">
+            <a:lumMod val="25000"/>
+            <a:lumOff val="75000"/>
+          </a:schemeClr>
+        </a:solidFill>
+      </a:ln>
+    </cs:spPr>
+    <cs:defRPr sz="1197" kern="1200"/>
+    <cs:bodyPr rot="0" spcFirstLastPara="1" vertOverflow="clip" horzOverflow="clip" vert="horz" wrap="square" lIns="36576" tIns="18288" rIns="36576" bIns="18288" anchor="ctr" anchorCtr="1">
+      <a:spAutoFit/>
+    </cs:bodyPr>
+  </cs:dataLabelCallout>
+  <cs:dataPoint>
+    <cs:lnRef idx="0"/>
+    <cs:fillRef idx="1">
+      <cs:styleClr val="auto"/>
+    </cs:fillRef>
+    <cs:effectRef idx="0"/>
+    <cs:fontRef idx="minor">
+      <a:schemeClr val="tx1"/>
+    </cs:fontRef>
+    <cs:spPr>
+      <a:ln w="19050">
+        <a:solidFill>
+          <a:schemeClr val="lt1"/>
+        </a:solidFill>
+      </a:ln>
+    </cs:spPr>
+  </cs:dataPoint>
+  <cs:dataPoint3D>
+    <cs:lnRef idx="0"/>
+    <cs:fillRef idx="1">
+      <cs:styleClr val="auto"/>
+    </cs:fillRef>
+    <cs:effectRef idx="0"/>
+    <cs:fontRef idx="minor">
+      <a:schemeClr val="tx1"/>
+    </cs:fontRef>
+    <cs:spPr>
+      <a:ln w="25400">
+        <a:solidFill>
+          <a:schemeClr val="lt1"/>
+        </a:solidFill>
+      </a:ln>
+    </cs:spPr>
+  </cs:dataPoint3D>
+  <cs:dataPointLine>
+    <cs:lnRef idx="0">
+      <cs:styleClr val="auto"/>
+    </cs:lnRef>
+    <cs:fillRef idx="0"/>
+    <cs:effectRef idx="0"/>
+    <cs:fontRef idx="minor">
+      <a:schemeClr val="tx1"/>
+    </cs:fontRef>
+    <cs:spPr>
+      <a:ln w="28575" cap="rnd">
+        <a:solidFill>
+          <a:schemeClr val="phClr"/>
+        </a:solidFill>
+        <a:round/>
+      </a:ln>
+    </cs:spPr>
+  </cs:dataPointLine>
+  <cs:dataPointMarker>
+    <cs:lnRef idx="0">
+      <cs:styleClr val="auto"/>
+    </cs:lnRef>
+    <cs:fillRef idx="1">
+      <cs:styleClr val="auto"/>
+    </cs:fillRef>
+    <cs:effectRef idx="0"/>
+    <cs:fontRef idx="minor">
+      <a:schemeClr val="tx1"/>
+    </cs:fontRef>
+    <cs:spPr>
+      <a:ln w="9525">
+        <a:solidFill>
+          <a:schemeClr val="phClr"/>
+        </a:solidFill>
+      </a:ln>
+    </cs:spPr>
+  </cs:dataPointMarker>
+  <cs:dataPointMarkerLayout symbol="circle" size="5"/>
+  <cs:dataPointWireframe>
+    <cs:lnRef idx="0">
+      <cs:styleClr val="auto"/>
+    </cs:lnRef>
+    <cs:fillRef idx="0"/>
+    <cs:effectRef idx="0"/>
+    <cs:fontRef idx="minor">
+      <a:schemeClr val="tx1"/>
+    </cs:fontRef>
+    <cs:spPr>
+      <a:ln w="9525" cap="rnd">
+        <a:solidFill>
+          <a:schemeClr val="phClr"/>
+        </a:solidFill>
+        <a:round/>
+      </a:ln>
+    </cs:spPr>
+  </cs:dataPointWireframe>
+  <cs:dataTable>
+    <cs:lnRef idx="0"/>
+    <cs:fillRef idx="0"/>
+    <cs:effectRef idx="0"/>
+    <cs:fontRef idx="minor">
+      <a:schemeClr val="tx1">
+        <a:lumMod val="65000"/>
+        <a:lumOff val="35000"/>
+      </a:schemeClr>
+    </cs:fontRef>
+    <cs:spPr>
+      <a:noFill/>
+      <a:ln w="9525" cap="flat" cmpd="sng" algn="ctr">
+        <a:solidFill>
+          <a:schemeClr val="tx1">
+            <a:lumMod val="15000"/>
+            <a:lumOff val="85000"/>
+          </a:schemeClr>
+        </a:solidFill>
+        <a:round/>
+      </a:ln>
+    </cs:spPr>
+    <cs:defRPr sz="1197" kern="1200"/>
+  </cs:dataTable>
+  <cs:downBar>
+    <cs:lnRef idx="0"/>
+    <cs:fillRef idx="0"/>
+    <cs:effectRef idx="0"/>
+    <cs:fontRef idx="minor">
+      <a:schemeClr val="tx1"/>
+    </cs:fontRef>
+    <cs:spPr>
+      <a:solidFill>
+        <a:schemeClr val="dk1">
+          <a:lumMod val="75000"/>
+          <a:lumOff val="25000"/>
+        </a:schemeClr>
+      </a:solidFill>
+      <a:ln w="9525" cap="flat" cmpd="sng" algn="ctr">
+        <a:solidFill>
+          <a:schemeClr val="tx1">
+            <a:lumMod val="65000"/>
+            <a:lumOff val="35000"/>
+          </a:schemeClr>
+        </a:solidFill>
+        <a:round/>
+      </a:ln>
+    </cs:spPr>
+  </cs:downBar>
+  <cs:dropLine>
+    <cs:lnRef idx="0"/>
+    <cs:fillRef idx="0"/>
+    <cs:effectRef idx="0"/>
+    <cs:fontRef idx="minor">
+      <a:schemeClr val="tx1"/>
+    </cs:fontRef>
+    <cs:spPr>
+      <a:ln w="9525" cap="flat" cmpd="sng" algn="ctr">
+        <a:solidFill>
+          <a:schemeClr val="tx1">
+            <a:lumMod val="35000"/>
+            <a:lumOff val="65000"/>
+          </a:schemeClr>
+        </a:solidFill>
+        <a:round/>
+      </a:ln>
+    </cs:spPr>
+  </cs:dropLine>
+  <cs:errorBar>
+    <cs:lnRef idx="0"/>
+    <cs:fillRef idx="0"/>
+    <cs:effectRef idx="0"/>
+    <cs:fontRef idx="minor">
+      <a:schemeClr val="tx1"/>
+    </cs:fontRef>
+    <cs:spPr>
+      <a:ln w="9525" cap="flat" cmpd="sng" algn="ctr">
+        <a:solidFill>
+          <a:schemeClr val="tx1">
+            <a:lumMod val="65000"/>
+            <a:lumOff val="35000"/>
+          </a:schemeClr>
+        </a:solidFill>
+        <a:round/>
+      </a:ln>
+    </cs:spPr>
+  </cs:errorBar>
+  <cs:floor>
+    <cs:lnRef idx="0"/>
+    <cs:fillRef idx="0"/>
+    <cs:effectRef idx="0"/>
+    <cs:fontRef idx="minor">
+      <a:schemeClr val="tx1"/>
+    </cs:fontRef>
+    <cs:spPr>
+      <a:noFill/>
+      <a:ln>
+        <a:noFill/>
+      </a:ln>
+    </cs:spPr>
+  </cs:floor>
+  <cs:gridlineMajor>
+    <cs:lnRef idx="0"/>
+    <cs:fillRef idx="0"/>
+    <cs:effectRef idx="0"/>
+    <cs:fontRef idx="minor">
+      <a:schemeClr val="tx1"/>
+    </cs:fontRef>
+    <cs:spPr>
+      <a:ln w="9525" cap="flat" cmpd="sng" algn="ctr">
+        <a:solidFill>
+          <a:schemeClr val="tx1">
+            <a:lumMod val="15000"/>
+            <a:lumOff val="85000"/>
+          </a:schemeClr>
+        </a:solidFill>
+        <a:round/>
+      </a:ln>
+    </cs:spPr>
+  </cs:gridlineMajor>
+  <cs:gridlineMinor>
+    <cs:lnRef idx="0"/>
+    <cs:fillRef idx="0"/>
+    <cs:effectRef idx="0"/>
+    <cs:fontRef idx="minor">
+      <a:schemeClr val="tx1"/>
+    </cs:fontRef>
+    <cs:spPr>
+      <a:ln w="9525" cap="flat" cmpd="sng" algn="ctr">
+        <a:solidFill>
+          <a:schemeClr val="tx1">
+            <a:lumMod val="5000"/>
+            <a:lumOff val="95000"/>
+          </a:schemeClr>
+        </a:solidFill>
+        <a:round/>
+      </a:ln>
+    </cs:spPr>
+  </cs:gridlineMinor>
+  <cs:hiLoLine>
+    <cs:lnRef idx="0"/>
+    <cs:fillRef idx="0"/>
+    <cs:effectRef idx="0"/>
+    <cs:fontRef idx="minor">
+      <a:schemeClr val="tx1"/>
+    </cs:fontRef>
+    <cs:spPr>
+      <a:ln w="9525" cap="flat" cmpd="sng" algn="ctr">
+        <a:solidFill>
+          <a:schemeClr val="tx1">
+            <a:lumMod val="50000"/>
+            <a:lumOff val="50000"/>
+          </a:schemeClr>
+        </a:solidFill>
+        <a:round/>
+      </a:ln>
+    </cs:spPr>
+  </cs:hiLoLine>
+  <cs:leaderLine>
+    <cs:lnRef idx="0"/>
+    <cs:fillRef idx="0"/>
+    <cs:effectRef idx="0"/>
+    <cs:fontRef idx="minor">
+      <a:schemeClr val="tx1"/>
+    </cs:fontRef>
+    <cs:spPr>
+      <a:ln w="9525" cap="flat" cmpd="sng" algn="ctr">
+        <a:solidFill>
+          <a:schemeClr val="tx1">
+            <a:lumMod val="35000"/>
+            <a:lumOff val="65000"/>
+          </a:schemeClr>
+        </a:solidFill>
+        <a:round/>
+      </a:ln>
+    </cs:spPr>
+  </cs:leaderLine>
+  <cs:legend>
+    <cs:lnRef idx="0"/>
+    <cs:fillRef idx="0"/>
+    <cs:effectRef idx="0"/>
+    <cs:fontRef idx="minor">
+      <a:schemeClr val="tx1">
+        <a:lumMod val="65000"/>
+        <a:lumOff val="35000"/>
+      </a:schemeClr>
+    </cs:fontRef>
+    <cs:defRPr sz="1197" kern="1200"/>
+  </cs:legend>
+  <cs:plotArea mods="allowNoFillOverride allowNoLineOverride">
+    <cs:lnRef idx="0"/>
+    <cs:fillRef idx="0"/>
+    <cs:effectRef idx="0"/>
+    <cs:fontRef idx="minor">
+      <a:schemeClr val="tx1"/>
+    </cs:fontRef>
+  </cs:plotArea>
+  <cs:plotArea3D mods="allowNoFillOverride allowNoLineOverride">
+    <cs:lnRef idx="0"/>
+    <cs:fillRef idx="0"/>
+    <cs:effectRef idx="0"/>
+    <cs:fontRef idx="minor">
+      <a:schemeClr val="tx1"/>
+    </cs:fontRef>
+  </cs:plotArea3D>
+  <cs:seriesAxis>
+    <cs:lnRef idx="0"/>
+    <cs:fillRef idx="0"/>
+    <cs:effectRef idx="0"/>
+    <cs:fontRef idx="minor">
+      <a:schemeClr val="tx1">
+        <a:lumMod val="65000"/>
+        <a:lumOff val="35000"/>
+      </a:schemeClr>
+    </cs:fontRef>
+    <cs:defRPr sz="1197" kern="1200"/>
+  </cs:seriesAxis>
+  <cs:seriesLine>
+    <cs:lnRef idx="0"/>
+    <cs:fillRef idx="0"/>
+    <cs:effectRef idx="0"/>
+    <cs:fontRef idx="minor">
+      <a:schemeClr val="tx1"/>
+    </cs:fontRef>
+    <cs:spPr>
+      <a:ln w="9525" cap="flat" cmpd="sng" algn="ctr">
+        <a:solidFill>
+          <a:schemeClr val="tx1">
+            <a:lumMod val="35000"/>
+            <a:lumOff val="65000"/>
+          </a:schemeClr>
+        </a:solidFill>
+        <a:round/>
+      </a:ln>
+    </cs:spPr>
+  </cs:seriesLine>
+  <cs:title>
+    <cs:lnRef idx="0"/>
+    <cs:fillRef idx="0"/>
+    <cs:effectRef idx="0"/>
+    <cs:fontRef idx="minor">
+      <a:schemeClr val="tx1">
+        <a:lumMod val="65000"/>
+        <a:lumOff val="35000"/>
+      </a:schemeClr>
+    </cs:fontRef>
+    <cs:defRPr sz="1862" b="0" kern="1200" spc="0" baseline="0"/>
+  </cs:title>
+  <cs:trendline>
+    <cs:lnRef idx="0">
+      <cs:styleClr val="auto"/>
+    </cs:lnRef>
+    <cs:fillRef idx="0"/>
+    <cs:effectRef idx="0"/>
+    <cs:fontRef idx="minor">
+      <a:schemeClr val="tx1"/>
+    </cs:fontRef>
+    <cs:spPr>
+      <a:ln w="19050" cap="rnd">
+        <a:solidFill>
+          <a:schemeClr val="phClr"/>
+        </a:solidFill>
+        <a:prstDash val="sysDot"/>
+      </a:ln>
+    </cs:spPr>
+  </cs:trendline>
+  <cs:trendlineLabel>
+    <cs:lnRef idx="0"/>
+    <cs:fillRef idx="0"/>
+    <cs:effectRef idx="0"/>
+    <cs:fontRef idx="minor">
+      <a:schemeClr val="tx1">
+        <a:lumMod val="65000"/>
+        <a:lumOff val="35000"/>
+      </a:schemeClr>
+    </cs:fontRef>
+    <cs:defRPr sz="1197" kern="1200"/>
+  </cs:trendlineLabel>
+  <cs:upBar>
+    <cs:lnRef idx="0"/>
+    <cs:fillRef idx="0"/>
+    <cs:effectRef idx="0"/>
+    <cs:fontRef idx="minor">
+      <a:schemeClr val="tx1"/>
+    </cs:fontRef>
+    <cs:spPr>
+      <a:solidFill>
+        <a:schemeClr val="lt1"/>
+      </a:solidFill>
+      <a:ln w="9525" cap="flat" cmpd="sng" algn="ctr">
+        <a:solidFill>
+          <a:schemeClr val="tx1">
+            <a:lumMod val="65000"/>
+            <a:lumOff val="35000"/>
+          </a:schemeClr>
+        </a:solidFill>
+        <a:round/>
+      </a:ln>
+    </cs:spPr>
+  </cs:upBar>
+  <cs:valueAxis>
+    <cs:lnRef idx="0"/>
+    <cs:fillRef idx="0"/>
+    <cs:effectRef idx="0"/>
+    <cs:fontRef idx="minor">
+      <a:schemeClr val="tx1">
+        <a:lumMod val="65000"/>
+        <a:lumOff val="35000"/>
+      </a:schemeClr>
+    </cs:fontRef>
+    <cs:defRPr sz="1197" kern="1200"/>
+  </cs:valueAxis>
+  <cs:wall>
+    <cs:lnRef idx="0"/>
+    <cs:fillRef idx="0"/>
+    <cs:effectRef idx="0"/>
+    <cs:fontRef idx="minor">
+      <a:schemeClr val="tx1"/>
+    </cs:fontRef>
+    <cs:spPr>
+      <a:noFill/>
+      <a:ln>
+        <a:noFill/>
+      </a:ln>
+    </cs:spPr>
+  </cs:wall>
+</cs:chartStyle>
+</file>
+
+<file path=ppt/charts/style6.xml><?xml version="1.0" encoding="utf-8"?>
+<cs:chartStyle xmlns:cs="http://schemas.microsoft.com/office/drawing/2012/chartStyle" xmlns:a="http://schemas.openxmlformats.org/drawingml/2006/main" id="251">
+  <cs:axisTitle>
+    <cs:lnRef idx="0"/>
+    <cs:fillRef idx="0"/>
+    <cs:effectRef idx="0"/>
+    <cs:fontRef idx="minor">
+      <a:schemeClr val="tx1">
+        <a:lumMod val="65000"/>
+        <a:lumOff val="35000"/>
+      </a:schemeClr>
+    </cs:fontRef>
+    <cs:defRPr sz="1330" kern="1200"/>
+  </cs:axisTitle>
+  <cs:categoryAxis>
+    <cs:lnRef idx="0"/>
+    <cs:fillRef idx="0"/>
+    <cs:effectRef idx="0"/>
+    <cs:fontRef idx="minor">
+      <a:schemeClr val="tx1">
+        <a:lumMod val="65000"/>
+        <a:lumOff val="35000"/>
+      </a:schemeClr>
+    </cs:fontRef>
+    <cs:spPr>
+      <a:ln w="9525" cap="flat" cmpd="sng" algn="ctr">
+        <a:solidFill>
+          <a:schemeClr val="tx1">
+            <a:lumMod val="15000"/>
+            <a:lumOff val="85000"/>
+          </a:schemeClr>
+        </a:solidFill>
+        <a:round/>
+      </a:ln>
+    </cs:spPr>
+    <cs:defRPr sz="1197" kern="1200"/>
+  </cs:categoryAxis>
+  <cs:chartArea mods="allowNoFillOverride allowNoLineOverride">
+    <cs:lnRef idx="0"/>
+    <cs:fillRef idx="0"/>
+    <cs:effectRef idx="0"/>
+    <cs:fontRef idx="minor">
+      <a:schemeClr val="tx1"/>
+    </cs:fontRef>
+    <cs:spPr>
+      <a:solidFill>
+        <a:schemeClr val="bg1"/>
+      </a:solidFill>
+      <a:ln w="9525" cap="flat" cmpd="sng" algn="ctr">
+        <a:solidFill>
+          <a:schemeClr val="tx1">
+            <a:lumMod val="15000"/>
+            <a:lumOff val="85000"/>
+          </a:schemeClr>
+        </a:solidFill>
+        <a:round/>
+      </a:ln>
+    </cs:spPr>
+    <cs:defRPr sz="1197" kern="1200"/>
+  </cs:chartArea>
+  <cs:dataLabel>
+    <cs:lnRef idx="0"/>
+    <cs:fillRef idx="0"/>
+    <cs:effectRef idx="0"/>
+    <cs:fontRef idx="minor">
+      <a:schemeClr val="tx1">
+        <a:lumMod val="75000"/>
+        <a:lumOff val="25000"/>
+      </a:schemeClr>
+    </cs:fontRef>
+    <cs:defRPr sz="1197" kern="1200"/>
+  </cs:dataLabel>
+  <cs:dataLabelCallout>
+    <cs:lnRef idx="0"/>
+    <cs:fillRef idx="0"/>
+    <cs:effectRef idx="0"/>
+    <cs:fontRef idx="minor">
+      <a:schemeClr val="dk1">
+        <a:lumMod val="65000"/>
+        <a:lumOff val="35000"/>
+      </a:schemeClr>
+    </cs:fontRef>
+    <cs:spPr>
+      <a:solidFill>
+        <a:schemeClr val="lt1"/>
+      </a:solidFill>
+      <a:ln>
+        <a:solidFill>
+          <a:schemeClr val="dk1">
+            <a:lumMod val="25000"/>
+            <a:lumOff val="75000"/>
+          </a:schemeClr>
+        </a:solidFill>
+      </a:ln>
+    </cs:spPr>
+    <cs:defRPr sz="1197" kern="1200"/>
+    <cs:bodyPr rot="0" spcFirstLastPara="1" vertOverflow="clip" horzOverflow="clip" vert="horz" wrap="square" lIns="36576" tIns="18288" rIns="36576" bIns="18288" anchor="ctr" anchorCtr="1">
+      <a:spAutoFit/>
+    </cs:bodyPr>
+  </cs:dataLabelCallout>
+  <cs:dataPoint>
+    <cs:lnRef idx="0"/>
+    <cs:fillRef idx="1">
+      <cs:styleClr val="auto"/>
+    </cs:fillRef>
+    <cs:effectRef idx="0"/>
+    <cs:fontRef idx="minor">
+      <a:schemeClr val="tx1"/>
+    </cs:fontRef>
+    <cs:spPr>
+      <a:ln w="19050">
+        <a:solidFill>
+          <a:schemeClr val="lt1"/>
+        </a:solidFill>
+      </a:ln>
+    </cs:spPr>
+  </cs:dataPoint>
+  <cs:dataPoint3D>
+    <cs:lnRef idx="0"/>
+    <cs:fillRef idx="1">
+      <cs:styleClr val="auto"/>
+    </cs:fillRef>
+    <cs:effectRef idx="0"/>
+    <cs:fontRef idx="minor">
+      <a:schemeClr val="tx1"/>
+    </cs:fontRef>
+    <cs:spPr>
+      <a:ln w="25400">
+        <a:solidFill>
+          <a:schemeClr val="lt1"/>
+        </a:solidFill>
+      </a:ln>
+    </cs:spPr>
+  </cs:dataPoint3D>
+  <cs:dataPointLine>
+    <cs:lnRef idx="0">
+      <cs:styleClr val="auto"/>
+    </cs:lnRef>
+    <cs:fillRef idx="0"/>
+    <cs:effectRef idx="0"/>
+    <cs:fontRef idx="minor">
+      <a:schemeClr val="tx1"/>
+    </cs:fontRef>
+    <cs:spPr>
+      <a:ln w="28575" cap="rnd">
+        <a:solidFill>
+          <a:schemeClr val="phClr"/>
+        </a:solidFill>
+        <a:round/>
+      </a:ln>
+    </cs:spPr>
+  </cs:dataPointLine>
+  <cs:dataPointMarker>
+    <cs:lnRef idx="0">
+      <cs:styleClr val="auto"/>
+    </cs:lnRef>
+    <cs:fillRef idx="1">
+      <cs:styleClr val="auto"/>
+    </cs:fillRef>
+    <cs:effectRef idx="0"/>
+    <cs:fontRef idx="minor">
+      <a:schemeClr val="tx1"/>
+    </cs:fontRef>
+    <cs:spPr>
+      <a:ln w="9525">
+        <a:solidFill>
+          <a:schemeClr val="phClr"/>
+        </a:solidFill>
+      </a:ln>
+    </cs:spPr>
+  </cs:dataPointMarker>
+  <cs:dataPointMarkerLayout symbol="circle" size="5"/>
+  <cs:dataPointWireframe>
+    <cs:lnRef idx="0">
+      <cs:styleClr val="auto"/>
+    </cs:lnRef>
+    <cs:fillRef idx="0"/>
+    <cs:effectRef idx="0"/>
+    <cs:fontRef idx="minor">
+      <a:schemeClr val="tx1"/>
+    </cs:fontRef>
+    <cs:spPr>
+      <a:ln w="9525" cap="rnd">
+        <a:solidFill>
+          <a:schemeClr val="phClr"/>
+        </a:solidFill>
+        <a:round/>
+      </a:ln>
+    </cs:spPr>
+  </cs:dataPointWireframe>
+  <cs:dataTable>
+    <cs:lnRef idx="0"/>
+    <cs:fillRef idx="0"/>
+    <cs:effectRef idx="0"/>
+    <cs:fontRef idx="minor">
+      <a:schemeClr val="tx1">
+        <a:lumMod val="65000"/>
+        <a:lumOff val="35000"/>
+      </a:schemeClr>
+    </cs:fontRef>
+    <cs:spPr>
+      <a:noFill/>
+      <a:ln w="9525" cap="flat" cmpd="sng" algn="ctr">
+        <a:solidFill>
+          <a:schemeClr val="tx1">
+            <a:lumMod val="15000"/>
+            <a:lumOff val="85000"/>
+          </a:schemeClr>
+        </a:solidFill>
+        <a:round/>
+      </a:ln>
+    </cs:spPr>
+    <cs:defRPr sz="1197" kern="1200"/>
+  </cs:dataTable>
+  <cs:downBar>
+    <cs:lnRef idx="0"/>
+    <cs:fillRef idx="0"/>
+    <cs:effectRef idx="0"/>
+    <cs:fontRef idx="minor">
+      <a:schemeClr val="tx1"/>
+    </cs:fontRef>
+    <cs:spPr>
+      <a:solidFill>
+        <a:schemeClr val="dk1">
+          <a:lumMod val="75000"/>
+          <a:lumOff val="25000"/>
+        </a:schemeClr>
+      </a:solidFill>
+      <a:ln w="9525" cap="flat" cmpd="sng" algn="ctr">
+        <a:solidFill>
+          <a:schemeClr val="tx1">
+            <a:lumMod val="65000"/>
+            <a:lumOff val="35000"/>
+          </a:schemeClr>
+        </a:solidFill>
+        <a:round/>
+      </a:ln>
+    </cs:spPr>
+  </cs:downBar>
+  <cs:dropLine>
+    <cs:lnRef idx="0"/>
+    <cs:fillRef idx="0"/>
+    <cs:effectRef idx="0"/>
+    <cs:fontRef idx="minor">
+      <a:schemeClr val="tx1"/>
+    </cs:fontRef>
+    <cs:spPr>
+      <a:ln w="9525" cap="flat" cmpd="sng" algn="ctr">
+        <a:solidFill>
+          <a:schemeClr val="tx1">
+            <a:lumMod val="35000"/>
+            <a:lumOff val="65000"/>
+          </a:schemeClr>
+        </a:solidFill>
+        <a:round/>
+      </a:ln>
+    </cs:spPr>
+  </cs:dropLine>
+  <cs:errorBar>
+    <cs:lnRef idx="0"/>
+    <cs:fillRef idx="0"/>
+    <cs:effectRef idx="0"/>
+    <cs:fontRef idx="minor">
+      <a:schemeClr val="tx1"/>
+    </cs:fontRef>
+    <cs:spPr>
+      <a:ln w="9525" cap="flat" cmpd="sng" algn="ctr">
+        <a:solidFill>
+          <a:schemeClr val="tx1">
+            <a:lumMod val="65000"/>
+            <a:lumOff val="35000"/>
+          </a:schemeClr>
+        </a:solidFill>
+        <a:round/>
+      </a:ln>
+    </cs:spPr>
+  </cs:errorBar>
+  <cs:floor>
+    <cs:lnRef idx="0"/>
+    <cs:fillRef idx="0"/>
+    <cs:effectRef idx="0"/>
+    <cs:fontRef idx="minor">
+      <a:schemeClr val="tx1"/>
+    </cs:fontRef>
+    <cs:spPr>
+      <a:noFill/>
+      <a:ln>
+        <a:noFill/>
+      </a:ln>
+    </cs:spPr>
+  </cs:floor>
+  <cs:gridlineMajor>
+    <cs:lnRef idx="0"/>
+    <cs:fillRef idx="0"/>
+    <cs:effectRef idx="0"/>
+    <cs:fontRef idx="minor">
+      <a:schemeClr val="tx1"/>
+    </cs:fontRef>
+    <cs:spPr>
+      <a:ln w="9525" cap="flat" cmpd="sng" algn="ctr">
+        <a:solidFill>
+          <a:schemeClr val="tx1">
+            <a:lumMod val="15000"/>
+            <a:lumOff val="85000"/>
+          </a:schemeClr>
+        </a:solidFill>
+        <a:round/>
+      </a:ln>
+    </cs:spPr>
+  </cs:gridlineMajor>
+  <cs:gridlineMinor>
+    <cs:lnRef idx="0"/>
+    <cs:fillRef idx="0"/>
+    <cs:effectRef idx="0"/>
+    <cs:fontRef idx="minor">
+      <a:schemeClr val="tx1"/>
+    </cs:fontRef>
+    <cs:spPr>
+      <a:ln w="9525" cap="flat" cmpd="sng" algn="ctr">
+        <a:solidFill>
+          <a:schemeClr val="tx1">
+            <a:lumMod val="5000"/>
+            <a:lumOff val="95000"/>
+          </a:schemeClr>
+        </a:solidFill>
+        <a:round/>
+      </a:ln>
+    </cs:spPr>
+  </cs:gridlineMinor>
+  <cs:hiLoLine>
+    <cs:lnRef idx="0"/>
+    <cs:fillRef idx="0"/>
+    <cs:effectRef idx="0"/>
+    <cs:fontRef idx="minor">
+      <a:schemeClr val="tx1"/>
+    </cs:fontRef>
+    <cs:spPr>
+      <a:ln w="9525" cap="flat" cmpd="sng" algn="ctr">
+        <a:solidFill>
+          <a:schemeClr val="tx1">
+            <a:lumMod val="50000"/>
+            <a:lumOff val="50000"/>
+          </a:schemeClr>
+        </a:solidFill>
+        <a:round/>
+      </a:ln>
+    </cs:spPr>
+  </cs:hiLoLine>
+  <cs:leaderLine>
+    <cs:lnRef idx="0"/>
+    <cs:fillRef idx="0"/>
+    <cs:effectRef idx="0"/>
+    <cs:fontRef idx="minor">
+      <a:schemeClr val="tx1"/>
+    </cs:fontRef>
+    <cs:spPr>
+      <a:ln w="9525" cap="flat" cmpd="sng" algn="ctr">
+        <a:solidFill>
+          <a:schemeClr val="tx1">
+            <a:lumMod val="35000"/>
+            <a:lumOff val="65000"/>
+          </a:schemeClr>
+        </a:solidFill>
+        <a:round/>
+      </a:ln>
+    </cs:spPr>
+  </cs:leaderLine>
+  <cs:legend>
+    <cs:lnRef idx="0"/>
+    <cs:fillRef idx="0"/>
+    <cs:effectRef idx="0"/>
+    <cs:fontRef idx="minor">
+      <a:schemeClr val="tx1">
+        <a:lumMod val="65000"/>
+        <a:lumOff val="35000"/>
+      </a:schemeClr>
+    </cs:fontRef>
+    <cs:defRPr sz="1197" kern="1200"/>
+  </cs:legend>
+  <cs:plotArea mods="allowNoFillOverride allowNoLineOverride">
+    <cs:lnRef idx="0"/>
+    <cs:fillRef idx="0"/>
+    <cs:effectRef idx="0"/>
+    <cs:fontRef idx="minor">
+      <a:schemeClr val="tx1"/>
+    </cs:fontRef>
+  </cs:plotArea>
+  <cs:plotArea3D mods="allowNoFillOverride allowNoLineOverride">
+    <cs:lnRef idx="0"/>
+    <cs:fillRef idx="0"/>
+    <cs:effectRef idx="0"/>
+    <cs:fontRef idx="minor">
+      <a:schemeClr val="tx1"/>
+    </cs:fontRef>
+  </cs:plotArea3D>
+  <cs:seriesAxis>
+    <cs:lnRef idx="0"/>
+    <cs:fillRef idx="0"/>
+    <cs:effectRef idx="0"/>
+    <cs:fontRef idx="minor">
+      <a:schemeClr val="tx1">
+        <a:lumMod val="65000"/>
+        <a:lumOff val="35000"/>
+      </a:schemeClr>
+    </cs:fontRef>
+    <cs:defRPr sz="1197" kern="1200"/>
+  </cs:seriesAxis>
+  <cs:seriesLine>
+    <cs:lnRef idx="0"/>
+    <cs:fillRef idx="0"/>
+    <cs:effectRef idx="0"/>
+    <cs:fontRef idx="minor">
+      <a:schemeClr val="tx1"/>
+    </cs:fontRef>
+    <cs:spPr>
+      <a:ln w="9525" cap="flat" cmpd="sng" algn="ctr">
+        <a:solidFill>
+          <a:schemeClr val="tx1">
+            <a:lumMod val="35000"/>
+            <a:lumOff val="65000"/>
+          </a:schemeClr>
+        </a:solidFill>
+        <a:round/>
+      </a:ln>
+    </cs:spPr>
+  </cs:seriesLine>
+  <cs:title>
+    <cs:lnRef idx="0"/>
+    <cs:fillRef idx="0"/>
+    <cs:effectRef idx="0"/>
+    <cs:fontRef idx="minor">
+      <a:schemeClr val="tx1">
+        <a:lumMod val="65000"/>
+        <a:lumOff val="35000"/>
+      </a:schemeClr>
+    </cs:fontRef>
+    <cs:defRPr sz="1862" b="0" kern="1200" spc="0" baseline="0"/>
+  </cs:title>
+  <cs:trendline>
+    <cs:lnRef idx="0">
+      <cs:styleClr val="auto"/>
+    </cs:lnRef>
+    <cs:fillRef idx="0"/>
+    <cs:effectRef idx="0"/>
+    <cs:fontRef idx="minor">
+      <a:schemeClr val="tx1"/>
+    </cs:fontRef>
+    <cs:spPr>
+      <a:ln w="19050" cap="rnd">
+        <a:solidFill>
+          <a:schemeClr val="phClr"/>
+        </a:solidFill>
+        <a:prstDash val="sysDot"/>
+      </a:ln>
+    </cs:spPr>
+  </cs:trendline>
+  <cs:trendlineLabel>
+    <cs:lnRef idx="0"/>
+    <cs:fillRef idx="0"/>
+    <cs:effectRef idx="0"/>
+    <cs:fontRef idx="minor">
+      <a:schemeClr val="tx1">
+        <a:lumMod val="65000"/>
+        <a:lumOff val="35000"/>
+      </a:schemeClr>
+    </cs:fontRef>
+    <cs:defRPr sz="1197" kern="1200"/>
+  </cs:trendlineLabel>
+  <cs:upBar>
+    <cs:lnRef idx="0"/>
+    <cs:fillRef idx="0"/>
+    <cs:effectRef idx="0"/>
+    <cs:fontRef idx="minor">
+      <a:schemeClr val="tx1"/>
+    </cs:fontRef>
+    <cs:spPr>
+      <a:solidFill>
+        <a:schemeClr val="lt1"/>
+      </a:solidFill>
+      <a:ln w="9525" cap="flat" cmpd="sng" algn="ctr">
+        <a:solidFill>
+          <a:schemeClr val="tx1">
+            <a:lumMod val="65000"/>
+            <a:lumOff val="35000"/>
+          </a:schemeClr>
+        </a:solidFill>
+        <a:round/>
+      </a:ln>
+    </cs:spPr>
+  </cs:upBar>
+  <cs:valueAxis>
+    <cs:lnRef idx="0"/>
+    <cs:fillRef idx="0"/>
+    <cs:effectRef idx="0"/>
+    <cs:fontRef idx="minor">
+      <a:schemeClr val="tx1">
+        <a:lumMod val="65000"/>
+        <a:lumOff val="35000"/>
+      </a:schemeClr>
+    </cs:fontRef>
+    <cs:defRPr sz="1197" kern="1200"/>
+  </cs:valueAxis>
+  <cs:wall>
+    <cs:lnRef idx="0"/>
+    <cs:fillRef idx="0"/>
+    <cs:effectRef idx="0"/>
+    <cs:fontRef idx="minor">
+      <a:schemeClr val="tx1"/>
+    </cs:fontRef>
+    <cs:spPr>
+      <a:noFill/>
+      <a:ln>
+        <a:noFill/>
+      </a:ln>
+    </cs:spPr>
+  </cs:wall>
+</cs:chartStyle>
+</file>
+
+<file path=ppt/charts/style7.xml><?xml version="1.0" encoding="utf-8"?>
+<cs:chartStyle xmlns:cs="http://schemas.microsoft.com/office/drawing/2012/chartStyle" xmlns:a="http://schemas.openxmlformats.org/drawingml/2006/main" id="251">
+  <cs:axisTitle>
+    <cs:lnRef idx="0"/>
+    <cs:fillRef idx="0"/>
+    <cs:effectRef idx="0"/>
+    <cs:fontRef idx="minor">
+      <a:schemeClr val="tx1">
+        <a:lumMod val="65000"/>
+        <a:lumOff val="35000"/>
+      </a:schemeClr>
+    </cs:fontRef>
+    <cs:defRPr sz="1330" kern="1200"/>
+  </cs:axisTitle>
+  <cs:categoryAxis>
+    <cs:lnRef idx="0"/>
+    <cs:fillRef idx="0"/>
+    <cs:effectRef idx="0"/>
+    <cs:fontRef idx="minor">
+      <a:schemeClr val="tx1">
+        <a:lumMod val="65000"/>
+        <a:lumOff val="35000"/>
+      </a:schemeClr>
+    </cs:fontRef>
+    <cs:spPr>
+      <a:ln w="9525" cap="flat" cmpd="sng" algn="ctr">
+        <a:solidFill>
+          <a:schemeClr val="tx1">
+            <a:lumMod val="15000"/>
+            <a:lumOff val="85000"/>
+          </a:schemeClr>
+        </a:solidFill>
+        <a:round/>
+      </a:ln>
+    </cs:spPr>
+    <cs:defRPr sz="1197" kern="1200"/>
+  </cs:categoryAxis>
+  <cs:chartArea mods="allowNoFillOverride allowNoLineOverride">
+    <cs:lnRef idx="0"/>
+    <cs:fillRef idx="0"/>
+    <cs:effectRef idx="0"/>
+    <cs:fontRef idx="minor">
+      <a:schemeClr val="tx1"/>
+    </cs:fontRef>
+    <cs:spPr>
+      <a:solidFill>
+        <a:schemeClr val="bg1"/>
+      </a:solidFill>
+      <a:ln w="9525" cap="flat" cmpd="sng" algn="ctr">
+        <a:solidFill>
+          <a:schemeClr val="tx1">
+            <a:lumMod val="15000"/>
+            <a:lumOff val="85000"/>
+          </a:schemeClr>
+        </a:solidFill>
+        <a:round/>
+      </a:ln>
+    </cs:spPr>
+    <cs:defRPr sz="1197" kern="1200"/>
+  </cs:chartArea>
+  <cs:dataLabel>
+    <cs:lnRef idx="0"/>
+    <cs:fillRef idx="0"/>
+    <cs:effectRef idx="0"/>
+    <cs:fontRef idx="minor">
+      <a:schemeClr val="tx1">
+        <a:lumMod val="75000"/>
+        <a:lumOff val="25000"/>
+      </a:schemeClr>
+    </cs:fontRef>
+    <cs:defRPr sz="1197" kern="1200"/>
+  </cs:dataLabel>
+  <cs:dataLabelCallout>
+    <cs:lnRef idx="0"/>
+    <cs:fillRef idx="0"/>
+    <cs:effectRef idx="0"/>
+    <cs:fontRef idx="minor">
+      <a:schemeClr val="dk1">
+        <a:lumMod val="65000"/>
+        <a:lumOff val="35000"/>
+      </a:schemeClr>
+    </cs:fontRef>
+    <cs:spPr>
+      <a:solidFill>
+        <a:schemeClr val="lt1"/>
+      </a:solidFill>
+      <a:ln>
+        <a:solidFill>
+          <a:schemeClr val="dk1">
+            <a:lumMod val="25000"/>
+            <a:lumOff val="75000"/>
+          </a:schemeClr>
+        </a:solidFill>
+      </a:ln>
+    </cs:spPr>
+    <cs:defRPr sz="1197" kern="1200"/>
+    <cs:bodyPr rot="0" spcFirstLastPara="1" vertOverflow="clip" horzOverflow="clip" vert="horz" wrap="square" lIns="36576" tIns="18288" rIns="36576" bIns="18288" anchor="ctr" anchorCtr="1">
+      <a:spAutoFit/>
+    </cs:bodyPr>
+  </cs:dataLabelCallout>
+  <cs:dataPoint>
+    <cs:lnRef idx="0"/>
+    <cs:fillRef idx="1">
+      <cs:styleClr val="auto"/>
+    </cs:fillRef>
+    <cs:effectRef idx="0"/>
+    <cs:fontRef idx="minor">
+      <a:schemeClr val="tx1"/>
+    </cs:fontRef>
+    <cs:spPr>
+      <a:ln w="19050">
+        <a:solidFill>
+          <a:schemeClr val="lt1"/>
+        </a:solidFill>
+      </a:ln>
+    </cs:spPr>
+  </cs:dataPoint>
+  <cs:dataPoint3D>
+    <cs:lnRef idx="0"/>
+    <cs:fillRef idx="1">
+      <cs:styleClr val="auto"/>
+    </cs:fillRef>
+    <cs:effectRef idx="0"/>
+    <cs:fontRef idx="minor">
+      <a:schemeClr val="tx1"/>
+    </cs:fontRef>
+    <cs:spPr>
+      <a:ln w="25400">
+        <a:solidFill>
+          <a:schemeClr val="lt1"/>
+        </a:solidFill>
+      </a:ln>
+    </cs:spPr>
+  </cs:dataPoint3D>
+  <cs:dataPointLine>
+    <cs:lnRef idx="0">
+      <cs:styleClr val="auto"/>
+    </cs:lnRef>
+    <cs:fillRef idx="0"/>
+    <cs:effectRef idx="0"/>
+    <cs:fontRef idx="minor">
+      <a:schemeClr val="tx1"/>
+    </cs:fontRef>
+    <cs:spPr>
+      <a:ln w="28575" cap="rnd">
+        <a:solidFill>
+          <a:schemeClr val="phClr"/>
+        </a:solidFill>
+        <a:round/>
+      </a:ln>
+    </cs:spPr>
+  </cs:dataPointLine>
+  <cs:dataPointMarker>
+    <cs:lnRef idx="0">
+      <cs:styleClr val="auto"/>
+    </cs:lnRef>
+    <cs:fillRef idx="1">
+      <cs:styleClr val="auto"/>
+    </cs:fillRef>
+    <cs:effectRef idx="0"/>
+    <cs:fontRef idx="minor">
+      <a:schemeClr val="tx1"/>
+    </cs:fontRef>
+    <cs:spPr>
+      <a:ln w="9525">
+        <a:solidFill>
+          <a:schemeClr val="phClr"/>
+        </a:solidFill>
+      </a:ln>
+    </cs:spPr>
+  </cs:dataPointMarker>
+  <cs:dataPointMarkerLayout symbol="circle" size="5"/>
+  <cs:dataPointWireframe>
+    <cs:lnRef idx="0">
+      <cs:styleClr val="auto"/>
+    </cs:lnRef>
+    <cs:fillRef idx="0"/>
+    <cs:effectRef idx="0"/>
+    <cs:fontRef idx="minor">
+      <a:schemeClr val="tx1"/>
+    </cs:fontRef>
+    <cs:spPr>
+      <a:ln w="9525" cap="rnd">
+        <a:solidFill>
+          <a:schemeClr val="phClr"/>
+        </a:solidFill>
+        <a:round/>
+      </a:ln>
+    </cs:spPr>
+  </cs:dataPointWireframe>
+  <cs:dataTable>
+    <cs:lnRef idx="0"/>
+    <cs:fillRef idx="0"/>
+    <cs:effectRef idx="0"/>
+    <cs:fontRef idx="minor">
+      <a:schemeClr val="tx1">
+        <a:lumMod val="65000"/>
+        <a:lumOff val="35000"/>
+      </a:schemeClr>
+    </cs:fontRef>
+    <cs:spPr>
+      <a:noFill/>
+      <a:ln w="9525" cap="flat" cmpd="sng" algn="ctr">
+        <a:solidFill>
+          <a:schemeClr val="tx1">
+            <a:lumMod val="15000"/>
+            <a:lumOff val="85000"/>
+          </a:schemeClr>
+        </a:solidFill>
+        <a:round/>
+      </a:ln>
+    </cs:spPr>
+    <cs:defRPr sz="1197" kern="1200"/>
+  </cs:dataTable>
+  <cs:downBar>
+    <cs:lnRef idx="0"/>
+    <cs:fillRef idx="0"/>
+    <cs:effectRef idx="0"/>
+    <cs:fontRef idx="minor">
+      <a:schemeClr val="tx1"/>
+    </cs:fontRef>
+    <cs:spPr>
+      <a:solidFill>
+        <a:schemeClr val="dk1">
+          <a:lumMod val="75000"/>
+          <a:lumOff val="25000"/>
+        </a:schemeClr>
+      </a:solidFill>
+      <a:ln w="9525" cap="flat" cmpd="sng" algn="ctr">
+        <a:solidFill>
+          <a:schemeClr val="tx1">
+            <a:lumMod val="65000"/>
+            <a:lumOff val="35000"/>
+          </a:schemeClr>
+        </a:solidFill>
+        <a:round/>
+      </a:ln>
+    </cs:spPr>
+  </cs:downBar>
+  <cs:dropLine>
+    <cs:lnRef idx="0"/>
+    <cs:fillRef idx="0"/>
+    <cs:effectRef idx="0"/>
+    <cs:fontRef idx="minor">
+      <a:schemeClr val="tx1"/>
+    </cs:fontRef>
+    <cs:spPr>
+      <a:ln w="9525" cap="flat" cmpd="sng" algn="ctr">
+        <a:solidFill>
+          <a:schemeClr val="tx1">
+            <a:lumMod val="35000"/>
+            <a:lumOff val="65000"/>
+          </a:schemeClr>
+        </a:solidFill>
+        <a:round/>
+      </a:ln>
+    </cs:spPr>
+  </cs:dropLine>
+  <cs:errorBar>
+    <cs:lnRef idx="0"/>
+    <cs:fillRef idx="0"/>
+    <cs:effectRef idx="0"/>
+    <cs:fontRef idx="minor">
+      <a:schemeClr val="tx1"/>
+    </cs:fontRef>
+    <cs:spPr>
+      <a:ln w="9525" cap="flat" cmpd="sng" algn="ctr">
+        <a:solidFill>
+          <a:schemeClr val="tx1">
+            <a:lumMod val="65000"/>
+            <a:lumOff val="35000"/>
+          </a:schemeClr>
+        </a:solidFill>
+        <a:round/>
+      </a:ln>
+    </cs:spPr>
+  </cs:errorBar>
+  <cs:floor>
+    <cs:lnRef idx="0"/>
+    <cs:fillRef idx="0"/>
+    <cs:effectRef idx="0"/>
+    <cs:fontRef idx="minor">
+      <a:schemeClr val="tx1"/>
+    </cs:fontRef>
+    <cs:spPr>
+      <a:noFill/>
+      <a:ln>
+        <a:noFill/>
+      </a:ln>
+    </cs:spPr>
+  </cs:floor>
+  <cs:gridlineMajor>
+    <cs:lnRef idx="0"/>
+    <cs:fillRef idx="0"/>
+    <cs:effectRef idx="0"/>
+    <cs:fontRef idx="minor">
+      <a:schemeClr val="tx1"/>
+    </cs:fontRef>
+    <cs:spPr>
+      <a:ln w="9525" cap="flat" cmpd="sng" algn="ctr">
+        <a:solidFill>
+          <a:schemeClr val="tx1">
+            <a:lumMod val="15000"/>
+            <a:lumOff val="85000"/>
+          </a:schemeClr>
+        </a:solidFill>
+        <a:round/>
+      </a:ln>
+    </cs:spPr>
+  </cs:gridlineMajor>
+  <cs:gridlineMinor>
+    <cs:lnRef idx="0"/>
+    <cs:fillRef idx="0"/>
+    <cs:effectRef idx="0"/>
+    <cs:fontRef idx="minor">
+      <a:schemeClr val="tx1"/>
+    </cs:fontRef>
+    <cs:spPr>
+      <a:ln w="9525" cap="flat" cmpd="sng" algn="ctr">
+        <a:solidFill>
+          <a:schemeClr val="tx1">
+            <a:lumMod val="5000"/>
+            <a:lumOff val="95000"/>
+          </a:schemeClr>
+        </a:solidFill>
+        <a:round/>
+      </a:ln>
+    </cs:spPr>
+  </cs:gridlineMinor>
+  <cs:hiLoLine>
+    <cs:lnRef idx="0"/>
+    <cs:fillRef idx="0"/>
+    <cs:effectRef idx="0"/>
+    <cs:fontRef idx="minor">
+      <a:schemeClr val="tx1"/>
+    </cs:fontRef>
+    <cs:spPr>
+      <a:ln w="9525" cap="flat" cmpd="sng" algn="ctr">
+        <a:solidFill>
+          <a:schemeClr val="tx1">
+            <a:lumMod val="50000"/>
+            <a:lumOff val="50000"/>
+          </a:schemeClr>
+        </a:solidFill>
+        <a:round/>
+      </a:ln>
+    </cs:spPr>
+  </cs:hiLoLine>
+  <cs:leaderLine>
+    <cs:lnRef idx="0"/>
+    <cs:fillRef idx="0"/>
+    <cs:effectRef idx="0"/>
+    <cs:fontRef idx="minor">
+      <a:schemeClr val="tx1"/>
+    </cs:fontRef>
+    <cs:spPr>
+      <a:ln w="9525" cap="flat" cmpd="sng" algn="ctr">
+        <a:solidFill>
+          <a:schemeClr val="tx1">
+            <a:lumMod val="35000"/>
+            <a:lumOff val="65000"/>
+          </a:schemeClr>
+        </a:solidFill>
+        <a:round/>
+      </a:ln>
+    </cs:spPr>
+  </cs:leaderLine>
+  <cs:legend>
+    <cs:lnRef idx="0"/>
+    <cs:fillRef idx="0"/>
+    <cs:effectRef idx="0"/>
+    <cs:fontRef idx="minor">
+      <a:schemeClr val="tx1">
+        <a:lumMod val="65000"/>
+        <a:lumOff val="35000"/>
+      </a:schemeClr>
+    </cs:fontRef>
+    <cs:defRPr sz="1197" kern="1200"/>
+  </cs:legend>
+  <cs:plotArea mods="allowNoFillOverride allowNoLineOverride">
+    <cs:lnRef idx="0"/>
+    <cs:fillRef idx="0"/>
+    <cs:effectRef idx="0"/>
+    <cs:fontRef idx="minor">
+      <a:schemeClr val="tx1"/>
+    </cs:fontRef>
+  </cs:plotArea>
+  <cs:plotArea3D mods="allowNoFillOverride allowNoLineOverride">
+    <cs:lnRef idx="0"/>
+    <cs:fillRef idx="0"/>
+    <cs:effectRef idx="0"/>
+    <cs:fontRef idx="minor">
+      <a:schemeClr val="tx1"/>
+    </cs:fontRef>
+  </cs:plotArea3D>
+  <cs:seriesAxis>
+    <cs:lnRef idx="0"/>
+    <cs:fillRef idx="0"/>
+    <cs:effectRef idx="0"/>
+    <cs:fontRef idx="minor">
+      <a:schemeClr val="tx1">
+        <a:lumMod val="65000"/>
+        <a:lumOff val="35000"/>
+      </a:schemeClr>
+    </cs:fontRef>
+    <cs:defRPr sz="1197" kern="1200"/>
+  </cs:seriesAxis>
+  <cs:seriesLine>
+    <cs:lnRef idx="0"/>
+    <cs:fillRef idx="0"/>
+    <cs:effectRef idx="0"/>
+    <cs:fontRef idx="minor">
+      <a:schemeClr val="tx1"/>
+    </cs:fontRef>
+    <cs:spPr>
+      <a:ln w="9525" cap="flat" cmpd="sng" algn="ctr">
+        <a:solidFill>
+          <a:schemeClr val="tx1">
+            <a:lumMod val="35000"/>
+            <a:lumOff val="65000"/>
+          </a:schemeClr>
+        </a:solidFill>
+        <a:round/>
+      </a:ln>
+    </cs:spPr>
+  </cs:seriesLine>
+  <cs:title>
+    <cs:lnRef idx="0"/>
+    <cs:fillRef idx="0"/>
+    <cs:effectRef idx="0"/>
+    <cs:fontRef idx="minor">
+      <a:schemeClr val="tx1">
+        <a:lumMod val="65000"/>
+        <a:lumOff val="35000"/>
+      </a:schemeClr>
+    </cs:fontRef>
+    <cs:defRPr sz="1862" b="0" kern="1200" spc="0" baseline="0"/>
+  </cs:title>
+  <cs:trendline>
+    <cs:lnRef idx="0">
+      <cs:styleClr val="auto"/>
+    </cs:lnRef>
+    <cs:fillRef idx="0"/>
+    <cs:effectRef idx="0"/>
+    <cs:fontRef idx="minor">
+      <a:schemeClr val="tx1"/>
+    </cs:fontRef>
+    <cs:spPr>
+      <a:ln w="19050" cap="rnd">
+        <a:solidFill>
+          <a:schemeClr val="phClr"/>
+        </a:solidFill>
+        <a:prstDash val="sysDot"/>
+      </a:ln>
+    </cs:spPr>
+  </cs:trendline>
+  <cs:trendlineLabel>
+    <cs:lnRef idx="0"/>
+    <cs:fillRef idx="0"/>
+    <cs:effectRef idx="0"/>
+    <cs:fontRef idx="minor">
+      <a:schemeClr val="tx1">
+        <a:lumMod val="65000"/>
+        <a:lumOff val="35000"/>
+      </a:schemeClr>
+    </cs:fontRef>
+    <cs:defRPr sz="1197" kern="1200"/>
+  </cs:trendlineLabel>
+  <cs:upBar>
+    <cs:lnRef idx="0"/>
+    <cs:fillRef idx="0"/>
+    <cs:effectRef idx="0"/>
+    <cs:fontRef idx="minor">
+      <a:schemeClr val="tx1"/>
+    </cs:fontRef>
+    <cs:spPr>
+      <a:solidFill>
+        <a:schemeClr val="lt1"/>
+      </a:solidFill>
+      <a:ln w="9525" cap="flat" cmpd="sng" algn="ctr">
+        <a:solidFill>
+          <a:schemeClr val="tx1">
+            <a:lumMod val="65000"/>
+            <a:lumOff val="35000"/>
+          </a:schemeClr>
+        </a:solidFill>
+        <a:round/>
+      </a:ln>
+    </cs:spPr>
+  </cs:upBar>
+  <cs:valueAxis>
+    <cs:lnRef idx="0"/>
+    <cs:fillRef idx="0"/>
+    <cs:effectRef idx="0"/>
+    <cs:fontRef idx="minor">
+      <a:schemeClr val="tx1">
+        <a:lumMod val="65000"/>
+        <a:lumOff val="35000"/>
+      </a:schemeClr>
+    </cs:fontRef>
+    <cs:defRPr sz="1197" kern="1200"/>
+  </cs:valueAxis>
+  <cs:wall>
+    <cs:lnRef idx="0"/>
+    <cs:fillRef idx="0"/>
+    <cs:effectRef idx="0"/>
+    <cs:fontRef idx="minor">
+      <a:schemeClr val="tx1"/>
+    </cs:fontRef>
+    <cs:spPr>
+      <a:noFill/>
+      <a:ln>
+        <a:noFill/>
+      </a:ln>
+    </cs:spPr>
+  </cs:wall>
+</cs:chartStyle>
+</file>
+
+<file path=ppt/charts/style8.xml><?xml version="1.0" encoding="utf-8"?>
+<cs:chartStyle xmlns:cs="http://schemas.microsoft.com/office/drawing/2012/chartStyle" xmlns:a="http://schemas.openxmlformats.org/drawingml/2006/main" id="251">
+  <cs:axisTitle>
+    <cs:lnRef idx="0"/>
+    <cs:fillRef idx="0"/>
+    <cs:effectRef idx="0"/>
+    <cs:fontRef idx="minor">
+      <a:schemeClr val="tx1">
+        <a:lumMod val="65000"/>
+        <a:lumOff val="35000"/>
+      </a:schemeClr>
+    </cs:fontRef>
+    <cs:defRPr sz="1330" kern="1200"/>
+  </cs:axisTitle>
+  <cs:categoryAxis>
+    <cs:lnRef idx="0"/>
+    <cs:fillRef idx="0"/>
+    <cs:effectRef idx="0"/>
+    <cs:fontRef idx="minor">
+      <a:schemeClr val="tx1">
+        <a:lumMod val="65000"/>
+        <a:lumOff val="35000"/>
+      </a:schemeClr>
+    </cs:fontRef>
+    <cs:spPr>
+      <a:ln w="9525" cap="flat" cmpd="sng" algn="ctr">
+        <a:solidFill>
+          <a:schemeClr val="tx1">
+            <a:lumMod val="15000"/>
+            <a:lumOff val="85000"/>
+          </a:schemeClr>
+        </a:solidFill>
+        <a:round/>
+      </a:ln>
+    </cs:spPr>
+    <cs:defRPr sz="1197" kern="1200"/>
+  </cs:categoryAxis>
+  <cs:chartArea mods="allowNoFillOverride allowNoLineOverride">
+    <cs:lnRef idx="0"/>
+    <cs:fillRef idx="0"/>
+    <cs:effectRef idx="0"/>
+    <cs:fontRef idx="minor">
+      <a:schemeClr val="tx1"/>
+    </cs:fontRef>
+    <cs:spPr>
+      <a:solidFill>
+        <a:schemeClr val="bg1"/>
+      </a:solidFill>
+      <a:ln w="9525" cap="flat" cmpd="sng" algn="ctr">
+        <a:solidFill>
+          <a:schemeClr val="tx1">
+            <a:lumMod val="15000"/>
+            <a:lumOff val="85000"/>
+          </a:schemeClr>
+        </a:solidFill>
+        <a:round/>
+      </a:ln>
+    </cs:spPr>
+    <cs:defRPr sz="1197" kern="1200"/>
+  </cs:chartArea>
+  <cs:dataLabel>
+    <cs:lnRef idx="0"/>
+    <cs:fillRef idx="0"/>
+    <cs:effectRef idx="0"/>
+    <cs:fontRef idx="minor">
+      <a:schemeClr val="tx1">
+        <a:lumMod val="75000"/>
+        <a:lumOff val="25000"/>
+      </a:schemeClr>
+    </cs:fontRef>
+    <cs:defRPr sz="1197" kern="1200"/>
+  </cs:dataLabel>
+  <cs:dataLabelCallout>
+    <cs:lnRef idx="0"/>
+    <cs:fillRef idx="0"/>
+    <cs:effectRef idx="0"/>
+    <cs:fontRef idx="minor">
+      <a:schemeClr val="dk1">
+        <a:lumMod val="65000"/>
+        <a:lumOff val="35000"/>
+      </a:schemeClr>
+    </cs:fontRef>
+    <cs:spPr>
+      <a:solidFill>
+        <a:schemeClr val="lt1"/>
+      </a:solidFill>
+      <a:ln>
+        <a:solidFill>
+          <a:schemeClr val="dk1">
+            <a:lumMod val="25000"/>
+            <a:lumOff val="75000"/>
+          </a:schemeClr>
+        </a:solidFill>
+      </a:ln>
+    </cs:spPr>
+    <cs:defRPr sz="1197" kern="1200"/>
+    <cs:bodyPr rot="0" spcFirstLastPara="1" vertOverflow="clip" horzOverflow="clip" vert="horz" wrap="square" lIns="36576" tIns="18288" rIns="36576" bIns="18288" anchor="ctr" anchorCtr="1">
+      <a:spAutoFit/>
+    </cs:bodyPr>
+  </cs:dataLabelCallout>
+  <cs:dataPoint>
+    <cs:lnRef idx="0"/>
+    <cs:fillRef idx="1">
+      <cs:styleClr val="auto"/>
+    </cs:fillRef>
+    <cs:effectRef idx="0"/>
+    <cs:fontRef idx="minor">
+      <a:schemeClr val="tx1"/>
+    </cs:fontRef>
+    <cs:spPr>
+      <a:ln w="19050">
+        <a:solidFill>
+          <a:schemeClr val="lt1"/>
+        </a:solidFill>
+      </a:ln>
+    </cs:spPr>
+  </cs:dataPoint>
+  <cs:dataPoint3D>
+    <cs:lnRef idx="0"/>
+    <cs:fillRef idx="1">
+      <cs:styleClr val="auto"/>
+    </cs:fillRef>
+    <cs:effectRef idx="0"/>
+    <cs:fontRef idx="minor">
+      <a:schemeClr val="tx1"/>
+    </cs:fontRef>
+    <cs:spPr>
+      <a:ln w="25400">
+        <a:solidFill>
+          <a:schemeClr val="lt1"/>
+        </a:solidFill>
+      </a:ln>
+    </cs:spPr>
+  </cs:dataPoint3D>
+  <cs:dataPointLine>
+    <cs:lnRef idx="0">
+      <cs:styleClr val="auto"/>
+    </cs:lnRef>
+    <cs:fillRef idx="0"/>
+    <cs:effectRef idx="0"/>
+    <cs:fontRef idx="minor">
+      <a:schemeClr val="tx1"/>
+    </cs:fontRef>
+    <cs:spPr>
+      <a:ln w="28575" cap="rnd">
+        <a:solidFill>
+          <a:schemeClr val="phClr"/>
+        </a:solidFill>
+        <a:round/>
+      </a:ln>
+    </cs:spPr>
+  </cs:dataPointLine>
+  <cs:dataPointMarker>
+    <cs:lnRef idx="0">
+      <cs:styleClr val="auto"/>
+    </cs:lnRef>
+    <cs:fillRef idx="1">
+      <cs:styleClr val="auto"/>
+    </cs:fillRef>
+    <cs:effectRef idx="0"/>
+    <cs:fontRef idx="minor">
+      <a:schemeClr val="tx1"/>
+    </cs:fontRef>
+    <cs:spPr>
+      <a:ln w="9525">
+        <a:solidFill>
+          <a:schemeClr val="phClr"/>
+        </a:solidFill>
+      </a:ln>
+    </cs:spPr>
+  </cs:dataPointMarker>
+  <cs:dataPointMarkerLayout symbol="circle" size="5"/>
+  <cs:dataPointWireframe>
+    <cs:lnRef idx="0">
+      <cs:styleClr val="auto"/>
+    </cs:lnRef>
+    <cs:fillRef idx="0"/>
+    <cs:effectRef idx="0"/>
+    <cs:fontRef idx="minor">
+      <a:schemeClr val="tx1"/>
+    </cs:fontRef>
+    <cs:spPr>
+      <a:ln w="9525" cap="rnd">
+        <a:solidFill>
+          <a:schemeClr val="phClr"/>
+        </a:solidFill>
+        <a:round/>
+      </a:ln>
+    </cs:spPr>
+  </cs:dataPointWireframe>
+  <cs:dataTable>
+    <cs:lnRef idx="0"/>
+    <cs:fillRef idx="0"/>
+    <cs:effectRef idx="0"/>
+    <cs:fontRef idx="minor">
+      <a:schemeClr val="tx1">
+        <a:lumMod val="65000"/>
+        <a:lumOff val="35000"/>
+      </a:schemeClr>
+    </cs:fontRef>
+    <cs:spPr>
+      <a:noFill/>
+      <a:ln w="9525" cap="flat" cmpd="sng" algn="ctr">
+        <a:solidFill>
+          <a:schemeClr val="tx1">
+            <a:lumMod val="15000"/>
+            <a:lumOff val="85000"/>
+          </a:schemeClr>
+        </a:solidFill>
+        <a:round/>
+      </a:ln>
+    </cs:spPr>
+    <cs:defRPr sz="1197" kern="1200"/>
+  </cs:dataTable>
+  <cs:downBar>
+    <cs:lnRef idx="0"/>
+    <cs:fillRef idx="0"/>
+    <cs:effectRef idx="0"/>
+    <cs:fontRef idx="minor">
+      <a:schemeClr val="tx1"/>
+    </cs:fontRef>
+    <cs:spPr>
+      <a:solidFill>
+        <a:schemeClr val="dk1">
+          <a:lumMod val="75000"/>
+          <a:lumOff val="25000"/>
+        </a:schemeClr>
+      </a:solidFill>
+      <a:ln w="9525" cap="flat" cmpd="sng" algn="ctr">
+        <a:solidFill>
+          <a:schemeClr val="tx1">
+            <a:lumMod val="65000"/>
+            <a:lumOff val="35000"/>
+          </a:schemeClr>
+        </a:solidFill>
+        <a:round/>
+      </a:ln>
+    </cs:spPr>
+  </cs:downBar>
+  <cs:dropLine>
+    <cs:lnRef idx="0"/>
+    <cs:fillRef idx="0"/>
+    <cs:effectRef idx="0"/>
+    <cs:fontRef idx="minor">
+      <a:schemeClr val="tx1"/>
+    </cs:fontRef>
+    <cs:spPr>
+      <a:ln w="9525" cap="flat" cmpd="sng" algn="ctr">
+        <a:solidFill>
+          <a:schemeClr val="tx1">
+            <a:lumMod val="35000"/>
+            <a:lumOff val="65000"/>
+          </a:schemeClr>
+        </a:solidFill>
+        <a:round/>
+      </a:ln>
+    </cs:spPr>
+  </cs:dropLine>
+  <cs:errorBar>
+    <cs:lnRef idx="0"/>
+    <cs:fillRef idx="0"/>
+    <cs:effectRef idx="0"/>
+    <cs:fontRef idx="minor">
+      <a:schemeClr val="tx1"/>
+    </cs:fontRef>
+    <cs:spPr>
+      <a:ln w="9525" cap="flat" cmpd="sng" algn="ctr">
+        <a:solidFill>
+          <a:schemeClr val="tx1">
+            <a:lumMod val="65000"/>
+            <a:lumOff val="35000"/>
+          </a:schemeClr>
+        </a:solidFill>
+        <a:round/>
+      </a:ln>
+    </cs:spPr>
+  </cs:errorBar>
+  <cs:floor>
+    <cs:lnRef idx="0"/>
+    <cs:fillRef idx="0"/>
+    <cs:effectRef idx="0"/>
+    <cs:fontRef idx="minor">
+      <a:schemeClr val="tx1"/>
+    </cs:fontRef>
+    <cs:spPr>
+      <a:noFill/>
+      <a:ln>
+        <a:noFill/>
+      </a:ln>
+    </cs:spPr>
+  </cs:floor>
+  <cs:gridlineMajor>
+    <cs:lnRef idx="0"/>
+    <cs:fillRef idx="0"/>
+    <cs:effectRef idx="0"/>
+    <cs:fontRef idx="minor">
+      <a:schemeClr val="tx1"/>
+    </cs:fontRef>
+    <cs:spPr>
+      <a:ln w="9525" cap="flat" cmpd="sng" algn="ctr">
+        <a:solidFill>
+          <a:schemeClr val="tx1">
+            <a:lumMod val="15000"/>
+            <a:lumOff val="85000"/>
+          </a:schemeClr>
+        </a:solidFill>
+        <a:round/>
+      </a:ln>
+    </cs:spPr>
+  </cs:gridlineMajor>
+  <cs:gridlineMinor>
+    <cs:lnRef idx="0"/>
+    <cs:fillRef idx="0"/>
+    <cs:effectRef idx="0"/>
+    <cs:fontRef idx="minor">
+      <a:schemeClr val="tx1"/>
+    </cs:fontRef>
+    <cs:spPr>
+      <a:ln w="9525" cap="flat" cmpd="sng" algn="ctr">
+        <a:solidFill>
+          <a:schemeClr val="tx1">
+            <a:lumMod val="5000"/>
+            <a:lumOff val="95000"/>
+          </a:schemeClr>
+        </a:solidFill>
+        <a:round/>
+      </a:ln>
+    </cs:spPr>
+  </cs:gridlineMinor>
+  <cs:hiLoLine>
+    <cs:lnRef idx="0"/>
+    <cs:fillRef idx="0"/>
+    <cs:effectRef idx="0"/>
+    <cs:fontRef idx="minor">
+      <a:schemeClr val="tx1"/>
+    </cs:fontRef>
+    <cs:spPr>
+      <a:ln w="9525" cap="flat" cmpd="sng" algn="ctr">
+        <a:solidFill>
+          <a:schemeClr val="tx1">
+            <a:lumMod val="50000"/>
+            <a:lumOff val="50000"/>
+          </a:schemeClr>
+        </a:solidFill>
+        <a:round/>
+      </a:ln>
+    </cs:spPr>
+  </cs:hiLoLine>
+  <cs:leaderLine>
+    <cs:lnRef idx="0"/>
+    <cs:fillRef idx="0"/>
+    <cs:effectRef idx="0"/>
+    <cs:fontRef idx="minor">
+      <a:schemeClr val="tx1"/>
+    </cs:fontRef>
+    <cs:spPr>
+      <a:ln w="9525" cap="flat" cmpd="sng" algn="ctr">
+        <a:solidFill>
+          <a:schemeClr val="tx1">
+            <a:lumMod val="35000"/>
+            <a:lumOff val="65000"/>
+          </a:schemeClr>
+        </a:solidFill>
+        <a:round/>
+      </a:ln>
+    </cs:spPr>
+  </cs:leaderLine>
+  <cs:legend>
+    <cs:lnRef idx="0"/>
+    <cs:fillRef idx="0"/>
+    <cs:effectRef idx="0"/>
+    <cs:fontRef idx="minor">
+      <a:schemeClr val="tx1">
+        <a:lumMod val="65000"/>
+        <a:lumOff val="35000"/>
+      </a:schemeClr>
+    </cs:fontRef>
+    <cs:defRPr sz="1197" kern="1200"/>
+  </cs:legend>
+  <cs:plotArea mods="allowNoFillOverride allowNoLineOverride">
+    <cs:lnRef idx="0"/>
+    <cs:fillRef idx="0"/>
+    <cs:effectRef idx="0"/>
+    <cs:fontRef idx="minor">
+      <a:schemeClr val="tx1"/>
+    </cs:fontRef>
+  </cs:plotArea>
+  <cs:plotArea3D mods="allowNoFillOverride allowNoLineOverride">
+    <cs:lnRef idx="0"/>
+    <cs:fillRef idx="0"/>
+    <cs:effectRef idx="0"/>
+    <cs:fontRef idx="minor">
+      <a:schemeClr val="tx1"/>
+    </cs:fontRef>
+  </cs:plotArea3D>
+  <cs:seriesAxis>
+    <cs:lnRef idx="0"/>
+    <cs:fillRef idx="0"/>
+    <cs:effectRef idx="0"/>
+    <cs:fontRef idx="minor">
+      <a:schemeClr val="tx1">
+        <a:lumMod val="65000"/>
+        <a:lumOff val="35000"/>
+      </a:schemeClr>
+    </cs:fontRef>
+    <cs:defRPr sz="1197" kern="1200"/>
+  </cs:seriesAxis>
+  <cs:seriesLine>
+    <cs:lnRef idx="0"/>
+    <cs:fillRef idx="0"/>
+    <cs:effectRef idx="0"/>
+    <cs:fontRef idx="minor">
+      <a:schemeClr val="tx1"/>
+    </cs:fontRef>
+    <cs:spPr>
+      <a:ln w="9525" cap="flat" cmpd="sng" algn="ctr">
+        <a:solidFill>
+          <a:schemeClr val="tx1">
+            <a:lumMod val="35000"/>
+            <a:lumOff val="65000"/>
+          </a:schemeClr>
+        </a:solidFill>
+        <a:round/>
+      </a:ln>
+    </cs:spPr>
+  </cs:seriesLine>
+  <cs:title>
+    <cs:lnRef idx="0"/>
+    <cs:fillRef idx="0"/>
+    <cs:effectRef idx="0"/>
+    <cs:fontRef idx="minor">
+      <a:schemeClr val="tx1">
+        <a:lumMod val="65000"/>
+        <a:lumOff val="35000"/>
+      </a:schemeClr>
+    </cs:fontRef>
+    <cs:defRPr sz="1862" b="0" kern="1200" spc="0" baseline="0"/>
+  </cs:title>
+  <cs:trendline>
+    <cs:lnRef idx="0">
+      <cs:styleClr val="auto"/>
+    </cs:lnRef>
+    <cs:fillRef idx="0"/>
+    <cs:effectRef idx="0"/>
+    <cs:fontRef idx="minor">
+      <a:schemeClr val="tx1"/>
+    </cs:fontRef>
+    <cs:spPr>
+      <a:ln w="19050" cap="rnd">
+        <a:solidFill>
+          <a:schemeClr val="phClr"/>
+        </a:solidFill>
+        <a:prstDash val="sysDot"/>
+      </a:ln>
+    </cs:spPr>
+  </cs:trendline>
+  <cs:trendlineLabel>
+    <cs:lnRef idx="0"/>
+    <cs:fillRef idx="0"/>
+    <cs:effectRef idx="0"/>
+    <cs:fontRef idx="minor">
+      <a:schemeClr val="tx1">
+        <a:lumMod val="65000"/>
+        <a:lumOff val="35000"/>
+      </a:schemeClr>
+    </cs:fontRef>
+    <cs:defRPr sz="1197" kern="1200"/>
+  </cs:trendlineLabel>
+  <cs:upBar>
+    <cs:lnRef idx="0"/>
+    <cs:fillRef idx="0"/>
+    <cs:effectRef idx="0"/>
+    <cs:fontRef idx="minor">
+      <a:schemeClr val="tx1"/>
+    </cs:fontRef>
+    <cs:spPr>
+      <a:solidFill>
+        <a:schemeClr val="lt1"/>
+      </a:solidFill>
+      <a:ln w="9525" cap="flat" cmpd="sng" algn="ctr">
+        <a:solidFill>
+          <a:schemeClr val="tx1">
+            <a:lumMod val="65000"/>
+            <a:lumOff val="35000"/>
+          </a:schemeClr>
+        </a:solidFill>
+        <a:round/>
+      </a:ln>
+    </cs:spPr>
+  </cs:upBar>
+  <cs:valueAxis>
+    <cs:lnRef idx="0"/>
+    <cs:fillRef idx="0"/>
+    <cs:effectRef idx="0"/>
+    <cs:fontRef idx="minor">
+      <a:schemeClr val="tx1">
+        <a:lumMod val="65000"/>
+        <a:lumOff val="35000"/>
+      </a:schemeClr>
+    </cs:fontRef>
+    <cs:defRPr sz="1197" kern="1200"/>
+  </cs:valueAxis>
+  <cs:wall>
+    <cs:lnRef idx="0"/>
+    <cs:fillRef idx="0"/>
+    <cs:effectRef idx="0"/>
+    <cs:fontRef idx="minor">
+      <a:schemeClr val="tx1"/>
+    </cs:fontRef>
+    <cs:spPr>
+      <a:noFill/>
+      <a:ln>
+        <a:noFill/>
+      </a:ln>
+    </cs:spPr>
+  </cs:wall>
+</cs:chartStyle>
+</file>
+
 <file path=ppt/notesMasters/notesMaster1.xml><?xml version="1.0" encoding="utf-8"?>
 <p:notesMaster xmlns:a="http://schemas.openxmlformats.org/drawingml/2006/main" xmlns:r="http://schemas.openxmlformats.org/officeDocument/2006/relationships" xmlns:p="http://schemas.openxmlformats.org/presentationml/2006/main">
   <p:cSld>
@@ -267,7 +6812,7 @@
           <a:p>
             <a:fld id="{05D31001-4353-44D7-B9FE-795F8DC7CA7D}" type="datetimeFigureOut">
               <a:rPr lang="ru-RU" smtClean="0"/>
-              <a:t>11.05.2025</a:t>
+              <a:t>12.05.2025</a:t>
             </a:fld>
             <a:endParaRPr lang="ru-RU"/>
           </a:p>
@@ -829,7 +7374,91 @@
           <a:p>
             <a:fld id="{F81985B3-CC42-460E-B3BD-EBD81321C544}" type="slidenum">
               <a:rPr lang="ru-RU" smtClean="0"/>
-              <a:t>14</a:t>
+              <a:t>15</a:t>
+            </a:fld>
+            <a:endParaRPr lang="ru-RU"/>
+          </a:p>
+        </p:txBody>
+      </p:sp>
+    </p:spTree>
+    <p:extLst>
+      <p:ext uri="{BB962C8B-B14F-4D97-AF65-F5344CB8AC3E}">
+        <p14:creationId xmlns:p14="http://schemas.microsoft.com/office/powerpoint/2010/main" val="2636410897"/>
+      </p:ext>
+    </p:extLst>
+  </p:cSld>
+  <p:clrMapOvr>
+    <a:masterClrMapping/>
+  </p:clrMapOvr>
+</p:notes>
+</file>
+
+<file path=ppt/notesSlides/notesSlide12.xml><?xml version="1.0" encoding="utf-8"?>
+<p:notes xmlns:a="http://schemas.openxmlformats.org/drawingml/2006/main" xmlns:r="http://schemas.openxmlformats.org/officeDocument/2006/relationships" xmlns:p="http://schemas.openxmlformats.org/presentationml/2006/main">
+  <p:cSld>
+    <p:spTree>
+      <p:nvGrpSpPr>
+        <p:cNvPr id="1" name=""/>
+        <p:cNvGrpSpPr/>
+        <p:nvPr/>
+      </p:nvGrpSpPr>
+      <p:grpSpPr>
+        <a:xfrm>
+          <a:off x="0" y="0"/>
+          <a:ext cx="0" cy="0"/>
+          <a:chOff x="0" y="0"/>
+          <a:chExt cx="0" cy="0"/>
+        </a:xfrm>
+      </p:grpSpPr>
+      <p:sp>
+        <p:nvSpPr>
+          <p:cNvPr id="2" name="Образ слайда 1"/>
+          <p:cNvSpPr>
+            <a:spLocks noGrp="1" noRot="1" noChangeAspect="1"/>
+          </p:cNvSpPr>
+          <p:nvPr>
+            <p:ph type="sldImg"/>
+          </p:nvPr>
+        </p:nvSpPr>
+        <p:spPr/>
+      </p:sp>
+      <p:sp>
+        <p:nvSpPr>
+          <p:cNvPr id="3" name="Заметки 2"/>
+          <p:cNvSpPr>
+            <a:spLocks noGrp="1"/>
+          </p:cNvSpPr>
+          <p:nvPr>
+            <p:ph type="body" idx="1"/>
+          </p:nvPr>
+        </p:nvSpPr>
+        <p:spPr/>
+        <p:txBody>
+          <a:bodyPr/>
+          <a:lstStyle/>
+          <a:p>
+            <a:endParaRPr lang="ru-RU" dirty="0"/>
+          </a:p>
+        </p:txBody>
+      </p:sp>
+      <p:sp>
+        <p:nvSpPr>
+          <p:cNvPr id="4" name="Номер слайда 3"/>
+          <p:cNvSpPr>
+            <a:spLocks noGrp="1"/>
+          </p:cNvSpPr>
+          <p:nvPr>
+            <p:ph type="sldNum" sz="quarter" idx="5"/>
+          </p:nvPr>
+        </p:nvSpPr>
+        <p:spPr/>
+        <p:txBody>
+          <a:bodyPr/>
+          <a:lstStyle/>
+          <a:p>
+            <a:fld id="{F81985B3-CC42-460E-B3BD-EBD81321C544}" type="slidenum">
+              <a:rPr lang="ru-RU" smtClean="0"/>
+              <a:t>16</a:t>
             </a:fld>
             <a:endParaRPr lang="ru-RU"/>
           </a:p>
@@ -1711,7 +8340,7 @@
           <a:p>
             <a:fld id="{49B16F87-269C-4B9D-ACFD-A2D4D9F1DCB9}" type="datetimeFigureOut">
               <a:rPr lang="ru-RU" smtClean="0"/>
-              <a:t>11.05.2025</a:t>
+              <a:t>12.05.2025</a:t>
             </a:fld>
             <a:endParaRPr lang="ru-RU"/>
           </a:p>
@@ -1909,7 +8538,7 @@
           <a:p>
             <a:fld id="{49B16F87-269C-4B9D-ACFD-A2D4D9F1DCB9}" type="datetimeFigureOut">
               <a:rPr lang="ru-RU" smtClean="0"/>
-              <a:t>11.05.2025</a:t>
+              <a:t>12.05.2025</a:t>
             </a:fld>
             <a:endParaRPr lang="ru-RU"/>
           </a:p>
@@ -2117,7 +8746,7 @@
           <a:p>
             <a:fld id="{49B16F87-269C-4B9D-ACFD-A2D4D9F1DCB9}" type="datetimeFigureOut">
               <a:rPr lang="ru-RU" smtClean="0"/>
-              <a:t>11.05.2025</a:t>
+              <a:t>12.05.2025</a:t>
             </a:fld>
             <a:endParaRPr lang="ru-RU"/>
           </a:p>
@@ -2315,7 +8944,7 @@
           <a:p>
             <a:fld id="{49B16F87-269C-4B9D-ACFD-A2D4D9F1DCB9}" type="datetimeFigureOut">
               <a:rPr lang="ru-RU" smtClean="0"/>
-              <a:t>11.05.2025</a:t>
+              <a:t>12.05.2025</a:t>
             </a:fld>
             <a:endParaRPr lang="ru-RU"/>
           </a:p>
@@ -2590,7 +9219,7 @@
           <a:p>
             <a:fld id="{49B16F87-269C-4B9D-ACFD-A2D4D9F1DCB9}" type="datetimeFigureOut">
               <a:rPr lang="ru-RU" smtClean="0"/>
-              <a:t>11.05.2025</a:t>
+              <a:t>12.05.2025</a:t>
             </a:fld>
             <a:endParaRPr lang="ru-RU"/>
           </a:p>
@@ -2855,7 +9484,7 @@
           <a:p>
             <a:fld id="{49B16F87-269C-4B9D-ACFD-A2D4D9F1DCB9}" type="datetimeFigureOut">
               <a:rPr lang="ru-RU" smtClean="0"/>
-              <a:t>11.05.2025</a:t>
+              <a:t>12.05.2025</a:t>
             </a:fld>
             <a:endParaRPr lang="ru-RU"/>
           </a:p>
@@ -3267,7 +9896,7 @@
           <a:p>
             <a:fld id="{49B16F87-269C-4B9D-ACFD-A2D4D9F1DCB9}" type="datetimeFigureOut">
               <a:rPr lang="ru-RU" smtClean="0"/>
-              <a:t>11.05.2025</a:t>
+              <a:t>12.05.2025</a:t>
             </a:fld>
             <a:endParaRPr lang="ru-RU"/>
           </a:p>
@@ -3408,7 +10037,7 @@
           <a:p>
             <a:fld id="{49B16F87-269C-4B9D-ACFD-A2D4D9F1DCB9}" type="datetimeFigureOut">
               <a:rPr lang="ru-RU" smtClean="0"/>
-              <a:t>11.05.2025</a:t>
+              <a:t>12.05.2025</a:t>
             </a:fld>
             <a:endParaRPr lang="ru-RU"/>
           </a:p>
@@ -3521,7 +10150,7 @@
           <a:p>
             <a:fld id="{49B16F87-269C-4B9D-ACFD-A2D4D9F1DCB9}" type="datetimeFigureOut">
               <a:rPr lang="ru-RU" smtClean="0"/>
-              <a:t>11.05.2025</a:t>
+              <a:t>12.05.2025</a:t>
             </a:fld>
             <a:endParaRPr lang="ru-RU"/>
           </a:p>
@@ -3848,7 +10477,7 @@
           <a:p>
             <a:fld id="{49B16F87-269C-4B9D-ACFD-A2D4D9F1DCB9}" type="datetimeFigureOut">
               <a:rPr lang="ru-RU" smtClean="0"/>
-              <a:t>11.05.2025</a:t>
+              <a:t>12.05.2025</a:t>
             </a:fld>
             <a:endParaRPr lang="ru-RU"/>
           </a:p>
@@ -4136,7 +10765,7 @@
           <a:p>
             <a:fld id="{49B16F87-269C-4B9D-ACFD-A2D4D9F1DCB9}" type="datetimeFigureOut">
               <a:rPr lang="ru-RU" smtClean="0"/>
-              <a:t>11.05.2025</a:t>
+              <a:t>12.05.2025</a:t>
             </a:fld>
             <a:endParaRPr lang="ru-RU"/>
           </a:p>
@@ -4377,7 +11006,7 @@
           <a:p>
             <a:fld id="{49B16F87-269C-4B9D-ACFD-A2D4D9F1DCB9}" type="datetimeFigureOut">
               <a:rPr lang="ru-RU" smtClean="0"/>
-              <a:t>11.05.2025</a:t>
+              <a:t>12.05.2025</a:t>
             </a:fld>
             <a:endParaRPr lang="ru-RU"/>
           </a:p>
@@ -5466,11 +12095,17 @@
           <a:bodyPr wrap="square" rtlCol="0">
             <a:spAutoFit/>
           </a:bodyPr>
-          <a:lstStyle/>
-          <a:p>
-            <a:pPr algn="ctr"/>
-            <a:r>
-              <a:rPr lang="ru-RU" sz="4000" b="1" dirty="0"/>
+          <a:lstStyle>
+            <a:defPPr>
+              <a:defRPr lang="ru-RU"/>
+            </a:defPPr>
+            <a:lvl1pPr algn="ctr">
+              <a:defRPr sz="4000" b="1"/>
+            </a:lvl1pPr>
+          </a:lstStyle>
+          <a:p>
+            <a:r>
+              <a:rPr lang="ru-RU" dirty="0"/>
               <a:t>Сравнение с конкурентами</a:t>
             </a:r>
           </a:p>
@@ -7016,6 +13651,326 @@
           <a:chExt cx="0" cy="0"/>
         </a:xfrm>
       </p:grpSpPr>
+      <p:graphicFrame>
+        <p:nvGraphicFramePr>
+          <p:cNvPr id="4" name="Диаграмма 3">
+            <a:extLst>
+              <a:ext uri="{FF2B5EF4-FFF2-40B4-BE49-F238E27FC236}">
+                <a16:creationId xmlns:a16="http://schemas.microsoft.com/office/drawing/2014/main" id="{C925493B-C8A2-4F12-ABC3-47874A0E3A9B}"/>
+              </a:ext>
+            </a:extLst>
+          </p:cNvPr>
+          <p:cNvGraphicFramePr/>
+          <p:nvPr>
+            <p:extLst>
+              <p:ext uri="{D42A27DB-BD31-4B8C-83A1-F6EECF244321}">
+                <p14:modId xmlns:p14="http://schemas.microsoft.com/office/powerpoint/2010/main" val="2798861012"/>
+              </p:ext>
+            </p:extLst>
+          </p:nvPr>
+        </p:nvGraphicFramePr>
+        <p:xfrm>
+          <a:off x="229404" y="3574472"/>
+          <a:ext cx="5900717" cy="3003247"/>
+        </p:xfrm>
+        <a:graphic>
+          <a:graphicData uri="http://schemas.openxmlformats.org/drawingml/2006/chart">
+            <c:chart xmlns:c="http://schemas.openxmlformats.org/drawingml/2006/chart" xmlns:r="http://schemas.openxmlformats.org/officeDocument/2006/relationships" r:id="rId2"/>
+          </a:graphicData>
+        </a:graphic>
+      </p:graphicFrame>
+      <p:graphicFrame>
+        <p:nvGraphicFramePr>
+          <p:cNvPr id="7" name="Диаграмма 6">
+            <a:extLst>
+              <a:ext uri="{FF2B5EF4-FFF2-40B4-BE49-F238E27FC236}">
+                <a16:creationId xmlns:a16="http://schemas.microsoft.com/office/drawing/2014/main" id="{85CCD687-C7CF-41F8-AF13-2AE8217A526B}"/>
+              </a:ext>
+            </a:extLst>
+          </p:cNvPr>
+          <p:cNvGraphicFramePr/>
+          <p:nvPr>
+            <p:extLst>
+              <p:ext uri="{D42A27DB-BD31-4B8C-83A1-F6EECF244321}">
+                <p14:modId xmlns:p14="http://schemas.microsoft.com/office/powerpoint/2010/main" val="1113792256"/>
+              </p:ext>
+            </p:extLst>
+          </p:nvPr>
+        </p:nvGraphicFramePr>
+        <p:xfrm>
+          <a:off x="6575818" y="3559979"/>
+          <a:ext cx="4872839" cy="3003248"/>
+        </p:xfrm>
+        <a:graphic>
+          <a:graphicData uri="http://schemas.openxmlformats.org/drawingml/2006/chart">
+            <c:chart xmlns:c="http://schemas.openxmlformats.org/drawingml/2006/chart" xmlns:r="http://schemas.openxmlformats.org/officeDocument/2006/relationships" r:id="rId3"/>
+          </a:graphicData>
+        </a:graphic>
+      </p:graphicFrame>
+      <p:graphicFrame>
+        <p:nvGraphicFramePr>
+          <p:cNvPr id="10" name="Диаграмма 9">
+            <a:extLst>
+              <a:ext uri="{FF2B5EF4-FFF2-40B4-BE49-F238E27FC236}">
+                <a16:creationId xmlns:a16="http://schemas.microsoft.com/office/drawing/2014/main" id="{7AFA9D09-8BC8-4379-AE69-A15BC02F709B}"/>
+              </a:ext>
+            </a:extLst>
+          </p:cNvPr>
+          <p:cNvGraphicFramePr/>
+          <p:nvPr>
+            <p:extLst>
+              <p:ext uri="{D42A27DB-BD31-4B8C-83A1-F6EECF244321}">
+                <p14:modId xmlns:p14="http://schemas.microsoft.com/office/powerpoint/2010/main" val="2693760807"/>
+              </p:ext>
+            </p:extLst>
+          </p:nvPr>
+        </p:nvGraphicFramePr>
+        <p:xfrm>
+          <a:off x="425450" y="1277299"/>
+          <a:ext cx="5508624" cy="2543938"/>
+        </p:xfrm>
+        <a:graphic>
+          <a:graphicData uri="http://schemas.openxmlformats.org/drawingml/2006/chart">
+            <c:chart xmlns:c="http://schemas.openxmlformats.org/drawingml/2006/chart" xmlns:r="http://schemas.openxmlformats.org/officeDocument/2006/relationships" r:id="rId4"/>
+          </a:graphicData>
+        </a:graphic>
+      </p:graphicFrame>
+      <p:sp>
+        <p:nvSpPr>
+          <p:cNvPr id="14" name="TextBox 13">
+            <a:extLst>
+              <a:ext uri="{FF2B5EF4-FFF2-40B4-BE49-F238E27FC236}">
+                <a16:creationId xmlns:a16="http://schemas.microsoft.com/office/drawing/2014/main" id="{D0DA250B-5A7A-48C8-8830-4D4367744901}"/>
+              </a:ext>
+            </a:extLst>
+          </p:cNvPr>
+          <p:cNvSpPr txBox="1"/>
+          <p:nvPr/>
+        </p:nvSpPr>
+        <p:spPr>
+          <a:xfrm>
+            <a:off x="3179763" y="333375"/>
+            <a:ext cx="5900717" cy="707886"/>
+          </a:xfrm>
+          <a:prstGeom prst="rect">
+            <a:avLst/>
+          </a:prstGeom>
+          <a:noFill/>
+        </p:spPr>
+        <p:txBody>
+          <a:bodyPr wrap="square" rtlCol="0">
+            <a:spAutoFit/>
+          </a:bodyPr>
+          <a:lstStyle/>
+          <a:p>
+            <a:pPr algn="ctr"/>
+            <a:r>
+              <a:rPr lang="ru-RU" sz="4000" b="1" dirty="0"/>
+              <a:t>Результаты соц. опроса</a:t>
+            </a:r>
+          </a:p>
+        </p:txBody>
+      </p:sp>
+      <p:graphicFrame>
+        <p:nvGraphicFramePr>
+          <p:cNvPr id="17" name="Диаграмма 16">
+            <a:extLst>
+              <a:ext uri="{FF2B5EF4-FFF2-40B4-BE49-F238E27FC236}">
+                <a16:creationId xmlns:a16="http://schemas.microsoft.com/office/drawing/2014/main" id="{8384B25B-581E-451A-9A93-B226FB647958}"/>
+              </a:ext>
+            </a:extLst>
+          </p:cNvPr>
+          <p:cNvGraphicFramePr/>
+          <p:nvPr>
+            <p:extLst>
+              <p:ext uri="{D42A27DB-BD31-4B8C-83A1-F6EECF244321}">
+                <p14:modId xmlns:p14="http://schemas.microsoft.com/office/powerpoint/2010/main" val="1170157330"/>
+              </p:ext>
+            </p:extLst>
+          </p:nvPr>
+        </p:nvGraphicFramePr>
+        <p:xfrm>
+          <a:off x="6096001" y="1041261"/>
+          <a:ext cx="5760244" cy="2779976"/>
+        </p:xfrm>
+        <a:graphic>
+          <a:graphicData uri="http://schemas.openxmlformats.org/drawingml/2006/chart">
+            <c:chart xmlns:c="http://schemas.openxmlformats.org/drawingml/2006/chart" xmlns:r="http://schemas.openxmlformats.org/officeDocument/2006/relationships" r:id="rId5"/>
+          </a:graphicData>
+        </a:graphic>
+      </p:graphicFrame>
+    </p:spTree>
+    <p:extLst>
+      <p:ext uri="{BB962C8B-B14F-4D97-AF65-F5344CB8AC3E}">
+        <p14:creationId xmlns:p14="http://schemas.microsoft.com/office/powerpoint/2010/main" val="628785444"/>
+      </p:ext>
+    </p:extLst>
+  </p:cSld>
+  <p:clrMapOvr>
+    <a:masterClrMapping/>
+  </p:clrMapOvr>
+</p:sld>
+</file>
+
+<file path=ppt/slides/slide15.xml><?xml version="1.0" encoding="utf-8"?>
+<p:sld xmlns:a="http://schemas.openxmlformats.org/drawingml/2006/main" xmlns:r="http://schemas.openxmlformats.org/officeDocument/2006/relationships" xmlns:p="http://schemas.openxmlformats.org/presentationml/2006/main">
+  <p:cSld>
+    <p:spTree>
+      <p:nvGrpSpPr>
+        <p:cNvPr id="1" name=""/>
+        <p:cNvGrpSpPr/>
+        <p:nvPr/>
+      </p:nvGrpSpPr>
+      <p:grpSpPr>
+        <a:xfrm>
+          <a:off x="0" y="0"/>
+          <a:ext cx="0" cy="0"/>
+          <a:chOff x="0" y="0"/>
+          <a:chExt cx="0" cy="0"/>
+        </a:xfrm>
+      </p:grpSpPr>
+      <p:graphicFrame>
+        <p:nvGraphicFramePr>
+          <p:cNvPr id="2" name="Диаграмма 1">
+            <a:extLst>
+              <a:ext uri="{FF2B5EF4-FFF2-40B4-BE49-F238E27FC236}">
+                <a16:creationId xmlns:a16="http://schemas.microsoft.com/office/drawing/2014/main" id="{4227A7EF-6185-4DF3-BA9E-805A1A4A30BF}"/>
+              </a:ext>
+            </a:extLst>
+          </p:cNvPr>
+          <p:cNvGraphicFramePr/>
+          <p:nvPr>
+            <p:extLst>
+              <p:ext uri="{D42A27DB-BD31-4B8C-83A1-F6EECF244321}">
+                <p14:modId xmlns:p14="http://schemas.microsoft.com/office/powerpoint/2010/main" val="2040378346"/>
+              </p:ext>
+            </p:extLst>
+          </p:nvPr>
+        </p:nvGraphicFramePr>
+        <p:xfrm>
+          <a:off x="5683936" y="3578644"/>
+          <a:ext cx="6656604" cy="3362503"/>
+        </p:xfrm>
+        <a:graphic>
+          <a:graphicData uri="http://schemas.openxmlformats.org/drawingml/2006/chart">
+            <c:chart xmlns:c="http://schemas.openxmlformats.org/drawingml/2006/chart" xmlns:r="http://schemas.openxmlformats.org/officeDocument/2006/relationships" r:id="rId3"/>
+          </a:graphicData>
+        </a:graphic>
+      </p:graphicFrame>
+      <p:graphicFrame>
+        <p:nvGraphicFramePr>
+          <p:cNvPr id="5" name="Диаграмма 4">
+            <a:extLst>
+              <a:ext uri="{FF2B5EF4-FFF2-40B4-BE49-F238E27FC236}">
+                <a16:creationId xmlns:a16="http://schemas.microsoft.com/office/drawing/2014/main" id="{9EBFC6E1-F60B-46B1-B043-33CF42CD965D}"/>
+              </a:ext>
+            </a:extLst>
+          </p:cNvPr>
+          <p:cNvGraphicFramePr/>
+          <p:nvPr>
+            <p:extLst>
+              <p:ext uri="{D42A27DB-BD31-4B8C-83A1-F6EECF244321}">
+                <p14:modId xmlns:p14="http://schemas.microsoft.com/office/powerpoint/2010/main" val="3358253284"/>
+              </p:ext>
+            </p:extLst>
+          </p:nvPr>
+        </p:nvGraphicFramePr>
+        <p:xfrm>
+          <a:off x="219035" y="3578645"/>
+          <a:ext cx="5876966" cy="2945980"/>
+        </p:xfrm>
+        <a:graphic>
+          <a:graphicData uri="http://schemas.openxmlformats.org/drawingml/2006/chart">
+            <c:chart xmlns:c="http://schemas.openxmlformats.org/drawingml/2006/chart" xmlns:r="http://schemas.openxmlformats.org/officeDocument/2006/relationships" r:id="rId4"/>
+          </a:graphicData>
+        </a:graphic>
+      </p:graphicFrame>
+      <p:graphicFrame>
+        <p:nvGraphicFramePr>
+          <p:cNvPr id="8" name="Диаграмма 7">
+            <a:extLst>
+              <a:ext uri="{FF2B5EF4-FFF2-40B4-BE49-F238E27FC236}">
+                <a16:creationId xmlns:a16="http://schemas.microsoft.com/office/drawing/2014/main" id="{5662D687-56F9-4967-AF1D-9252C8C03D01}"/>
+              </a:ext>
+            </a:extLst>
+          </p:cNvPr>
+          <p:cNvGraphicFramePr/>
+          <p:nvPr>
+            <p:extLst>
+              <p:ext uri="{D42A27DB-BD31-4B8C-83A1-F6EECF244321}">
+                <p14:modId xmlns:p14="http://schemas.microsoft.com/office/powerpoint/2010/main" val="4050773808"/>
+              </p:ext>
+            </p:extLst>
+          </p:nvPr>
+        </p:nvGraphicFramePr>
+        <p:xfrm>
+          <a:off x="6310808" y="333375"/>
+          <a:ext cx="5473205" cy="3012498"/>
+        </p:xfrm>
+        <a:graphic>
+          <a:graphicData uri="http://schemas.openxmlformats.org/drawingml/2006/chart">
+            <c:chart xmlns:c="http://schemas.openxmlformats.org/drawingml/2006/chart" xmlns:r="http://schemas.openxmlformats.org/officeDocument/2006/relationships" r:id="rId5"/>
+          </a:graphicData>
+        </a:graphic>
+      </p:graphicFrame>
+      <p:graphicFrame>
+        <p:nvGraphicFramePr>
+          <p:cNvPr id="11" name="Диаграмма 10">
+            <a:extLst>
+              <a:ext uri="{FF2B5EF4-FFF2-40B4-BE49-F238E27FC236}">
+                <a16:creationId xmlns:a16="http://schemas.microsoft.com/office/drawing/2014/main" id="{4060A686-D259-4ABE-83FB-0AE912C09B61}"/>
+              </a:ext>
+            </a:extLst>
+          </p:cNvPr>
+          <p:cNvGraphicFramePr/>
+          <p:nvPr>
+            <p:extLst>
+              <p:ext uri="{D42A27DB-BD31-4B8C-83A1-F6EECF244321}">
+                <p14:modId xmlns:p14="http://schemas.microsoft.com/office/powerpoint/2010/main" val="2024717650"/>
+              </p:ext>
+            </p:extLst>
+          </p:nvPr>
+        </p:nvGraphicFramePr>
+        <p:xfrm>
+          <a:off x="219035" y="333375"/>
+          <a:ext cx="5876965" cy="3442634"/>
+        </p:xfrm>
+        <a:graphic>
+          <a:graphicData uri="http://schemas.openxmlformats.org/drawingml/2006/chart">
+            <c:chart xmlns:c="http://schemas.openxmlformats.org/drawingml/2006/chart" xmlns:r="http://schemas.openxmlformats.org/officeDocument/2006/relationships" r:id="rId6"/>
+          </a:graphicData>
+        </a:graphic>
+      </p:graphicFrame>
+    </p:spTree>
+    <p:extLst>
+      <p:ext uri="{BB962C8B-B14F-4D97-AF65-F5344CB8AC3E}">
+        <p14:creationId xmlns:p14="http://schemas.microsoft.com/office/powerpoint/2010/main" val="4264774601"/>
+      </p:ext>
+    </p:extLst>
+  </p:cSld>
+  <p:clrMapOvr>
+    <a:masterClrMapping/>
+  </p:clrMapOvr>
+</p:sld>
+</file>
+
+<file path=ppt/slides/slide16.xml><?xml version="1.0" encoding="utf-8"?>
+<p:sld xmlns:a="http://schemas.openxmlformats.org/drawingml/2006/main" xmlns:r="http://schemas.openxmlformats.org/officeDocument/2006/relationships" xmlns:p="http://schemas.openxmlformats.org/presentationml/2006/main">
+  <p:cSld>
+    <p:spTree>
+      <p:nvGrpSpPr>
+        <p:cNvPr id="1" name=""/>
+        <p:cNvGrpSpPr/>
+        <p:nvPr/>
+      </p:nvGrpSpPr>
+      <p:grpSpPr>
+        <a:xfrm>
+          <a:off x="0" y="0"/>
+          <a:ext cx="0" cy="0"/>
+          <a:chOff x="0" y="0"/>
+          <a:chExt cx="0" cy="0"/>
+        </a:xfrm>
+      </p:grpSpPr>
       <p:sp>
         <p:nvSpPr>
           <p:cNvPr id="4" name="TextBox 3">
@@ -7352,7 +14307,7 @@
 </p:sld>
 </file>
 
-<file path=ppt/slides/slide15.xml><?xml version="1.0" encoding="utf-8"?>
+<file path=ppt/slides/slide17.xml><?xml version="1.0" encoding="utf-8"?>
 <p:sld xmlns:a="http://schemas.openxmlformats.org/drawingml/2006/main" xmlns:r="http://schemas.openxmlformats.org/officeDocument/2006/relationships" xmlns:p="http://schemas.openxmlformats.org/presentationml/2006/main">
   <p:cSld>
     <p:spTree>

--- a/Docs/Куратор - виртуальный куратор.pptx
+++ b/Docs/Куратор - виртуальный куратор.pptx
@@ -264,6 +264,11 @@
               </a:ln>
               <a:effectLst/>
             </c:spPr>
+            <c:extLst>
+              <c:ext xmlns:c16="http://schemas.microsoft.com/office/drawing/2014/chart" uri="{C3380CC4-5D6E-409C-BE32-E72D297353CC}">
+                <c16:uniqueId val="{00000001-BA46-4A0C-9102-E7D5E2A6BCF2}"/>
+              </c:ext>
+            </c:extLst>
           </c:dPt>
           <c:dPt>
             <c:idx val="1"/>
@@ -279,6 +284,11 @@
               </a:ln>
               <a:effectLst/>
             </c:spPr>
+            <c:extLst>
+              <c:ext xmlns:c16="http://schemas.microsoft.com/office/drawing/2014/chart" uri="{C3380CC4-5D6E-409C-BE32-E72D297353CC}">
+                <c16:uniqueId val="{00000003-BA46-4A0C-9102-E7D5E2A6BCF2}"/>
+              </c:ext>
+            </c:extLst>
           </c:dPt>
           <c:dPt>
             <c:idx val="2"/>
@@ -294,25 +304,15 @@
               </a:ln>
               <a:effectLst/>
             </c:spPr>
-          </c:dPt>
-          <c:dPt>
-            <c:idx val="3"/>
-            <c:bubble3D val="0"/>
-            <c:spPr>
-              <a:solidFill>
-                <a:schemeClr val="accent4"/>
-              </a:solidFill>
-              <a:ln w="19050">
-                <a:solidFill>
-                  <a:schemeClr val="lt1"/>
-                </a:solidFill>
-              </a:ln>
-              <a:effectLst/>
-            </c:spPr>
+            <c:extLst>
+              <c:ext xmlns:c16="http://schemas.microsoft.com/office/drawing/2014/chart" uri="{C3380CC4-5D6E-409C-BE32-E72D297353CC}">
+                <c16:uniqueId val="{00000005-BA46-4A0C-9102-E7D5E2A6BCF2}"/>
+              </c:ext>
+            </c:extLst>
           </c:dPt>
           <c:cat>
             <c:strRef>
-              <c:f>Лист1!$A$2:$A$5</c:f>
+              <c:f>Лист1!$A$2:$A$4</c:f>
               <c:strCache>
                 <c:ptCount val="3"/>
                 <c:pt idx="0">
@@ -329,10 +329,10 @@
           </c:cat>
           <c:val>
             <c:numRef>
-              <c:f>Лист1!$B$2:$B$5</c:f>
+              <c:f>Лист1!$B$2:$B$4</c:f>
               <c:numCache>
                 <c:formatCode>General</c:formatCode>
-                <c:ptCount val="4"/>
+                <c:ptCount val="3"/>
                 <c:pt idx="0">
                   <c:v>6</c:v>
                 </c:pt>
@@ -371,7 +371,17 @@
       </c:spPr>
     </c:plotArea>
     <c:legend>
-      <c:legendPos val="b"/>
+      <c:legendPos val="r"/>
+      <c:layout>
+        <c:manualLayout>
+          <c:xMode val="edge"/>
+          <c:yMode val="edge"/>
+          <c:x val="0.75065928428697737"/>
+          <c:y val="0.51541947765202134"/>
+          <c:w val="0.17185860633546737"/>
+          <c:h val="0.39905642126671576"/>
+        </c:manualLayout>
+      </c:layout>
       <c:overlay val="0"/>
       <c:spPr>
         <a:noFill/>
@@ -385,7 +395,7 @@
         <a:lstStyle/>
         <a:p>
           <a:pPr>
-            <a:defRPr sz="1197" b="0" i="0" u="none" strike="noStrike" kern="1200" baseline="0">
+            <a:defRPr sz="1400" b="0" i="0" u="none" strike="noStrike" kern="1200" baseline="0">
               <a:solidFill>
                 <a:schemeClr val="tx1">
                   <a:lumMod val="65000"/>
@@ -454,8 +464,8 @@
         <c:manualLayout>
           <c:xMode val="edge"/>
           <c:yMode val="edge"/>
-          <c:x val="0.12012319557940161"/>
-          <c:y val="2.3951885000776392E-2"/>
+          <c:x val="0.13235650238858457"/>
+          <c:y val="2.3951734921658151E-2"/>
         </c:manualLayout>
       </c:layout>
       <c:overlay val="0"/>
@@ -520,6 +530,11 @@
               </a:ln>
               <a:effectLst/>
             </c:spPr>
+            <c:extLst>
+              <c:ext xmlns:c16="http://schemas.microsoft.com/office/drawing/2014/chart" uri="{C3380CC4-5D6E-409C-BE32-E72D297353CC}">
+                <c16:uniqueId val="{00000001-35EB-4B79-AA38-CDBD0CA9DED9}"/>
+              </c:ext>
+            </c:extLst>
           </c:dPt>
           <c:dPt>
             <c:idx val="1"/>
@@ -535,6 +550,11 @@
               </a:ln>
               <a:effectLst/>
             </c:spPr>
+            <c:extLst>
+              <c:ext xmlns:c16="http://schemas.microsoft.com/office/drawing/2014/chart" uri="{C3380CC4-5D6E-409C-BE32-E72D297353CC}">
+                <c16:uniqueId val="{00000003-35EB-4B79-AA38-CDBD0CA9DED9}"/>
+              </c:ext>
+            </c:extLst>
           </c:dPt>
           <c:dPt>
             <c:idx val="2"/>
@@ -550,25 +570,15 @@
               </a:ln>
               <a:effectLst/>
             </c:spPr>
-          </c:dPt>
-          <c:dPt>
-            <c:idx val="3"/>
-            <c:bubble3D val="0"/>
-            <c:spPr>
-              <a:solidFill>
-                <a:schemeClr val="accent4"/>
-              </a:solidFill>
-              <a:ln w="19050">
-                <a:solidFill>
-                  <a:schemeClr val="lt1"/>
-                </a:solidFill>
-              </a:ln>
-              <a:effectLst/>
-            </c:spPr>
+            <c:extLst>
+              <c:ext xmlns:c16="http://schemas.microsoft.com/office/drawing/2014/chart" uri="{C3380CC4-5D6E-409C-BE32-E72D297353CC}">
+                <c16:uniqueId val="{00000005-35EB-4B79-AA38-CDBD0CA9DED9}"/>
+              </c:ext>
+            </c:extLst>
           </c:dPt>
           <c:cat>
             <c:strRef>
-              <c:f>Лист1!$A$2:$A$5</c:f>
+              <c:f>Лист1!$A$2:$A$4</c:f>
               <c:strCache>
                 <c:ptCount val="3"/>
                 <c:pt idx="0">
@@ -585,10 +595,10 @@
           </c:cat>
           <c:val>
             <c:numRef>
-              <c:f>Лист1!$B$2:$B$5</c:f>
+              <c:f>Лист1!$B$2:$B$4</c:f>
               <c:numCache>
                 <c:formatCode>General</c:formatCode>
-                <c:ptCount val="4"/>
+                <c:ptCount val="3"/>
                 <c:pt idx="0">
                   <c:v>7.33</c:v>
                 </c:pt>
@@ -627,7 +637,17 @@
       </c:spPr>
     </c:plotArea>
     <c:legend>
-      <c:legendPos val="b"/>
+      <c:legendPos val="r"/>
+      <c:layout>
+        <c:manualLayout>
+          <c:xMode val="edge"/>
+          <c:yMode val="edge"/>
+          <c:x val="0.7837132540536812"/>
+          <c:y val="0.43824309762167252"/>
+          <c:w val="0.21628674594631883"/>
+          <c:h val="0.44520668748089293"/>
+        </c:manualLayout>
+      </c:layout>
       <c:overlay val="0"/>
       <c:spPr>
         <a:noFill/>
@@ -641,7 +661,7 @@
         <a:lstStyle/>
         <a:p>
           <a:pPr>
-            <a:defRPr sz="1197" b="0" i="0" u="none" strike="noStrike" kern="1200" baseline="0">
+            <a:defRPr sz="1400" b="0" i="0" u="none" strike="noStrike" kern="1200" baseline="0">
               <a:solidFill>
                 <a:schemeClr val="tx1">
                   <a:lumMod val="65000"/>
@@ -768,6 +788,11 @@
               </a:ln>
               <a:effectLst/>
             </c:spPr>
+            <c:extLst>
+              <c:ext xmlns:c16="http://schemas.microsoft.com/office/drawing/2014/chart" uri="{C3380CC4-5D6E-409C-BE32-E72D297353CC}">
+                <c16:uniqueId val="{00000001-FA09-45D2-BFB2-A2F935B1CC80}"/>
+              </c:ext>
+            </c:extLst>
           </c:dPt>
           <c:dPt>
             <c:idx val="1"/>
@@ -783,6 +808,11 @@
               </a:ln>
               <a:effectLst/>
             </c:spPr>
+            <c:extLst>
+              <c:ext xmlns:c16="http://schemas.microsoft.com/office/drawing/2014/chart" uri="{C3380CC4-5D6E-409C-BE32-E72D297353CC}">
+                <c16:uniqueId val="{00000003-FA09-45D2-BFB2-A2F935B1CC80}"/>
+              </c:ext>
+            </c:extLst>
           </c:dPt>
           <c:dPt>
             <c:idx val="2"/>
@@ -798,25 +828,15 @@
               </a:ln>
               <a:effectLst/>
             </c:spPr>
-          </c:dPt>
-          <c:dPt>
-            <c:idx val="3"/>
-            <c:bubble3D val="0"/>
-            <c:spPr>
-              <a:solidFill>
-                <a:schemeClr val="accent4"/>
-              </a:solidFill>
-              <a:ln w="19050">
-                <a:solidFill>
-                  <a:schemeClr val="lt1"/>
-                </a:solidFill>
-              </a:ln>
-              <a:effectLst/>
-            </c:spPr>
+            <c:extLst>
+              <c:ext xmlns:c16="http://schemas.microsoft.com/office/drawing/2014/chart" uri="{C3380CC4-5D6E-409C-BE32-E72D297353CC}">
+                <c16:uniqueId val="{00000005-FA09-45D2-BFB2-A2F935B1CC80}"/>
+              </c:ext>
+            </c:extLst>
           </c:dPt>
           <c:cat>
             <c:strRef>
-              <c:f>Лист1!$A$2:$A$5</c:f>
+              <c:f>Лист1!$A$2:$A$4</c:f>
               <c:strCache>
                 <c:ptCount val="3"/>
                 <c:pt idx="0">
@@ -833,10 +853,10 @@
           </c:cat>
           <c:val>
             <c:numRef>
-              <c:f>Лист1!$B$2:$B$5</c:f>
+              <c:f>Лист1!$B$2:$B$4</c:f>
               <c:numCache>
                 <c:formatCode>General</c:formatCode>
-                <c:ptCount val="4"/>
+                <c:ptCount val="3"/>
                 <c:pt idx="0">
                   <c:v>5.33</c:v>
                 </c:pt>
@@ -875,7 +895,17 @@
       </c:spPr>
     </c:plotArea>
     <c:legend>
-      <c:legendPos val="b"/>
+      <c:legendPos val="r"/>
+      <c:layout>
+        <c:manualLayout>
+          <c:xMode val="edge"/>
+          <c:yMode val="edge"/>
+          <c:x val="0.74801257083438621"/>
+          <c:y val="0.35444196136425071"/>
+          <c:w val="0.18743410332598487"/>
+          <c:h val="0.50771936219496128"/>
+        </c:manualLayout>
+      </c:layout>
       <c:overlay val="0"/>
       <c:spPr>
         <a:noFill/>
@@ -889,7 +919,7 @@
         <a:lstStyle/>
         <a:p>
           <a:pPr>
-            <a:defRPr sz="1197" b="0" i="0" u="none" strike="noStrike" kern="1200" baseline="0">
+            <a:defRPr sz="1400" b="0" i="0" u="none" strike="noStrike" kern="1200" baseline="0">
               <a:solidFill>
                 <a:schemeClr val="tx1">
                   <a:lumMod val="65000"/>
@@ -1016,6 +1046,11 @@
               </a:ln>
               <a:effectLst/>
             </c:spPr>
+            <c:extLst>
+              <c:ext xmlns:c16="http://schemas.microsoft.com/office/drawing/2014/chart" uri="{C3380CC4-5D6E-409C-BE32-E72D297353CC}">
+                <c16:uniqueId val="{00000001-414A-444F-BE4A-3E5B68FF62EB}"/>
+              </c:ext>
+            </c:extLst>
           </c:dPt>
           <c:dPt>
             <c:idx val="1"/>
@@ -1031,6 +1066,11 @@
               </a:ln>
               <a:effectLst/>
             </c:spPr>
+            <c:extLst>
+              <c:ext xmlns:c16="http://schemas.microsoft.com/office/drawing/2014/chart" uri="{C3380CC4-5D6E-409C-BE32-E72D297353CC}">
+                <c16:uniqueId val="{00000003-414A-444F-BE4A-3E5B68FF62EB}"/>
+              </c:ext>
+            </c:extLst>
           </c:dPt>
           <c:dPt>
             <c:idx val="2"/>
@@ -1046,25 +1086,15 @@
               </a:ln>
               <a:effectLst/>
             </c:spPr>
-          </c:dPt>
-          <c:dPt>
-            <c:idx val="3"/>
-            <c:bubble3D val="0"/>
-            <c:spPr>
-              <a:solidFill>
-                <a:schemeClr val="accent4"/>
-              </a:solidFill>
-              <a:ln w="19050">
-                <a:solidFill>
-                  <a:schemeClr val="lt1"/>
-                </a:solidFill>
-              </a:ln>
-              <a:effectLst/>
-            </c:spPr>
+            <c:extLst>
+              <c:ext xmlns:c16="http://schemas.microsoft.com/office/drawing/2014/chart" uri="{C3380CC4-5D6E-409C-BE32-E72D297353CC}">
+                <c16:uniqueId val="{00000005-414A-444F-BE4A-3E5B68FF62EB}"/>
+              </c:ext>
+            </c:extLst>
           </c:dPt>
           <c:cat>
             <c:strRef>
-              <c:f>Лист1!$A$2:$A$5</c:f>
+              <c:f>Лист1!$A$2:$A$4</c:f>
               <c:strCache>
                 <c:ptCount val="3"/>
                 <c:pt idx="0">
@@ -1081,10 +1111,10 @@
           </c:cat>
           <c:val>
             <c:numRef>
-              <c:f>Лист1!$B$2:$B$5</c:f>
+              <c:f>Лист1!$B$2:$B$4</c:f>
               <c:numCache>
                 <c:formatCode>General</c:formatCode>
-                <c:ptCount val="4"/>
+                <c:ptCount val="3"/>
                 <c:pt idx="0">
                   <c:v>2</c:v>
                 </c:pt>
@@ -1123,7 +1153,17 @@
       </c:spPr>
     </c:plotArea>
     <c:legend>
-      <c:legendPos val="b"/>
+      <c:legendPos val="r"/>
+      <c:layout>
+        <c:manualLayout>
+          <c:xMode val="edge"/>
+          <c:yMode val="edge"/>
+          <c:x val="0.73121223710928396"/>
+          <c:y val="0.40812943322684569"/>
+          <c:w val="0.2327735974050445"/>
+          <c:h val="0.44708747962898804"/>
+        </c:manualLayout>
+      </c:layout>
       <c:overlay val="0"/>
       <c:spPr>
         <a:noFill/>
@@ -1137,7 +1177,7 @@
         <a:lstStyle/>
         <a:p>
           <a:pPr>
-            <a:defRPr sz="1197" b="0" i="0" u="none" strike="noStrike" kern="1200" baseline="0">
+            <a:defRPr sz="1400" b="0" i="0" u="none" strike="noStrike" kern="1200" baseline="0">
               <a:solidFill>
                 <a:schemeClr val="tx1">
                   <a:lumMod val="65000"/>
@@ -1423,7 +1463,7 @@
       </c:spPr>
     </c:plotArea>
     <c:legend>
-      <c:legendPos val="b"/>
+      <c:legendPos val="r"/>
       <c:overlay val="0"/>
       <c:spPr>
         <a:noFill/>
@@ -1437,7 +1477,7 @@
         <a:lstStyle/>
         <a:p>
           <a:pPr>
-            <a:defRPr sz="1197" b="0" i="0" u="none" strike="noStrike" kern="1200" baseline="0">
+            <a:defRPr sz="1200" b="0" i="0" u="none" strike="noStrike" kern="1200" baseline="0">
               <a:solidFill>
                 <a:schemeClr val="tx1">
                   <a:lumMod val="65000"/>
@@ -1564,6 +1604,11 @@
               </a:ln>
               <a:effectLst/>
             </c:spPr>
+            <c:extLst>
+              <c:ext xmlns:c16="http://schemas.microsoft.com/office/drawing/2014/chart" uri="{C3380CC4-5D6E-409C-BE32-E72D297353CC}">
+                <c16:uniqueId val="{00000001-58D5-4320-8DA2-FB67D0CFC0BB}"/>
+              </c:ext>
+            </c:extLst>
           </c:dPt>
           <c:dPt>
             <c:idx val="1"/>
@@ -1579,6 +1624,11 @@
               </a:ln>
               <a:effectLst/>
             </c:spPr>
+            <c:extLst>
+              <c:ext xmlns:c16="http://schemas.microsoft.com/office/drawing/2014/chart" uri="{C3380CC4-5D6E-409C-BE32-E72D297353CC}">
+                <c16:uniqueId val="{00000003-58D5-4320-8DA2-FB67D0CFC0BB}"/>
+              </c:ext>
+            </c:extLst>
           </c:dPt>
           <c:dPt>
             <c:idx val="2"/>
@@ -1594,25 +1644,15 @@
               </a:ln>
               <a:effectLst/>
             </c:spPr>
-          </c:dPt>
-          <c:dPt>
-            <c:idx val="3"/>
-            <c:bubble3D val="0"/>
-            <c:spPr>
-              <a:solidFill>
-                <a:schemeClr val="accent4"/>
-              </a:solidFill>
-              <a:ln w="19050">
-                <a:solidFill>
-                  <a:schemeClr val="lt1"/>
-                </a:solidFill>
-              </a:ln>
-              <a:effectLst/>
-            </c:spPr>
+            <c:extLst>
+              <c:ext xmlns:c16="http://schemas.microsoft.com/office/drawing/2014/chart" uri="{C3380CC4-5D6E-409C-BE32-E72D297353CC}">
+                <c16:uniqueId val="{00000005-58D5-4320-8DA2-FB67D0CFC0BB}"/>
+              </c:ext>
+            </c:extLst>
           </c:dPt>
           <c:cat>
             <c:strRef>
-              <c:f>Лист1!$A$2:$A$5</c:f>
+              <c:f>Лист1!$A$2:$A$4</c:f>
               <c:strCache>
                 <c:ptCount val="3"/>
                 <c:pt idx="0">
@@ -1629,10 +1669,10 @@
           </c:cat>
           <c:val>
             <c:numRef>
-              <c:f>Лист1!$B$2:$B$5</c:f>
+              <c:f>Лист1!$B$2:$B$4</c:f>
               <c:numCache>
                 <c:formatCode>General</c:formatCode>
-                <c:ptCount val="4"/>
+                <c:ptCount val="3"/>
                 <c:pt idx="0">
                   <c:v>2</c:v>
                 </c:pt>
@@ -1671,7 +1711,17 @@
       </c:spPr>
     </c:plotArea>
     <c:legend>
-      <c:legendPos val="b"/>
+      <c:legendPos val="r"/>
+      <c:layout>
+        <c:manualLayout>
+          <c:xMode val="edge"/>
+          <c:yMode val="edge"/>
+          <c:x val="0.69130517345174369"/>
+          <c:y val="0.34975424994952553"/>
+          <c:w val="0.25467035201496829"/>
+          <c:h val="0.5845733898647284"/>
+        </c:manualLayout>
+      </c:layout>
       <c:overlay val="0"/>
       <c:spPr>
         <a:noFill/>
@@ -1685,7 +1735,7 @@
         <a:lstStyle/>
         <a:p>
           <a:pPr>
-            <a:defRPr sz="1197" b="0" i="0" u="none" strike="noStrike" kern="1200" baseline="0">
+            <a:defRPr sz="1600" b="0" i="0" u="none" strike="noStrike" kern="1200" baseline="0">
               <a:solidFill>
                 <a:schemeClr val="tx1">
                   <a:lumMod val="65000"/>
@@ -1812,6 +1862,11 @@
               </a:ln>
               <a:effectLst/>
             </c:spPr>
+            <c:extLst>
+              <c:ext xmlns:c16="http://schemas.microsoft.com/office/drawing/2014/chart" uri="{C3380CC4-5D6E-409C-BE32-E72D297353CC}">
+                <c16:uniqueId val="{00000001-01D7-4C31-8B99-BEB8D84ECF88}"/>
+              </c:ext>
+            </c:extLst>
           </c:dPt>
           <c:dPt>
             <c:idx val="1"/>
@@ -1827,6 +1882,11 @@
               </a:ln>
               <a:effectLst/>
             </c:spPr>
+            <c:extLst>
+              <c:ext xmlns:c16="http://schemas.microsoft.com/office/drawing/2014/chart" uri="{C3380CC4-5D6E-409C-BE32-E72D297353CC}">
+                <c16:uniqueId val="{00000003-01D7-4C31-8B99-BEB8D84ECF88}"/>
+              </c:ext>
+            </c:extLst>
           </c:dPt>
           <c:dPt>
             <c:idx val="2"/>
@@ -1842,25 +1902,15 @@
               </a:ln>
               <a:effectLst/>
             </c:spPr>
-          </c:dPt>
-          <c:dPt>
-            <c:idx val="3"/>
-            <c:bubble3D val="0"/>
-            <c:spPr>
-              <a:solidFill>
-                <a:schemeClr val="accent4"/>
-              </a:solidFill>
-              <a:ln w="19050">
-                <a:solidFill>
-                  <a:schemeClr val="lt1"/>
-                </a:solidFill>
-              </a:ln>
-              <a:effectLst/>
-            </c:spPr>
+            <c:extLst>
+              <c:ext xmlns:c16="http://schemas.microsoft.com/office/drawing/2014/chart" uri="{C3380CC4-5D6E-409C-BE32-E72D297353CC}">
+                <c16:uniqueId val="{00000005-01D7-4C31-8B99-BEB8D84ECF88}"/>
+              </c:ext>
+            </c:extLst>
           </c:dPt>
           <c:cat>
             <c:strRef>
-              <c:f>Лист1!$A$2:$A$5</c:f>
+              <c:f>Лист1!$A$2:$A$4</c:f>
               <c:strCache>
                 <c:ptCount val="3"/>
                 <c:pt idx="0">
@@ -1877,10 +1927,10 @@
           </c:cat>
           <c:val>
             <c:numRef>
-              <c:f>Лист1!$B$2:$B$5</c:f>
+              <c:f>Лист1!$B$2:$B$4</c:f>
               <c:numCache>
                 <c:formatCode>General</c:formatCode>
-                <c:ptCount val="4"/>
+                <c:ptCount val="3"/>
                 <c:pt idx="0">
                   <c:v>66.7</c:v>
                 </c:pt>
@@ -1919,7 +1969,17 @@
       </c:spPr>
     </c:plotArea>
     <c:legend>
-      <c:legendPos val="b"/>
+      <c:legendPos val="r"/>
+      <c:layout>
+        <c:manualLayout>
+          <c:xMode val="edge"/>
+          <c:yMode val="edge"/>
+          <c:x val="0.73932787096408781"/>
+          <c:y val="0.44380411206912013"/>
+          <c:w val="0.26067212903591225"/>
+          <c:h val="0.27001910042761851"/>
+        </c:manualLayout>
+      </c:layout>
       <c:overlay val="0"/>
       <c:spPr>
         <a:noFill/>
@@ -1933,7 +1993,7 @@
         <a:lstStyle/>
         <a:p>
           <a:pPr>
-            <a:defRPr sz="1197" b="0" i="0" u="none" strike="noStrike" kern="1200" baseline="0">
+            <a:defRPr sz="1400" b="0" i="0" u="none" strike="noStrike" kern="1200" baseline="0">
               <a:solidFill>
                 <a:schemeClr val="tx1">
                   <a:lumMod val="65000"/>
@@ -2060,6 +2120,11 @@
               </a:ln>
               <a:effectLst/>
             </c:spPr>
+            <c:extLst>
+              <c:ext xmlns:c16="http://schemas.microsoft.com/office/drawing/2014/chart" uri="{C3380CC4-5D6E-409C-BE32-E72D297353CC}">
+                <c16:uniqueId val="{00000001-192D-4377-893E-0A59D5E142D5}"/>
+              </c:ext>
+            </c:extLst>
           </c:dPt>
           <c:dPt>
             <c:idx val="1"/>
@@ -2075,6 +2140,11 @@
               </a:ln>
               <a:effectLst/>
             </c:spPr>
+            <c:extLst>
+              <c:ext xmlns:c16="http://schemas.microsoft.com/office/drawing/2014/chart" uri="{C3380CC4-5D6E-409C-BE32-E72D297353CC}">
+                <c16:uniqueId val="{00000003-192D-4377-893E-0A59D5E142D5}"/>
+              </c:ext>
+            </c:extLst>
           </c:dPt>
           <c:dPt>
             <c:idx val="2"/>
@@ -2090,6 +2160,11 @@
               </a:ln>
               <a:effectLst/>
             </c:spPr>
+            <c:extLst>
+              <c:ext xmlns:c16="http://schemas.microsoft.com/office/drawing/2014/chart" uri="{C3380CC4-5D6E-409C-BE32-E72D297353CC}">
+                <c16:uniqueId val="{00000005-192D-4377-893E-0A59D5E142D5}"/>
+              </c:ext>
+            </c:extLst>
           </c:dPt>
           <c:dPt>
             <c:idx val="3"/>
@@ -2105,6 +2180,11 @@
               </a:ln>
               <a:effectLst/>
             </c:spPr>
+            <c:extLst>
+              <c:ext xmlns:c16="http://schemas.microsoft.com/office/drawing/2014/chart" uri="{C3380CC4-5D6E-409C-BE32-E72D297353CC}">
+                <c16:uniqueId val="{00000007-192D-4377-893E-0A59D5E142D5}"/>
+              </c:ext>
+            </c:extLst>
           </c:dPt>
           <c:dPt>
             <c:idx val="4"/>
@@ -2120,6 +2200,11 @@
               </a:ln>
               <a:effectLst/>
             </c:spPr>
+            <c:extLst>
+              <c:ext xmlns:c16="http://schemas.microsoft.com/office/drawing/2014/chart" uri="{C3380CC4-5D6E-409C-BE32-E72D297353CC}">
+                <c16:uniqueId val="{00000009-192D-4377-893E-0A59D5E142D5}"/>
+              </c:ext>
+            </c:extLst>
           </c:dPt>
           <c:cat>
             <c:strRef>
@@ -2194,7 +2279,17 @@
       </c:spPr>
     </c:plotArea>
     <c:legend>
-      <c:legendPos val="b"/>
+      <c:legendPos val="r"/>
+      <c:layout>
+        <c:manualLayout>
+          <c:xMode val="edge"/>
+          <c:yMode val="edge"/>
+          <c:x val="0.66221713315654041"/>
+          <c:y val="0.26139632545931757"/>
+          <c:w val="0.30205861028422581"/>
+          <c:h val="0.68984324651726225"/>
+        </c:manualLayout>
+      </c:layout>
       <c:overlay val="0"/>
       <c:spPr>
         <a:noFill/>
@@ -2208,7 +2303,7 @@
         <a:lstStyle/>
         <a:p>
           <a:pPr>
-            <a:defRPr sz="1197" b="0" i="0" u="none" strike="noStrike" kern="1200" baseline="0">
+            <a:defRPr sz="1400" b="0" i="0" u="none" strike="noStrike" kern="1200" baseline="0">
               <a:solidFill>
                 <a:schemeClr val="tx1">
                   <a:lumMod val="65000"/>
@@ -13664,13 +13759,13 @@
           <p:nvPr>
             <p:extLst>
               <p:ext uri="{D42A27DB-BD31-4B8C-83A1-F6EECF244321}">
-                <p14:modId xmlns:p14="http://schemas.microsoft.com/office/powerpoint/2010/main" val="2798861012"/>
+                <p14:modId xmlns:p14="http://schemas.microsoft.com/office/powerpoint/2010/main" val="242248825"/>
               </p:ext>
             </p:extLst>
           </p:nvPr>
         </p:nvGraphicFramePr>
         <p:xfrm>
-          <a:off x="229404" y="3574472"/>
+          <a:off x="139205" y="3417115"/>
           <a:ext cx="5900717" cy="3003247"/>
         </p:xfrm>
         <a:graphic>
@@ -13692,14 +13787,14 @@
           <p:nvPr>
             <p:extLst>
               <p:ext uri="{D42A27DB-BD31-4B8C-83A1-F6EECF244321}">
-                <p14:modId xmlns:p14="http://schemas.microsoft.com/office/powerpoint/2010/main" val="1113792256"/>
+                <p14:modId xmlns:p14="http://schemas.microsoft.com/office/powerpoint/2010/main" val="977337834"/>
               </p:ext>
             </p:extLst>
           </p:nvPr>
         </p:nvGraphicFramePr>
         <p:xfrm>
-          <a:off x="6575818" y="3559979"/>
-          <a:ext cx="4872839" cy="3003248"/>
+          <a:off x="6413213" y="3598088"/>
+          <a:ext cx="5334534" cy="2891612"/>
         </p:xfrm>
         <a:graphic>
           <a:graphicData uri="http://schemas.openxmlformats.org/drawingml/2006/chart">
@@ -13720,14 +13815,14 @@
           <p:nvPr>
             <p:extLst>
               <p:ext uri="{D42A27DB-BD31-4B8C-83A1-F6EECF244321}">
-                <p14:modId xmlns:p14="http://schemas.microsoft.com/office/powerpoint/2010/main" val="2693760807"/>
+                <p14:modId xmlns:p14="http://schemas.microsoft.com/office/powerpoint/2010/main" val="2479194145"/>
               </p:ext>
             </p:extLst>
           </p:nvPr>
         </p:nvGraphicFramePr>
         <p:xfrm>
-          <a:off x="425450" y="1277299"/>
-          <a:ext cx="5508624" cy="2543938"/>
+          <a:off x="425451" y="1076152"/>
+          <a:ext cx="5508624" cy="2452599"/>
         </p:xfrm>
         <a:graphic>
           <a:graphicData uri="http://schemas.openxmlformats.org/drawingml/2006/chart">
@@ -13784,14 +13879,14 @@
           <p:nvPr>
             <p:extLst>
               <p:ext uri="{D42A27DB-BD31-4B8C-83A1-F6EECF244321}">
-                <p14:modId xmlns:p14="http://schemas.microsoft.com/office/powerpoint/2010/main" val="1170157330"/>
+                <p14:modId xmlns:p14="http://schemas.microsoft.com/office/powerpoint/2010/main" val="3722616763"/>
               </p:ext>
             </p:extLst>
           </p:nvPr>
         </p:nvGraphicFramePr>
         <p:xfrm>
-          <a:off x="6096001" y="1041261"/>
-          <a:ext cx="5760244" cy="2779976"/>
+          <a:off x="6275388" y="1147927"/>
+          <a:ext cx="5885573" cy="2456309"/>
         </p:xfrm>
         <a:graphic>
           <a:graphicData uri="http://schemas.openxmlformats.org/drawingml/2006/chart">
@@ -13842,14 +13937,14 @@
           <p:nvPr>
             <p:extLst>
               <p:ext uri="{D42A27DB-BD31-4B8C-83A1-F6EECF244321}">
-                <p14:modId xmlns:p14="http://schemas.microsoft.com/office/powerpoint/2010/main" val="2040378346"/>
+                <p14:modId xmlns:p14="http://schemas.microsoft.com/office/powerpoint/2010/main" val="3907899490"/>
               </p:ext>
             </p:extLst>
           </p:nvPr>
         </p:nvGraphicFramePr>
         <p:xfrm>
-          <a:off x="5683936" y="3578644"/>
-          <a:ext cx="6656604" cy="3362503"/>
+          <a:off x="6275388" y="3582817"/>
+          <a:ext cx="5876966" cy="2945980"/>
         </p:xfrm>
         <a:graphic>
           <a:graphicData uri="http://schemas.openxmlformats.org/drawingml/2006/chart">
@@ -13870,14 +13965,14 @@
           <p:nvPr>
             <p:extLst>
               <p:ext uri="{D42A27DB-BD31-4B8C-83A1-F6EECF244321}">
-                <p14:modId xmlns:p14="http://schemas.microsoft.com/office/powerpoint/2010/main" val="3358253284"/>
+                <p14:modId xmlns:p14="http://schemas.microsoft.com/office/powerpoint/2010/main" val="3294663972"/>
               </p:ext>
             </p:extLst>
           </p:nvPr>
         </p:nvGraphicFramePr>
         <p:xfrm>
-          <a:off x="219035" y="3578645"/>
-          <a:ext cx="5876966" cy="2945980"/>
+          <a:off x="219035" y="3429000"/>
+          <a:ext cx="5876966" cy="3095625"/>
         </p:xfrm>
         <a:graphic>
           <a:graphicData uri="http://schemas.openxmlformats.org/drawingml/2006/chart">
@@ -13898,7 +13993,7 @@
           <p:nvPr>
             <p:extLst>
               <p:ext uri="{D42A27DB-BD31-4B8C-83A1-F6EECF244321}">
-                <p14:modId xmlns:p14="http://schemas.microsoft.com/office/powerpoint/2010/main" val="4050773808"/>
+                <p14:modId xmlns:p14="http://schemas.microsoft.com/office/powerpoint/2010/main" val="3356184839"/>
               </p:ext>
             </p:extLst>
           </p:nvPr>
@@ -13926,14 +14021,14 @@
           <p:nvPr>
             <p:extLst>
               <p:ext uri="{D42A27DB-BD31-4B8C-83A1-F6EECF244321}">
-                <p14:modId xmlns:p14="http://schemas.microsoft.com/office/powerpoint/2010/main" val="2024717650"/>
+                <p14:modId xmlns:p14="http://schemas.microsoft.com/office/powerpoint/2010/main" val="3876491367"/>
               </p:ext>
             </p:extLst>
           </p:nvPr>
         </p:nvGraphicFramePr>
         <p:xfrm>
-          <a:off x="219035" y="333375"/>
-          <a:ext cx="5876965" cy="3442634"/>
+          <a:off x="407988" y="354508"/>
+          <a:ext cx="5688012" cy="3095625"/>
         </p:xfrm>
         <a:graphic>
           <a:graphicData uri="http://schemas.openxmlformats.org/drawingml/2006/chart">

--- a/Docs/Куратор - виртуальный куратор.pptx
+++ b/Docs/Куратор - виртуальный куратор.pptx
@@ -334,10 +334,10 @@
                 <c:formatCode>General</c:formatCode>
                 <c:ptCount val="3"/>
                 <c:pt idx="0">
-                  <c:v>6</c:v>
+                  <c:v>9</c:v>
                 </c:pt>
                 <c:pt idx="1">
-                  <c:v>4</c:v>
+                  <c:v>6</c:v>
                 </c:pt>
                 <c:pt idx="2">
                   <c:v>0</c:v>
@@ -858,13 +858,13 @@
                 <c:formatCode>General</c:formatCode>
                 <c:ptCount val="3"/>
                 <c:pt idx="0">
-                  <c:v>5.33</c:v>
+                  <c:v>8</c:v>
                 </c:pt>
                 <c:pt idx="1">
-                  <c:v>3.33</c:v>
+                  <c:v>5</c:v>
                 </c:pt>
                 <c:pt idx="2">
-                  <c:v>1.33</c:v>
+                  <c:v>2</c:v>
                 </c:pt>
               </c:numCache>
             </c:numRef>
@@ -984,6 +984,31 @@
   </mc:AlternateContent>
   <c:chart>
     <c:title>
+      <c:tx>
+        <c:rich>
+          <a:bodyPr rot="0" spcFirstLastPara="1" vertOverflow="ellipsis" vert="horz" wrap="square" anchor="ctr" anchorCtr="1"/>
+          <a:lstStyle/>
+          <a:p>
+            <a:pPr>
+              <a:defRPr sz="1862" b="0" i="0" u="none" strike="noStrike" kern="1200" spc="0" baseline="0">
+                <a:solidFill>
+                  <a:schemeClr val="tx1">
+                    <a:lumMod val="65000"/>
+                    <a:lumOff val="35000"/>
+                  </a:schemeClr>
+                </a:solidFill>
+                <a:latin typeface="+mn-lt"/>
+                <a:ea typeface="+mn-ea"/>
+                <a:cs typeface="+mn-cs"/>
+              </a:defRPr>
+            </a:pPr>
+            <a:r>
+              <a:rPr lang="ru-RU" dirty="0"/>
+              <a:t>Как Вы относитесь к идее установки лимитов времени на использование соц. сетей?</a:t>
+            </a:r>
+          </a:p>
+        </c:rich>
+      </c:tx>
       <c:overlay val="0"/>
       <c:spPr>
         <a:noFill/>
@@ -1116,13 +1141,13 @@
                 <c:formatCode>General</c:formatCode>
                 <c:ptCount val="3"/>
                 <c:pt idx="0">
-                  <c:v>2</c:v>
+                  <c:v>3</c:v>
                 </c:pt>
                 <c:pt idx="1">
-                  <c:v>2</c:v>
+                  <c:v>3</c:v>
                 </c:pt>
                 <c:pt idx="2">
-                  <c:v>6</c:v>
+                  <c:v>9</c:v>
                 </c:pt>
               </c:numCache>
             </c:numRef>
@@ -1408,7 +1433,7 @@
                   <c:v>Не пользуюсь соц. сетями пока незакончу все дела</c:v>
                 </c:pt>
                 <c:pt idx="4">
-                  <c:v>Свой вариант ниже</c:v>
+                  <c:v>Свой вариант</c:v>
                 </c:pt>
               </c:strCache>
             </c:strRef>
@@ -1420,19 +1445,19 @@
                 <c:formatCode>General</c:formatCode>
                 <c:ptCount val="5"/>
                 <c:pt idx="0">
-                  <c:v>2</c:v>
+                  <c:v>3</c:v>
                 </c:pt>
                 <c:pt idx="1">
+                  <c:v>6</c:v>
+                </c:pt>
+                <c:pt idx="2">
                   <c:v>4</c:v>
                 </c:pt>
-                <c:pt idx="2">
-                  <c:v>2.67</c:v>
-                </c:pt>
                 <c:pt idx="3">
-                  <c:v>0.67</c:v>
+                  <c:v>1</c:v>
                 </c:pt>
                 <c:pt idx="4">
-                  <c:v>0.67</c:v>
+                  <c:v>1</c:v>
                 </c:pt>
               </c:numCache>
             </c:numRef>
@@ -1674,13 +1699,13 @@
                 <c:formatCode>General</c:formatCode>
                 <c:ptCount val="3"/>
                 <c:pt idx="0">
-                  <c:v>2</c:v>
+                  <c:v>3</c:v>
                 </c:pt>
                 <c:pt idx="1">
-                  <c:v>6</c:v>
+                  <c:v>9</c:v>
                 </c:pt>
                 <c:pt idx="2">
-                  <c:v>2</c:v>
+                  <c:v>3</c:v>
                 </c:pt>
               </c:numCache>
             </c:numRef>
@@ -1932,13 +1957,13 @@
                 <c:formatCode>General</c:formatCode>
                 <c:ptCount val="3"/>
                 <c:pt idx="0">
-                  <c:v>66.7</c:v>
+                  <c:v>10</c:v>
                 </c:pt>
                 <c:pt idx="1">
-                  <c:v>27.7</c:v>
+                  <c:v>4</c:v>
                 </c:pt>
                 <c:pt idx="2">
-                  <c:v>0.67</c:v>
+                  <c:v>1</c:v>
                 </c:pt>
               </c:numCache>
             </c:numRef>
@@ -2236,19 +2261,19 @@
                 <c:formatCode>General</c:formatCode>
                 <c:ptCount val="5"/>
                 <c:pt idx="0">
-                  <c:v>2.67</c:v>
+                  <c:v>4</c:v>
                 </c:pt>
                 <c:pt idx="1">
-                  <c:v>5.33</c:v>
+                  <c:v>8</c:v>
                 </c:pt>
                 <c:pt idx="2">
-                  <c:v>6</c:v>
+                  <c:v>9</c:v>
                 </c:pt>
                 <c:pt idx="3">
-                  <c:v>4.67</c:v>
+                  <c:v>7</c:v>
                 </c:pt>
                 <c:pt idx="4">
-                  <c:v>13.4</c:v>
+                  <c:v>2</c:v>
                 </c:pt>
               </c:numCache>
             </c:numRef>
@@ -13759,7 +13784,7 @@
           <p:nvPr>
             <p:extLst>
               <p:ext uri="{D42A27DB-BD31-4B8C-83A1-F6EECF244321}">
-                <p14:modId xmlns:p14="http://schemas.microsoft.com/office/powerpoint/2010/main" val="242248825"/>
+                <p14:modId xmlns:p14="http://schemas.microsoft.com/office/powerpoint/2010/main" val="4079404755"/>
               </p:ext>
             </p:extLst>
           </p:nvPr>
@@ -13787,7 +13812,7 @@
           <p:nvPr>
             <p:extLst>
               <p:ext uri="{D42A27DB-BD31-4B8C-83A1-F6EECF244321}">
-                <p14:modId xmlns:p14="http://schemas.microsoft.com/office/powerpoint/2010/main" val="977337834"/>
+                <p14:modId xmlns:p14="http://schemas.microsoft.com/office/powerpoint/2010/main" val="1260930863"/>
               </p:ext>
             </p:extLst>
           </p:nvPr>
@@ -13815,7 +13840,7 @@
           <p:nvPr>
             <p:extLst>
               <p:ext uri="{D42A27DB-BD31-4B8C-83A1-F6EECF244321}">
-                <p14:modId xmlns:p14="http://schemas.microsoft.com/office/powerpoint/2010/main" val="2479194145"/>
+                <p14:modId xmlns:p14="http://schemas.microsoft.com/office/powerpoint/2010/main" val="1784718692"/>
               </p:ext>
             </p:extLst>
           </p:nvPr>
@@ -13879,7 +13904,7 @@
           <p:nvPr>
             <p:extLst>
               <p:ext uri="{D42A27DB-BD31-4B8C-83A1-F6EECF244321}">
-                <p14:modId xmlns:p14="http://schemas.microsoft.com/office/powerpoint/2010/main" val="3722616763"/>
+                <p14:modId xmlns:p14="http://schemas.microsoft.com/office/powerpoint/2010/main" val="598527976"/>
               </p:ext>
             </p:extLst>
           </p:nvPr>
@@ -13937,7 +13962,7 @@
           <p:nvPr>
             <p:extLst>
               <p:ext uri="{D42A27DB-BD31-4B8C-83A1-F6EECF244321}">
-                <p14:modId xmlns:p14="http://schemas.microsoft.com/office/powerpoint/2010/main" val="3907899490"/>
+                <p14:modId xmlns:p14="http://schemas.microsoft.com/office/powerpoint/2010/main" val="2715265403"/>
               </p:ext>
             </p:extLst>
           </p:nvPr>
@@ -13965,7 +13990,7 @@
           <p:nvPr>
             <p:extLst>
               <p:ext uri="{D42A27DB-BD31-4B8C-83A1-F6EECF244321}">
-                <p14:modId xmlns:p14="http://schemas.microsoft.com/office/powerpoint/2010/main" val="3294663972"/>
+                <p14:modId xmlns:p14="http://schemas.microsoft.com/office/powerpoint/2010/main" val="579475560"/>
               </p:ext>
             </p:extLst>
           </p:nvPr>
@@ -13993,7 +14018,7 @@
           <p:nvPr>
             <p:extLst>
               <p:ext uri="{D42A27DB-BD31-4B8C-83A1-F6EECF244321}">
-                <p14:modId xmlns:p14="http://schemas.microsoft.com/office/powerpoint/2010/main" val="3356184839"/>
+                <p14:modId xmlns:p14="http://schemas.microsoft.com/office/powerpoint/2010/main" val="2395496540"/>
               </p:ext>
             </p:extLst>
           </p:nvPr>
@@ -14021,7 +14046,7 @@
           <p:nvPr>
             <p:extLst>
               <p:ext uri="{D42A27DB-BD31-4B8C-83A1-F6EECF244321}">
-                <p14:modId xmlns:p14="http://schemas.microsoft.com/office/powerpoint/2010/main" val="3876491367"/>
+                <p14:modId xmlns:p14="http://schemas.microsoft.com/office/powerpoint/2010/main" val="1213546323"/>
               </p:ext>
             </p:extLst>
           </p:nvPr>
@@ -14146,7 +14171,7 @@
         <p:spPr>
           <a:xfrm>
             <a:off x="407988" y="4866403"/>
-            <a:ext cx="5508625" cy="1200329"/>
+            <a:ext cx="5508625" cy="923330"/>
           </a:xfrm>
           <a:prstGeom prst="rect">
             <a:avLst/>
@@ -14170,13 +14195,6 @@
             </a:r>
             <a:br>
               <a:rPr lang="ru-RU" b="1" dirty="0"/>
-            </a:br>
-            <a:r>
-              <a:rPr lang="ru-RU" dirty="0"/>
-              <a:t>Коммуникатор</a:t>
-            </a:r>
-            <a:br>
-              <a:rPr lang="ru-RU" dirty="0"/>
             </a:br>
             <a:r>
               <a:rPr lang="ru-RU" dirty="0"/>
@@ -14208,9 +14226,9 @@
         <p:grpSpPr>
           <a:xfrm>
             <a:off x="3341688" y="1991591"/>
-            <a:ext cx="5508623" cy="3798137"/>
+            <a:ext cx="5508623" cy="4075136"/>
             <a:chOff x="6275388" y="1991595"/>
-            <a:chExt cx="5508623" cy="3798137"/>
+            <a:chExt cx="5508623" cy="4075136"/>
           </a:xfrm>
         </p:grpSpPr>
         <p:pic>
@@ -14263,7 +14281,7 @@
           <p:spPr>
             <a:xfrm>
               <a:off x="6275388" y="4866402"/>
-              <a:ext cx="5508623" cy="923330"/>
+              <a:ext cx="5508623" cy="1200329"/>
             </a:xfrm>
             <a:prstGeom prst="rect">
               <a:avLst/>
@@ -14287,6 +14305,13 @@
               <a:r>
                 <a:rPr lang="ru-RU" dirty="0"/>
                 <a:t>Лидер</a:t>
+              </a:r>
+            </a:p>
+            <a:p>
+              <a:pPr algn="ctr"/>
+              <a:r>
+                <a:rPr lang="ru-RU" dirty="0"/>
+                <a:t>Коммуникатор</a:t>
               </a:r>
             </a:p>
             <a:p>

--- a/Docs/Куратор - виртуальный куратор.pptx
+++ b/Docs/Куратор - виртуальный куратор.pptx
@@ -5,7 +5,7 @@
     <p:sldMasterId id="2147483648" r:id="rId1"/>
   </p:sldMasterIdLst>
   <p:notesMasterIdLst>
-    <p:notesMasterId r:id="rId19"/>
+    <p:notesMasterId r:id="rId20"/>
   </p:notesMasterIdLst>
   <p:sldIdLst>
     <p:sldId id="256" r:id="rId2"/>
@@ -13,18 +13,19 @@
     <p:sldId id="258" r:id="rId4"/>
     <p:sldId id="265" r:id="rId5"/>
     <p:sldId id="266" r:id="rId6"/>
-    <p:sldId id="260" r:id="rId7"/>
-    <p:sldId id="263" r:id="rId8"/>
-    <p:sldId id="262" r:id="rId9"/>
-    <p:sldId id="267" r:id="rId10"/>
+    <p:sldId id="274" r:id="rId7"/>
+    <p:sldId id="275" r:id="rId8"/>
+    <p:sldId id="260" r:id="rId9"/>
+    <p:sldId id="276" r:id="rId10"/>
     <p:sldId id="268" r:id="rId11"/>
-    <p:sldId id="271" r:id="rId12"/>
-    <p:sldId id="272" r:id="rId13"/>
-    <p:sldId id="273" r:id="rId14"/>
-    <p:sldId id="274" r:id="rId15"/>
-    <p:sldId id="275" r:id="rId16"/>
-    <p:sldId id="269" r:id="rId17"/>
-    <p:sldId id="270" r:id="rId18"/>
+    <p:sldId id="263" r:id="rId12"/>
+    <p:sldId id="262" r:id="rId13"/>
+    <p:sldId id="267" r:id="rId14"/>
+    <p:sldId id="271" r:id="rId15"/>
+    <p:sldId id="272" r:id="rId16"/>
+    <p:sldId id="273" r:id="rId17"/>
+    <p:sldId id="269" r:id="rId18"/>
+    <p:sldId id="270" r:id="rId19"/>
   </p:sldIdLst>
   <p:sldSz cx="12192000" cy="6858000"/>
   <p:notesSz cx="6858000" cy="9144000"/>
@@ -233,7 +234,17 @@
     </c:title>
     <c:autoTitleDeleted val="0"/>
     <c:plotArea>
-      <c:layout/>
+      <c:layout>
+        <c:manualLayout>
+          <c:layoutTarget val="inner"/>
+          <c:xMode val="edge"/>
+          <c:yMode val="edge"/>
+          <c:x val="0.2278433281921502"/>
+          <c:y val="0.39548795020855759"/>
+          <c:w val="0.31012044807436112"/>
+          <c:h val="0.60451204979144235"/>
+        </c:manualLayout>
+      </c:layout>
       <c:pieChart>
         <c:varyColors val="1"/>
         <c:ser>
@@ -310,6 +321,58 @@
               </c:ext>
             </c:extLst>
           </c:dPt>
+          <c:dLbls>
+            <c:dLbl>
+              <c:idx val="2"/>
+              <c:delete val="1"/>
+              <c:extLst>
+                <c:ext xmlns:c15="http://schemas.microsoft.com/office/drawing/2012/chart" uri="{CE6537A1-D6FC-4f65-9D91-7224C49458BB}"/>
+                <c:ext xmlns:c16="http://schemas.microsoft.com/office/drawing/2014/chart" uri="{C3380CC4-5D6E-409C-BE32-E72D297353CC}">
+                  <c16:uniqueId val="{00000005-BA46-4A0C-9102-E7D5E2A6BCF2}"/>
+                </c:ext>
+              </c:extLst>
+            </c:dLbl>
+            <c:spPr>
+              <a:noFill/>
+              <a:ln>
+                <a:noFill/>
+              </a:ln>
+              <a:effectLst/>
+            </c:spPr>
+            <c:txPr>
+              <a:bodyPr rot="0" spcFirstLastPara="1" vertOverflow="ellipsis" vert="horz" wrap="square" lIns="38100" tIns="19050" rIns="38100" bIns="19050" anchor="ctr" anchorCtr="1">
+                <a:spAutoFit/>
+              </a:bodyPr>
+              <a:lstStyle/>
+              <a:p>
+                <a:pPr>
+                  <a:defRPr sz="1197" b="0" i="0" u="none" strike="noStrike" kern="1200" baseline="0">
+                    <a:solidFill>
+                      <a:schemeClr val="tx1">
+                        <a:lumMod val="75000"/>
+                        <a:lumOff val="25000"/>
+                      </a:schemeClr>
+                    </a:solidFill>
+                    <a:latin typeface="+mn-lt"/>
+                    <a:ea typeface="+mn-ea"/>
+                    <a:cs typeface="+mn-cs"/>
+                  </a:defRPr>
+                </a:pPr>
+                <a:endParaRPr lang="ru-RU"/>
+              </a:p>
+            </c:txPr>
+            <c:dLblPos val="bestFit"/>
+            <c:showLegendKey val="0"/>
+            <c:showVal val="0"/>
+            <c:showCatName val="0"/>
+            <c:showSerName val="0"/>
+            <c:showPercent val="1"/>
+            <c:showBubbleSize val="0"/>
+            <c:showLeaderLines val="0"/>
+            <c:extLst>
+              <c:ext xmlns:c15="http://schemas.microsoft.com/office/drawing/2012/chart" uri="{CE6537A1-D6FC-4f65-9D91-7224C49458BB}"/>
+            </c:extLst>
+          </c:dLbls>
           <c:cat>
             <c:strRef>
               <c:f>Лист1!$A$2:$A$4</c:f>
@@ -352,13 +415,14 @@
           </c:extLst>
         </c:ser>
         <c:dLbls>
+          <c:dLblPos val="bestFit"/>
           <c:showLegendKey val="0"/>
-          <c:showVal val="0"/>
+          <c:showVal val="1"/>
           <c:showCatName val="0"/>
           <c:showSerName val="0"/>
           <c:showPercent val="0"/>
           <c:showBubbleSize val="0"/>
-          <c:showLeaderLines val="1"/>
+          <c:showLeaderLines val="0"/>
         </c:dLbls>
         <c:firstSliceAng val="0"/>
       </c:pieChart>
@@ -376,9 +440,9 @@
         <c:manualLayout>
           <c:xMode val="edge"/>
           <c:yMode val="edge"/>
-          <c:x val="0.75065928428697737"/>
+          <c:x val="0.67532945572546521"/>
           <c:y val="0.51541947765202134"/>
-          <c:w val="0.17185860633546737"/>
+          <c:w val="0.24718843489697948"/>
           <c:h val="0.39905642126671576"/>
         </c:manualLayout>
       </c:layout>
@@ -395,7 +459,7 @@
         <a:lstStyle/>
         <a:p>
           <a:pPr>
-            <a:defRPr sz="1400" b="0" i="0" u="none" strike="noStrike" kern="1200" baseline="0">
+            <a:defRPr sz="1800" b="0" i="0" u="none" strike="noStrike" kern="1200" baseline="0">
               <a:solidFill>
                 <a:schemeClr val="tx1">
                   <a:lumMod val="65000"/>
@@ -499,7 +563,17 @@
     </c:title>
     <c:autoTitleDeleted val="0"/>
     <c:plotArea>
-      <c:layout/>
+      <c:layout>
+        <c:manualLayout>
+          <c:layoutTarget val="inner"/>
+          <c:xMode val="edge"/>
+          <c:yMode val="edge"/>
+          <c:x val="0.19295049951879586"/>
+          <c:y val="0.33334313178946551"/>
+          <c:w val="0.35184197907446091"/>
+          <c:h val="0.64908881274527852"/>
+        </c:manualLayout>
+      </c:layout>
       <c:pieChart>
         <c:varyColors val="1"/>
         <c:ser>
@@ -576,6 +650,58 @@
               </c:ext>
             </c:extLst>
           </c:dPt>
+          <c:dLbls>
+            <c:dLbl>
+              <c:idx val="2"/>
+              <c:delete val="1"/>
+              <c:extLst>
+                <c:ext xmlns:c15="http://schemas.microsoft.com/office/drawing/2012/chart" uri="{CE6537A1-D6FC-4f65-9D91-7224C49458BB}"/>
+                <c:ext xmlns:c16="http://schemas.microsoft.com/office/drawing/2014/chart" uri="{C3380CC4-5D6E-409C-BE32-E72D297353CC}">
+                  <c16:uniqueId val="{00000005-35EB-4B79-AA38-CDBD0CA9DED9}"/>
+                </c:ext>
+              </c:extLst>
+            </c:dLbl>
+            <c:spPr>
+              <a:noFill/>
+              <a:ln>
+                <a:noFill/>
+              </a:ln>
+              <a:effectLst/>
+            </c:spPr>
+            <c:txPr>
+              <a:bodyPr rot="0" spcFirstLastPara="1" vertOverflow="ellipsis" vert="horz" wrap="square" lIns="38100" tIns="19050" rIns="38100" bIns="19050" anchor="ctr" anchorCtr="1">
+                <a:spAutoFit/>
+              </a:bodyPr>
+              <a:lstStyle/>
+              <a:p>
+                <a:pPr>
+                  <a:defRPr sz="1197" b="0" i="0" u="none" strike="noStrike" kern="1200" baseline="0">
+                    <a:solidFill>
+                      <a:schemeClr val="tx1">
+                        <a:lumMod val="75000"/>
+                        <a:lumOff val="25000"/>
+                      </a:schemeClr>
+                    </a:solidFill>
+                    <a:latin typeface="+mn-lt"/>
+                    <a:ea typeface="+mn-ea"/>
+                    <a:cs typeface="+mn-cs"/>
+                  </a:defRPr>
+                </a:pPr>
+                <a:endParaRPr lang="ru-RU"/>
+              </a:p>
+            </c:txPr>
+            <c:dLblPos val="bestFit"/>
+            <c:showLegendKey val="0"/>
+            <c:showVal val="0"/>
+            <c:showCatName val="0"/>
+            <c:showSerName val="0"/>
+            <c:showPercent val="1"/>
+            <c:showBubbleSize val="0"/>
+            <c:showLeaderLines val="0"/>
+            <c:extLst>
+              <c:ext xmlns:c15="http://schemas.microsoft.com/office/drawing/2012/chart" uri="{CE6537A1-D6FC-4f65-9D91-7224C49458BB}"/>
+            </c:extLst>
+          </c:dLbls>
           <c:cat>
             <c:strRef>
               <c:f>Лист1!$A$2:$A$4</c:f>
@@ -624,7 +750,7 @@
           <c:showSerName val="0"/>
           <c:showPercent val="0"/>
           <c:showBubbleSize val="0"/>
-          <c:showLeaderLines val="1"/>
+          <c:showLeaderLines val="0"/>
         </c:dLbls>
         <c:firstSliceAng val="0"/>
       </c:pieChart>
@@ -642,9 +768,9 @@
         <c:manualLayout>
           <c:xMode val="edge"/>
           <c:yMode val="edge"/>
-          <c:x val="0.7837132540536812"/>
+          <c:x val="0.69324612046712986"/>
           <c:y val="0.43824309762167252"/>
-          <c:w val="0.21628674594631883"/>
+          <c:w val="0.30675387953287014"/>
           <c:h val="0.44520668748089293"/>
         </c:manualLayout>
       </c:layout>
@@ -661,7 +787,7 @@
         <a:lstStyle/>
         <a:p>
           <a:pPr>
-            <a:defRPr sz="1400" b="0" i="0" u="none" strike="noStrike" kern="1200" baseline="0">
+            <a:defRPr sz="1800" b="0" i="0" u="none" strike="noStrike" kern="1200" baseline="0">
               <a:solidFill>
                 <a:schemeClr val="tx1">
                   <a:lumMod val="65000"/>
@@ -757,7 +883,17 @@
     </c:title>
     <c:autoTitleDeleted val="0"/>
     <c:plotArea>
-      <c:layout/>
+      <c:layout>
+        <c:manualLayout>
+          <c:layoutTarget val="inner"/>
+          <c:xMode val="edge"/>
+          <c:yMode val="edge"/>
+          <c:x val="0.20439351097479153"/>
+          <c:y val="0.26211331294687884"/>
+          <c:w val="0.32843247242868634"/>
+          <c:h val="0.7173897355047868"/>
+        </c:manualLayout>
+      </c:layout>
       <c:pieChart>
         <c:varyColors val="1"/>
         <c:ser>
@@ -834,6 +970,49 @@
               </c:ext>
             </c:extLst>
           </c:dPt>
+          <c:dLbls>
+            <c:numFmt formatCode="General" sourceLinked="0"/>
+            <c:spPr>
+              <a:noFill/>
+              <a:ln>
+                <a:noFill/>
+              </a:ln>
+              <a:effectLst/>
+            </c:spPr>
+            <c:txPr>
+              <a:bodyPr rot="0" spcFirstLastPara="1" vertOverflow="ellipsis" vert="horz" wrap="square" lIns="38100" tIns="19050" rIns="38100" bIns="19050" anchor="ctr" anchorCtr="1">
+                <a:spAutoFit/>
+              </a:bodyPr>
+              <a:lstStyle/>
+              <a:p>
+                <a:pPr>
+                  <a:defRPr sz="1197" b="0" i="0" u="none" strike="noStrike" kern="1200" baseline="0">
+                    <a:solidFill>
+                      <a:schemeClr val="tx1">
+                        <a:lumMod val="75000"/>
+                        <a:lumOff val="25000"/>
+                      </a:schemeClr>
+                    </a:solidFill>
+                    <a:latin typeface="+mn-lt"/>
+                    <a:ea typeface="+mn-ea"/>
+                    <a:cs typeface="+mn-cs"/>
+                  </a:defRPr>
+                </a:pPr>
+                <a:endParaRPr lang="ru-RU"/>
+              </a:p>
+            </c:txPr>
+            <c:dLblPos val="bestFit"/>
+            <c:showLegendKey val="0"/>
+            <c:showVal val="0"/>
+            <c:showCatName val="0"/>
+            <c:showSerName val="0"/>
+            <c:showPercent val="1"/>
+            <c:showBubbleSize val="0"/>
+            <c:showLeaderLines val="0"/>
+            <c:extLst>
+              <c:ext xmlns:c15="http://schemas.microsoft.com/office/drawing/2012/chart" uri="{CE6537A1-D6FC-4f65-9D91-7224C49458BB}"/>
+            </c:extLst>
+          </c:dLbls>
           <c:cat>
             <c:strRef>
               <c:f>Лист1!$A$2:$A$4</c:f>
@@ -882,7 +1061,7 @@
           <c:showSerName val="0"/>
           <c:showPercent val="0"/>
           <c:showBubbleSize val="0"/>
-          <c:showLeaderLines val="1"/>
+          <c:showLeaderLines val="0"/>
         </c:dLbls>
         <c:firstSliceAng val="0"/>
       </c:pieChart>
@@ -900,9 +1079,9 @@
         <c:manualLayout>
           <c:xMode val="edge"/>
           <c:yMode val="edge"/>
-          <c:x val="0.74801257083438621"/>
+          <c:x val="0.55665806923834338"/>
           <c:y val="0.35444196136425071"/>
-          <c:w val="0.18743410332598487"/>
+          <c:w val="0.37878860492202771"/>
           <c:h val="0.50771936219496128"/>
         </c:manualLayout>
       </c:layout>
@@ -919,7 +1098,7 @@
         <a:lstStyle/>
         <a:p>
           <a:pPr>
-            <a:defRPr sz="1400" b="0" i="0" u="none" strike="noStrike" kern="1200" baseline="0">
+            <a:defRPr sz="1800" b="0" i="0" u="none" strike="noStrike" kern="1200" baseline="0">
               <a:solidFill>
                 <a:schemeClr val="tx1">
                   <a:lumMod val="65000"/>
@@ -1040,7 +1219,17 @@
     </c:title>
     <c:autoTitleDeleted val="0"/>
     <c:plotArea>
-      <c:layout/>
+      <c:layout>
+        <c:manualLayout>
+          <c:layoutTarget val="inner"/>
+          <c:xMode val="edge"/>
+          <c:yMode val="edge"/>
+          <c:x val="0.16786058226871495"/>
+          <c:y val="0.31412700926471382"/>
+          <c:w val="0.3346270621071501"/>
+          <c:h val="0.68587299073528618"/>
+        </c:manualLayout>
+      </c:layout>
       <c:pieChart>
         <c:varyColors val="1"/>
         <c:ser>
@@ -1117,6 +1306,48 @@
               </c:ext>
             </c:extLst>
           </c:dPt>
+          <c:dLbls>
+            <c:spPr>
+              <a:noFill/>
+              <a:ln>
+                <a:noFill/>
+              </a:ln>
+              <a:effectLst/>
+            </c:spPr>
+            <c:txPr>
+              <a:bodyPr rot="0" spcFirstLastPara="1" vertOverflow="ellipsis" vert="horz" wrap="square" lIns="38100" tIns="19050" rIns="38100" bIns="19050" anchor="ctr" anchorCtr="1">
+                <a:spAutoFit/>
+              </a:bodyPr>
+              <a:lstStyle/>
+              <a:p>
+                <a:pPr>
+                  <a:defRPr sz="1197" b="0" i="0" u="none" strike="noStrike" kern="1200" baseline="0">
+                    <a:solidFill>
+                      <a:schemeClr val="tx1">
+                        <a:lumMod val="75000"/>
+                        <a:lumOff val="25000"/>
+                      </a:schemeClr>
+                    </a:solidFill>
+                    <a:latin typeface="+mn-lt"/>
+                    <a:ea typeface="+mn-ea"/>
+                    <a:cs typeface="+mn-cs"/>
+                  </a:defRPr>
+                </a:pPr>
+                <a:endParaRPr lang="ru-RU"/>
+              </a:p>
+            </c:txPr>
+            <c:dLblPos val="bestFit"/>
+            <c:showLegendKey val="0"/>
+            <c:showVal val="0"/>
+            <c:showCatName val="0"/>
+            <c:showSerName val="0"/>
+            <c:showPercent val="1"/>
+            <c:showBubbleSize val="0"/>
+            <c:showLeaderLines val="0"/>
+            <c:extLst>
+              <c:ext xmlns:c15="http://schemas.microsoft.com/office/drawing/2012/chart" uri="{CE6537A1-D6FC-4f65-9D91-7224C49458BB}"/>
+            </c:extLst>
+          </c:dLbls>
           <c:cat>
             <c:strRef>
               <c:f>Лист1!$A$2:$A$4</c:f>
@@ -1159,13 +1390,14 @@
           </c:extLst>
         </c:ser>
         <c:dLbls>
+          <c:dLblPos val="bestFit"/>
           <c:showLegendKey val="0"/>
-          <c:showVal val="0"/>
+          <c:showVal val="1"/>
           <c:showCatName val="0"/>
           <c:showSerName val="0"/>
           <c:showPercent val="0"/>
           <c:showBubbleSize val="0"/>
-          <c:showLeaderLines val="1"/>
+          <c:showLeaderLines val="0"/>
         </c:dLbls>
         <c:firstSliceAng val="0"/>
       </c:pieChart>
@@ -1183,9 +1415,9 @@
         <c:manualLayout>
           <c:xMode val="edge"/>
           <c:yMode val="edge"/>
-          <c:x val="0.73121223710928396"/>
+          <c:x val="0.65784639830310487"/>
           <c:y val="0.40812943322684569"/>
-          <c:w val="0.2327735974050445"/>
+          <c:w val="0.30613943621122364"/>
           <c:h val="0.44708747962898804"/>
         </c:manualLayout>
       </c:layout>
@@ -1202,7 +1434,7 @@
         <a:lstStyle/>
         <a:p>
           <a:pPr>
-            <a:defRPr sz="1400" b="0" i="0" u="none" strike="noStrike" kern="1200" baseline="0">
+            <a:defRPr sz="1800" b="0" i="0" u="none" strike="noStrike" kern="1200" baseline="0">
               <a:solidFill>
                 <a:schemeClr val="tx1">
                   <a:lumMod val="65000"/>
@@ -1298,7 +1530,17 @@
     </c:title>
     <c:autoTitleDeleted val="0"/>
     <c:plotArea>
-      <c:layout/>
+      <c:layout>
+        <c:manualLayout>
+          <c:layoutTarget val="inner"/>
+          <c:xMode val="edge"/>
+          <c:yMode val="edge"/>
+          <c:x val="0.13352703623335097"/>
+          <c:y val="0.22585150203820673"/>
+          <c:w val="0.38777076108827191"/>
+          <c:h val="0.71705214639914783"/>
+        </c:manualLayout>
+      </c:layout>
       <c:pieChart>
         <c:varyColors val="1"/>
         <c:ser>
@@ -1415,6 +1657,48 @@
               </c:ext>
             </c:extLst>
           </c:dPt>
+          <c:dLbls>
+            <c:spPr>
+              <a:noFill/>
+              <a:ln>
+                <a:noFill/>
+              </a:ln>
+              <a:effectLst/>
+            </c:spPr>
+            <c:txPr>
+              <a:bodyPr rot="0" spcFirstLastPara="1" vertOverflow="ellipsis" vert="horz" wrap="square" lIns="38100" tIns="19050" rIns="38100" bIns="19050" anchor="ctr" anchorCtr="1">
+                <a:spAutoFit/>
+              </a:bodyPr>
+              <a:lstStyle/>
+              <a:p>
+                <a:pPr>
+                  <a:defRPr sz="1197" b="0" i="0" u="none" strike="noStrike" kern="1200" baseline="0">
+                    <a:solidFill>
+                      <a:schemeClr val="tx1">
+                        <a:lumMod val="75000"/>
+                        <a:lumOff val="25000"/>
+                      </a:schemeClr>
+                    </a:solidFill>
+                    <a:latin typeface="+mn-lt"/>
+                    <a:ea typeface="+mn-ea"/>
+                    <a:cs typeface="+mn-cs"/>
+                  </a:defRPr>
+                </a:pPr>
+                <a:endParaRPr lang="ru-RU"/>
+              </a:p>
+            </c:txPr>
+            <c:dLblPos val="bestFit"/>
+            <c:showLegendKey val="0"/>
+            <c:showVal val="0"/>
+            <c:showCatName val="0"/>
+            <c:showSerName val="0"/>
+            <c:showPercent val="1"/>
+            <c:showBubbleSize val="0"/>
+            <c:showLeaderLines val="0"/>
+            <c:extLst>
+              <c:ext xmlns:c15="http://schemas.microsoft.com/office/drawing/2012/chart" uri="{CE6537A1-D6FC-4f65-9D91-7224C49458BB}"/>
+            </c:extLst>
+          </c:dLbls>
           <c:cat>
             <c:strRef>
               <c:f>Лист1!$A$2:$A$6</c:f>
@@ -1475,7 +1759,7 @@
           <c:showSerName val="0"/>
           <c:showPercent val="0"/>
           <c:showBubbleSize val="0"/>
-          <c:showLeaderLines val="1"/>
+          <c:showLeaderLines val="0"/>
         </c:dLbls>
         <c:firstSliceAng val="0"/>
       </c:pieChart>
@@ -1489,6 +1773,16 @@
     </c:plotArea>
     <c:legend>
       <c:legendPos val="r"/>
+      <c:layout>
+        <c:manualLayout>
+          <c:xMode val="edge"/>
+          <c:yMode val="edge"/>
+          <c:x val="0.51015478949876447"/>
+          <c:y val="0.22458103867783874"/>
+          <c:w val="0.47726338321703121"/>
+          <c:h val="0.70528455967193282"/>
+        </c:manualLayout>
+      </c:layout>
       <c:overlay val="0"/>
       <c:spPr>
         <a:noFill/>
@@ -1502,7 +1796,7 @@
         <a:lstStyle/>
         <a:p>
           <a:pPr>
-            <a:defRPr sz="1200" b="0" i="0" u="none" strike="noStrike" kern="1200" baseline="0">
+            <a:defRPr sz="1800" b="0" i="0" u="none" strike="noStrike" kern="1200" baseline="0">
               <a:solidFill>
                 <a:schemeClr val="tx1">
                   <a:lumMod val="65000"/>
@@ -1598,7 +1892,17 @@
     </c:title>
     <c:autoTitleDeleted val="0"/>
     <c:plotArea>
-      <c:layout/>
+      <c:layout>
+        <c:manualLayout>
+          <c:layoutTarget val="inner"/>
+          <c:xMode val="edge"/>
+          <c:yMode val="edge"/>
+          <c:x val="0.21318653196224038"/>
+          <c:y val="0.27969698621314831"/>
+          <c:w val="0.38976250670839335"/>
+          <c:h val="0.7175092452157612"/>
+        </c:manualLayout>
+      </c:layout>
       <c:pieChart>
         <c:varyColors val="1"/>
         <c:ser>
@@ -1675,6 +1979,48 @@
               </c:ext>
             </c:extLst>
           </c:dPt>
+          <c:dLbls>
+            <c:spPr>
+              <a:noFill/>
+              <a:ln>
+                <a:noFill/>
+              </a:ln>
+              <a:effectLst/>
+            </c:spPr>
+            <c:txPr>
+              <a:bodyPr rot="0" spcFirstLastPara="1" vertOverflow="ellipsis" vert="horz" wrap="square" lIns="38100" tIns="19050" rIns="38100" bIns="19050" anchor="ctr" anchorCtr="1">
+                <a:spAutoFit/>
+              </a:bodyPr>
+              <a:lstStyle/>
+              <a:p>
+                <a:pPr>
+                  <a:defRPr sz="1197" b="0" i="0" u="none" strike="noStrike" kern="1200" baseline="0">
+                    <a:solidFill>
+                      <a:schemeClr val="tx1">
+                        <a:lumMod val="75000"/>
+                        <a:lumOff val="25000"/>
+                      </a:schemeClr>
+                    </a:solidFill>
+                    <a:latin typeface="+mn-lt"/>
+                    <a:ea typeface="+mn-ea"/>
+                    <a:cs typeface="+mn-cs"/>
+                  </a:defRPr>
+                </a:pPr>
+                <a:endParaRPr lang="ru-RU"/>
+              </a:p>
+            </c:txPr>
+            <c:dLblPos val="bestFit"/>
+            <c:showLegendKey val="0"/>
+            <c:showVal val="0"/>
+            <c:showCatName val="0"/>
+            <c:showSerName val="0"/>
+            <c:showPercent val="1"/>
+            <c:showBubbleSize val="0"/>
+            <c:showLeaderLines val="0"/>
+            <c:extLst>
+              <c:ext xmlns:c15="http://schemas.microsoft.com/office/drawing/2012/chart" uri="{CE6537A1-D6FC-4f65-9D91-7224C49458BB}"/>
+            </c:extLst>
+          </c:dLbls>
           <c:cat>
             <c:strRef>
               <c:f>Лист1!$A$2:$A$4</c:f>
@@ -1723,7 +2069,7 @@
           <c:showSerName val="0"/>
           <c:showPercent val="0"/>
           <c:showBubbleSize val="0"/>
-          <c:showLeaderLines val="1"/>
+          <c:showLeaderLines val="0"/>
         </c:dLbls>
         <c:firstSliceAng val="0"/>
       </c:pieChart>
@@ -1744,7 +2090,7 @@
           <c:x val="0.69130517345174369"/>
           <c:y val="0.34975424994952553"/>
           <c:w val="0.25467035201496829"/>
-          <c:h val="0.5845733898647284"/>
+          <c:h val="0.42147032603677037"/>
         </c:manualLayout>
       </c:layout>
       <c:overlay val="0"/>
@@ -1760,7 +2106,7 @@
         <a:lstStyle/>
         <a:p>
           <a:pPr>
-            <a:defRPr sz="1600" b="0" i="0" u="none" strike="noStrike" kern="1200" baseline="0">
+            <a:defRPr sz="1800" b="0" i="0" u="none" strike="noStrike" kern="1200" baseline="0">
               <a:solidFill>
                 <a:schemeClr val="tx1">
                   <a:lumMod val="65000"/>
@@ -1856,265 +2202,17 @@
     </c:title>
     <c:autoTitleDeleted val="0"/>
     <c:plotArea>
-      <c:layout/>
-      <c:pieChart>
-        <c:varyColors val="1"/>
-        <c:ser>
-          <c:idx val="0"/>
-          <c:order val="0"/>
-          <c:tx>
-            <c:strRef>
-              <c:f>Лист1!$B$1</c:f>
-              <c:strCache>
-                <c:ptCount val="1"/>
-                <c:pt idx="0">
-                  <c:v>Как Вы относитесь к идее создания виртуального куратора?</c:v>
-                </c:pt>
-              </c:strCache>
-            </c:strRef>
-          </c:tx>
-          <c:dPt>
-            <c:idx val="0"/>
-            <c:bubble3D val="0"/>
-            <c:spPr>
-              <a:solidFill>
-                <a:schemeClr val="accent1"/>
-              </a:solidFill>
-              <a:ln w="19050">
-                <a:solidFill>
-                  <a:schemeClr val="lt1"/>
-                </a:solidFill>
-              </a:ln>
-              <a:effectLst/>
-            </c:spPr>
-            <c:extLst>
-              <c:ext xmlns:c16="http://schemas.microsoft.com/office/drawing/2014/chart" uri="{C3380CC4-5D6E-409C-BE32-E72D297353CC}">
-                <c16:uniqueId val="{00000001-01D7-4C31-8B99-BEB8D84ECF88}"/>
-              </c:ext>
-            </c:extLst>
-          </c:dPt>
-          <c:dPt>
-            <c:idx val="1"/>
-            <c:bubble3D val="0"/>
-            <c:spPr>
-              <a:solidFill>
-                <a:schemeClr val="accent2"/>
-              </a:solidFill>
-              <a:ln w="19050">
-                <a:solidFill>
-                  <a:schemeClr val="lt1"/>
-                </a:solidFill>
-              </a:ln>
-              <a:effectLst/>
-            </c:spPr>
-            <c:extLst>
-              <c:ext xmlns:c16="http://schemas.microsoft.com/office/drawing/2014/chart" uri="{C3380CC4-5D6E-409C-BE32-E72D297353CC}">
-                <c16:uniqueId val="{00000003-01D7-4C31-8B99-BEB8D84ECF88}"/>
-              </c:ext>
-            </c:extLst>
-          </c:dPt>
-          <c:dPt>
-            <c:idx val="2"/>
-            <c:bubble3D val="0"/>
-            <c:spPr>
-              <a:solidFill>
-                <a:schemeClr val="accent3"/>
-              </a:solidFill>
-              <a:ln w="19050">
-                <a:solidFill>
-                  <a:schemeClr val="lt1"/>
-                </a:solidFill>
-              </a:ln>
-              <a:effectLst/>
-            </c:spPr>
-            <c:extLst>
-              <c:ext xmlns:c16="http://schemas.microsoft.com/office/drawing/2014/chart" uri="{C3380CC4-5D6E-409C-BE32-E72D297353CC}">
-                <c16:uniqueId val="{00000005-01D7-4C31-8B99-BEB8D84ECF88}"/>
-              </c:ext>
-            </c:extLst>
-          </c:dPt>
-          <c:cat>
-            <c:strRef>
-              <c:f>Лист1!$A$2:$A$4</c:f>
-              <c:strCache>
-                <c:ptCount val="3"/>
-                <c:pt idx="0">
-                  <c:v>Положительно</c:v>
-                </c:pt>
-                <c:pt idx="1">
-                  <c:v>Нейтрально</c:v>
-                </c:pt>
-                <c:pt idx="2">
-                  <c:v>Нет надобности</c:v>
-                </c:pt>
-              </c:strCache>
-            </c:strRef>
-          </c:cat>
-          <c:val>
-            <c:numRef>
-              <c:f>Лист1!$B$2:$B$4</c:f>
-              <c:numCache>
-                <c:formatCode>General</c:formatCode>
-                <c:ptCount val="3"/>
-                <c:pt idx="0">
-                  <c:v>10</c:v>
-                </c:pt>
-                <c:pt idx="1">
-                  <c:v>4</c:v>
-                </c:pt>
-                <c:pt idx="2">
-                  <c:v>1</c:v>
-                </c:pt>
-              </c:numCache>
-            </c:numRef>
-          </c:val>
-          <c:extLst>
-            <c:ext xmlns:c16="http://schemas.microsoft.com/office/drawing/2014/chart" uri="{C3380CC4-5D6E-409C-BE32-E72D297353CC}">
-              <c16:uniqueId val="{00000000-AE22-473A-BEF7-73FA4F3F3CF8}"/>
-            </c:ext>
-          </c:extLst>
-        </c:ser>
-        <c:dLbls>
-          <c:showLegendKey val="0"/>
-          <c:showVal val="0"/>
-          <c:showCatName val="0"/>
-          <c:showSerName val="0"/>
-          <c:showPercent val="0"/>
-          <c:showBubbleSize val="0"/>
-          <c:showLeaderLines val="1"/>
-        </c:dLbls>
-        <c:firstSliceAng val="0"/>
-      </c:pieChart>
-      <c:spPr>
-        <a:noFill/>
-        <a:ln>
-          <a:noFill/>
-        </a:ln>
-        <a:effectLst/>
-      </c:spPr>
-    </c:plotArea>
-    <c:legend>
-      <c:legendPos val="r"/>
       <c:layout>
         <c:manualLayout>
+          <c:layoutTarget val="inner"/>
           <c:xMode val="edge"/>
           <c:yMode val="edge"/>
-          <c:x val="0.73932787096408781"/>
-          <c:y val="0.44380411206912013"/>
-          <c:w val="0.26067212903591225"/>
-          <c:h val="0.27001910042761851"/>
+          <c:x val="0.11404969479679593"/>
+          <c:y val="0.27211206535784932"/>
+          <c:w val="0.41758206448977742"/>
+          <c:h val="0.67083804923827628"/>
         </c:manualLayout>
       </c:layout>
-      <c:overlay val="0"/>
-      <c:spPr>
-        <a:noFill/>
-        <a:ln>
-          <a:noFill/>
-        </a:ln>
-        <a:effectLst/>
-      </c:spPr>
-      <c:txPr>
-        <a:bodyPr rot="0" spcFirstLastPara="1" vertOverflow="ellipsis" vert="horz" wrap="square" anchor="ctr" anchorCtr="1"/>
-        <a:lstStyle/>
-        <a:p>
-          <a:pPr>
-            <a:defRPr sz="1400" b="0" i="0" u="none" strike="noStrike" kern="1200" baseline="0">
-              <a:solidFill>
-                <a:schemeClr val="tx1">
-                  <a:lumMod val="65000"/>
-                  <a:lumOff val="35000"/>
-                </a:schemeClr>
-              </a:solidFill>
-              <a:latin typeface="+mn-lt"/>
-              <a:ea typeface="+mn-ea"/>
-              <a:cs typeface="+mn-cs"/>
-            </a:defRPr>
-          </a:pPr>
-          <a:endParaRPr lang="ru-RU"/>
-        </a:p>
-      </c:txPr>
-    </c:legend>
-    <c:plotVisOnly val="1"/>
-    <c:dispBlanksAs val="gap"/>
-    <c:extLst>
-      <c:ext xmlns:c16r3="http://schemas.microsoft.com/office/drawing/2017/03/chart" uri="{56B9EC1D-385E-4148-901F-78D8002777C0}">
-        <c16r3:dataDisplayOptions16>
-          <c16r3:dispNaAsBlank val="1"/>
-        </c16r3:dataDisplayOptions16>
-      </c:ext>
-    </c:extLst>
-    <c:showDLblsOverMax val="0"/>
-  </c:chart>
-  <c:spPr>
-    <a:noFill/>
-    <a:ln>
-      <a:noFill/>
-    </a:ln>
-    <a:effectLst/>
-  </c:spPr>
-  <c:txPr>
-    <a:bodyPr/>
-    <a:lstStyle/>
-    <a:p>
-      <a:pPr>
-        <a:defRPr/>
-      </a:pPr>
-      <a:endParaRPr lang="ru-RU"/>
-    </a:p>
-  </c:txPr>
-  <c:externalData r:id="rId3">
-    <c:autoUpdate val="0"/>
-  </c:externalData>
-</c:chartSpace>
-</file>
-
-<file path=ppt/charts/chart8.xml><?xml version="1.0" encoding="utf-8"?>
-<c:chartSpace xmlns:c="http://schemas.openxmlformats.org/drawingml/2006/chart" xmlns:a="http://schemas.openxmlformats.org/drawingml/2006/main" xmlns:r="http://schemas.openxmlformats.org/officeDocument/2006/relationships" xmlns:c16r2="http://schemas.microsoft.com/office/drawing/2015/06/chart">
-  <c:date1904 val="0"/>
-  <c:lang val="ru-RU"/>
-  <c:roundedCorners val="0"/>
-  <mc:AlternateContent xmlns:mc="http://schemas.openxmlformats.org/markup-compatibility/2006">
-    <mc:Choice xmlns:c14="http://schemas.microsoft.com/office/drawing/2007/8/2/chart" Requires="c14">
-      <c14:style val="102"/>
-    </mc:Choice>
-    <mc:Fallback>
-      <c:style val="2"/>
-    </mc:Fallback>
-  </mc:AlternateContent>
-  <c:chart>
-    <c:title>
-      <c:overlay val="0"/>
-      <c:spPr>
-        <a:noFill/>
-        <a:ln>
-          <a:noFill/>
-        </a:ln>
-        <a:effectLst/>
-      </c:spPr>
-      <c:txPr>
-        <a:bodyPr rot="0" spcFirstLastPara="1" vertOverflow="ellipsis" vert="horz" wrap="square" anchor="ctr" anchorCtr="1"/>
-        <a:lstStyle/>
-        <a:p>
-          <a:pPr>
-            <a:defRPr sz="1862" b="0" i="0" u="none" strike="noStrike" kern="1200" spc="0" baseline="0">
-              <a:solidFill>
-                <a:schemeClr val="tx1">
-                  <a:lumMod val="65000"/>
-                  <a:lumOff val="35000"/>
-                </a:schemeClr>
-              </a:solidFill>
-              <a:latin typeface="+mn-lt"/>
-              <a:ea typeface="+mn-ea"/>
-              <a:cs typeface="+mn-cs"/>
-            </a:defRPr>
-          </a:pPr>
-          <a:endParaRPr lang="ru-RU"/>
-        </a:p>
-      </c:txPr>
-    </c:title>
-    <c:autoTitleDeleted val="0"/>
-    <c:plotArea>
-      <c:layout/>
       <c:pieChart>
         <c:varyColors val="1"/>
         <c:ser>
@@ -2231,6 +2329,48 @@
               </c:ext>
             </c:extLst>
           </c:dPt>
+          <c:dLbls>
+            <c:spPr>
+              <a:noFill/>
+              <a:ln>
+                <a:noFill/>
+              </a:ln>
+              <a:effectLst/>
+            </c:spPr>
+            <c:txPr>
+              <a:bodyPr rot="0" spcFirstLastPara="1" vertOverflow="ellipsis" vert="horz" wrap="square" lIns="38100" tIns="19050" rIns="38100" bIns="19050" anchor="ctr" anchorCtr="1">
+                <a:spAutoFit/>
+              </a:bodyPr>
+              <a:lstStyle/>
+              <a:p>
+                <a:pPr>
+                  <a:defRPr sz="1197" b="0" i="0" u="none" strike="noStrike" kern="1200" baseline="0">
+                    <a:solidFill>
+                      <a:schemeClr val="tx1">
+                        <a:lumMod val="75000"/>
+                        <a:lumOff val="25000"/>
+                      </a:schemeClr>
+                    </a:solidFill>
+                    <a:latin typeface="+mn-lt"/>
+                    <a:ea typeface="+mn-ea"/>
+                    <a:cs typeface="+mn-cs"/>
+                  </a:defRPr>
+                </a:pPr>
+                <a:endParaRPr lang="ru-RU"/>
+              </a:p>
+            </c:txPr>
+            <c:dLblPos val="bestFit"/>
+            <c:showLegendKey val="0"/>
+            <c:showVal val="0"/>
+            <c:showCatName val="0"/>
+            <c:showSerName val="0"/>
+            <c:showPercent val="1"/>
+            <c:showBubbleSize val="0"/>
+            <c:showLeaderLines val="0"/>
+            <c:extLst>
+              <c:ext xmlns:c15="http://schemas.microsoft.com/office/drawing/2012/chart" uri="{CE6537A1-D6FC-4f65-9D91-7224C49458BB}"/>
+            </c:extLst>
+          </c:dLbls>
           <c:cat>
             <c:strRef>
               <c:f>Лист1!$A$2:$A$6</c:f>
@@ -2291,7 +2431,7 @@
           <c:showSerName val="0"/>
           <c:showPercent val="0"/>
           <c:showBubbleSize val="0"/>
-          <c:showLeaderLines val="1"/>
+          <c:showLeaderLines val="0"/>
         </c:dLbls>
         <c:firstSliceAng val="0"/>
       </c:pieChart>
@@ -2309,10 +2449,10 @@
         <c:manualLayout>
           <c:xMode val="edge"/>
           <c:yMode val="edge"/>
-          <c:x val="0.66221713315654041"/>
+          <c:x val="0.56381253772246054"/>
           <c:y val="0.26139632545931757"/>
-          <c:w val="0.30205861028422581"/>
-          <c:h val="0.68984324651726225"/>
+          <c:w val="0.4361874333431664"/>
+          <c:h val="0.73799146631422174"/>
         </c:manualLayout>
       </c:layout>
       <c:overlay val="0"/>
@@ -2328,7 +2468,333 @@
         <a:lstStyle/>
         <a:p>
           <a:pPr>
-            <a:defRPr sz="1400" b="0" i="0" u="none" strike="noStrike" kern="1200" baseline="0">
+            <a:defRPr sz="1800" b="0" i="0" u="none" strike="noStrike" kern="1200" baseline="0">
+              <a:solidFill>
+                <a:schemeClr val="tx1">
+                  <a:lumMod val="65000"/>
+                  <a:lumOff val="35000"/>
+                </a:schemeClr>
+              </a:solidFill>
+              <a:latin typeface="+mn-lt"/>
+              <a:ea typeface="+mn-ea"/>
+              <a:cs typeface="+mn-cs"/>
+            </a:defRPr>
+          </a:pPr>
+          <a:endParaRPr lang="ru-RU"/>
+        </a:p>
+      </c:txPr>
+    </c:legend>
+    <c:plotVisOnly val="1"/>
+    <c:dispBlanksAs val="gap"/>
+    <c:extLst>
+      <c:ext xmlns:c16r3="http://schemas.microsoft.com/office/drawing/2017/03/chart" uri="{56B9EC1D-385E-4148-901F-78D8002777C0}">
+        <c16r3:dataDisplayOptions16>
+          <c16r3:dispNaAsBlank val="1"/>
+        </c16r3:dataDisplayOptions16>
+      </c:ext>
+    </c:extLst>
+    <c:showDLblsOverMax val="0"/>
+  </c:chart>
+  <c:spPr>
+    <a:noFill/>
+    <a:ln>
+      <a:noFill/>
+    </a:ln>
+    <a:effectLst/>
+  </c:spPr>
+  <c:txPr>
+    <a:bodyPr/>
+    <a:lstStyle/>
+    <a:p>
+      <a:pPr>
+        <a:defRPr/>
+      </a:pPr>
+      <a:endParaRPr lang="ru-RU"/>
+    </a:p>
+  </c:txPr>
+  <c:externalData r:id="rId3">
+    <c:autoUpdate val="0"/>
+  </c:externalData>
+</c:chartSpace>
+</file>
+
+<file path=ppt/charts/chart8.xml><?xml version="1.0" encoding="utf-8"?>
+<c:chartSpace xmlns:c="http://schemas.openxmlformats.org/drawingml/2006/chart" xmlns:a="http://schemas.openxmlformats.org/drawingml/2006/main" xmlns:r="http://schemas.openxmlformats.org/officeDocument/2006/relationships" xmlns:c16r2="http://schemas.microsoft.com/office/drawing/2015/06/chart">
+  <c:date1904 val="0"/>
+  <c:lang val="ru-RU"/>
+  <c:roundedCorners val="0"/>
+  <mc:AlternateContent xmlns:mc="http://schemas.openxmlformats.org/markup-compatibility/2006">
+    <mc:Choice xmlns:c14="http://schemas.microsoft.com/office/drawing/2007/8/2/chart" Requires="c14">
+      <c14:style val="102"/>
+    </mc:Choice>
+    <mc:Fallback>
+      <c:style val="2"/>
+    </mc:Fallback>
+  </mc:AlternateContent>
+  <c:chart>
+    <c:title>
+      <c:tx>
+        <c:rich>
+          <a:bodyPr rot="0" spcFirstLastPara="1" vertOverflow="ellipsis" vert="horz" wrap="square" anchor="ctr" anchorCtr="1"/>
+          <a:lstStyle/>
+          <a:p>
+            <a:pPr>
+              <a:defRPr sz="2800" b="0" i="0" u="none" strike="noStrike" kern="1200" spc="0" baseline="0">
+                <a:solidFill>
+                  <a:schemeClr val="tx1">
+                    <a:lumMod val="65000"/>
+                    <a:lumOff val="35000"/>
+                  </a:schemeClr>
+                </a:solidFill>
+                <a:latin typeface="+mn-lt"/>
+                <a:ea typeface="+mn-ea"/>
+                <a:cs typeface="+mn-cs"/>
+              </a:defRPr>
+            </a:pPr>
+            <a:r>
+              <a:rPr lang="ru-RU" sz="2800" dirty="0"/>
+              <a:t>Как Вы относитесь к идее создания виртуального куратора?</a:t>
+            </a:r>
+          </a:p>
+        </c:rich>
+      </c:tx>
+      <c:overlay val="0"/>
+      <c:spPr>
+        <a:noFill/>
+        <a:ln>
+          <a:noFill/>
+        </a:ln>
+        <a:effectLst/>
+      </c:spPr>
+      <c:txPr>
+        <a:bodyPr rot="0" spcFirstLastPara="1" vertOverflow="ellipsis" vert="horz" wrap="square" anchor="ctr" anchorCtr="1"/>
+        <a:lstStyle/>
+        <a:p>
+          <a:pPr>
+            <a:defRPr sz="2800" b="0" i="0" u="none" strike="noStrike" kern="1200" spc="0" baseline="0">
+              <a:solidFill>
+                <a:schemeClr val="tx1">
+                  <a:lumMod val="65000"/>
+                  <a:lumOff val="35000"/>
+                </a:schemeClr>
+              </a:solidFill>
+              <a:latin typeface="+mn-lt"/>
+              <a:ea typeface="+mn-ea"/>
+              <a:cs typeface="+mn-cs"/>
+            </a:defRPr>
+          </a:pPr>
+          <a:endParaRPr lang="ru-RU"/>
+        </a:p>
+      </c:txPr>
+    </c:title>
+    <c:autoTitleDeleted val="0"/>
+    <c:plotArea>
+      <c:layout/>
+      <c:pieChart>
+        <c:varyColors val="1"/>
+        <c:ser>
+          <c:idx val="0"/>
+          <c:order val="0"/>
+          <c:tx>
+            <c:strRef>
+              <c:f>Лист1!$B$1</c:f>
+              <c:strCache>
+                <c:ptCount val="1"/>
+                <c:pt idx="0">
+                  <c:v>Как Вы относитесь к идее создания виртуального куратора?</c:v>
+                </c:pt>
+              </c:strCache>
+            </c:strRef>
+          </c:tx>
+          <c:dPt>
+            <c:idx val="0"/>
+            <c:bubble3D val="0"/>
+            <c:spPr>
+              <a:solidFill>
+                <a:schemeClr val="accent6"/>
+              </a:solidFill>
+              <a:ln w="19050">
+                <a:solidFill>
+                  <a:schemeClr val="lt1"/>
+                </a:solidFill>
+              </a:ln>
+              <a:effectLst/>
+            </c:spPr>
+            <c:extLst>
+              <c:ext xmlns:c16="http://schemas.microsoft.com/office/drawing/2014/chart" uri="{C3380CC4-5D6E-409C-BE32-E72D297353CC}">
+                <c16:uniqueId val="{00000001-EFEB-4F36-AE2E-CA8BAC0DD6B4}"/>
+              </c:ext>
+            </c:extLst>
+          </c:dPt>
+          <c:dPt>
+            <c:idx val="1"/>
+            <c:bubble3D val="0"/>
+            <c:spPr>
+              <a:solidFill>
+                <a:schemeClr val="accent5"/>
+              </a:solidFill>
+              <a:ln w="19050">
+                <a:solidFill>
+                  <a:schemeClr val="lt1"/>
+                </a:solidFill>
+              </a:ln>
+              <a:effectLst/>
+            </c:spPr>
+            <c:extLst>
+              <c:ext xmlns:c16="http://schemas.microsoft.com/office/drawing/2014/chart" uri="{C3380CC4-5D6E-409C-BE32-E72D297353CC}">
+                <c16:uniqueId val="{00000003-EFEB-4F36-AE2E-CA8BAC0DD6B4}"/>
+              </c:ext>
+            </c:extLst>
+          </c:dPt>
+          <c:dPt>
+            <c:idx val="2"/>
+            <c:bubble3D val="0"/>
+            <c:spPr>
+              <a:solidFill>
+                <a:schemeClr val="accent4"/>
+              </a:solidFill>
+              <a:ln w="19050">
+                <a:solidFill>
+                  <a:schemeClr val="lt1"/>
+                </a:solidFill>
+              </a:ln>
+              <a:effectLst/>
+            </c:spPr>
+            <c:extLst>
+              <c:ext xmlns:c16="http://schemas.microsoft.com/office/drawing/2014/chart" uri="{C3380CC4-5D6E-409C-BE32-E72D297353CC}">
+                <c16:uniqueId val="{00000005-EFEB-4F36-AE2E-CA8BAC0DD6B4}"/>
+              </c:ext>
+            </c:extLst>
+          </c:dPt>
+          <c:dLbls>
+            <c:spPr>
+              <a:noFill/>
+              <a:ln>
+                <a:noFill/>
+              </a:ln>
+              <a:effectLst/>
+            </c:spPr>
+            <c:txPr>
+              <a:bodyPr rot="0" spcFirstLastPara="1" vertOverflow="ellipsis" vert="horz" wrap="square" lIns="38100" tIns="19050" rIns="38100" bIns="19050" anchor="ctr" anchorCtr="1">
+                <a:spAutoFit/>
+              </a:bodyPr>
+              <a:lstStyle/>
+              <a:p>
+                <a:pPr>
+                  <a:defRPr sz="2000" b="0" i="0" u="none" strike="noStrike" kern="1200" baseline="0">
+                    <a:solidFill>
+                      <a:schemeClr val="tx1">
+                        <a:lumMod val="75000"/>
+                        <a:lumOff val="25000"/>
+                      </a:schemeClr>
+                    </a:solidFill>
+                    <a:latin typeface="+mn-lt"/>
+                    <a:ea typeface="+mn-ea"/>
+                    <a:cs typeface="+mn-cs"/>
+                  </a:defRPr>
+                </a:pPr>
+                <a:endParaRPr lang="ru-RU"/>
+              </a:p>
+            </c:txPr>
+            <c:dLblPos val="bestFit"/>
+            <c:showLegendKey val="0"/>
+            <c:showVal val="0"/>
+            <c:showCatName val="0"/>
+            <c:showSerName val="0"/>
+            <c:showPercent val="1"/>
+            <c:showBubbleSize val="0"/>
+            <c:showLeaderLines val="0"/>
+            <c:extLst>
+              <c:ext xmlns:c15="http://schemas.microsoft.com/office/drawing/2012/chart" uri="{CE6537A1-D6FC-4f65-9D91-7224C49458BB}"/>
+            </c:extLst>
+          </c:dLbls>
+          <c:cat>
+            <c:strRef>
+              <c:f>Лист1!$A$2:$A$4</c:f>
+              <c:strCache>
+                <c:ptCount val="3"/>
+                <c:pt idx="0">
+                  <c:v>Положительно</c:v>
+                </c:pt>
+                <c:pt idx="1">
+                  <c:v>Нейтрально</c:v>
+                </c:pt>
+                <c:pt idx="2">
+                  <c:v>Нет надобности</c:v>
+                </c:pt>
+              </c:strCache>
+            </c:strRef>
+          </c:cat>
+          <c:val>
+            <c:numRef>
+              <c:f>Лист1!$B$2:$B$4</c:f>
+              <c:numCache>
+                <c:formatCode>General</c:formatCode>
+                <c:ptCount val="3"/>
+                <c:pt idx="0">
+                  <c:v>10</c:v>
+                </c:pt>
+                <c:pt idx="1">
+                  <c:v>4</c:v>
+                </c:pt>
+                <c:pt idx="2">
+                  <c:v>1</c:v>
+                </c:pt>
+              </c:numCache>
+            </c:numRef>
+          </c:val>
+          <c:extLst>
+            <c:ext xmlns:c16="http://schemas.microsoft.com/office/drawing/2014/chart" uri="{C3380CC4-5D6E-409C-BE32-E72D297353CC}">
+              <c16:uniqueId val="{00000006-EFEB-4F36-AE2E-CA8BAC0DD6B4}"/>
+            </c:ext>
+          </c:extLst>
+        </c:ser>
+        <c:dLbls>
+          <c:dLblPos val="bestFit"/>
+          <c:showLegendKey val="0"/>
+          <c:showVal val="1"/>
+          <c:showCatName val="0"/>
+          <c:showSerName val="0"/>
+          <c:showPercent val="0"/>
+          <c:showBubbleSize val="0"/>
+          <c:showLeaderLines val="0"/>
+        </c:dLbls>
+        <c:firstSliceAng val="0"/>
+      </c:pieChart>
+      <c:spPr>
+        <a:noFill/>
+        <a:ln>
+          <a:noFill/>
+        </a:ln>
+        <a:effectLst/>
+      </c:spPr>
+    </c:plotArea>
+    <c:legend>
+      <c:legendPos val="r"/>
+      <c:layout>
+        <c:manualLayout>
+          <c:xMode val="edge"/>
+          <c:yMode val="edge"/>
+          <c:x val="0.66578848002818047"/>
+          <c:y val="0.44380411206912013"/>
+          <c:w val="0.33421151997181953"/>
+          <c:h val="0.38609064491938505"/>
+        </c:manualLayout>
+      </c:layout>
+      <c:overlay val="0"/>
+      <c:spPr>
+        <a:noFill/>
+        <a:ln>
+          <a:noFill/>
+        </a:ln>
+        <a:effectLst/>
+      </c:spPr>
+      <c:txPr>
+        <a:bodyPr rot="0" spcFirstLastPara="1" vertOverflow="ellipsis" vert="horz" wrap="square" anchor="ctr" anchorCtr="1"/>
+        <a:lstStyle/>
+        <a:p>
+          <a:pPr>
+            <a:defRPr sz="2200" b="0" i="0" u="none" strike="noStrike" kern="1200" baseline="0">
               <a:solidFill>
                 <a:schemeClr val="tx1">
                   <a:lumMod val="65000"/>
@@ -2659,13 +3125,10 @@
 </file>
 
 <file path=ppt/charts/colors8.xml><?xml version="1.0" encoding="utf-8"?>
-<cs:colorStyle xmlns:cs="http://schemas.microsoft.com/office/drawing/2012/chartStyle" xmlns:a="http://schemas.openxmlformats.org/drawingml/2006/main" meth="cycle" id="10">
-  <a:schemeClr val="accent1"/>
-  <a:schemeClr val="accent2"/>
-  <a:schemeClr val="accent3"/>
+<cs:colorStyle xmlns:cs="http://schemas.microsoft.com/office/drawing/2012/chartStyle" xmlns:a="http://schemas.openxmlformats.org/drawingml/2006/main" meth="cycle" id="13">
+  <a:schemeClr val="accent6"/>
+  <a:schemeClr val="accent5"/>
   <a:schemeClr val="accent4"/>
-  <a:schemeClr val="accent5"/>
-  <a:schemeClr val="accent6"/>
   <cs:variation/>
   <cs:variation>
     <a:lumMod val="60000"/>
@@ -6932,7 +7395,7 @@
           <a:p>
             <a:fld id="{05D31001-4353-44D7-B9FE-795F8DC7CA7D}" type="datetimeFigureOut">
               <a:rPr lang="ru-RU" smtClean="0"/>
-              <a:t>12.05.2025</a:t>
+              <a:t>14.05.2025</a:t>
             </a:fld>
             <a:endParaRPr lang="ru-RU"/>
           </a:p>
@@ -7389,7 +7852,10 @@
           <a:bodyPr/>
           <a:lstStyle/>
           <a:p>
-            <a:endParaRPr lang="ru-RU" dirty="0"/>
+            <a:r>
+              <a:rPr lang="ru-RU" dirty="0"/>
+              <a:t>Интеграция с популярными календарями расширит область применения и полезность продукта.</a:t>
+            </a:r>
           </a:p>
         </p:txBody>
       </p:sp>
@@ -7410,7 +7876,7 @@
           <a:p>
             <a:fld id="{F81985B3-CC42-460E-B3BD-EBD81321C544}" type="slidenum">
               <a:rPr lang="ru-RU" smtClean="0"/>
-              <a:t>11</a:t>
+              <a:t>12</a:t>
             </a:fld>
             <a:endParaRPr lang="ru-RU"/>
           </a:p>
@@ -7419,7 +7885,7 @@
     </p:spTree>
     <p:extLst>
       <p:ext uri="{BB962C8B-B14F-4D97-AF65-F5344CB8AC3E}">
-        <p14:creationId xmlns:p14="http://schemas.microsoft.com/office/powerpoint/2010/main" val="1176806581"/>
+        <p14:creationId xmlns:p14="http://schemas.microsoft.com/office/powerpoint/2010/main" val="2228422916"/>
       </p:ext>
     </p:extLst>
   </p:cSld>
@@ -7473,7 +7939,10 @@
           <a:bodyPr/>
           <a:lstStyle/>
           <a:p>
-            <a:endParaRPr lang="ru-RU" dirty="0"/>
+            <a:r>
+              <a:rPr lang="ru-RU" dirty="0"/>
+              <a:t>Планировщик задач подготовит для конечного пользователя самые актуальные задачи и не будет перегружать мозг большим списком дел.</a:t>
+            </a:r>
           </a:p>
         </p:txBody>
       </p:sp>
@@ -7494,7 +7963,7 @@
           <a:p>
             <a:fld id="{F81985B3-CC42-460E-B3BD-EBD81321C544}" type="slidenum">
               <a:rPr lang="ru-RU" smtClean="0"/>
-              <a:t>15</a:t>
+              <a:t>13</a:t>
             </a:fld>
             <a:endParaRPr lang="ru-RU"/>
           </a:p>
@@ -7503,7 +7972,7 @@
     </p:spTree>
     <p:extLst>
       <p:ext uri="{BB962C8B-B14F-4D97-AF65-F5344CB8AC3E}">
-        <p14:creationId xmlns:p14="http://schemas.microsoft.com/office/powerpoint/2010/main" val="2636410897"/>
+        <p14:creationId xmlns:p14="http://schemas.microsoft.com/office/powerpoint/2010/main" val="1935675411"/>
       </p:ext>
     </p:extLst>
   </p:cSld>
@@ -7578,7 +8047,91 @@
           <a:p>
             <a:fld id="{F81985B3-CC42-460E-B3BD-EBD81321C544}" type="slidenum">
               <a:rPr lang="ru-RU" smtClean="0"/>
-              <a:t>16</a:t>
+              <a:t>14</a:t>
+            </a:fld>
+            <a:endParaRPr lang="ru-RU"/>
+          </a:p>
+        </p:txBody>
+      </p:sp>
+    </p:spTree>
+    <p:extLst>
+      <p:ext uri="{BB962C8B-B14F-4D97-AF65-F5344CB8AC3E}">
+        <p14:creationId xmlns:p14="http://schemas.microsoft.com/office/powerpoint/2010/main" val="1176806581"/>
+      </p:ext>
+    </p:extLst>
+  </p:cSld>
+  <p:clrMapOvr>
+    <a:masterClrMapping/>
+  </p:clrMapOvr>
+</p:notes>
+</file>
+
+<file path=ppt/notesSlides/notesSlide13.xml><?xml version="1.0" encoding="utf-8"?>
+<p:notes xmlns:a="http://schemas.openxmlformats.org/drawingml/2006/main" xmlns:r="http://schemas.openxmlformats.org/officeDocument/2006/relationships" xmlns:p="http://schemas.openxmlformats.org/presentationml/2006/main">
+  <p:cSld>
+    <p:spTree>
+      <p:nvGrpSpPr>
+        <p:cNvPr id="1" name=""/>
+        <p:cNvGrpSpPr/>
+        <p:nvPr/>
+      </p:nvGrpSpPr>
+      <p:grpSpPr>
+        <a:xfrm>
+          <a:off x="0" y="0"/>
+          <a:ext cx="0" cy="0"/>
+          <a:chOff x="0" y="0"/>
+          <a:chExt cx="0" cy="0"/>
+        </a:xfrm>
+      </p:grpSpPr>
+      <p:sp>
+        <p:nvSpPr>
+          <p:cNvPr id="2" name="Образ слайда 1"/>
+          <p:cNvSpPr>
+            <a:spLocks noGrp="1" noRot="1" noChangeAspect="1"/>
+          </p:cNvSpPr>
+          <p:nvPr>
+            <p:ph type="sldImg"/>
+          </p:nvPr>
+        </p:nvSpPr>
+        <p:spPr/>
+      </p:sp>
+      <p:sp>
+        <p:nvSpPr>
+          <p:cNvPr id="3" name="Заметки 2"/>
+          <p:cNvSpPr>
+            <a:spLocks noGrp="1"/>
+          </p:cNvSpPr>
+          <p:nvPr>
+            <p:ph type="body" idx="1"/>
+          </p:nvPr>
+        </p:nvSpPr>
+        <p:spPr/>
+        <p:txBody>
+          <a:bodyPr/>
+          <a:lstStyle/>
+          <a:p>
+            <a:endParaRPr lang="ru-RU" dirty="0"/>
+          </a:p>
+        </p:txBody>
+      </p:sp>
+      <p:sp>
+        <p:nvSpPr>
+          <p:cNvPr id="4" name="Номер слайда 3"/>
+          <p:cNvSpPr>
+            <a:spLocks noGrp="1"/>
+          </p:cNvSpPr>
+          <p:nvPr>
+            <p:ph type="sldNum" sz="quarter" idx="5"/>
+          </p:nvPr>
+        </p:nvSpPr>
+        <p:spPr/>
+        <p:txBody>
+          <a:bodyPr/>
+          <a:lstStyle/>
+          <a:p>
+            <a:fld id="{F81985B3-CC42-460E-B3BD-EBD81321C544}" type="slidenum">
+              <a:rPr lang="ru-RU" smtClean="0"/>
+              <a:t>17</a:t>
             </a:fld>
             <a:endParaRPr lang="ru-RU"/>
           </a:p>
@@ -7914,10 +8467,7 @@
           <a:bodyPr/>
           <a:lstStyle/>
           <a:p>
-            <a:r>
-              <a:rPr lang="ru-RU" dirty="0"/>
-              <a:t>Решение вышеописанных проблем лежит в мотивации и правильном подходе к планированию и выполнению задач.</a:t>
-            </a:r>
+            <a:endParaRPr lang="ru-RU" dirty="0"/>
           </a:p>
         </p:txBody>
       </p:sp>
@@ -7947,7 +8497,7 @@
     </p:spTree>
     <p:extLst>
       <p:ext uri="{BB962C8B-B14F-4D97-AF65-F5344CB8AC3E}">
-        <p14:creationId xmlns:p14="http://schemas.microsoft.com/office/powerpoint/2010/main" val="799243816"/>
+        <p14:creationId xmlns:p14="http://schemas.microsoft.com/office/powerpoint/2010/main" val="1487914702"/>
       </p:ext>
     </p:extLst>
   </p:cSld>
@@ -8001,10 +8551,7 @@
           <a:bodyPr/>
           <a:lstStyle/>
           <a:p>
-            <a:r>
-              <a:rPr lang="ru-RU" dirty="0"/>
-              <a:t>Используйте персонажа, который авторитетен и приятен вашему глазу. </a:t>
-            </a:r>
+            <a:endParaRPr lang="ru-RU" dirty="0"/>
           </a:p>
         </p:txBody>
       </p:sp>
@@ -8034,7 +8581,7 @@
     </p:spTree>
     <p:extLst>
       <p:ext uri="{BB962C8B-B14F-4D97-AF65-F5344CB8AC3E}">
-        <p14:creationId xmlns:p14="http://schemas.microsoft.com/office/powerpoint/2010/main" val="229807873"/>
+        <p14:creationId xmlns:p14="http://schemas.microsoft.com/office/powerpoint/2010/main" val="2636410897"/>
       </p:ext>
     </p:extLst>
   </p:cSld>
@@ -8090,7 +8637,7 @@
           <a:p>
             <a:r>
               <a:rPr lang="ru-RU" dirty="0"/>
-              <a:t>Интеграция с популярными календарями расширит область применения и полезность продукта.</a:t>
+              <a:t>Решение вышеописанных проблем лежит в мотивации и правильном подходе к планированию и выполнению задач.</a:t>
             </a:r>
           </a:p>
         </p:txBody>
@@ -8121,7 +8668,7 @@
     </p:spTree>
     <p:extLst>
       <p:ext uri="{BB962C8B-B14F-4D97-AF65-F5344CB8AC3E}">
-        <p14:creationId xmlns:p14="http://schemas.microsoft.com/office/powerpoint/2010/main" val="2228422916"/>
+        <p14:creationId xmlns:p14="http://schemas.microsoft.com/office/powerpoint/2010/main" val="799243816"/>
       </p:ext>
     </p:extLst>
   </p:cSld>
@@ -8177,7 +8724,15 @@
           <a:p>
             <a:r>
               <a:rPr lang="ru-RU" dirty="0"/>
-              <a:t>Планировщик задач подготовит для конечного пользователя самые актуальные задачи и не будет перегружать мозг большим списком дел.</a:t>
+              <a:t>Виртуальный куратор не позволит вам отвлекаться на «</a:t>
+            </a:r>
+            <a:r>
+              <a:rPr lang="ru-RU" dirty="0" err="1"/>
+              <a:t>брейнрот</a:t>
+            </a:r>
+            <a:r>
+              <a:rPr lang="ru-RU" dirty="0"/>
+              <a:t>», а сосредоточит вас на важных делах</a:t>
             </a:r>
           </a:p>
         </p:txBody>
@@ -8199,7 +8754,7 @@
           <a:p>
             <a:fld id="{F81985B3-CC42-460E-B3BD-EBD81321C544}" type="slidenum">
               <a:rPr lang="ru-RU" smtClean="0"/>
-              <a:t>9</a:t>
+              <a:t>10</a:t>
             </a:fld>
             <a:endParaRPr lang="ru-RU"/>
           </a:p>
@@ -8208,7 +8763,7 @@
     </p:spTree>
     <p:extLst>
       <p:ext uri="{BB962C8B-B14F-4D97-AF65-F5344CB8AC3E}">
-        <p14:creationId xmlns:p14="http://schemas.microsoft.com/office/powerpoint/2010/main" val="1935675411"/>
+        <p14:creationId xmlns:p14="http://schemas.microsoft.com/office/powerpoint/2010/main" val="2660990381"/>
       </p:ext>
     </p:extLst>
   </p:cSld>
@@ -8264,15 +8819,7 @@
           <a:p>
             <a:r>
               <a:rPr lang="ru-RU" dirty="0"/>
-              <a:t>Виртуальный куратор не позволит вам отвлекаться на «</a:t>
-            </a:r>
-            <a:r>
-              <a:rPr lang="ru-RU" dirty="0" err="1"/>
-              <a:t>брейнрот</a:t>
-            </a:r>
-            <a:r>
-              <a:rPr lang="ru-RU" dirty="0"/>
-              <a:t>», а сосредоточит вас на важных делах</a:t>
+              <a:t>Используйте персонажа, который авторитетен и приятен вашему глазу. </a:t>
             </a:r>
           </a:p>
         </p:txBody>
@@ -8294,7 +8841,7 @@
           <a:p>
             <a:fld id="{F81985B3-CC42-460E-B3BD-EBD81321C544}" type="slidenum">
               <a:rPr lang="ru-RU" smtClean="0"/>
-              <a:t>10</a:t>
+              <a:t>11</a:t>
             </a:fld>
             <a:endParaRPr lang="ru-RU"/>
           </a:p>
@@ -8303,7 +8850,7 @@
     </p:spTree>
     <p:extLst>
       <p:ext uri="{BB962C8B-B14F-4D97-AF65-F5344CB8AC3E}">
-        <p14:creationId xmlns:p14="http://schemas.microsoft.com/office/powerpoint/2010/main" val="2660990381"/>
+        <p14:creationId xmlns:p14="http://schemas.microsoft.com/office/powerpoint/2010/main" val="229807873"/>
       </p:ext>
     </p:extLst>
   </p:cSld>
@@ -8460,7 +9007,7 @@
           <a:p>
             <a:fld id="{49B16F87-269C-4B9D-ACFD-A2D4D9F1DCB9}" type="datetimeFigureOut">
               <a:rPr lang="ru-RU" smtClean="0"/>
-              <a:t>12.05.2025</a:t>
+              <a:t>14.05.2025</a:t>
             </a:fld>
             <a:endParaRPr lang="ru-RU"/>
           </a:p>
@@ -8658,7 +9205,7 @@
           <a:p>
             <a:fld id="{49B16F87-269C-4B9D-ACFD-A2D4D9F1DCB9}" type="datetimeFigureOut">
               <a:rPr lang="ru-RU" smtClean="0"/>
-              <a:t>12.05.2025</a:t>
+              <a:t>14.05.2025</a:t>
             </a:fld>
             <a:endParaRPr lang="ru-RU"/>
           </a:p>
@@ -8866,7 +9413,7 @@
           <a:p>
             <a:fld id="{49B16F87-269C-4B9D-ACFD-A2D4D9F1DCB9}" type="datetimeFigureOut">
               <a:rPr lang="ru-RU" smtClean="0"/>
-              <a:t>12.05.2025</a:t>
+              <a:t>14.05.2025</a:t>
             </a:fld>
             <a:endParaRPr lang="ru-RU"/>
           </a:p>
@@ -9064,7 +9611,7 @@
           <a:p>
             <a:fld id="{49B16F87-269C-4B9D-ACFD-A2D4D9F1DCB9}" type="datetimeFigureOut">
               <a:rPr lang="ru-RU" smtClean="0"/>
-              <a:t>12.05.2025</a:t>
+              <a:t>14.05.2025</a:t>
             </a:fld>
             <a:endParaRPr lang="ru-RU"/>
           </a:p>
@@ -9339,7 +9886,7 @@
           <a:p>
             <a:fld id="{49B16F87-269C-4B9D-ACFD-A2D4D9F1DCB9}" type="datetimeFigureOut">
               <a:rPr lang="ru-RU" smtClean="0"/>
-              <a:t>12.05.2025</a:t>
+              <a:t>14.05.2025</a:t>
             </a:fld>
             <a:endParaRPr lang="ru-RU"/>
           </a:p>
@@ -9604,7 +10151,7 @@
           <a:p>
             <a:fld id="{49B16F87-269C-4B9D-ACFD-A2D4D9F1DCB9}" type="datetimeFigureOut">
               <a:rPr lang="ru-RU" smtClean="0"/>
-              <a:t>12.05.2025</a:t>
+              <a:t>14.05.2025</a:t>
             </a:fld>
             <a:endParaRPr lang="ru-RU"/>
           </a:p>
@@ -10016,7 +10563,7 @@
           <a:p>
             <a:fld id="{49B16F87-269C-4B9D-ACFD-A2D4D9F1DCB9}" type="datetimeFigureOut">
               <a:rPr lang="ru-RU" smtClean="0"/>
-              <a:t>12.05.2025</a:t>
+              <a:t>14.05.2025</a:t>
             </a:fld>
             <a:endParaRPr lang="ru-RU"/>
           </a:p>
@@ -10157,7 +10704,7 @@
           <a:p>
             <a:fld id="{49B16F87-269C-4B9D-ACFD-A2D4D9F1DCB9}" type="datetimeFigureOut">
               <a:rPr lang="ru-RU" smtClean="0"/>
-              <a:t>12.05.2025</a:t>
+              <a:t>14.05.2025</a:t>
             </a:fld>
             <a:endParaRPr lang="ru-RU"/>
           </a:p>
@@ -10270,7 +10817,7 @@
           <a:p>
             <a:fld id="{49B16F87-269C-4B9D-ACFD-A2D4D9F1DCB9}" type="datetimeFigureOut">
               <a:rPr lang="ru-RU" smtClean="0"/>
-              <a:t>12.05.2025</a:t>
+              <a:t>14.05.2025</a:t>
             </a:fld>
             <a:endParaRPr lang="ru-RU"/>
           </a:p>
@@ -10597,7 +11144,7 @@
           <a:p>
             <a:fld id="{49B16F87-269C-4B9D-ACFD-A2D4D9F1DCB9}" type="datetimeFigureOut">
               <a:rPr lang="ru-RU" smtClean="0"/>
-              <a:t>12.05.2025</a:t>
+              <a:t>14.05.2025</a:t>
             </a:fld>
             <a:endParaRPr lang="ru-RU"/>
           </a:p>
@@ -10885,7 +11432,7 @@
           <a:p>
             <a:fld id="{49B16F87-269C-4B9D-ACFD-A2D4D9F1DCB9}" type="datetimeFigureOut">
               <a:rPr lang="ru-RU" smtClean="0"/>
-              <a:t>12.05.2025</a:t>
+              <a:t>14.05.2025</a:t>
             </a:fld>
             <a:endParaRPr lang="ru-RU"/>
           </a:p>
@@ -11126,7 +11673,7 @@
           <a:p>
             <a:fld id="{49B16F87-269C-4B9D-ACFD-A2D4D9F1DCB9}" type="datetimeFigureOut">
               <a:rPr lang="ru-RU" smtClean="0"/>
-              <a:t>12.05.2025</a:t>
+              <a:t>14.05.2025</a:t>
             </a:fld>
             <a:endParaRPr lang="ru-RU"/>
           </a:p>
@@ -11872,7 +12419,7 @@
             <a:pPr algn="ctr"/>
             <a:r>
               <a:rPr lang="ru-RU" sz="4000" b="1" dirty="0"/>
-              <a:t>Предупреждение отвлечения</a:t>
+              <a:t>Механизм работы</a:t>
             </a:r>
           </a:p>
         </p:txBody>
@@ -12189,6 +12736,1167 @@
           <a:chExt cx="0" cy="0"/>
         </a:xfrm>
       </p:grpSpPr>
+      <p:pic>
+        <p:nvPicPr>
+          <p:cNvPr id="2" name="Picture 6" descr="Новости — Microsoft начала тестировать виджеты на рабочем столе Windows 11">
+            <a:extLst>
+              <a:ext uri="{FF2B5EF4-FFF2-40B4-BE49-F238E27FC236}">
+                <a16:creationId xmlns:a16="http://schemas.microsoft.com/office/drawing/2014/main" id="{606BF8B7-7136-BDB4-BC14-0810C1B11A71}"/>
+              </a:ext>
+            </a:extLst>
+          </p:cNvPr>
+          <p:cNvPicPr>
+            <a:picLocks noChangeAspect="1" noChangeArrowheads="1"/>
+          </p:cNvPicPr>
+          <p:nvPr/>
+        </p:nvPicPr>
+        <p:blipFill rotWithShape="1">
+          <a:blip r:embed="rId3">
+            <a:extLst>
+              <a:ext uri="{28A0092B-C50C-407E-A947-70E740481C1C}">
+                <a14:useLocalDpi xmlns:a14="http://schemas.microsoft.com/office/drawing/2010/main" val="0"/>
+              </a:ext>
+            </a:extLst>
+          </a:blip>
+          <a:srcRect l="4910" t="4507" r="42118" b="4435"/>
+          <a:stretch/>
+        </p:blipFill>
+        <p:spPr bwMode="auto">
+          <a:xfrm>
+            <a:off x="0" y="1125538"/>
+            <a:ext cx="5930900" cy="5734843"/>
+          </a:xfrm>
+          <a:prstGeom prst="rect">
+            <a:avLst/>
+          </a:prstGeom>
+          <a:noFill/>
+          <a:extLst>
+            <a:ext uri="{909E8E84-426E-40DD-AFC4-6F175D3DCCD1}">
+              <a14:hiddenFill xmlns:a14="http://schemas.microsoft.com/office/drawing/2010/main">
+                <a:solidFill>
+                  <a:srgbClr val="FFFFFF"/>
+                </a:solidFill>
+              </a14:hiddenFill>
+            </a:ext>
+          </a:extLst>
+        </p:spPr>
+      </p:pic>
+      <p:sp>
+        <p:nvSpPr>
+          <p:cNvPr id="4" name="TextBox 3">
+            <a:extLst>
+              <a:ext uri="{FF2B5EF4-FFF2-40B4-BE49-F238E27FC236}">
+                <a16:creationId xmlns:a16="http://schemas.microsoft.com/office/drawing/2014/main" id="{B7D16C60-511A-3764-FCC5-0DCBD24A7117}"/>
+              </a:ext>
+            </a:extLst>
+          </p:cNvPr>
+          <p:cNvSpPr txBox="1"/>
+          <p:nvPr/>
+        </p:nvSpPr>
+        <p:spPr>
+          <a:xfrm>
+            <a:off x="407988" y="333375"/>
+            <a:ext cx="11376024" cy="707886"/>
+          </a:xfrm>
+          <a:prstGeom prst="rect">
+            <a:avLst/>
+          </a:prstGeom>
+          <a:noFill/>
+        </p:spPr>
+        <p:txBody>
+          <a:bodyPr wrap="square" rtlCol="0">
+            <a:spAutoFit/>
+          </a:bodyPr>
+          <a:lstStyle/>
+          <a:p>
+            <a:pPr algn="ctr"/>
+            <a:r>
+              <a:rPr lang="ru-RU" sz="4000" b="1" dirty="0"/>
+              <a:t>Кастомизация ассистента</a:t>
+            </a:r>
+          </a:p>
+        </p:txBody>
+      </p:sp>
+      <p:pic>
+        <p:nvPicPr>
+          <p:cNvPr id="1026" name="Picture 2">
+            <a:extLst>
+              <a:ext uri="{FF2B5EF4-FFF2-40B4-BE49-F238E27FC236}">
+                <a16:creationId xmlns:a16="http://schemas.microsoft.com/office/drawing/2014/main" id="{F2F22730-1F06-4886-8937-CFBC3434F1CA}"/>
+              </a:ext>
+            </a:extLst>
+          </p:cNvPr>
+          <p:cNvPicPr>
+            <a:picLocks noChangeAspect="1" noChangeArrowheads="1"/>
+          </p:cNvPicPr>
+          <p:nvPr/>
+        </p:nvPicPr>
+        <p:blipFill>
+          <a:blip r:embed="rId4">
+            <a:extLst>
+              <a:ext uri="{28A0092B-C50C-407E-A947-70E740481C1C}">
+                <a14:useLocalDpi xmlns:a14="http://schemas.microsoft.com/office/drawing/2010/main" val="0"/>
+              </a:ext>
+            </a:extLst>
+          </a:blip>
+          <a:srcRect/>
+          <a:stretch>
+            <a:fillRect/>
+          </a:stretch>
+        </p:blipFill>
+        <p:spPr bwMode="auto">
+          <a:xfrm>
+            <a:off x="1167386" y="1593568"/>
+            <a:ext cx="2085975" cy="4343400"/>
+          </a:xfrm>
+          <a:prstGeom prst="rect">
+            <a:avLst/>
+          </a:prstGeom>
+          <a:noFill/>
+          <a:extLst>
+            <a:ext uri="{909E8E84-426E-40DD-AFC4-6F175D3DCCD1}">
+              <a14:hiddenFill xmlns:a14="http://schemas.microsoft.com/office/drawing/2010/main">
+                <a:solidFill>
+                  <a:srgbClr val="FFFFFF"/>
+                </a:solidFill>
+              </a14:hiddenFill>
+            </a:ext>
+          </a:extLst>
+        </p:spPr>
+      </p:pic>
+      <p:sp>
+        <p:nvSpPr>
+          <p:cNvPr id="5" name="Облачко с текстом: прямоугольное 4">
+            <a:extLst>
+              <a:ext uri="{FF2B5EF4-FFF2-40B4-BE49-F238E27FC236}">
+                <a16:creationId xmlns:a16="http://schemas.microsoft.com/office/drawing/2014/main" id="{FA3683EB-3B89-45CD-D0D3-DE0F37D2FB45}"/>
+              </a:ext>
+            </a:extLst>
+          </p:cNvPr>
+          <p:cNvSpPr/>
+          <p:nvPr/>
+        </p:nvSpPr>
+        <p:spPr>
+          <a:xfrm>
+            <a:off x="3047999" y="1318559"/>
+            <a:ext cx="2623595" cy="1100550"/>
+          </a:xfrm>
+          <a:prstGeom prst="wedgeRectCallout">
+            <a:avLst>
+              <a:gd name="adj1" fmla="val -37319"/>
+              <a:gd name="adj2" fmla="val 67276"/>
+            </a:avLst>
+          </a:prstGeom>
+          <a:solidFill>
+            <a:schemeClr val="bg1"/>
+          </a:solidFill>
+          <a:ln w="9525">
+            <a:solidFill>
+              <a:srgbClr val="FFFFFF"/>
+            </a:solidFill>
+          </a:ln>
+        </p:spPr>
+        <p:style>
+          <a:lnRef idx="2">
+            <a:schemeClr val="accent1">
+              <a:shade val="15000"/>
+            </a:schemeClr>
+          </a:lnRef>
+          <a:fillRef idx="1">
+            <a:schemeClr val="accent1"/>
+          </a:fillRef>
+          <a:effectRef idx="0">
+            <a:schemeClr val="accent1"/>
+          </a:effectRef>
+          <a:fontRef idx="minor">
+            <a:schemeClr val="lt1"/>
+          </a:fontRef>
+        </p:style>
+        <p:txBody>
+          <a:bodyPr rtlCol="0" anchor="ctr"/>
+          <a:lstStyle/>
+          <a:p>
+            <a:pPr marL="0" algn="ctr" rtl="0" eaLnBrk="1" latinLnBrk="0" hangingPunct="1"/>
+            <a:r>
+              <a:rPr lang="ru-RU" sz="2000" dirty="0">
+                <a:solidFill>
+                  <a:schemeClr val="tx1"/>
+                </a:solidFill>
+                <a:effectLst/>
+              </a:rPr>
+              <a:t>Могу принять форму твоего любимого персонажа!</a:t>
+            </a:r>
+          </a:p>
+        </p:txBody>
+      </p:sp>
+      <p:sp>
+        <p:nvSpPr>
+          <p:cNvPr id="6" name="TextBox 5">
+            <a:extLst>
+              <a:ext uri="{FF2B5EF4-FFF2-40B4-BE49-F238E27FC236}">
+                <a16:creationId xmlns:a16="http://schemas.microsoft.com/office/drawing/2014/main" id="{25AEB3ED-B576-D960-B395-64893179ECC4}"/>
+              </a:ext>
+            </a:extLst>
+          </p:cNvPr>
+          <p:cNvSpPr txBox="1"/>
+          <p:nvPr/>
+        </p:nvSpPr>
+        <p:spPr>
+          <a:xfrm>
+            <a:off x="6096000" y="1125538"/>
+            <a:ext cx="5688012" cy="4524315"/>
+          </a:xfrm>
+          <a:prstGeom prst="rect">
+            <a:avLst/>
+          </a:prstGeom>
+          <a:noFill/>
+        </p:spPr>
+        <p:txBody>
+          <a:bodyPr wrap="square" rtlCol="0">
+            <a:spAutoFit/>
+          </a:bodyPr>
+          <a:lstStyle/>
+          <a:p>
+            <a:r>
+              <a:rPr lang="ru-RU" sz="2400" dirty="0"/>
+              <a:t>Гибкая настройка внешнего вида позволяет использовать любимого персонажа или персонажа приятного глазу.</a:t>
+            </a:r>
+          </a:p>
+          <a:p>
+            <a:endParaRPr lang="ru-RU" sz="2400" dirty="0"/>
+          </a:p>
+          <a:p>
+            <a:r>
+              <a:rPr lang="ru-RU" sz="2400" dirty="0"/>
+              <a:t>Кастомизация осуществляется по средствам сбора картинок, олицетворяющих эмоции персонажа и именование этих картинок по маске, понятной программе. Правила именования будут изложены в пользовательской документации.</a:t>
+            </a:r>
+          </a:p>
+        </p:txBody>
+      </p:sp>
+    </p:spTree>
+    <p:extLst>
+      <p:ext uri="{BB962C8B-B14F-4D97-AF65-F5344CB8AC3E}">
+        <p14:creationId xmlns:p14="http://schemas.microsoft.com/office/powerpoint/2010/main" val="3076709930"/>
+      </p:ext>
+    </p:extLst>
+  </p:cSld>
+  <p:clrMapOvr>
+    <a:masterClrMapping/>
+  </p:clrMapOvr>
+</p:sld>
+</file>
+
+<file path=ppt/slides/slide12.xml><?xml version="1.0" encoding="utf-8"?>
+<p:sld xmlns:a="http://schemas.openxmlformats.org/drawingml/2006/main" xmlns:r="http://schemas.openxmlformats.org/officeDocument/2006/relationships" xmlns:p="http://schemas.openxmlformats.org/presentationml/2006/main">
+  <p:cSld>
+    <p:spTree>
+      <p:nvGrpSpPr>
+        <p:cNvPr id="1" name=""/>
+        <p:cNvGrpSpPr/>
+        <p:nvPr/>
+      </p:nvGrpSpPr>
+      <p:grpSpPr>
+        <a:xfrm>
+          <a:off x="0" y="0"/>
+          <a:ext cx="0" cy="0"/>
+          <a:chOff x="0" y="0"/>
+          <a:chExt cx="0" cy="0"/>
+        </a:xfrm>
+      </p:grpSpPr>
+      <p:sp>
+        <p:nvSpPr>
+          <p:cNvPr id="3" name="TextBox 2">
+            <a:extLst>
+              <a:ext uri="{FF2B5EF4-FFF2-40B4-BE49-F238E27FC236}">
+                <a16:creationId xmlns:a16="http://schemas.microsoft.com/office/drawing/2014/main" id="{F0CFF184-1775-3599-474F-B4089ED852A5}"/>
+              </a:ext>
+            </a:extLst>
+          </p:cNvPr>
+          <p:cNvSpPr txBox="1"/>
+          <p:nvPr/>
+        </p:nvSpPr>
+        <p:spPr>
+          <a:xfrm>
+            <a:off x="407988" y="1125538"/>
+            <a:ext cx="5688012" cy="3046988"/>
+          </a:xfrm>
+          <a:prstGeom prst="rect">
+            <a:avLst/>
+          </a:prstGeom>
+          <a:noFill/>
+        </p:spPr>
+        <p:txBody>
+          <a:bodyPr wrap="square" rtlCol="0">
+            <a:spAutoFit/>
+          </a:bodyPr>
+          <a:lstStyle/>
+          <a:p>
+            <a:r>
+              <a:rPr lang="ru-RU" sz="2400" dirty="0"/>
+              <a:t>Ассистент может хранить пользовательские заметки, а интеграция с </a:t>
+            </a:r>
+            <a:r>
+              <a:rPr lang="en-US" sz="2400" dirty="0"/>
+              <a:t>Google </a:t>
+            </a:r>
+            <a:r>
+              <a:rPr lang="ru-RU" sz="2400" dirty="0"/>
+              <a:t>и </a:t>
+            </a:r>
+            <a:r>
+              <a:rPr lang="en-US" sz="2400" dirty="0"/>
+              <a:t>Yandex </a:t>
+            </a:r>
+            <a:r>
+              <a:rPr lang="ru-RU" sz="2400" dirty="0"/>
+              <a:t>календарями, позволит напоминать о встречах и событиях. </a:t>
+            </a:r>
+          </a:p>
+          <a:p>
+            <a:endParaRPr lang="ru-RU" sz="2400" dirty="0"/>
+          </a:p>
+          <a:p>
+            <a:r>
+              <a:rPr lang="ru-RU" sz="2400" dirty="0"/>
+              <a:t>Также, ассистент предоставляет возможность создавать новое событие в календаре.</a:t>
+            </a:r>
+          </a:p>
+        </p:txBody>
+      </p:sp>
+      <p:pic>
+        <p:nvPicPr>
+          <p:cNvPr id="4" name="Picture 6" descr="Новости — Microsoft начала тестировать виджеты на рабочем столе Windows 11">
+            <a:extLst>
+              <a:ext uri="{FF2B5EF4-FFF2-40B4-BE49-F238E27FC236}">
+                <a16:creationId xmlns:a16="http://schemas.microsoft.com/office/drawing/2014/main" id="{47CEEF5F-58DE-C280-7E98-E8AF4663850E}"/>
+              </a:ext>
+            </a:extLst>
+          </p:cNvPr>
+          <p:cNvPicPr>
+            <a:picLocks noChangeAspect="1" noChangeArrowheads="1"/>
+          </p:cNvPicPr>
+          <p:nvPr/>
+        </p:nvPicPr>
+        <p:blipFill rotWithShape="1">
+          <a:blip r:embed="rId3">
+            <a:extLst>
+              <a:ext uri="{28A0092B-C50C-407E-A947-70E740481C1C}">
+                <a14:useLocalDpi xmlns:a14="http://schemas.microsoft.com/office/drawing/2010/main" val="0"/>
+              </a:ext>
+            </a:extLst>
+          </a:blip>
+          <a:srcRect l="30502" t="20439" r="26242" b="4747"/>
+          <a:stretch/>
+        </p:blipFill>
+        <p:spPr bwMode="auto">
+          <a:xfrm>
+            <a:off x="6275388" y="1125538"/>
+            <a:ext cx="5916612" cy="5756209"/>
+          </a:xfrm>
+          <a:prstGeom prst="rect">
+            <a:avLst/>
+          </a:prstGeom>
+          <a:noFill/>
+          <a:extLst>
+            <a:ext uri="{909E8E84-426E-40DD-AFC4-6F175D3DCCD1}">
+              <a14:hiddenFill xmlns:a14="http://schemas.microsoft.com/office/drawing/2010/main">
+                <a:solidFill>
+                  <a:srgbClr val="FFFFFF"/>
+                </a:solidFill>
+              </a14:hiddenFill>
+            </a:ext>
+          </a:extLst>
+        </p:spPr>
+      </p:pic>
+      <p:pic>
+        <p:nvPicPr>
+          <p:cNvPr id="5" name="Picture 4" descr="Набор милых мультфильмов сиамских кошек в различных позах">
+            <a:extLst>
+              <a:ext uri="{FF2B5EF4-FFF2-40B4-BE49-F238E27FC236}">
+                <a16:creationId xmlns:a16="http://schemas.microsoft.com/office/drawing/2014/main" id="{A3B83362-7C65-069E-A80C-F926DBEDD29C}"/>
+              </a:ext>
+            </a:extLst>
+          </p:cNvPr>
+          <p:cNvPicPr>
+            <a:picLocks noChangeAspect="1" noChangeArrowheads="1"/>
+          </p:cNvPicPr>
+          <p:nvPr/>
+        </p:nvPicPr>
+        <p:blipFill rotWithShape="1">
+          <a:blip r:embed="rId4">
+            <a:extLst>
+              <a:ext uri="{BEBA8EAE-BF5A-486C-A8C5-ECC9F3942E4B}">
+                <a14:imgProps xmlns:a14="http://schemas.microsoft.com/office/drawing/2010/main">
+                  <a14:imgLayer r:embed="rId5">
+                    <a14:imgEffect>
+                      <a14:backgroundRemoval t="66454" b="82748" l="58946" r="91374">
+                        <a14:foregroundMark x1="63259" y1="69489" x2="64696" y2="70128"/>
+                        <a14:foregroundMark x1="60863" y1="70128" x2="60863" y2="71725"/>
+                        <a14:foregroundMark x1="58946" y1="71086" x2="58946" y2="72045"/>
+                        <a14:foregroundMark x1="71725" y1="82588" x2="71725" y2="82588"/>
+                        <a14:foregroundMark x1="74441" y1="82428" x2="74441" y2="82428"/>
+                        <a14:foregroundMark x1="78754" y1="82748" x2="78754" y2="82748"/>
+                        <a14:foregroundMark x1="90096" y1="78754" x2="90096" y2="78754"/>
+                        <a14:foregroundMark x1="91374" y1="78275" x2="91374" y2="78275"/>
+                        <a14:foregroundMark x1="64537" y1="66454" x2="64537" y2="66454"/>
+                      </a14:backgroundRemoval>
+                    </a14:imgEffect>
+                  </a14:imgLayer>
+                </a14:imgProps>
+              </a:ext>
+              <a:ext uri="{28A0092B-C50C-407E-A947-70E740481C1C}">
+                <a14:useLocalDpi xmlns:a14="http://schemas.microsoft.com/office/drawing/2010/main" val="0"/>
+              </a:ext>
+            </a:extLst>
+          </a:blip>
+          <a:srcRect l="56563" t="64653" r="6756" b="15287"/>
+          <a:stretch/>
+        </p:blipFill>
+        <p:spPr bwMode="auto">
+          <a:xfrm>
+            <a:off x="8026270" y="3878752"/>
+            <a:ext cx="4165730" cy="2278097"/>
+          </a:xfrm>
+          <a:prstGeom prst="rect">
+            <a:avLst/>
+          </a:prstGeom>
+          <a:noFill/>
+          <a:extLst>
+            <a:ext uri="{909E8E84-426E-40DD-AFC4-6F175D3DCCD1}">
+              <a14:hiddenFill xmlns:a14="http://schemas.microsoft.com/office/drawing/2010/main">
+                <a:solidFill>
+                  <a:srgbClr val="FFFFFF"/>
+                </a:solidFill>
+              </a14:hiddenFill>
+            </a:ext>
+          </a:extLst>
+        </p:spPr>
+      </p:pic>
+      <p:sp>
+        <p:nvSpPr>
+          <p:cNvPr id="6" name="Облачко с текстом: прямоугольное 5">
+            <a:extLst>
+              <a:ext uri="{FF2B5EF4-FFF2-40B4-BE49-F238E27FC236}">
+                <a16:creationId xmlns:a16="http://schemas.microsoft.com/office/drawing/2014/main" id="{C110B027-0CF9-C68B-34AA-24714DFCD806}"/>
+              </a:ext>
+            </a:extLst>
+          </p:cNvPr>
+          <p:cNvSpPr/>
+          <p:nvPr/>
+        </p:nvSpPr>
+        <p:spPr>
+          <a:xfrm>
+            <a:off x="6553200" y="2235200"/>
+            <a:ext cx="2897189" cy="1337720"/>
+          </a:xfrm>
+          <a:prstGeom prst="wedgeRectCallout">
+            <a:avLst>
+              <a:gd name="adj1" fmla="val 21593"/>
+              <a:gd name="adj2" fmla="val 74566"/>
+            </a:avLst>
+          </a:prstGeom>
+          <a:solidFill>
+            <a:schemeClr val="bg1"/>
+          </a:solidFill>
+          <a:ln w="9525">
+            <a:solidFill>
+              <a:srgbClr val="FFFFFF"/>
+            </a:solidFill>
+          </a:ln>
+        </p:spPr>
+        <p:style>
+          <a:lnRef idx="2">
+            <a:schemeClr val="accent1">
+              <a:shade val="15000"/>
+            </a:schemeClr>
+          </a:lnRef>
+          <a:fillRef idx="1">
+            <a:schemeClr val="accent1"/>
+          </a:fillRef>
+          <a:effectRef idx="0">
+            <a:schemeClr val="accent1"/>
+          </a:effectRef>
+          <a:fontRef idx="minor">
+            <a:schemeClr val="lt1"/>
+          </a:fontRef>
+        </p:style>
+        <p:txBody>
+          <a:bodyPr rtlCol="0" anchor="ctr"/>
+          <a:lstStyle/>
+          <a:p>
+            <a:pPr marL="0" algn="ctr" rtl="0" eaLnBrk="1" latinLnBrk="0" hangingPunct="1"/>
+            <a:r>
+              <a:rPr lang="ru-RU" sz="2000" kern="1200" dirty="0">
+                <a:solidFill>
+                  <a:srgbClr val="000000"/>
+                </a:solidFill>
+                <a:effectLst/>
+                <a:latin typeface="Times New Roman" panose="02020603050405020304" pitchFamily="18" charset="0"/>
+                <a:ea typeface="+mn-ea"/>
+                <a:cs typeface="+mn-cs"/>
+              </a:rPr>
+              <a:t>Напомню тебе о твоих делах и помогу запланировать новые</a:t>
+            </a:r>
+            <a:endParaRPr lang="ru-RU" sz="2000" dirty="0">
+              <a:effectLst/>
+            </a:endParaRPr>
+          </a:p>
+        </p:txBody>
+      </p:sp>
+      <p:sp>
+        <p:nvSpPr>
+          <p:cNvPr id="7" name="TextBox 6">
+            <a:extLst>
+              <a:ext uri="{FF2B5EF4-FFF2-40B4-BE49-F238E27FC236}">
+                <a16:creationId xmlns:a16="http://schemas.microsoft.com/office/drawing/2014/main" id="{AA0F34CD-613A-CB76-F7EB-A9AAC2D7AC36}"/>
+              </a:ext>
+            </a:extLst>
+          </p:cNvPr>
+          <p:cNvSpPr txBox="1"/>
+          <p:nvPr/>
+        </p:nvSpPr>
+        <p:spPr>
+          <a:xfrm>
+            <a:off x="407988" y="333375"/>
+            <a:ext cx="11376024" cy="707886"/>
+          </a:xfrm>
+          <a:prstGeom prst="rect">
+            <a:avLst/>
+          </a:prstGeom>
+          <a:noFill/>
+        </p:spPr>
+        <p:txBody>
+          <a:bodyPr wrap="square" rtlCol="0">
+            <a:spAutoFit/>
+          </a:bodyPr>
+          <a:lstStyle/>
+          <a:p>
+            <a:pPr algn="ctr"/>
+            <a:r>
+              <a:rPr lang="ru-RU" sz="4000" b="1" dirty="0"/>
+              <a:t>Встроенные заметки и календарь</a:t>
+            </a:r>
+          </a:p>
+        </p:txBody>
+      </p:sp>
+    </p:spTree>
+    <p:extLst>
+      <p:ext uri="{BB962C8B-B14F-4D97-AF65-F5344CB8AC3E}">
+        <p14:creationId xmlns:p14="http://schemas.microsoft.com/office/powerpoint/2010/main" val="522681460"/>
+      </p:ext>
+    </p:extLst>
+  </p:cSld>
+  <p:clrMapOvr>
+    <a:masterClrMapping/>
+  </p:clrMapOvr>
+</p:sld>
+</file>
+
+<file path=ppt/slides/slide13.xml><?xml version="1.0" encoding="utf-8"?>
+<p:sld xmlns:a="http://schemas.openxmlformats.org/drawingml/2006/main" xmlns:r="http://schemas.openxmlformats.org/officeDocument/2006/relationships" xmlns:p="http://schemas.openxmlformats.org/presentationml/2006/main">
+  <p:cSld>
+    <p:spTree>
+      <p:nvGrpSpPr>
+        <p:cNvPr id="1" name=""/>
+        <p:cNvGrpSpPr/>
+        <p:nvPr/>
+      </p:nvGrpSpPr>
+      <p:grpSpPr>
+        <a:xfrm>
+          <a:off x="0" y="0"/>
+          <a:ext cx="0" cy="0"/>
+          <a:chOff x="0" y="0"/>
+          <a:chExt cx="0" cy="0"/>
+        </a:xfrm>
+      </p:grpSpPr>
+      <p:sp>
+        <p:nvSpPr>
+          <p:cNvPr id="2" name="TextBox 1">
+            <a:extLst>
+              <a:ext uri="{FF2B5EF4-FFF2-40B4-BE49-F238E27FC236}">
+                <a16:creationId xmlns:a16="http://schemas.microsoft.com/office/drawing/2014/main" id="{FB3F0517-1F74-1A29-B149-D270DDDF0F42}"/>
+              </a:ext>
+            </a:extLst>
+          </p:cNvPr>
+          <p:cNvSpPr txBox="1"/>
+          <p:nvPr/>
+        </p:nvSpPr>
+        <p:spPr>
+          <a:xfrm>
+            <a:off x="407988" y="333375"/>
+            <a:ext cx="11376024" cy="707886"/>
+          </a:xfrm>
+          <a:prstGeom prst="rect">
+            <a:avLst/>
+          </a:prstGeom>
+          <a:noFill/>
+        </p:spPr>
+        <p:txBody>
+          <a:bodyPr wrap="square" rtlCol="0">
+            <a:spAutoFit/>
+          </a:bodyPr>
+          <a:lstStyle/>
+          <a:p>
+            <a:pPr algn="ctr"/>
+            <a:r>
+              <a:rPr lang="ru-RU" sz="4000" b="1" dirty="0"/>
+              <a:t>Планирование задач</a:t>
+            </a:r>
+          </a:p>
+        </p:txBody>
+      </p:sp>
+      <p:pic>
+        <p:nvPicPr>
+          <p:cNvPr id="8" name="Picture 6" descr="Новости — Microsoft начала тестировать виджеты на рабочем столе Windows 11">
+            <a:extLst>
+              <a:ext uri="{FF2B5EF4-FFF2-40B4-BE49-F238E27FC236}">
+                <a16:creationId xmlns:a16="http://schemas.microsoft.com/office/drawing/2014/main" id="{9BE8EF1A-F1AE-E4C5-43F7-06AB9B2F5710}"/>
+              </a:ext>
+            </a:extLst>
+          </p:cNvPr>
+          <p:cNvPicPr>
+            <a:picLocks noChangeAspect="1" noChangeArrowheads="1"/>
+          </p:cNvPicPr>
+          <p:nvPr/>
+        </p:nvPicPr>
+        <p:blipFill rotWithShape="1">
+          <a:blip r:embed="rId3">
+            <a:extLst>
+              <a:ext uri="{28A0092B-C50C-407E-A947-70E740481C1C}">
+                <a14:useLocalDpi xmlns:a14="http://schemas.microsoft.com/office/drawing/2010/main" val="0"/>
+              </a:ext>
+            </a:extLst>
+          </a:blip>
+          <a:srcRect l="4910" t="4507" r="42118" b="4435"/>
+          <a:stretch/>
+        </p:blipFill>
+        <p:spPr bwMode="auto">
+          <a:xfrm>
+            <a:off x="0" y="1125538"/>
+            <a:ext cx="5930900" cy="5734843"/>
+          </a:xfrm>
+          <a:prstGeom prst="rect">
+            <a:avLst/>
+          </a:prstGeom>
+          <a:noFill/>
+          <a:extLst>
+            <a:ext uri="{909E8E84-426E-40DD-AFC4-6F175D3DCCD1}">
+              <a14:hiddenFill xmlns:a14="http://schemas.microsoft.com/office/drawing/2010/main">
+                <a:solidFill>
+                  <a:srgbClr val="FFFFFF"/>
+                </a:solidFill>
+              </a14:hiddenFill>
+            </a:ext>
+          </a:extLst>
+        </p:spPr>
+      </p:pic>
+      <p:sp>
+        <p:nvSpPr>
+          <p:cNvPr id="11" name="Облачко с текстом: прямоугольное 10">
+            <a:extLst>
+              <a:ext uri="{FF2B5EF4-FFF2-40B4-BE49-F238E27FC236}">
+                <a16:creationId xmlns:a16="http://schemas.microsoft.com/office/drawing/2014/main" id="{745811B5-03E4-802D-02CB-75277C2565ED}"/>
+              </a:ext>
+            </a:extLst>
+          </p:cNvPr>
+          <p:cNvSpPr/>
+          <p:nvPr/>
+        </p:nvSpPr>
+        <p:spPr>
+          <a:xfrm>
+            <a:off x="3130550" y="3275634"/>
+            <a:ext cx="2308230" cy="593903"/>
+          </a:xfrm>
+          <a:prstGeom prst="wedgeRectCallout">
+            <a:avLst>
+              <a:gd name="adj1" fmla="val -53210"/>
+              <a:gd name="adj2" fmla="val 109990"/>
+            </a:avLst>
+          </a:prstGeom>
+          <a:solidFill>
+            <a:schemeClr val="bg1"/>
+          </a:solidFill>
+          <a:ln w="9525">
+            <a:solidFill>
+              <a:srgbClr val="FFFFFF"/>
+            </a:solidFill>
+          </a:ln>
+        </p:spPr>
+        <p:style>
+          <a:lnRef idx="2">
+            <a:schemeClr val="accent1">
+              <a:shade val="15000"/>
+            </a:schemeClr>
+          </a:lnRef>
+          <a:fillRef idx="1">
+            <a:schemeClr val="accent1"/>
+          </a:fillRef>
+          <a:effectRef idx="0">
+            <a:schemeClr val="accent1"/>
+          </a:effectRef>
+          <a:fontRef idx="minor">
+            <a:schemeClr val="lt1"/>
+          </a:fontRef>
+        </p:style>
+        <p:txBody>
+          <a:bodyPr rtlCol="0" anchor="ctr"/>
+          <a:lstStyle/>
+          <a:p>
+            <a:pPr marL="0" algn="ctr" rtl="0" eaLnBrk="1" latinLnBrk="0" hangingPunct="1"/>
+            <a:r>
+              <a:rPr lang="ru-RU" sz="2000" dirty="0">
+                <a:solidFill>
+                  <a:schemeClr val="tx1"/>
+                </a:solidFill>
+                <a:effectLst/>
+              </a:rPr>
+              <a:t>Помидорки…</a:t>
+            </a:r>
+          </a:p>
+        </p:txBody>
+      </p:sp>
+      <p:sp>
+        <p:nvSpPr>
+          <p:cNvPr id="12" name="TextBox 11">
+            <a:extLst>
+              <a:ext uri="{FF2B5EF4-FFF2-40B4-BE49-F238E27FC236}">
+                <a16:creationId xmlns:a16="http://schemas.microsoft.com/office/drawing/2014/main" id="{583FA916-350A-2B18-C968-EC03C68D5F48}"/>
+              </a:ext>
+            </a:extLst>
+          </p:cNvPr>
+          <p:cNvSpPr txBox="1"/>
+          <p:nvPr/>
+        </p:nvSpPr>
+        <p:spPr>
+          <a:xfrm>
+            <a:off x="6096000" y="1125538"/>
+            <a:ext cx="5688012" cy="4154984"/>
+          </a:xfrm>
+          <a:prstGeom prst="rect">
+            <a:avLst/>
+          </a:prstGeom>
+          <a:noFill/>
+        </p:spPr>
+        <p:txBody>
+          <a:bodyPr wrap="square" rtlCol="0">
+            <a:spAutoFit/>
+          </a:bodyPr>
+          <a:lstStyle/>
+          <a:p>
+            <a:r>
+              <a:rPr lang="ru-RU" sz="2400" dirty="0"/>
+              <a:t>Планировщик задач позволяет пользователю создать список всех необходимых дел с указанием сложности и срочности, чтобы в дальнейшем ассистент мог предложить одну или несколько задач на день по технике </a:t>
+            </a:r>
+          </a:p>
+          <a:p>
+            <a:r>
+              <a:rPr lang="ru-RU" sz="2400" dirty="0"/>
+              <a:t>«1-3-5».</a:t>
+            </a:r>
+          </a:p>
+          <a:p>
+            <a:endParaRPr lang="ru-RU" sz="2400" dirty="0"/>
+          </a:p>
+          <a:p>
+            <a:r>
+              <a:rPr lang="ru-RU" sz="2400" dirty="0"/>
+              <a:t>Встроенный </a:t>
+            </a:r>
+            <a:r>
+              <a:rPr lang="en-US" sz="2400" dirty="0"/>
+              <a:t>Pomodoro </a:t>
+            </a:r>
+            <a:r>
+              <a:rPr lang="ru-RU" sz="2400" dirty="0"/>
+              <a:t>таймер поможет держать концентрацию и провести время максимально продуктивно.</a:t>
+            </a:r>
+          </a:p>
+        </p:txBody>
+      </p:sp>
+      <p:pic>
+        <p:nvPicPr>
+          <p:cNvPr id="5122" name="Picture 2" descr="Schöne schwarze Katze, die mit großen Augen nach oben schaut,  Manga-Anime-Stil-Illustration | Premium Vektor">
+            <a:extLst>
+              <a:ext uri="{FF2B5EF4-FFF2-40B4-BE49-F238E27FC236}">
+                <a16:creationId xmlns:a16="http://schemas.microsoft.com/office/drawing/2014/main" id="{9F7E1B8C-A2FA-046E-1221-2B5AC5103138}"/>
+              </a:ext>
+            </a:extLst>
+          </p:cNvPr>
+          <p:cNvPicPr>
+            <a:picLocks noChangeAspect="1" noChangeArrowheads="1"/>
+          </p:cNvPicPr>
+          <p:nvPr/>
+        </p:nvPicPr>
+        <p:blipFill>
+          <a:blip r:embed="rId4">
+            <a:extLst>
+              <a:ext uri="{BEBA8EAE-BF5A-486C-A8C5-ECC9F3942E4B}">
+                <a14:imgProps xmlns:a14="http://schemas.microsoft.com/office/drawing/2010/main">
+                  <a14:imgLayer r:embed="rId5">
+                    <a14:imgEffect>
+                      <a14:backgroundRemoval t="5911" b="92812" l="9620" r="89933">
+                        <a14:foregroundMark x1="35570" y1="20128" x2="55705" y2="22204"/>
+                        <a14:foregroundMark x1="55705" y1="22204" x2="56152" y2="25240"/>
+                        <a14:foregroundMark x1="61298" y1="20927" x2="58613" y2="22204"/>
+                        <a14:foregroundMark x1="35347" y1="21246" x2="36465" y2="20927"/>
+                        <a14:foregroundMark x1="34228" y1="18850" x2="37584" y2="28914"/>
+                        <a14:foregroundMark x1="34228" y1="19968" x2="43848" y2="23802"/>
+                        <a14:foregroundMark x1="33110" y1="17252" x2="20805" y2="26198"/>
+                        <a14:foregroundMark x1="20805" y1="26198" x2="23714" y2="27796"/>
+                        <a14:foregroundMark x1="31544" y1="20128" x2="44519" y2="23323"/>
+                        <a14:foregroundMark x1="31544" y1="22843" x2="31544" y2="22843"/>
+                        <a14:foregroundMark x1="31544" y1="22843" x2="31544" y2="22843"/>
+                        <a14:foregroundMark x1="23043" y1="25719" x2="43848" y2="36901"/>
+                        <a14:foregroundMark x1="43848" y1="36901" x2="52349" y2="35623"/>
+                        <a14:foregroundMark x1="64653" y1="26997" x2="50783" y2="42652"/>
+                        <a14:foregroundMark x1="40045" y1="92812" x2="40045" y2="92812"/>
+                        <a14:foregroundMark x1="70246" y1="59744" x2="70246" y2="59744"/>
+                        <a14:foregroundMark x1="69799" y1="55431" x2="61969" y2="41054"/>
+                        <a14:foregroundMark x1="68009" y1="54313" x2="72036" y2="67891"/>
+                        <a14:foregroundMark x1="69128" y1="55112" x2="70917" y2="67412"/>
+                        <a14:foregroundMark x1="70246" y1="58626" x2="70917" y2="67093"/>
+                        <a14:foregroundMark x1="73826" y1="71406" x2="75839" y2="77157"/>
+                        <a14:foregroundMark x1="60850" y1="16773" x2="63087" y2="16454"/>
+                        <a14:foregroundMark x1="59060" y1="15335" x2="63535" y2="20927"/>
+                        <a14:foregroundMark x1="60850" y1="16454" x2="66443" y2="16933"/>
+                        <a14:foregroundMark x1="63758" y1="12141" x2="63758" y2="12141"/>
+                        <a14:foregroundMark x1="63758" y1="10383" x2="63758" y2="10383"/>
+                        <a14:foregroundMark x1="63758" y1="10383" x2="63758" y2="10383"/>
+                        <a14:foregroundMark x1="63758" y1="10383" x2="63758" y2="10383"/>
+                        <a14:foregroundMark x1="63758" y1="10383" x2="63758" y2="10383"/>
+                        <a14:foregroundMark x1="63758" y1="10383" x2="64206" y2="16454"/>
+                        <a14:foregroundMark x1="63758" y1="10543" x2="63758" y2="10543"/>
+                        <a14:foregroundMark x1="56152" y1="14377" x2="41163" y2="13738"/>
+                        <a14:foregroundMark x1="28635" y1="8147" x2="28859" y2="18850"/>
+                        <a14:foregroundMark x1="29306" y1="5911" x2="37584" y2="14058"/>
+                        <a14:foregroundMark x1="34452" y1="9585" x2="30872" y2="6709"/>
+                        <a14:foregroundMark x1="34899" y1="10383" x2="38479" y2="14537"/>
+                        <a14:foregroundMark x1="34452" y1="9744" x2="40716" y2="15176"/>
+                        <a14:foregroundMark x1="58953" y1="8466" x2="58523" y2="8724"/>
+                        <a14:foregroundMark x1="62416" y1="6390" x2="58953" y2="8466"/>
+                        <a14:foregroundMark x1="57622" y1="10863" x2="53468" y2="14856"/>
+                        <a14:foregroundMark x1="59284" y1="9265" x2="57944" y2="10553"/>
+                        <a14:foregroundMark x1="71640" y1="30049" x2="72483" y2="32109"/>
+                        <a14:foregroundMark x1="68233" y1="21725" x2="71229" y2="29046"/>
+                        <a14:foregroundMark x1="71655" y1="30050" x2="72707" y2="32428"/>
+                        <a14:foregroundMark x1="68680" y1="23323" x2="71227" y2="29081"/>
+                        <a14:foregroundMark x1="69351" y1="24441" x2="71364" y2="27460"/>
+                        <a14:foregroundMark x1="70470" y1="23802" x2="71528" y2="25529"/>
+                        <a14:backgroundMark x1="55705" y1="6390" x2="54586" y2="8466"/>
+                        <a14:backgroundMark x1="56152" y1="8466" x2="56152" y2="8466"/>
+                        <a14:backgroundMark x1="54586" y1="9265" x2="54139" y2="10064"/>
+                        <a14:backgroundMark x1="54139" y1="8466" x2="54139" y2="10863"/>
+                        <a14:backgroundMark x1="75391" y1="24920" x2="74944" y2="30192"/>
+                      </a14:backgroundRemoval>
+                    </a14:imgEffect>
+                  </a14:imgLayer>
+                </a14:imgProps>
+              </a:ext>
+              <a:ext uri="{28A0092B-C50C-407E-A947-70E740481C1C}">
+                <a14:useLocalDpi xmlns:a14="http://schemas.microsoft.com/office/drawing/2010/main" val="0"/>
+              </a:ext>
+            </a:extLst>
+          </a:blip>
+          <a:srcRect/>
+          <a:stretch>
+            <a:fillRect/>
+          </a:stretch>
+        </p:blipFill>
+        <p:spPr bwMode="auto">
+          <a:xfrm>
+            <a:off x="969170" y="3683787"/>
+            <a:ext cx="1916111" cy="2683413"/>
+          </a:xfrm>
+          <a:prstGeom prst="rect">
+            <a:avLst/>
+          </a:prstGeom>
+          <a:noFill/>
+          <a:extLst>
+            <a:ext uri="{909E8E84-426E-40DD-AFC4-6F175D3DCCD1}">
+              <a14:hiddenFill xmlns:a14="http://schemas.microsoft.com/office/drawing/2010/main">
+                <a:solidFill>
+                  <a:srgbClr val="FFFFFF"/>
+                </a:solidFill>
+              </a14:hiddenFill>
+            </a:ext>
+          </a:extLst>
+        </p:spPr>
+      </p:pic>
+      <p:grpSp>
+        <p:nvGrpSpPr>
+          <p:cNvPr id="18" name="Группа 17">
+            <a:extLst>
+              <a:ext uri="{FF2B5EF4-FFF2-40B4-BE49-F238E27FC236}">
+                <a16:creationId xmlns:a16="http://schemas.microsoft.com/office/drawing/2014/main" id="{811F0A35-F4E4-2A9D-B503-B0B10FFC50C1}"/>
+              </a:ext>
+            </a:extLst>
+          </p:cNvPr>
+          <p:cNvGrpSpPr/>
+          <p:nvPr/>
+        </p:nvGrpSpPr>
+        <p:grpSpPr>
+          <a:xfrm>
+            <a:off x="711204" y="3174213"/>
+            <a:ext cx="2254246" cy="700740"/>
+            <a:chOff x="742954" y="3034761"/>
+            <a:chExt cx="2254246" cy="700740"/>
+          </a:xfrm>
+        </p:grpSpPr>
+        <p:pic>
+          <p:nvPicPr>
+            <p:cNvPr id="5124" name="Picture 4" descr="Более 38 900 работ на тему «Tomato Cartoon»: стоковые фото, картинки и  изображения royalty-free - iStock">
+              <a:extLst>
+                <a:ext uri="{FF2B5EF4-FFF2-40B4-BE49-F238E27FC236}">
+                  <a16:creationId xmlns:a16="http://schemas.microsoft.com/office/drawing/2014/main" id="{2A8B3EC6-9BF9-6962-637A-426CD9B13473}"/>
+                </a:ext>
+              </a:extLst>
+            </p:cNvPr>
+            <p:cNvPicPr>
+              <a:picLocks noChangeAspect="1" noChangeArrowheads="1"/>
+            </p:cNvPicPr>
+            <p:nvPr/>
+          </p:nvPicPr>
+          <p:blipFill>
+            <a:blip r:embed="rId6">
+              <a:extLst>
+                <a:ext uri="{BEBA8EAE-BF5A-486C-A8C5-ECC9F3942E4B}">
+                  <a14:imgProps xmlns:a14="http://schemas.microsoft.com/office/drawing/2010/main">
+                    <a14:imgLayer r:embed="rId7">
+                      <a14:imgEffect>
+                        <a14:backgroundRemoval t="10000" b="90000" l="10000" r="90000"/>
+                      </a14:imgEffect>
+                    </a14:imgLayer>
+                  </a14:imgProps>
+                </a:ext>
+                <a:ext uri="{28A0092B-C50C-407E-A947-70E740481C1C}">
+                  <a14:useLocalDpi xmlns:a14="http://schemas.microsoft.com/office/drawing/2010/main" val="0"/>
+                </a:ext>
+              </a:extLst>
+            </a:blip>
+            <a:srcRect/>
+            <a:stretch>
+              <a:fillRect/>
+            </a:stretch>
+          </p:blipFill>
+          <p:spPr bwMode="auto">
+            <a:xfrm>
+              <a:off x="742954" y="3034761"/>
+              <a:ext cx="695325" cy="695325"/>
+            </a:xfrm>
+            <a:prstGeom prst="rect">
+              <a:avLst/>
+            </a:prstGeom>
+            <a:noFill/>
+            <a:extLst>
+              <a:ext uri="{909E8E84-426E-40DD-AFC4-6F175D3DCCD1}">
+                <a14:hiddenFill xmlns:a14="http://schemas.microsoft.com/office/drawing/2010/main">
+                  <a:solidFill>
+                    <a:srgbClr val="FFFFFF"/>
+                  </a:solidFill>
+                </a14:hiddenFill>
+              </a:ext>
+            </a:extLst>
+          </p:spPr>
+        </p:pic>
+        <p:pic>
+          <p:nvPicPr>
+            <p:cNvPr id="13" name="Picture 4" descr="Более 38 900 работ на тему «Tomato Cartoon»: стоковые фото, картинки и  изображения royalty-free - iStock">
+              <a:extLst>
+                <a:ext uri="{FF2B5EF4-FFF2-40B4-BE49-F238E27FC236}">
+                  <a16:creationId xmlns:a16="http://schemas.microsoft.com/office/drawing/2014/main" id="{DC21DFE7-4A3F-0D5E-745D-180E793DD247}"/>
+                </a:ext>
+              </a:extLst>
+            </p:cNvPr>
+            <p:cNvPicPr>
+              <a:picLocks noChangeAspect="1" noChangeArrowheads="1"/>
+            </p:cNvPicPr>
+            <p:nvPr/>
+          </p:nvPicPr>
+          <p:blipFill>
+            <a:blip r:embed="rId6">
+              <a:extLst>
+                <a:ext uri="{BEBA8EAE-BF5A-486C-A8C5-ECC9F3942E4B}">
+                  <a14:imgProps xmlns:a14="http://schemas.microsoft.com/office/drawing/2010/main">
+                    <a14:imgLayer r:embed="rId7">
+                      <a14:imgEffect>
+                        <a14:backgroundRemoval t="10000" b="90000" l="10000" r="90000"/>
+                      </a14:imgEffect>
+                    </a14:imgLayer>
+                  </a14:imgProps>
+                </a:ext>
+                <a:ext uri="{28A0092B-C50C-407E-A947-70E740481C1C}">
+                  <a14:useLocalDpi xmlns:a14="http://schemas.microsoft.com/office/drawing/2010/main" val="0"/>
+                </a:ext>
+              </a:extLst>
+            </a:blip>
+            <a:srcRect/>
+            <a:stretch>
+              <a:fillRect/>
+            </a:stretch>
+          </p:blipFill>
+          <p:spPr bwMode="auto">
+            <a:xfrm>
+              <a:off x="1263651" y="3034761"/>
+              <a:ext cx="695325" cy="695325"/>
+            </a:xfrm>
+            <a:prstGeom prst="rect">
+              <a:avLst/>
+            </a:prstGeom>
+            <a:noFill/>
+            <a:extLst>
+              <a:ext uri="{909E8E84-426E-40DD-AFC4-6F175D3DCCD1}">
+                <a14:hiddenFill xmlns:a14="http://schemas.microsoft.com/office/drawing/2010/main">
+                  <a:solidFill>
+                    <a:srgbClr val="FFFFFF"/>
+                  </a:solidFill>
+                </a14:hiddenFill>
+              </a:ext>
+            </a:extLst>
+          </p:spPr>
+        </p:pic>
+        <p:pic>
+          <p:nvPicPr>
+            <p:cNvPr id="16" name="Picture 4" descr="Более 38 900 работ на тему «Tomato Cartoon»: стоковые фото, картинки и  изображения royalty-free - iStock">
+              <a:extLst>
+                <a:ext uri="{FF2B5EF4-FFF2-40B4-BE49-F238E27FC236}">
+                  <a16:creationId xmlns:a16="http://schemas.microsoft.com/office/drawing/2014/main" id="{61669103-18BA-9E8D-1653-B4186CCBD7AC}"/>
+                </a:ext>
+              </a:extLst>
+            </p:cNvPr>
+            <p:cNvPicPr>
+              <a:picLocks noChangeAspect="1" noChangeArrowheads="1"/>
+            </p:cNvPicPr>
+            <p:nvPr/>
+          </p:nvPicPr>
+          <p:blipFill>
+            <a:blip r:embed="rId6">
+              <a:extLst>
+                <a:ext uri="{BEBA8EAE-BF5A-486C-A8C5-ECC9F3942E4B}">
+                  <a14:imgProps xmlns:a14="http://schemas.microsoft.com/office/drawing/2010/main">
+                    <a14:imgLayer r:embed="rId7">
+                      <a14:imgEffect>
+                        <a14:backgroundRemoval t="10000" b="90000" l="10000" r="90000"/>
+                      </a14:imgEffect>
+                    </a14:imgLayer>
+                  </a14:imgProps>
+                </a:ext>
+                <a:ext uri="{28A0092B-C50C-407E-A947-70E740481C1C}">
+                  <a14:useLocalDpi xmlns:a14="http://schemas.microsoft.com/office/drawing/2010/main" val="0"/>
+                </a:ext>
+              </a:extLst>
+            </a:blip>
+            <a:srcRect/>
+            <a:stretch>
+              <a:fillRect/>
+            </a:stretch>
+          </p:blipFill>
+          <p:spPr bwMode="auto">
+            <a:xfrm>
+              <a:off x="1781178" y="3040176"/>
+              <a:ext cx="695325" cy="695325"/>
+            </a:xfrm>
+            <a:prstGeom prst="rect">
+              <a:avLst/>
+            </a:prstGeom>
+            <a:noFill/>
+            <a:extLst>
+              <a:ext uri="{909E8E84-426E-40DD-AFC4-6F175D3DCCD1}">
+                <a14:hiddenFill xmlns:a14="http://schemas.microsoft.com/office/drawing/2010/main">
+                  <a:solidFill>
+                    <a:srgbClr val="FFFFFF"/>
+                  </a:solidFill>
+                </a14:hiddenFill>
+              </a:ext>
+            </a:extLst>
+          </p:spPr>
+        </p:pic>
+        <p:pic>
+          <p:nvPicPr>
+            <p:cNvPr id="17" name="Picture 4" descr="Более 38 900 работ на тему «Tomato Cartoon»: стоковые фото, картинки и  изображения royalty-free - iStock">
+              <a:extLst>
+                <a:ext uri="{FF2B5EF4-FFF2-40B4-BE49-F238E27FC236}">
+                  <a16:creationId xmlns:a16="http://schemas.microsoft.com/office/drawing/2014/main" id="{D317C934-4465-0524-D56B-F1BCA9865540}"/>
+                </a:ext>
+              </a:extLst>
+            </p:cNvPr>
+            <p:cNvPicPr>
+              <a:picLocks noChangeAspect="1" noChangeArrowheads="1"/>
+            </p:cNvPicPr>
+            <p:nvPr/>
+          </p:nvPicPr>
+          <p:blipFill>
+            <a:blip r:embed="rId6">
+              <a:extLst>
+                <a:ext uri="{BEBA8EAE-BF5A-486C-A8C5-ECC9F3942E4B}">
+                  <a14:imgProps xmlns:a14="http://schemas.microsoft.com/office/drawing/2010/main">
+                    <a14:imgLayer r:embed="rId7">
+                      <a14:imgEffect>
+                        <a14:backgroundRemoval t="10000" b="90000" l="10000" r="90000"/>
+                      </a14:imgEffect>
+                    </a14:imgLayer>
+                  </a14:imgProps>
+                </a:ext>
+                <a:ext uri="{28A0092B-C50C-407E-A947-70E740481C1C}">
+                  <a14:useLocalDpi xmlns:a14="http://schemas.microsoft.com/office/drawing/2010/main" val="0"/>
+                </a:ext>
+              </a:extLst>
+            </a:blip>
+            <a:srcRect/>
+            <a:stretch>
+              <a:fillRect/>
+            </a:stretch>
+          </p:blipFill>
+          <p:spPr bwMode="auto">
+            <a:xfrm>
+              <a:off x="2301875" y="3040176"/>
+              <a:ext cx="695325" cy="695325"/>
+            </a:xfrm>
+            <a:prstGeom prst="rect">
+              <a:avLst/>
+            </a:prstGeom>
+            <a:noFill/>
+            <a:extLst>
+              <a:ext uri="{909E8E84-426E-40DD-AFC4-6F175D3DCCD1}">
+                <a14:hiddenFill xmlns:a14="http://schemas.microsoft.com/office/drawing/2010/main">
+                  <a:solidFill>
+                    <a:srgbClr val="FFFFFF"/>
+                  </a:solidFill>
+                </a14:hiddenFill>
+              </a:ext>
+            </a:extLst>
+          </p:spPr>
+        </p:pic>
+      </p:grpSp>
+    </p:spTree>
+    <p:extLst>
+      <p:ext uri="{BB962C8B-B14F-4D97-AF65-F5344CB8AC3E}">
+        <p14:creationId xmlns:p14="http://schemas.microsoft.com/office/powerpoint/2010/main" val="1338858694"/>
+      </p:ext>
+    </p:extLst>
+  </p:cSld>
+  <p:clrMapOvr>
+    <a:masterClrMapping/>
+  </p:clrMapOvr>
+</p:sld>
+</file>
+
+<file path=ppt/slides/slide14.xml><?xml version="1.0" encoding="utf-8"?>
+<p:sld xmlns:a="http://schemas.openxmlformats.org/drawingml/2006/main" xmlns:r="http://schemas.openxmlformats.org/officeDocument/2006/relationships" xmlns:p="http://schemas.openxmlformats.org/presentationml/2006/main">
+  <p:cSld>
+    <p:spTree>
+      <p:nvGrpSpPr>
+        <p:cNvPr id="1" name=""/>
+        <p:cNvGrpSpPr/>
+        <p:nvPr/>
+      </p:nvGrpSpPr>
+      <p:grpSpPr>
+        <a:xfrm>
+          <a:off x="0" y="0"/>
+          <a:ext cx="0" cy="0"/>
+          <a:chOff x="0" y="0"/>
+          <a:chExt cx="0" cy="0"/>
+        </a:xfrm>
+      </p:grpSpPr>
       <p:sp>
         <p:nvSpPr>
           <p:cNvPr id="2" name="TextBox 1">
@@ -12519,7 +14227,7 @@
 </p:sld>
 </file>
 
-<file path=ppt/slides/slide12.xml><?xml version="1.0" encoding="utf-8"?>
+<file path=ppt/slides/slide15.xml><?xml version="1.0" encoding="utf-8"?>
 <p:sld xmlns:a="http://schemas.openxmlformats.org/drawingml/2006/main" xmlns:r="http://schemas.openxmlformats.org/officeDocument/2006/relationships" xmlns:p="http://schemas.openxmlformats.org/presentationml/2006/main">
   <p:cSld>
     <p:spTree>
@@ -13165,7 +14873,7 @@
 </p:sld>
 </file>
 
-<file path=ppt/slides/slide13.xml><?xml version="1.0" encoding="utf-8"?>
+<file path=ppt/slides/slide16.xml><?xml version="1.0" encoding="utf-8"?>
 <p:sld xmlns:a="http://schemas.openxmlformats.org/drawingml/2006/main" xmlns:r="http://schemas.openxmlformats.org/officeDocument/2006/relationships" xmlns:p="http://schemas.openxmlformats.org/presentationml/2006/main">
   <p:cSld>
     <p:spTree>
@@ -13754,327 +15462,7 @@
 </p:sld>
 </file>
 
-<file path=ppt/slides/slide14.xml><?xml version="1.0" encoding="utf-8"?>
-<p:sld xmlns:a="http://schemas.openxmlformats.org/drawingml/2006/main" xmlns:r="http://schemas.openxmlformats.org/officeDocument/2006/relationships" xmlns:p="http://schemas.openxmlformats.org/presentationml/2006/main">
-  <p:cSld>
-    <p:spTree>
-      <p:nvGrpSpPr>
-        <p:cNvPr id="1" name=""/>
-        <p:cNvGrpSpPr/>
-        <p:nvPr/>
-      </p:nvGrpSpPr>
-      <p:grpSpPr>
-        <a:xfrm>
-          <a:off x="0" y="0"/>
-          <a:ext cx="0" cy="0"/>
-          <a:chOff x="0" y="0"/>
-          <a:chExt cx="0" cy="0"/>
-        </a:xfrm>
-      </p:grpSpPr>
-      <p:graphicFrame>
-        <p:nvGraphicFramePr>
-          <p:cNvPr id="4" name="Диаграмма 3">
-            <a:extLst>
-              <a:ext uri="{FF2B5EF4-FFF2-40B4-BE49-F238E27FC236}">
-                <a16:creationId xmlns:a16="http://schemas.microsoft.com/office/drawing/2014/main" id="{C925493B-C8A2-4F12-ABC3-47874A0E3A9B}"/>
-              </a:ext>
-            </a:extLst>
-          </p:cNvPr>
-          <p:cNvGraphicFramePr/>
-          <p:nvPr>
-            <p:extLst>
-              <p:ext uri="{D42A27DB-BD31-4B8C-83A1-F6EECF244321}">
-                <p14:modId xmlns:p14="http://schemas.microsoft.com/office/powerpoint/2010/main" val="4079404755"/>
-              </p:ext>
-            </p:extLst>
-          </p:nvPr>
-        </p:nvGraphicFramePr>
-        <p:xfrm>
-          <a:off x="139205" y="3417115"/>
-          <a:ext cx="5900717" cy="3003247"/>
-        </p:xfrm>
-        <a:graphic>
-          <a:graphicData uri="http://schemas.openxmlformats.org/drawingml/2006/chart">
-            <c:chart xmlns:c="http://schemas.openxmlformats.org/drawingml/2006/chart" xmlns:r="http://schemas.openxmlformats.org/officeDocument/2006/relationships" r:id="rId2"/>
-          </a:graphicData>
-        </a:graphic>
-      </p:graphicFrame>
-      <p:graphicFrame>
-        <p:nvGraphicFramePr>
-          <p:cNvPr id="7" name="Диаграмма 6">
-            <a:extLst>
-              <a:ext uri="{FF2B5EF4-FFF2-40B4-BE49-F238E27FC236}">
-                <a16:creationId xmlns:a16="http://schemas.microsoft.com/office/drawing/2014/main" id="{85CCD687-C7CF-41F8-AF13-2AE8217A526B}"/>
-              </a:ext>
-            </a:extLst>
-          </p:cNvPr>
-          <p:cNvGraphicFramePr/>
-          <p:nvPr>
-            <p:extLst>
-              <p:ext uri="{D42A27DB-BD31-4B8C-83A1-F6EECF244321}">
-                <p14:modId xmlns:p14="http://schemas.microsoft.com/office/powerpoint/2010/main" val="1260930863"/>
-              </p:ext>
-            </p:extLst>
-          </p:nvPr>
-        </p:nvGraphicFramePr>
-        <p:xfrm>
-          <a:off x="6413213" y="3598088"/>
-          <a:ext cx="5334534" cy="2891612"/>
-        </p:xfrm>
-        <a:graphic>
-          <a:graphicData uri="http://schemas.openxmlformats.org/drawingml/2006/chart">
-            <c:chart xmlns:c="http://schemas.openxmlformats.org/drawingml/2006/chart" xmlns:r="http://schemas.openxmlformats.org/officeDocument/2006/relationships" r:id="rId3"/>
-          </a:graphicData>
-        </a:graphic>
-      </p:graphicFrame>
-      <p:graphicFrame>
-        <p:nvGraphicFramePr>
-          <p:cNvPr id="10" name="Диаграмма 9">
-            <a:extLst>
-              <a:ext uri="{FF2B5EF4-FFF2-40B4-BE49-F238E27FC236}">
-                <a16:creationId xmlns:a16="http://schemas.microsoft.com/office/drawing/2014/main" id="{7AFA9D09-8BC8-4379-AE69-A15BC02F709B}"/>
-              </a:ext>
-            </a:extLst>
-          </p:cNvPr>
-          <p:cNvGraphicFramePr/>
-          <p:nvPr>
-            <p:extLst>
-              <p:ext uri="{D42A27DB-BD31-4B8C-83A1-F6EECF244321}">
-                <p14:modId xmlns:p14="http://schemas.microsoft.com/office/powerpoint/2010/main" val="1784718692"/>
-              </p:ext>
-            </p:extLst>
-          </p:nvPr>
-        </p:nvGraphicFramePr>
-        <p:xfrm>
-          <a:off x="425451" y="1076152"/>
-          <a:ext cx="5508624" cy="2452599"/>
-        </p:xfrm>
-        <a:graphic>
-          <a:graphicData uri="http://schemas.openxmlformats.org/drawingml/2006/chart">
-            <c:chart xmlns:c="http://schemas.openxmlformats.org/drawingml/2006/chart" xmlns:r="http://schemas.openxmlformats.org/officeDocument/2006/relationships" r:id="rId4"/>
-          </a:graphicData>
-        </a:graphic>
-      </p:graphicFrame>
-      <p:sp>
-        <p:nvSpPr>
-          <p:cNvPr id="14" name="TextBox 13">
-            <a:extLst>
-              <a:ext uri="{FF2B5EF4-FFF2-40B4-BE49-F238E27FC236}">
-                <a16:creationId xmlns:a16="http://schemas.microsoft.com/office/drawing/2014/main" id="{D0DA250B-5A7A-48C8-8830-4D4367744901}"/>
-              </a:ext>
-            </a:extLst>
-          </p:cNvPr>
-          <p:cNvSpPr txBox="1"/>
-          <p:nvPr/>
-        </p:nvSpPr>
-        <p:spPr>
-          <a:xfrm>
-            <a:off x="3179763" y="333375"/>
-            <a:ext cx="5900717" cy="707886"/>
-          </a:xfrm>
-          <a:prstGeom prst="rect">
-            <a:avLst/>
-          </a:prstGeom>
-          <a:noFill/>
-        </p:spPr>
-        <p:txBody>
-          <a:bodyPr wrap="square" rtlCol="0">
-            <a:spAutoFit/>
-          </a:bodyPr>
-          <a:lstStyle/>
-          <a:p>
-            <a:pPr algn="ctr"/>
-            <a:r>
-              <a:rPr lang="ru-RU" sz="4000" b="1" dirty="0"/>
-              <a:t>Результаты соц. опроса</a:t>
-            </a:r>
-          </a:p>
-        </p:txBody>
-      </p:sp>
-      <p:graphicFrame>
-        <p:nvGraphicFramePr>
-          <p:cNvPr id="17" name="Диаграмма 16">
-            <a:extLst>
-              <a:ext uri="{FF2B5EF4-FFF2-40B4-BE49-F238E27FC236}">
-                <a16:creationId xmlns:a16="http://schemas.microsoft.com/office/drawing/2014/main" id="{8384B25B-581E-451A-9A93-B226FB647958}"/>
-              </a:ext>
-            </a:extLst>
-          </p:cNvPr>
-          <p:cNvGraphicFramePr/>
-          <p:nvPr>
-            <p:extLst>
-              <p:ext uri="{D42A27DB-BD31-4B8C-83A1-F6EECF244321}">
-                <p14:modId xmlns:p14="http://schemas.microsoft.com/office/powerpoint/2010/main" val="598527976"/>
-              </p:ext>
-            </p:extLst>
-          </p:nvPr>
-        </p:nvGraphicFramePr>
-        <p:xfrm>
-          <a:off x="6275388" y="1147927"/>
-          <a:ext cx="5885573" cy="2456309"/>
-        </p:xfrm>
-        <a:graphic>
-          <a:graphicData uri="http://schemas.openxmlformats.org/drawingml/2006/chart">
-            <c:chart xmlns:c="http://schemas.openxmlformats.org/drawingml/2006/chart" xmlns:r="http://schemas.openxmlformats.org/officeDocument/2006/relationships" r:id="rId5"/>
-          </a:graphicData>
-        </a:graphic>
-      </p:graphicFrame>
-    </p:spTree>
-    <p:extLst>
-      <p:ext uri="{BB962C8B-B14F-4D97-AF65-F5344CB8AC3E}">
-        <p14:creationId xmlns:p14="http://schemas.microsoft.com/office/powerpoint/2010/main" val="628785444"/>
-      </p:ext>
-    </p:extLst>
-  </p:cSld>
-  <p:clrMapOvr>
-    <a:masterClrMapping/>
-  </p:clrMapOvr>
-</p:sld>
-</file>
-
-<file path=ppt/slides/slide15.xml><?xml version="1.0" encoding="utf-8"?>
-<p:sld xmlns:a="http://schemas.openxmlformats.org/drawingml/2006/main" xmlns:r="http://schemas.openxmlformats.org/officeDocument/2006/relationships" xmlns:p="http://schemas.openxmlformats.org/presentationml/2006/main">
-  <p:cSld>
-    <p:spTree>
-      <p:nvGrpSpPr>
-        <p:cNvPr id="1" name=""/>
-        <p:cNvGrpSpPr/>
-        <p:nvPr/>
-      </p:nvGrpSpPr>
-      <p:grpSpPr>
-        <a:xfrm>
-          <a:off x="0" y="0"/>
-          <a:ext cx="0" cy="0"/>
-          <a:chOff x="0" y="0"/>
-          <a:chExt cx="0" cy="0"/>
-        </a:xfrm>
-      </p:grpSpPr>
-      <p:graphicFrame>
-        <p:nvGraphicFramePr>
-          <p:cNvPr id="2" name="Диаграмма 1">
-            <a:extLst>
-              <a:ext uri="{FF2B5EF4-FFF2-40B4-BE49-F238E27FC236}">
-                <a16:creationId xmlns:a16="http://schemas.microsoft.com/office/drawing/2014/main" id="{4227A7EF-6185-4DF3-BA9E-805A1A4A30BF}"/>
-              </a:ext>
-            </a:extLst>
-          </p:cNvPr>
-          <p:cNvGraphicFramePr/>
-          <p:nvPr>
-            <p:extLst>
-              <p:ext uri="{D42A27DB-BD31-4B8C-83A1-F6EECF244321}">
-                <p14:modId xmlns:p14="http://schemas.microsoft.com/office/powerpoint/2010/main" val="2715265403"/>
-              </p:ext>
-            </p:extLst>
-          </p:nvPr>
-        </p:nvGraphicFramePr>
-        <p:xfrm>
-          <a:off x="6275388" y="3582817"/>
-          <a:ext cx="5876966" cy="2945980"/>
-        </p:xfrm>
-        <a:graphic>
-          <a:graphicData uri="http://schemas.openxmlformats.org/drawingml/2006/chart">
-            <c:chart xmlns:c="http://schemas.openxmlformats.org/drawingml/2006/chart" xmlns:r="http://schemas.openxmlformats.org/officeDocument/2006/relationships" r:id="rId3"/>
-          </a:graphicData>
-        </a:graphic>
-      </p:graphicFrame>
-      <p:graphicFrame>
-        <p:nvGraphicFramePr>
-          <p:cNvPr id="5" name="Диаграмма 4">
-            <a:extLst>
-              <a:ext uri="{FF2B5EF4-FFF2-40B4-BE49-F238E27FC236}">
-                <a16:creationId xmlns:a16="http://schemas.microsoft.com/office/drawing/2014/main" id="{9EBFC6E1-F60B-46B1-B043-33CF42CD965D}"/>
-              </a:ext>
-            </a:extLst>
-          </p:cNvPr>
-          <p:cNvGraphicFramePr/>
-          <p:nvPr>
-            <p:extLst>
-              <p:ext uri="{D42A27DB-BD31-4B8C-83A1-F6EECF244321}">
-                <p14:modId xmlns:p14="http://schemas.microsoft.com/office/powerpoint/2010/main" val="579475560"/>
-              </p:ext>
-            </p:extLst>
-          </p:nvPr>
-        </p:nvGraphicFramePr>
-        <p:xfrm>
-          <a:off x="219035" y="3429000"/>
-          <a:ext cx="5876966" cy="3095625"/>
-        </p:xfrm>
-        <a:graphic>
-          <a:graphicData uri="http://schemas.openxmlformats.org/drawingml/2006/chart">
-            <c:chart xmlns:c="http://schemas.openxmlformats.org/drawingml/2006/chart" xmlns:r="http://schemas.openxmlformats.org/officeDocument/2006/relationships" r:id="rId4"/>
-          </a:graphicData>
-        </a:graphic>
-      </p:graphicFrame>
-      <p:graphicFrame>
-        <p:nvGraphicFramePr>
-          <p:cNvPr id="8" name="Диаграмма 7">
-            <a:extLst>
-              <a:ext uri="{FF2B5EF4-FFF2-40B4-BE49-F238E27FC236}">
-                <a16:creationId xmlns:a16="http://schemas.microsoft.com/office/drawing/2014/main" id="{5662D687-56F9-4967-AF1D-9252C8C03D01}"/>
-              </a:ext>
-            </a:extLst>
-          </p:cNvPr>
-          <p:cNvGraphicFramePr/>
-          <p:nvPr>
-            <p:extLst>
-              <p:ext uri="{D42A27DB-BD31-4B8C-83A1-F6EECF244321}">
-                <p14:modId xmlns:p14="http://schemas.microsoft.com/office/powerpoint/2010/main" val="2395496540"/>
-              </p:ext>
-            </p:extLst>
-          </p:nvPr>
-        </p:nvGraphicFramePr>
-        <p:xfrm>
-          <a:off x="6310808" y="333375"/>
-          <a:ext cx="5473205" cy="3012498"/>
-        </p:xfrm>
-        <a:graphic>
-          <a:graphicData uri="http://schemas.openxmlformats.org/drawingml/2006/chart">
-            <c:chart xmlns:c="http://schemas.openxmlformats.org/drawingml/2006/chart" xmlns:r="http://schemas.openxmlformats.org/officeDocument/2006/relationships" r:id="rId5"/>
-          </a:graphicData>
-        </a:graphic>
-      </p:graphicFrame>
-      <p:graphicFrame>
-        <p:nvGraphicFramePr>
-          <p:cNvPr id="11" name="Диаграмма 10">
-            <a:extLst>
-              <a:ext uri="{FF2B5EF4-FFF2-40B4-BE49-F238E27FC236}">
-                <a16:creationId xmlns:a16="http://schemas.microsoft.com/office/drawing/2014/main" id="{4060A686-D259-4ABE-83FB-0AE912C09B61}"/>
-              </a:ext>
-            </a:extLst>
-          </p:cNvPr>
-          <p:cNvGraphicFramePr/>
-          <p:nvPr>
-            <p:extLst>
-              <p:ext uri="{D42A27DB-BD31-4B8C-83A1-F6EECF244321}">
-                <p14:modId xmlns:p14="http://schemas.microsoft.com/office/powerpoint/2010/main" val="1213546323"/>
-              </p:ext>
-            </p:extLst>
-          </p:nvPr>
-        </p:nvGraphicFramePr>
-        <p:xfrm>
-          <a:off x="407988" y="354508"/>
-          <a:ext cx="5688012" cy="3095625"/>
-        </p:xfrm>
-        <a:graphic>
-          <a:graphicData uri="http://schemas.openxmlformats.org/drawingml/2006/chart">
-            <c:chart xmlns:c="http://schemas.openxmlformats.org/drawingml/2006/chart" xmlns:r="http://schemas.openxmlformats.org/officeDocument/2006/relationships" r:id="rId6"/>
-          </a:graphicData>
-        </a:graphic>
-      </p:graphicFrame>
-    </p:spTree>
-    <p:extLst>
-      <p:ext uri="{BB962C8B-B14F-4D97-AF65-F5344CB8AC3E}">
-        <p14:creationId xmlns:p14="http://schemas.microsoft.com/office/powerpoint/2010/main" val="4264774601"/>
-      </p:ext>
-    </p:extLst>
-  </p:cSld>
-  <p:clrMapOvr>
-    <a:masterClrMapping/>
-  </p:clrMapOvr>
-</p:sld>
-</file>
-
-<file path=ppt/slides/slide16.xml><?xml version="1.0" encoding="utf-8"?>
+<file path=ppt/slides/slide17.xml><?xml version="1.0" encoding="utf-8"?>
 <p:sld xmlns:a="http://schemas.openxmlformats.org/drawingml/2006/main" xmlns:r="http://schemas.openxmlformats.org/officeDocument/2006/relationships" xmlns:p="http://schemas.openxmlformats.org/presentationml/2006/main">
   <p:cSld>
     <p:spTree>
@@ -14427,7 +15815,7 @@
 </p:sld>
 </file>
 
-<file path=ppt/slides/slide17.xml><?xml version="1.0" encoding="utf-8"?>
+<file path=ppt/slides/slide18.xml><?xml version="1.0" encoding="utf-8"?>
 <p:sld xmlns:a="http://schemas.openxmlformats.org/drawingml/2006/main" xmlns:r="http://schemas.openxmlformats.org/officeDocument/2006/relationships" xmlns:p="http://schemas.openxmlformats.org/presentationml/2006/main">
   <p:cSld>
     <p:spTree>
@@ -15482,6 +16870,334 @@
 </file>
 
 <file path=ppt/slides/slide6.xml><?xml version="1.0" encoding="utf-8"?>
+<p:sld xmlns:a="http://schemas.openxmlformats.org/drawingml/2006/main" xmlns:r="http://schemas.openxmlformats.org/officeDocument/2006/relationships" xmlns:p="http://schemas.openxmlformats.org/presentationml/2006/main">
+  <p:cSld>
+    <p:spTree>
+      <p:nvGrpSpPr>
+        <p:cNvPr id="1" name=""/>
+        <p:cNvGrpSpPr/>
+        <p:nvPr/>
+      </p:nvGrpSpPr>
+      <p:grpSpPr>
+        <a:xfrm>
+          <a:off x="0" y="0"/>
+          <a:ext cx="0" cy="0"/>
+          <a:chOff x="0" y="0"/>
+          <a:chExt cx="0" cy="0"/>
+        </a:xfrm>
+      </p:grpSpPr>
+      <p:graphicFrame>
+        <p:nvGraphicFramePr>
+          <p:cNvPr id="4" name="Диаграмма 3">
+            <a:extLst>
+              <a:ext uri="{FF2B5EF4-FFF2-40B4-BE49-F238E27FC236}">
+                <a16:creationId xmlns:a16="http://schemas.microsoft.com/office/drawing/2014/main" id="{C925493B-C8A2-4F12-ABC3-47874A0E3A9B}"/>
+              </a:ext>
+            </a:extLst>
+          </p:cNvPr>
+          <p:cNvGraphicFramePr/>
+          <p:nvPr>
+            <p:extLst>
+              <p:ext uri="{D42A27DB-BD31-4B8C-83A1-F6EECF244321}">
+                <p14:modId xmlns:p14="http://schemas.microsoft.com/office/powerpoint/2010/main" val="2995128425"/>
+              </p:ext>
+            </p:extLst>
+          </p:nvPr>
+        </p:nvGraphicFramePr>
+        <p:xfrm>
+          <a:off x="139205" y="3417115"/>
+          <a:ext cx="5900717" cy="3003247"/>
+        </p:xfrm>
+        <a:graphic>
+          <a:graphicData uri="http://schemas.openxmlformats.org/drawingml/2006/chart">
+            <c:chart xmlns:c="http://schemas.openxmlformats.org/drawingml/2006/chart" xmlns:r="http://schemas.openxmlformats.org/officeDocument/2006/relationships" r:id="rId3"/>
+          </a:graphicData>
+        </a:graphic>
+      </p:graphicFrame>
+      <p:graphicFrame>
+        <p:nvGraphicFramePr>
+          <p:cNvPr id="7" name="Диаграмма 6">
+            <a:extLst>
+              <a:ext uri="{FF2B5EF4-FFF2-40B4-BE49-F238E27FC236}">
+                <a16:creationId xmlns:a16="http://schemas.microsoft.com/office/drawing/2014/main" id="{85CCD687-C7CF-41F8-AF13-2AE8217A526B}"/>
+              </a:ext>
+            </a:extLst>
+          </p:cNvPr>
+          <p:cNvGraphicFramePr/>
+          <p:nvPr>
+            <p:extLst>
+              <p:ext uri="{D42A27DB-BD31-4B8C-83A1-F6EECF244321}">
+                <p14:modId xmlns:p14="http://schemas.microsoft.com/office/powerpoint/2010/main" val="3993396644"/>
+              </p:ext>
+            </p:extLst>
+          </p:nvPr>
+        </p:nvGraphicFramePr>
+        <p:xfrm>
+          <a:off x="6413213" y="3598088"/>
+          <a:ext cx="5334534" cy="2891612"/>
+        </p:xfrm>
+        <a:graphic>
+          <a:graphicData uri="http://schemas.openxmlformats.org/drawingml/2006/chart">
+            <c:chart xmlns:c="http://schemas.openxmlformats.org/drawingml/2006/chart" xmlns:r="http://schemas.openxmlformats.org/officeDocument/2006/relationships" r:id="rId4"/>
+          </a:graphicData>
+        </a:graphic>
+      </p:graphicFrame>
+      <p:graphicFrame>
+        <p:nvGraphicFramePr>
+          <p:cNvPr id="10" name="Диаграмма 9">
+            <a:extLst>
+              <a:ext uri="{FF2B5EF4-FFF2-40B4-BE49-F238E27FC236}">
+                <a16:creationId xmlns:a16="http://schemas.microsoft.com/office/drawing/2014/main" id="{7AFA9D09-8BC8-4379-AE69-A15BC02F709B}"/>
+              </a:ext>
+            </a:extLst>
+          </p:cNvPr>
+          <p:cNvGraphicFramePr/>
+          <p:nvPr>
+            <p:extLst>
+              <p:ext uri="{D42A27DB-BD31-4B8C-83A1-F6EECF244321}">
+                <p14:modId xmlns:p14="http://schemas.microsoft.com/office/powerpoint/2010/main" val="2631413137"/>
+              </p:ext>
+            </p:extLst>
+          </p:nvPr>
+        </p:nvGraphicFramePr>
+        <p:xfrm>
+          <a:off x="425451" y="1076152"/>
+          <a:ext cx="5508624" cy="2521936"/>
+        </p:xfrm>
+        <a:graphic>
+          <a:graphicData uri="http://schemas.openxmlformats.org/drawingml/2006/chart">
+            <c:chart xmlns:c="http://schemas.openxmlformats.org/drawingml/2006/chart" xmlns:r="http://schemas.openxmlformats.org/officeDocument/2006/relationships" r:id="rId5"/>
+          </a:graphicData>
+        </a:graphic>
+      </p:graphicFrame>
+      <p:sp>
+        <p:nvSpPr>
+          <p:cNvPr id="14" name="TextBox 13">
+            <a:extLst>
+              <a:ext uri="{FF2B5EF4-FFF2-40B4-BE49-F238E27FC236}">
+                <a16:creationId xmlns:a16="http://schemas.microsoft.com/office/drawing/2014/main" id="{D0DA250B-5A7A-48C8-8830-4D4367744901}"/>
+              </a:ext>
+            </a:extLst>
+          </p:cNvPr>
+          <p:cNvSpPr txBox="1"/>
+          <p:nvPr/>
+        </p:nvSpPr>
+        <p:spPr>
+          <a:xfrm>
+            <a:off x="3179763" y="333375"/>
+            <a:ext cx="5900717" cy="707886"/>
+          </a:xfrm>
+          <a:prstGeom prst="rect">
+            <a:avLst/>
+          </a:prstGeom>
+          <a:noFill/>
+        </p:spPr>
+        <p:txBody>
+          <a:bodyPr wrap="square" rtlCol="0">
+            <a:spAutoFit/>
+          </a:bodyPr>
+          <a:lstStyle/>
+          <a:p>
+            <a:pPr algn="ctr"/>
+            <a:r>
+              <a:rPr lang="ru-RU" sz="4000" b="1" dirty="0"/>
+              <a:t>Результаты соц. опроса</a:t>
+            </a:r>
+          </a:p>
+        </p:txBody>
+      </p:sp>
+      <p:graphicFrame>
+        <p:nvGraphicFramePr>
+          <p:cNvPr id="17" name="Диаграмма 16">
+            <a:extLst>
+              <a:ext uri="{FF2B5EF4-FFF2-40B4-BE49-F238E27FC236}">
+                <a16:creationId xmlns:a16="http://schemas.microsoft.com/office/drawing/2014/main" id="{8384B25B-581E-451A-9A93-B226FB647958}"/>
+              </a:ext>
+            </a:extLst>
+          </p:cNvPr>
+          <p:cNvGraphicFramePr/>
+          <p:nvPr>
+            <p:extLst>
+              <p:ext uri="{D42A27DB-BD31-4B8C-83A1-F6EECF244321}">
+                <p14:modId xmlns:p14="http://schemas.microsoft.com/office/powerpoint/2010/main" val="1779738459"/>
+              </p:ext>
+            </p:extLst>
+          </p:nvPr>
+        </p:nvGraphicFramePr>
+        <p:xfrm>
+          <a:off x="6275388" y="1147927"/>
+          <a:ext cx="5508625" cy="2456309"/>
+        </p:xfrm>
+        <a:graphic>
+          <a:graphicData uri="http://schemas.openxmlformats.org/drawingml/2006/chart">
+            <c:chart xmlns:c="http://schemas.openxmlformats.org/drawingml/2006/chart" xmlns:r="http://schemas.openxmlformats.org/officeDocument/2006/relationships" r:id="rId6"/>
+          </a:graphicData>
+        </a:graphic>
+      </p:graphicFrame>
+    </p:spTree>
+    <p:extLst>
+      <p:ext uri="{BB962C8B-B14F-4D97-AF65-F5344CB8AC3E}">
+        <p14:creationId xmlns:p14="http://schemas.microsoft.com/office/powerpoint/2010/main" val="628785444"/>
+      </p:ext>
+    </p:extLst>
+  </p:cSld>
+  <p:clrMapOvr>
+    <a:masterClrMapping/>
+  </p:clrMapOvr>
+</p:sld>
+</file>
+
+<file path=ppt/slides/slide7.xml><?xml version="1.0" encoding="utf-8"?>
+<p:sld xmlns:a="http://schemas.openxmlformats.org/drawingml/2006/main" xmlns:r="http://schemas.openxmlformats.org/officeDocument/2006/relationships" xmlns:p="http://schemas.openxmlformats.org/presentationml/2006/main">
+  <p:cSld>
+    <p:spTree>
+      <p:nvGrpSpPr>
+        <p:cNvPr id="1" name=""/>
+        <p:cNvGrpSpPr/>
+        <p:nvPr/>
+      </p:nvGrpSpPr>
+      <p:grpSpPr>
+        <a:xfrm>
+          <a:off x="0" y="0"/>
+          <a:ext cx="0" cy="0"/>
+          <a:chOff x="0" y="0"/>
+          <a:chExt cx="0" cy="0"/>
+        </a:xfrm>
+      </p:grpSpPr>
+      <p:graphicFrame>
+        <p:nvGraphicFramePr>
+          <p:cNvPr id="2" name="Диаграмма 1">
+            <a:extLst>
+              <a:ext uri="{FF2B5EF4-FFF2-40B4-BE49-F238E27FC236}">
+                <a16:creationId xmlns:a16="http://schemas.microsoft.com/office/drawing/2014/main" id="{4227A7EF-6185-4DF3-BA9E-805A1A4A30BF}"/>
+              </a:ext>
+            </a:extLst>
+          </p:cNvPr>
+          <p:cNvGraphicFramePr/>
+          <p:nvPr>
+            <p:extLst>
+              <p:ext uri="{D42A27DB-BD31-4B8C-83A1-F6EECF244321}">
+                <p14:modId xmlns:p14="http://schemas.microsoft.com/office/powerpoint/2010/main" val="3677752135"/>
+              </p:ext>
+            </p:extLst>
+          </p:nvPr>
+        </p:nvGraphicFramePr>
+        <p:xfrm>
+          <a:off x="6096000" y="3582816"/>
+          <a:ext cx="6056354" cy="3275183"/>
+        </p:xfrm>
+        <a:graphic>
+          <a:graphicData uri="http://schemas.openxmlformats.org/drawingml/2006/chart">
+            <c:chart xmlns:c="http://schemas.openxmlformats.org/drawingml/2006/chart" xmlns:r="http://schemas.openxmlformats.org/officeDocument/2006/relationships" r:id="rId3"/>
+          </a:graphicData>
+        </a:graphic>
+      </p:graphicFrame>
+      <p:graphicFrame>
+        <p:nvGraphicFramePr>
+          <p:cNvPr id="5" name="Диаграмма 4">
+            <a:extLst>
+              <a:ext uri="{FF2B5EF4-FFF2-40B4-BE49-F238E27FC236}">
+                <a16:creationId xmlns:a16="http://schemas.microsoft.com/office/drawing/2014/main" id="{9EBFC6E1-F60B-46B1-B043-33CF42CD965D}"/>
+              </a:ext>
+            </a:extLst>
+          </p:cNvPr>
+          <p:cNvGraphicFramePr/>
+          <p:nvPr>
+            <p:extLst>
+              <p:ext uri="{D42A27DB-BD31-4B8C-83A1-F6EECF244321}">
+                <p14:modId xmlns:p14="http://schemas.microsoft.com/office/powerpoint/2010/main" val="773916166"/>
+              </p:ext>
+            </p:extLst>
+          </p:nvPr>
+        </p:nvGraphicFramePr>
+        <p:xfrm>
+          <a:off x="3782972" y="1125538"/>
+          <a:ext cx="5876966" cy="3192462"/>
+        </p:xfrm>
+        <a:graphic>
+          <a:graphicData uri="http://schemas.openxmlformats.org/drawingml/2006/chart">
+            <c:chart xmlns:c="http://schemas.openxmlformats.org/drawingml/2006/chart" xmlns:r="http://schemas.openxmlformats.org/officeDocument/2006/relationships" r:id="rId4"/>
+          </a:graphicData>
+        </a:graphic>
+      </p:graphicFrame>
+      <p:graphicFrame>
+        <p:nvGraphicFramePr>
+          <p:cNvPr id="11" name="Диаграмма 10">
+            <a:extLst>
+              <a:ext uri="{FF2B5EF4-FFF2-40B4-BE49-F238E27FC236}">
+                <a16:creationId xmlns:a16="http://schemas.microsoft.com/office/drawing/2014/main" id="{4060A686-D259-4ABE-83FB-0AE912C09B61}"/>
+              </a:ext>
+            </a:extLst>
+          </p:cNvPr>
+          <p:cNvGraphicFramePr/>
+          <p:nvPr>
+            <p:extLst>
+              <p:ext uri="{D42A27DB-BD31-4B8C-83A1-F6EECF244321}">
+                <p14:modId xmlns:p14="http://schemas.microsoft.com/office/powerpoint/2010/main" val="1992422777"/>
+              </p:ext>
+            </p:extLst>
+          </p:nvPr>
+        </p:nvGraphicFramePr>
+        <p:xfrm>
+          <a:off x="407988" y="3429000"/>
+          <a:ext cx="5508625" cy="3428999"/>
+        </p:xfrm>
+        <a:graphic>
+          <a:graphicData uri="http://schemas.openxmlformats.org/drawingml/2006/chart">
+            <c:chart xmlns:c="http://schemas.openxmlformats.org/drawingml/2006/chart" xmlns:r="http://schemas.openxmlformats.org/officeDocument/2006/relationships" r:id="rId5"/>
+          </a:graphicData>
+        </a:graphic>
+      </p:graphicFrame>
+      <p:sp>
+        <p:nvSpPr>
+          <p:cNvPr id="6" name="TextBox 5">
+            <a:extLst>
+              <a:ext uri="{FF2B5EF4-FFF2-40B4-BE49-F238E27FC236}">
+                <a16:creationId xmlns:a16="http://schemas.microsoft.com/office/drawing/2014/main" id="{172D76B2-F2C8-44FB-995F-06BED8978495}"/>
+              </a:ext>
+            </a:extLst>
+          </p:cNvPr>
+          <p:cNvSpPr txBox="1"/>
+          <p:nvPr/>
+        </p:nvSpPr>
+        <p:spPr>
+          <a:xfrm>
+            <a:off x="3179763" y="333375"/>
+            <a:ext cx="5900717" cy="707886"/>
+          </a:xfrm>
+          <a:prstGeom prst="rect">
+            <a:avLst/>
+          </a:prstGeom>
+          <a:noFill/>
+        </p:spPr>
+        <p:txBody>
+          <a:bodyPr wrap="square" rtlCol="0">
+            <a:spAutoFit/>
+          </a:bodyPr>
+          <a:lstStyle/>
+          <a:p>
+            <a:pPr algn="ctr"/>
+            <a:r>
+              <a:rPr lang="ru-RU" sz="4000" b="1" dirty="0"/>
+              <a:t>Результаты соц. опроса</a:t>
+            </a:r>
+          </a:p>
+        </p:txBody>
+      </p:sp>
+    </p:spTree>
+    <p:extLst>
+      <p:ext uri="{BB962C8B-B14F-4D97-AF65-F5344CB8AC3E}">
+        <p14:creationId xmlns:p14="http://schemas.microsoft.com/office/powerpoint/2010/main" val="4264774601"/>
+      </p:ext>
+    </p:extLst>
+  </p:cSld>
+  <p:clrMapOvr>
+    <a:masterClrMapping/>
+  </p:clrMapOvr>
+</p:sld>
+</file>
+
+<file path=ppt/slides/slide8.xml><?xml version="1.0" encoding="utf-8"?>
 <p:sld xmlns:a="http://schemas.openxmlformats.org/drawingml/2006/main" xmlns:r="http://schemas.openxmlformats.org/officeDocument/2006/relationships" xmlns:p="http://schemas.openxmlformats.org/presentationml/2006/main">
   <p:cSld>
     <p:spTree>
@@ -15754,579 +17470,6 @@
 </p:sld>
 </file>
 
-<file path=ppt/slides/slide7.xml><?xml version="1.0" encoding="utf-8"?>
-<p:sld xmlns:a="http://schemas.openxmlformats.org/drawingml/2006/main" xmlns:r="http://schemas.openxmlformats.org/officeDocument/2006/relationships" xmlns:p="http://schemas.openxmlformats.org/presentationml/2006/main">
-  <p:cSld>
-    <p:spTree>
-      <p:nvGrpSpPr>
-        <p:cNvPr id="1" name=""/>
-        <p:cNvGrpSpPr/>
-        <p:nvPr/>
-      </p:nvGrpSpPr>
-      <p:grpSpPr>
-        <a:xfrm>
-          <a:off x="0" y="0"/>
-          <a:ext cx="0" cy="0"/>
-          <a:chOff x="0" y="0"/>
-          <a:chExt cx="0" cy="0"/>
-        </a:xfrm>
-      </p:grpSpPr>
-      <p:pic>
-        <p:nvPicPr>
-          <p:cNvPr id="2" name="Picture 6" descr="Новости — Microsoft начала тестировать виджеты на рабочем столе Windows 11">
-            <a:extLst>
-              <a:ext uri="{FF2B5EF4-FFF2-40B4-BE49-F238E27FC236}">
-                <a16:creationId xmlns:a16="http://schemas.microsoft.com/office/drawing/2014/main" id="{606BF8B7-7136-BDB4-BC14-0810C1B11A71}"/>
-              </a:ext>
-            </a:extLst>
-          </p:cNvPr>
-          <p:cNvPicPr>
-            <a:picLocks noChangeAspect="1" noChangeArrowheads="1"/>
-          </p:cNvPicPr>
-          <p:nvPr/>
-        </p:nvPicPr>
-        <p:blipFill rotWithShape="1">
-          <a:blip r:embed="rId3">
-            <a:extLst>
-              <a:ext uri="{28A0092B-C50C-407E-A947-70E740481C1C}">
-                <a14:useLocalDpi xmlns:a14="http://schemas.microsoft.com/office/drawing/2010/main" val="0"/>
-              </a:ext>
-            </a:extLst>
-          </a:blip>
-          <a:srcRect l="4910" t="4507" r="42118" b="4435"/>
-          <a:stretch/>
-        </p:blipFill>
-        <p:spPr bwMode="auto">
-          <a:xfrm>
-            <a:off x="0" y="1125538"/>
-            <a:ext cx="5930900" cy="5734843"/>
-          </a:xfrm>
-          <a:prstGeom prst="rect">
-            <a:avLst/>
-          </a:prstGeom>
-          <a:noFill/>
-          <a:extLst>
-            <a:ext uri="{909E8E84-426E-40DD-AFC4-6F175D3DCCD1}">
-              <a14:hiddenFill xmlns:a14="http://schemas.microsoft.com/office/drawing/2010/main">
-                <a:solidFill>
-                  <a:srgbClr val="FFFFFF"/>
-                </a:solidFill>
-              </a14:hiddenFill>
-            </a:ext>
-          </a:extLst>
-        </p:spPr>
-      </p:pic>
-      <p:sp>
-        <p:nvSpPr>
-          <p:cNvPr id="4" name="TextBox 3">
-            <a:extLst>
-              <a:ext uri="{FF2B5EF4-FFF2-40B4-BE49-F238E27FC236}">
-                <a16:creationId xmlns:a16="http://schemas.microsoft.com/office/drawing/2014/main" id="{B7D16C60-511A-3764-FCC5-0DCBD24A7117}"/>
-              </a:ext>
-            </a:extLst>
-          </p:cNvPr>
-          <p:cNvSpPr txBox="1"/>
-          <p:nvPr/>
-        </p:nvSpPr>
-        <p:spPr>
-          <a:xfrm>
-            <a:off x="407988" y="333375"/>
-            <a:ext cx="11376024" cy="707886"/>
-          </a:xfrm>
-          <a:prstGeom prst="rect">
-            <a:avLst/>
-          </a:prstGeom>
-          <a:noFill/>
-        </p:spPr>
-        <p:txBody>
-          <a:bodyPr wrap="square" rtlCol="0">
-            <a:spAutoFit/>
-          </a:bodyPr>
-          <a:lstStyle/>
-          <a:p>
-            <a:pPr algn="ctr"/>
-            <a:r>
-              <a:rPr lang="ru-RU" sz="4000" b="1" dirty="0"/>
-              <a:t>Кастомизация ассистента</a:t>
-            </a:r>
-          </a:p>
-        </p:txBody>
-      </p:sp>
-      <p:pic>
-        <p:nvPicPr>
-          <p:cNvPr id="1026" name="Picture 2">
-            <a:extLst>
-              <a:ext uri="{FF2B5EF4-FFF2-40B4-BE49-F238E27FC236}">
-                <a16:creationId xmlns:a16="http://schemas.microsoft.com/office/drawing/2014/main" id="{F2F22730-1F06-4886-8937-CFBC3434F1CA}"/>
-              </a:ext>
-            </a:extLst>
-          </p:cNvPr>
-          <p:cNvPicPr>
-            <a:picLocks noChangeAspect="1" noChangeArrowheads="1"/>
-          </p:cNvPicPr>
-          <p:nvPr/>
-        </p:nvPicPr>
-        <p:blipFill>
-          <a:blip r:embed="rId4">
-            <a:extLst>
-              <a:ext uri="{28A0092B-C50C-407E-A947-70E740481C1C}">
-                <a14:useLocalDpi xmlns:a14="http://schemas.microsoft.com/office/drawing/2010/main" val="0"/>
-              </a:ext>
-            </a:extLst>
-          </a:blip>
-          <a:srcRect/>
-          <a:stretch>
-            <a:fillRect/>
-          </a:stretch>
-        </p:blipFill>
-        <p:spPr bwMode="auto">
-          <a:xfrm>
-            <a:off x="1167386" y="1593568"/>
-            <a:ext cx="2085975" cy="4343400"/>
-          </a:xfrm>
-          <a:prstGeom prst="rect">
-            <a:avLst/>
-          </a:prstGeom>
-          <a:noFill/>
-          <a:extLst>
-            <a:ext uri="{909E8E84-426E-40DD-AFC4-6F175D3DCCD1}">
-              <a14:hiddenFill xmlns:a14="http://schemas.microsoft.com/office/drawing/2010/main">
-                <a:solidFill>
-                  <a:srgbClr val="FFFFFF"/>
-                </a:solidFill>
-              </a14:hiddenFill>
-            </a:ext>
-          </a:extLst>
-        </p:spPr>
-      </p:pic>
-      <p:sp>
-        <p:nvSpPr>
-          <p:cNvPr id="5" name="Облачко с текстом: прямоугольное 4">
-            <a:extLst>
-              <a:ext uri="{FF2B5EF4-FFF2-40B4-BE49-F238E27FC236}">
-                <a16:creationId xmlns:a16="http://schemas.microsoft.com/office/drawing/2014/main" id="{FA3683EB-3B89-45CD-D0D3-DE0F37D2FB45}"/>
-              </a:ext>
-            </a:extLst>
-          </p:cNvPr>
-          <p:cNvSpPr/>
-          <p:nvPr/>
-        </p:nvSpPr>
-        <p:spPr>
-          <a:xfrm>
-            <a:off x="3047999" y="1318559"/>
-            <a:ext cx="2623595" cy="1100550"/>
-          </a:xfrm>
-          <a:prstGeom prst="wedgeRectCallout">
-            <a:avLst>
-              <a:gd name="adj1" fmla="val -37319"/>
-              <a:gd name="adj2" fmla="val 67276"/>
-            </a:avLst>
-          </a:prstGeom>
-          <a:solidFill>
-            <a:schemeClr val="bg1"/>
-          </a:solidFill>
-          <a:ln w="9525">
-            <a:solidFill>
-              <a:srgbClr val="FFFFFF"/>
-            </a:solidFill>
-          </a:ln>
-        </p:spPr>
-        <p:style>
-          <a:lnRef idx="2">
-            <a:schemeClr val="accent1">
-              <a:shade val="15000"/>
-            </a:schemeClr>
-          </a:lnRef>
-          <a:fillRef idx="1">
-            <a:schemeClr val="accent1"/>
-          </a:fillRef>
-          <a:effectRef idx="0">
-            <a:schemeClr val="accent1"/>
-          </a:effectRef>
-          <a:fontRef idx="minor">
-            <a:schemeClr val="lt1"/>
-          </a:fontRef>
-        </p:style>
-        <p:txBody>
-          <a:bodyPr rtlCol="0" anchor="ctr"/>
-          <a:lstStyle/>
-          <a:p>
-            <a:pPr marL="0" algn="ctr" rtl="0" eaLnBrk="1" latinLnBrk="0" hangingPunct="1"/>
-            <a:r>
-              <a:rPr lang="ru-RU" sz="2000" dirty="0">
-                <a:solidFill>
-                  <a:schemeClr val="tx1"/>
-                </a:solidFill>
-                <a:effectLst/>
-              </a:rPr>
-              <a:t>Могу принять форму твоего любимого персонажа!</a:t>
-            </a:r>
-          </a:p>
-        </p:txBody>
-      </p:sp>
-      <p:sp>
-        <p:nvSpPr>
-          <p:cNvPr id="6" name="TextBox 5">
-            <a:extLst>
-              <a:ext uri="{FF2B5EF4-FFF2-40B4-BE49-F238E27FC236}">
-                <a16:creationId xmlns:a16="http://schemas.microsoft.com/office/drawing/2014/main" id="{25AEB3ED-B576-D960-B395-64893179ECC4}"/>
-              </a:ext>
-            </a:extLst>
-          </p:cNvPr>
-          <p:cNvSpPr txBox="1"/>
-          <p:nvPr/>
-        </p:nvSpPr>
-        <p:spPr>
-          <a:xfrm>
-            <a:off x="6096000" y="1125538"/>
-            <a:ext cx="5688012" cy="4524315"/>
-          </a:xfrm>
-          <a:prstGeom prst="rect">
-            <a:avLst/>
-          </a:prstGeom>
-          <a:noFill/>
-        </p:spPr>
-        <p:txBody>
-          <a:bodyPr wrap="square" rtlCol="0">
-            <a:spAutoFit/>
-          </a:bodyPr>
-          <a:lstStyle/>
-          <a:p>
-            <a:r>
-              <a:rPr lang="ru-RU" sz="2400" dirty="0"/>
-              <a:t>Гибкая настройка внешнего вида позволяет использовать любимого персонажа или персонажа приятного глазу.</a:t>
-            </a:r>
-          </a:p>
-          <a:p>
-            <a:endParaRPr lang="ru-RU" sz="2400" dirty="0"/>
-          </a:p>
-          <a:p>
-            <a:r>
-              <a:rPr lang="ru-RU" sz="2400" dirty="0"/>
-              <a:t>Кастомизация осуществляется по средствам сбора картинок, олицетворяющих эмоции персонажа и именование этих картинок по маске, понятной программе. Правила именования будут изложены в пользовательской документации.</a:t>
-            </a:r>
-          </a:p>
-        </p:txBody>
-      </p:sp>
-    </p:spTree>
-    <p:extLst>
-      <p:ext uri="{BB962C8B-B14F-4D97-AF65-F5344CB8AC3E}">
-        <p14:creationId xmlns:p14="http://schemas.microsoft.com/office/powerpoint/2010/main" val="3076709930"/>
-      </p:ext>
-    </p:extLst>
-  </p:cSld>
-  <p:clrMapOvr>
-    <a:masterClrMapping/>
-  </p:clrMapOvr>
-</p:sld>
-</file>
-
-<file path=ppt/slides/slide8.xml><?xml version="1.0" encoding="utf-8"?>
-<p:sld xmlns:a="http://schemas.openxmlformats.org/drawingml/2006/main" xmlns:r="http://schemas.openxmlformats.org/officeDocument/2006/relationships" xmlns:p="http://schemas.openxmlformats.org/presentationml/2006/main">
-  <p:cSld>
-    <p:spTree>
-      <p:nvGrpSpPr>
-        <p:cNvPr id="1" name=""/>
-        <p:cNvGrpSpPr/>
-        <p:nvPr/>
-      </p:nvGrpSpPr>
-      <p:grpSpPr>
-        <a:xfrm>
-          <a:off x="0" y="0"/>
-          <a:ext cx="0" cy="0"/>
-          <a:chOff x="0" y="0"/>
-          <a:chExt cx="0" cy="0"/>
-        </a:xfrm>
-      </p:grpSpPr>
-      <p:sp>
-        <p:nvSpPr>
-          <p:cNvPr id="3" name="TextBox 2">
-            <a:extLst>
-              <a:ext uri="{FF2B5EF4-FFF2-40B4-BE49-F238E27FC236}">
-                <a16:creationId xmlns:a16="http://schemas.microsoft.com/office/drawing/2014/main" id="{F0CFF184-1775-3599-474F-B4089ED852A5}"/>
-              </a:ext>
-            </a:extLst>
-          </p:cNvPr>
-          <p:cNvSpPr txBox="1"/>
-          <p:nvPr/>
-        </p:nvSpPr>
-        <p:spPr>
-          <a:xfrm>
-            <a:off x="407988" y="1125538"/>
-            <a:ext cx="5688012" cy="3046988"/>
-          </a:xfrm>
-          <a:prstGeom prst="rect">
-            <a:avLst/>
-          </a:prstGeom>
-          <a:noFill/>
-        </p:spPr>
-        <p:txBody>
-          <a:bodyPr wrap="square" rtlCol="0">
-            <a:spAutoFit/>
-          </a:bodyPr>
-          <a:lstStyle/>
-          <a:p>
-            <a:r>
-              <a:rPr lang="ru-RU" sz="2400" dirty="0"/>
-              <a:t>Ассистент может хранить пользовательские заметки, а интеграция с </a:t>
-            </a:r>
-            <a:r>
-              <a:rPr lang="en-US" sz="2400" dirty="0"/>
-              <a:t>Google </a:t>
-            </a:r>
-            <a:r>
-              <a:rPr lang="ru-RU" sz="2400" dirty="0"/>
-              <a:t>и </a:t>
-            </a:r>
-            <a:r>
-              <a:rPr lang="en-US" sz="2400" dirty="0"/>
-              <a:t>Yandex </a:t>
-            </a:r>
-            <a:r>
-              <a:rPr lang="ru-RU" sz="2400" dirty="0"/>
-              <a:t>календарями, позволит напоминать о встречах и событиях. </a:t>
-            </a:r>
-          </a:p>
-          <a:p>
-            <a:endParaRPr lang="ru-RU" sz="2400" dirty="0"/>
-          </a:p>
-          <a:p>
-            <a:r>
-              <a:rPr lang="ru-RU" sz="2400" dirty="0"/>
-              <a:t>Также, ассистент предоставляет возможность создавать новое событие в календаре.</a:t>
-            </a:r>
-          </a:p>
-        </p:txBody>
-      </p:sp>
-      <p:pic>
-        <p:nvPicPr>
-          <p:cNvPr id="4" name="Picture 6" descr="Новости — Microsoft начала тестировать виджеты на рабочем столе Windows 11">
-            <a:extLst>
-              <a:ext uri="{FF2B5EF4-FFF2-40B4-BE49-F238E27FC236}">
-                <a16:creationId xmlns:a16="http://schemas.microsoft.com/office/drawing/2014/main" id="{47CEEF5F-58DE-C280-7E98-E8AF4663850E}"/>
-              </a:ext>
-            </a:extLst>
-          </p:cNvPr>
-          <p:cNvPicPr>
-            <a:picLocks noChangeAspect="1" noChangeArrowheads="1"/>
-          </p:cNvPicPr>
-          <p:nvPr/>
-        </p:nvPicPr>
-        <p:blipFill rotWithShape="1">
-          <a:blip r:embed="rId3">
-            <a:extLst>
-              <a:ext uri="{28A0092B-C50C-407E-A947-70E740481C1C}">
-                <a14:useLocalDpi xmlns:a14="http://schemas.microsoft.com/office/drawing/2010/main" val="0"/>
-              </a:ext>
-            </a:extLst>
-          </a:blip>
-          <a:srcRect l="30502" t="20439" r="26242" b="4747"/>
-          <a:stretch/>
-        </p:blipFill>
-        <p:spPr bwMode="auto">
-          <a:xfrm>
-            <a:off x="6275388" y="1125538"/>
-            <a:ext cx="5916612" cy="5756209"/>
-          </a:xfrm>
-          <a:prstGeom prst="rect">
-            <a:avLst/>
-          </a:prstGeom>
-          <a:noFill/>
-          <a:extLst>
-            <a:ext uri="{909E8E84-426E-40DD-AFC4-6F175D3DCCD1}">
-              <a14:hiddenFill xmlns:a14="http://schemas.microsoft.com/office/drawing/2010/main">
-                <a:solidFill>
-                  <a:srgbClr val="FFFFFF"/>
-                </a:solidFill>
-              </a14:hiddenFill>
-            </a:ext>
-          </a:extLst>
-        </p:spPr>
-      </p:pic>
-      <p:pic>
-        <p:nvPicPr>
-          <p:cNvPr id="5" name="Picture 4" descr="Набор милых мультфильмов сиамских кошек в различных позах">
-            <a:extLst>
-              <a:ext uri="{FF2B5EF4-FFF2-40B4-BE49-F238E27FC236}">
-                <a16:creationId xmlns:a16="http://schemas.microsoft.com/office/drawing/2014/main" id="{A3B83362-7C65-069E-A80C-F926DBEDD29C}"/>
-              </a:ext>
-            </a:extLst>
-          </p:cNvPr>
-          <p:cNvPicPr>
-            <a:picLocks noChangeAspect="1" noChangeArrowheads="1"/>
-          </p:cNvPicPr>
-          <p:nvPr/>
-        </p:nvPicPr>
-        <p:blipFill rotWithShape="1">
-          <a:blip r:embed="rId4">
-            <a:extLst>
-              <a:ext uri="{BEBA8EAE-BF5A-486C-A8C5-ECC9F3942E4B}">
-                <a14:imgProps xmlns:a14="http://schemas.microsoft.com/office/drawing/2010/main">
-                  <a14:imgLayer r:embed="rId5">
-                    <a14:imgEffect>
-                      <a14:backgroundRemoval t="66454" b="82748" l="58946" r="91374">
-                        <a14:foregroundMark x1="63259" y1="69489" x2="64696" y2="70128"/>
-                        <a14:foregroundMark x1="60863" y1="70128" x2="60863" y2="71725"/>
-                        <a14:foregroundMark x1="58946" y1="71086" x2="58946" y2="72045"/>
-                        <a14:foregroundMark x1="71725" y1="82588" x2="71725" y2="82588"/>
-                        <a14:foregroundMark x1="74441" y1="82428" x2="74441" y2="82428"/>
-                        <a14:foregroundMark x1="78754" y1="82748" x2="78754" y2="82748"/>
-                        <a14:foregroundMark x1="90096" y1="78754" x2="90096" y2="78754"/>
-                        <a14:foregroundMark x1="91374" y1="78275" x2="91374" y2="78275"/>
-                        <a14:foregroundMark x1="64537" y1="66454" x2="64537" y2="66454"/>
-                      </a14:backgroundRemoval>
-                    </a14:imgEffect>
-                  </a14:imgLayer>
-                </a14:imgProps>
-              </a:ext>
-              <a:ext uri="{28A0092B-C50C-407E-A947-70E740481C1C}">
-                <a14:useLocalDpi xmlns:a14="http://schemas.microsoft.com/office/drawing/2010/main" val="0"/>
-              </a:ext>
-            </a:extLst>
-          </a:blip>
-          <a:srcRect l="56563" t="64653" r="6756" b="15287"/>
-          <a:stretch/>
-        </p:blipFill>
-        <p:spPr bwMode="auto">
-          <a:xfrm>
-            <a:off x="8026270" y="3878752"/>
-            <a:ext cx="4165730" cy="2278097"/>
-          </a:xfrm>
-          <a:prstGeom prst="rect">
-            <a:avLst/>
-          </a:prstGeom>
-          <a:noFill/>
-          <a:extLst>
-            <a:ext uri="{909E8E84-426E-40DD-AFC4-6F175D3DCCD1}">
-              <a14:hiddenFill xmlns:a14="http://schemas.microsoft.com/office/drawing/2010/main">
-                <a:solidFill>
-                  <a:srgbClr val="FFFFFF"/>
-                </a:solidFill>
-              </a14:hiddenFill>
-            </a:ext>
-          </a:extLst>
-        </p:spPr>
-      </p:pic>
-      <p:sp>
-        <p:nvSpPr>
-          <p:cNvPr id="6" name="Облачко с текстом: прямоугольное 5">
-            <a:extLst>
-              <a:ext uri="{FF2B5EF4-FFF2-40B4-BE49-F238E27FC236}">
-                <a16:creationId xmlns:a16="http://schemas.microsoft.com/office/drawing/2014/main" id="{C110B027-0CF9-C68B-34AA-24714DFCD806}"/>
-              </a:ext>
-            </a:extLst>
-          </p:cNvPr>
-          <p:cNvSpPr/>
-          <p:nvPr/>
-        </p:nvSpPr>
-        <p:spPr>
-          <a:xfrm>
-            <a:off x="6553200" y="2235200"/>
-            <a:ext cx="2897189" cy="1337720"/>
-          </a:xfrm>
-          <a:prstGeom prst="wedgeRectCallout">
-            <a:avLst>
-              <a:gd name="adj1" fmla="val 21593"/>
-              <a:gd name="adj2" fmla="val 74566"/>
-            </a:avLst>
-          </a:prstGeom>
-          <a:solidFill>
-            <a:schemeClr val="bg1"/>
-          </a:solidFill>
-          <a:ln w="9525">
-            <a:solidFill>
-              <a:srgbClr val="FFFFFF"/>
-            </a:solidFill>
-          </a:ln>
-        </p:spPr>
-        <p:style>
-          <a:lnRef idx="2">
-            <a:schemeClr val="accent1">
-              <a:shade val="15000"/>
-            </a:schemeClr>
-          </a:lnRef>
-          <a:fillRef idx="1">
-            <a:schemeClr val="accent1"/>
-          </a:fillRef>
-          <a:effectRef idx="0">
-            <a:schemeClr val="accent1"/>
-          </a:effectRef>
-          <a:fontRef idx="minor">
-            <a:schemeClr val="lt1"/>
-          </a:fontRef>
-        </p:style>
-        <p:txBody>
-          <a:bodyPr rtlCol="0" anchor="ctr"/>
-          <a:lstStyle/>
-          <a:p>
-            <a:pPr marL="0" algn="ctr" rtl="0" eaLnBrk="1" latinLnBrk="0" hangingPunct="1"/>
-            <a:r>
-              <a:rPr lang="ru-RU" sz="2000" kern="1200" dirty="0">
-                <a:solidFill>
-                  <a:srgbClr val="000000"/>
-                </a:solidFill>
-                <a:effectLst/>
-                <a:latin typeface="Times New Roman" panose="02020603050405020304" pitchFamily="18" charset="0"/>
-                <a:ea typeface="+mn-ea"/>
-                <a:cs typeface="+mn-cs"/>
-              </a:rPr>
-              <a:t>Напомню тебе о твоих делах и помогу запланировать новые</a:t>
-            </a:r>
-            <a:endParaRPr lang="ru-RU" sz="2000" dirty="0">
-              <a:effectLst/>
-            </a:endParaRPr>
-          </a:p>
-        </p:txBody>
-      </p:sp>
-      <p:sp>
-        <p:nvSpPr>
-          <p:cNvPr id="7" name="TextBox 6">
-            <a:extLst>
-              <a:ext uri="{FF2B5EF4-FFF2-40B4-BE49-F238E27FC236}">
-                <a16:creationId xmlns:a16="http://schemas.microsoft.com/office/drawing/2014/main" id="{AA0F34CD-613A-CB76-F7EB-A9AAC2D7AC36}"/>
-              </a:ext>
-            </a:extLst>
-          </p:cNvPr>
-          <p:cNvSpPr txBox="1"/>
-          <p:nvPr/>
-        </p:nvSpPr>
-        <p:spPr>
-          <a:xfrm>
-            <a:off x="407988" y="333375"/>
-            <a:ext cx="11376024" cy="707886"/>
-          </a:xfrm>
-          <a:prstGeom prst="rect">
-            <a:avLst/>
-          </a:prstGeom>
-          <a:noFill/>
-        </p:spPr>
-        <p:txBody>
-          <a:bodyPr wrap="square" rtlCol="0">
-            <a:spAutoFit/>
-          </a:bodyPr>
-          <a:lstStyle/>
-          <a:p>
-            <a:pPr algn="ctr"/>
-            <a:r>
-              <a:rPr lang="ru-RU" sz="4000" b="1" dirty="0"/>
-              <a:t>Встроенные заметки и календарь</a:t>
-            </a:r>
-          </a:p>
-        </p:txBody>
-      </p:sp>
-    </p:spTree>
-    <p:extLst>
-      <p:ext uri="{BB962C8B-B14F-4D97-AF65-F5344CB8AC3E}">
-        <p14:creationId xmlns:p14="http://schemas.microsoft.com/office/powerpoint/2010/main" val="522681460"/>
-      </p:ext>
-    </p:extLst>
-  </p:cSld>
-  <p:clrMapOvr>
-    <a:masterClrMapping/>
-  </p:clrMapOvr>
-</p:sld>
-</file>
-
 <file path=ppt/slides/slide9.xml><?xml version="1.0" encoding="utf-8"?>
 <p:sld xmlns:a="http://schemas.openxmlformats.org/drawingml/2006/main" xmlns:r="http://schemas.openxmlformats.org/officeDocument/2006/relationships" xmlns:p="http://schemas.openxmlformats.org/presentationml/2006/main">
   <p:cSld>
@@ -16344,12 +17487,40 @@
           <a:chExt cx="0" cy="0"/>
         </a:xfrm>
       </p:grpSpPr>
+      <p:graphicFrame>
+        <p:nvGraphicFramePr>
+          <p:cNvPr id="2" name="Диаграмма 1">
+            <a:extLst>
+              <a:ext uri="{FF2B5EF4-FFF2-40B4-BE49-F238E27FC236}">
+                <a16:creationId xmlns:a16="http://schemas.microsoft.com/office/drawing/2014/main" id="{A1045043-E108-4706-8C4A-1745D45386E6}"/>
+              </a:ext>
+            </a:extLst>
+          </p:cNvPr>
+          <p:cNvGraphicFramePr/>
+          <p:nvPr>
+            <p:extLst>
+              <p:ext uri="{D42A27DB-BD31-4B8C-83A1-F6EECF244321}">
+                <p14:modId xmlns:p14="http://schemas.microsoft.com/office/powerpoint/2010/main" val="1014701790"/>
+              </p:ext>
+            </p:extLst>
+          </p:nvPr>
+        </p:nvGraphicFramePr>
+        <p:xfrm>
+          <a:off x="407988" y="1125538"/>
+          <a:ext cx="11376025" cy="5364162"/>
+        </p:xfrm>
+        <a:graphic>
+          <a:graphicData uri="http://schemas.openxmlformats.org/drawingml/2006/chart">
+            <c:chart xmlns:c="http://schemas.openxmlformats.org/drawingml/2006/chart" xmlns:r="http://schemas.openxmlformats.org/officeDocument/2006/relationships" r:id="rId2"/>
+          </a:graphicData>
+        </a:graphic>
+      </p:graphicFrame>
       <p:sp>
         <p:nvSpPr>
-          <p:cNvPr id="2" name="TextBox 1">
+          <p:cNvPr id="3" name="TextBox 2">
             <a:extLst>
               <a:ext uri="{FF2B5EF4-FFF2-40B4-BE49-F238E27FC236}">
-                <a16:creationId xmlns:a16="http://schemas.microsoft.com/office/drawing/2014/main" id="{FB3F0517-1F74-1A29-B149-D270DDDF0F42}"/>
+                <a16:creationId xmlns:a16="http://schemas.microsoft.com/office/drawing/2014/main" id="{31FAAC17-CD53-4233-A813-AFBFACD4292F}"/>
               </a:ext>
             </a:extLst>
           </p:cNvPr>
@@ -16358,8 +17529,8 @@
         </p:nvSpPr>
         <p:spPr>
           <a:xfrm>
-            <a:off x="407988" y="333375"/>
-            <a:ext cx="11376024" cy="707886"/>
+            <a:off x="3179763" y="333375"/>
+            <a:ext cx="5900717" cy="707886"/>
           </a:xfrm>
           <a:prstGeom prst="rect">
             <a:avLst/>
@@ -16375,537 +17546,15 @@
             <a:pPr algn="ctr"/>
             <a:r>
               <a:rPr lang="ru-RU" sz="4000" b="1" dirty="0"/>
-              <a:t>Планирование задач</a:t>
+              <a:t>Результаты соц. опроса</a:t>
             </a:r>
           </a:p>
         </p:txBody>
       </p:sp>
-      <p:pic>
-        <p:nvPicPr>
-          <p:cNvPr id="8" name="Picture 6" descr="Новости — Microsoft начала тестировать виджеты на рабочем столе Windows 11">
-            <a:extLst>
-              <a:ext uri="{FF2B5EF4-FFF2-40B4-BE49-F238E27FC236}">
-                <a16:creationId xmlns:a16="http://schemas.microsoft.com/office/drawing/2014/main" id="{9BE8EF1A-F1AE-E4C5-43F7-06AB9B2F5710}"/>
-              </a:ext>
-            </a:extLst>
-          </p:cNvPr>
-          <p:cNvPicPr>
-            <a:picLocks noChangeAspect="1" noChangeArrowheads="1"/>
-          </p:cNvPicPr>
-          <p:nvPr/>
-        </p:nvPicPr>
-        <p:blipFill rotWithShape="1">
-          <a:blip r:embed="rId3">
-            <a:extLst>
-              <a:ext uri="{28A0092B-C50C-407E-A947-70E740481C1C}">
-                <a14:useLocalDpi xmlns:a14="http://schemas.microsoft.com/office/drawing/2010/main" val="0"/>
-              </a:ext>
-            </a:extLst>
-          </a:blip>
-          <a:srcRect l="4910" t="4507" r="42118" b="4435"/>
-          <a:stretch/>
-        </p:blipFill>
-        <p:spPr bwMode="auto">
-          <a:xfrm>
-            <a:off x="0" y="1125538"/>
-            <a:ext cx="5930900" cy="5734843"/>
-          </a:xfrm>
-          <a:prstGeom prst="rect">
-            <a:avLst/>
-          </a:prstGeom>
-          <a:noFill/>
-          <a:extLst>
-            <a:ext uri="{909E8E84-426E-40DD-AFC4-6F175D3DCCD1}">
-              <a14:hiddenFill xmlns:a14="http://schemas.microsoft.com/office/drawing/2010/main">
-                <a:solidFill>
-                  <a:srgbClr val="FFFFFF"/>
-                </a:solidFill>
-              </a14:hiddenFill>
-            </a:ext>
-          </a:extLst>
-        </p:spPr>
-      </p:pic>
-      <p:sp>
-        <p:nvSpPr>
-          <p:cNvPr id="11" name="Облачко с текстом: прямоугольное 10">
-            <a:extLst>
-              <a:ext uri="{FF2B5EF4-FFF2-40B4-BE49-F238E27FC236}">
-                <a16:creationId xmlns:a16="http://schemas.microsoft.com/office/drawing/2014/main" id="{745811B5-03E4-802D-02CB-75277C2565ED}"/>
-              </a:ext>
-            </a:extLst>
-          </p:cNvPr>
-          <p:cNvSpPr/>
-          <p:nvPr/>
-        </p:nvSpPr>
-        <p:spPr>
-          <a:xfrm>
-            <a:off x="3130550" y="3275634"/>
-            <a:ext cx="2308230" cy="593903"/>
-          </a:xfrm>
-          <a:prstGeom prst="wedgeRectCallout">
-            <a:avLst>
-              <a:gd name="adj1" fmla="val -53210"/>
-              <a:gd name="adj2" fmla="val 109990"/>
-            </a:avLst>
-          </a:prstGeom>
-          <a:solidFill>
-            <a:schemeClr val="bg1"/>
-          </a:solidFill>
-          <a:ln w="9525">
-            <a:solidFill>
-              <a:srgbClr val="FFFFFF"/>
-            </a:solidFill>
-          </a:ln>
-        </p:spPr>
-        <p:style>
-          <a:lnRef idx="2">
-            <a:schemeClr val="accent1">
-              <a:shade val="15000"/>
-            </a:schemeClr>
-          </a:lnRef>
-          <a:fillRef idx="1">
-            <a:schemeClr val="accent1"/>
-          </a:fillRef>
-          <a:effectRef idx="0">
-            <a:schemeClr val="accent1"/>
-          </a:effectRef>
-          <a:fontRef idx="minor">
-            <a:schemeClr val="lt1"/>
-          </a:fontRef>
-        </p:style>
-        <p:txBody>
-          <a:bodyPr rtlCol="0" anchor="ctr"/>
-          <a:lstStyle/>
-          <a:p>
-            <a:pPr marL="0" algn="ctr" rtl="0" eaLnBrk="1" latinLnBrk="0" hangingPunct="1"/>
-            <a:r>
-              <a:rPr lang="ru-RU" sz="2000" dirty="0">
-                <a:solidFill>
-                  <a:schemeClr val="tx1"/>
-                </a:solidFill>
-                <a:effectLst/>
-              </a:rPr>
-              <a:t>Помидорки…</a:t>
-            </a:r>
-          </a:p>
-        </p:txBody>
-      </p:sp>
-      <p:sp>
-        <p:nvSpPr>
-          <p:cNvPr id="12" name="TextBox 11">
-            <a:extLst>
-              <a:ext uri="{FF2B5EF4-FFF2-40B4-BE49-F238E27FC236}">
-                <a16:creationId xmlns:a16="http://schemas.microsoft.com/office/drawing/2014/main" id="{583FA916-350A-2B18-C968-EC03C68D5F48}"/>
-              </a:ext>
-            </a:extLst>
-          </p:cNvPr>
-          <p:cNvSpPr txBox="1"/>
-          <p:nvPr/>
-        </p:nvSpPr>
-        <p:spPr>
-          <a:xfrm>
-            <a:off x="6096000" y="1125538"/>
-            <a:ext cx="5688012" cy="4154984"/>
-          </a:xfrm>
-          <a:prstGeom prst="rect">
-            <a:avLst/>
-          </a:prstGeom>
-          <a:noFill/>
-        </p:spPr>
-        <p:txBody>
-          <a:bodyPr wrap="square" rtlCol="0">
-            <a:spAutoFit/>
-          </a:bodyPr>
-          <a:lstStyle/>
-          <a:p>
-            <a:r>
-              <a:rPr lang="ru-RU" sz="2400" dirty="0"/>
-              <a:t>Планировщик задач позволяет пользователю создать список всех необходимых дел с указанием сложности и срочности, чтобы в дальнейшем ассистент мог предложить одну или несколько задач на день по технике </a:t>
-            </a:r>
-          </a:p>
-          <a:p>
-            <a:r>
-              <a:rPr lang="ru-RU" sz="2400" dirty="0"/>
-              <a:t>«1-3-5».</a:t>
-            </a:r>
-          </a:p>
-          <a:p>
-            <a:endParaRPr lang="ru-RU" sz="2400" dirty="0"/>
-          </a:p>
-          <a:p>
-            <a:r>
-              <a:rPr lang="ru-RU" sz="2400" dirty="0"/>
-              <a:t>Встроенный </a:t>
-            </a:r>
-            <a:r>
-              <a:rPr lang="en-US" sz="2400" dirty="0"/>
-              <a:t>Pomodoro </a:t>
-            </a:r>
-            <a:r>
-              <a:rPr lang="ru-RU" sz="2400" dirty="0"/>
-              <a:t>таймер поможет держать концентрацию и провести время максимально продуктивно.</a:t>
-            </a:r>
-          </a:p>
-        </p:txBody>
-      </p:sp>
-      <p:pic>
-        <p:nvPicPr>
-          <p:cNvPr id="5122" name="Picture 2" descr="Schöne schwarze Katze, die mit großen Augen nach oben schaut,  Manga-Anime-Stil-Illustration | Premium Vektor">
-            <a:extLst>
-              <a:ext uri="{FF2B5EF4-FFF2-40B4-BE49-F238E27FC236}">
-                <a16:creationId xmlns:a16="http://schemas.microsoft.com/office/drawing/2014/main" id="{9F7E1B8C-A2FA-046E-1221-2B5AC5103138}"/>
-              </a:ext>
-            </a:extLst>
-          </p:cNvPr>
-          <p:cNvPicPr>
-            <a:picLocks noChangeAspect="1" noChangeArrowheads="1"/>
-          </p:cNvPicPr>
-          <p:nvPr/>
-        </p:nvPicPr>
-        <p:blipFill>
-          <a:blip r:embed="rId4">
-            <a:extLst>
-              <a:ext uri="{BEBA8EAE-BF5A-486C-A8C5-ECC9F3942E4B}">
-                <a14:imgProps xmlns:a14="http://schemas.microsoft.com/office/drawing/2010/main">
-                  <a14:imgLayer r:embed="rId5">
-                    <a14:imgEffect>
-                      <a14:backgroundRemoval t="5911" b="92812" l="9620" r="89933">
-                        <a14:foregroundMark x1="35570" y1="20128" x2="55705" y2="22204"/>
-                        <a14:foregroundMark x1="55705" y1="22204" x2="56152" y2="25240"/>
-                        <a14:foregroundMark x1="61298" y1="20927" x2="58613" y2="22204"/>
-                        <a14:foregroundMark x1="35347" y1="21246" x2="36465" y2="20927"/>
-                        <a14:foregroundMark x1="34228" y1="18850" x2="37584" y2="28914"/>
-                        <a14:foregroundMark x1="34228" y1="19968" x2="43848" y2="23802"/>
-                        <a14:foregroundMark x1="33110" y1="17252" x2="20805" y2="26198"/>
-                        <a14:foregroundMark x1="20805" y1="26198" x2="23714" y2="27796"/>
-                        <a14:foregroundMark x1="31544" y1="20128" x2="44519" y2="23323"/>
-                        <a14:foregroundMark x1="31544" y1="22843" x2="31544" y2="22843"/>
-                        <a14:foregroundMark x1="31544" y1="22843" x2="31544" y2="22843"/>
-                        <a14:foregroundMark x1="23043" y1="25719" x2="43848" y2="36901"/>
-                        <a14:foregroundMark x1="43848" y1="36901" x2="52349" y2="35623"/>
-                        <a14:foregroundMark x1="64653" y1="26997" x2="50783" y2="42652"/>
-                        <a14:foregroundMark x1="40045" y1="92812" x2="40045" y2="92812"/>
-                        <a14:foregroundMark x1="70246" y1="59744" x2="70246" y2="59744"/>
-                        <a14:foregroundMark x1="69799" y1="55431" x2="61969" y2="41054"/>
-                        <a14:foregroundMark x1="68009" y1="54313" x2="72036" y2="67891"/>
-                        <a14:foregroundMark x1="69128" y1="55112" x2="70917" y2="67412"/>
-                        <a14:foregroundMark x1="70246" y1="58626" x2="70917" y2="67093"/>
-                        <a14:foregroundMark x1="73826" y1="71406" x2="75839" y2="77157"/>
-                        <a14:foregroundMark x1="60850" y1="16773" x2="63087" y2="16454"/>
-                        <a14:foregroundMark x1="59060" y1="15335" x2="63535" y2="20927"/>
-                        <a14:foregroundMark x1="60850" y1="16454" x2="66443" y2="16933"/>
-                        <a14:foregroundMark x1="63758" y1="12141" x2="63758" y2="12141"/>
-                        <a14:foregroundMark x1="63758" y1="10383" x2="63758" y2="10383"/>
-                        <a14:foregroundMark x1="63758" y1="10383" x2="63758" y2="10383"/>
-                        <a14:foregroundMark x1="63758" y1="10383" x2="63758" y2="10383"/>
-                        <a14:foregroundMark x1="63758" y1="10383" x2="63758" y2="10383"/>
-                        <a14:foregroundMark x1="63758" y1="10383" x2="64206" y2="16454"/>
-                        <a14:foregroundMark x1="63758" y1="10543" x2="63758" y2="10543"/>
-                        <a14:foregroundMark x1="56152" y1="14377" x2="41163" y2="13738"/>
-                        <a14:foregroundMark x1="28635" y1="8147" x2="28859" y2="18850"/>
-                        <a14:foregroundMark x1="29306" y1="5911" x2="37584" y2="14058"/>
-                        <a14:foregroundMark x1="34452" y1="9585" x2="30872" y2="6709"/>
-                        <a14:foregroundMark x1="34899" y1="10383" x2="38479" y2="14537"/>
-                        <a14:foregroundMark x1="34452" y1="9744" x2="40716" y2="15176"/>
-                        <a14:foregroundMark x1="58953" y1="8466" x2="58523" y2="8724"/>
-                        <a14:foregroundMark x1="62416" y1="6390" x2="58953" y2="8466"/>
-                        <a14:foregroundMark x1="57622" y1="10863" x2="53468" y2="14856"/>
-                        <a14:foregroundMark x1="59284" y1="9265" x2="57944" y2="10553"/>
-                        <a14:foregroundMark x1="71640" y1="30049" x2="72483" y2="32109"/>
-                        <a14:foregroundMark x1="68233" y1="21725" x2="71229" y2="29046"/>
-                        <a14:foregroundMark x1="71655" y1="30050" x2="72707" y2="32428"/>
-                        <a14:foregroundMark x1="68680" y1="23323" x2="71227" y2="29081"/>
-                        <a14:foregroundMark x1="69351" y1="24441" x2="71364" y2="27460"/>
-                        <a14:foregroundMark x1="70470" y1="23802" x2="71528" y2="25529"/>
-                        <a14:backgroundMark x1="55705" y1="6390" x2="54586" y2="8466"/>
-                        <a14:backgroundMark x1="56152" y1="8466" x2="56152" y2="8466"/>
-                        <a14:backgroundMark x1="54586" y1="9265" x2="54139" y2="10064"/>
-                        <a14:backgroundMark x1="54139" y1="8466" x2="54139" y2="10863"/>
-                        <a14:backgroundMark x1="75391" y1="24920" x2="74944" y2="30192"/>
-                      </a14:backgroundRemoval>
-                    </a14:imgEffect>
-                  </a14:imgLayer>
-                </a14:imgProps>
-              </a:ext>
-              <a:ext uri="{28A0092B-C50C-407E-A947-70E740481C1C}">
-                <a14:useLocalDpi xmlns:a14="http://schemas.microsoft.com/office/drawing/2010/main" val="0"/>
-              </a:ext>
-            </a:extLst>
-          </a:blip>
-          <a:srcRect/>
-          <a:stretch>
-            <a:fillRect/>
-          </a:stretch>
-        </p:blipFill>
-        <p:spPr bwMode="auto">
-          <a:xfrm>
-            <a:off x="969170" y="3683787"/>
-            <a:ext cx="1916111" cy="2683413"/>
-          </a:xfrm>
-          <a:prstGeom prst="rect">
-            <a:avLst/>
-          </a:prstGeom>
-          <a:noFill/>
-          <a:extLst>
-            <a:ext uri="{909E8E84-426E-40DD-AFC4-6F175D3DCCD1}">
-              <a14:hiddenFill xmlns:a14="http://schemas.microsoft.com/office/drawing/2010/main">
-                <a:solidFill>
-                  <a:srgbClr val="FFFFFF"/>
-                </a:solidFill>
-              </a14:hiddenFill>
-            </a:ext>
-          </a:extLst>
-        </p:spPr>
-      </p:pic>
-      <p:grpSp>
-        <p:nvGrpSpPr>
-          <p:cNvPr id="18" name="Группа 17">
-            <a:extLst>
-              <a:ext uri="{FF2B5EF4-FFF2-40B4-BE49-F238E27FC236}">
-                <a16:creationId xmlns:a16="http://schemas.microsoft.com/office/drawing/2014/main" id="{811F0A35-F4E4-2A9D-B503-B0B10FFC50C1}"/>
-              </a:ext>
-            </a:extLst>
-          </p:cNvPr>
-          <p:cNvGrpSpPr/>
-          <p:nvPr/>
-        </p:nvGrpSpPr>
-        <p:grpSpPr>
-          <a:xfrm>
-            <a:off x="711204" y="3174213"/>
-            <a:ext cx="2254246" cy="700740"/>
-            <a:chOff x="742954" y="3034761"/>
-            <a:chExt cx="2254246" cy="700740"/>
-          </a:xfrm>
-        </p:grpSpPr>
-        <p:pic>
-          <p:nvPicPr>
-            <p:cNvPr id="5124" name="Picture 4" descr="Более 38 900 работ на тему «Tomato Cartoon»: стоковые фото, картинки и  изображения royalty-free - iStock">
-              <a:extLst>
-                <a:ext uri="{FF2B5EF4-FFF2-40B4-BE49-F238E27FC236}">
-                  <a16:creationId xmlns:a16="http://schemas.microsoft.com/office/drawing/2014/main" id="{2A8B3EC6-9BF9-6962-637A-426CD9B13473}"/>
-                </a:ext>
-              </a:extLst>
-            </p:cNvPr>
-            <p:cNvPicPr>
-              <a:picLocks noChangeAspect="1" noChangeArrowheads="1"/>
-            </p:cNvPicPr>
-            <p:nvPr/>
-          </p:nvPicPr>
-          <p:blipFill>
-            <a:blip r:embed="rId6">
-              <a:extLst>
-                <a:ext uri="{BEBA8EAE-BF5A-486C-A8C5-ECC9F3942E4B}">
-                  <a14:imgProps xmlns:a14="http://schemas.microsoft.com/office/drawing/2010/main">
-                    <a14:imgLayer r:embed="rId7">
-                      <a14:imgEffect>
-                        <a14:backgroundRemoval t="10000" b="90000" l="10000" r="90000"/>
-                      </a14:imgEffect>
-                    </a14:imgLayer>
-                  </a14:imgProps>
-                </a:ext>
-                <a:ext uri="{28A0092B-C50C-407E-A947-70E740481C1C}">
-                  <a14:useLocalDpi xmlns:a14="http://schemas.microsoft.com/office/drawing/2010/main" val="0"/>
-                </a:ext>
-              </a:extLst>
-            </a:blip>
-            <a:srcRect/>
-            <a:stretch>
-              <a:fillRect/>
-            </a:stretch>
-          </p:blipFill>
-          <p:spPr bwMode="auto">
-            <a:xfrm>
-              <a:off x="742954" y="3034761"/>
-              <a:ext cx="695325" cy="695325"/>
-            </a:xfrm>
-            <a:prstGeom prst="rect">
-              <a:avLst/>
-            </a:prstGeom>
-            <a:noFill/>
-            <a:extLst>
-              <a:ext uri="{909E8E84-426E-40DD-AFC4-6F175D3DCCD1}">
-                <a14:hiddenFill xmlns:a14="http://schemas.microsoft.com/office/drawing/2010/main">
-                  <a:solidFill>
-                    <a:srgbClr val="FFFFFF"/>
-                  </a:solidFill>
-                </a14:hiddenFill>
-              </a:ext>
-            </a:extLst>
-          </p:spPr>
-        </p:pic>
-        <p:pic>
-          <p:nvPicPr>
-            <p:cNvPr id="13" name="Picture 4" descr="Более 38 900 работ на тему «Tomato Cartoon»: стоковые фото, картинки и  изображения royalty-free - iStock">
-              <a:extLst>
-                <a:ext uri="{FF2B5EF4-FFF2-40B4-BE49-F238E27FC236}">
-                  <a16:creationId xmlns:a16="http://schemas.microsoft.com/office/drawing/2014/main" id="{DC21DFE7-4A3F-0D5E-745D-180E793DD247}"/>
-                </a:ext>
-              </a:extLst>
-            </p:cNvPr>
-            <p:cNvPicPr>
-              <a:picLocks noChangeAspect="1" noChangeArrowheads="1"/>
-            </p:cNvPicPr>
-            <p:nvPr/>
-          </p:nvPicPr>
-          <p:blipFill>
-            <a:blip r:embed="rId6">
-              <a:extLst>
-                <a:ext uri="{BEBA8EAE-BF5A-486C-A8C5-ECC9F3942E4B}">
-                  <a14:imgProps xmlns:a14="http://schemas.microsoft.com/office/drawing/2010/main">
-                    <a14:imgLayer r:embed="rId7">
-                      <a14:imgEffect>
-                        <a14:backgroundRemoval t="10000" b="90000" l="10000" r="90000"/>
-                      </a14:imgEffect>
-                    </a14:imgLayer>
-                  </a14:imgProps>
-                </a:ext>
-                <a:ext uri="{28A0092B-C50C-407E-A947-70E740481C1C}">
-                  <a14:useLocalDpi xmlns:a14="http://schemas.microsoft.com/office/drawing/2010/main" val="0"/>
-                </a:ext>
-              </a:extLst>
-            </a:blip>
-            <a:srcRect/>
-            <a:stretch>
-              <a:fillRect/>
-            </a:stretch>
-          </p:blipFill>
-          <p:spPr bwMode="auto">
-            <a:xfrm>
-              <a:off x="1263651" y="3034761"/>
-              <a:ext cx="695325" cy="695325"/>
-            </a:xfrm>
-            <a:prstGeom prst="rect">
-              <a:avLst/>
-            </a:prstGeom>
-            <a:noFill/>
-            <a:extLst>
-              <a:ext uri="{909E8E84-426E-40DD-AFC4-6F175D3DCCD1}">
-                <a14:hiddenFill xmlns:a14="http://schemas.microsoft.com/office/drawing/2010/main">
-                  <a:solidFill>
-                    <a:srgbClr val="FFFFFF"/>
-                  </a:solidFill>
-                </a14:hiddenFill>
-              </a:ext>
-            </a:extLst>
-          </p:spPr>
-        </p:pic>
-        <p:pic>
-          <p:nvPicPr>
-            <p:cNvPr id="16" name="Picture 4" descr="Более 38 900 работ на тему «Tomato Cartoon»: стоковые фото, картинки и  изображения royalty-free - iStock">
-              <a:extLst>
-                <a:ext uri="{FF2B5EF4-FFF2-40B4-BE49-F238E27FC236}">
-                  <a16:creationId xmlns:a16="http://schemas.microsoft.com/office/drawing/2014/main" id="{61669103-18BA-9E8D-1653-B4186CCBD7AC}"/>
-                </a:ext>
-              </a:extLst>
-            </p:cNvPr>
-            <p:cNvPicPr>
-              <a:picLocks noChangeAspect="1" noChangeArrowheads="1"/>
-            </p:cNvPicPr>
-            <p:nvPr/>
-          </p:nvPicPr>
-          <p:blipFill>
-            <a:blip r:embed="rId6">
-              <a:extLst>
-                <a:ext uri="{BEBA8EAE-BF5A-486C-A8C5-ECC9F3942E4B}">
-                  <a14:imgProps xmlns:a14="http://schemas.microsoft.com/office/drawing/2010/main">
-                    <a14:imgLayer r:embed="rId7">
-                      <a14:imgEffect>
-                        <a14:backgroundRemoval t="10000" b="90000" l="10000" r="90000"/>
-                      </a14:imgEffect>
-                    </a14:imgLayer>
-                  </a14:imgProps>
-                </a:ext>
-                <a:ext uri="{28A0092B-C50C-407E-A947-70E740481C1C}">
-                  <a14:useLocalDpi xmlns:a14="http://schemas.microsoft.com/office/drawing/2010/main" val="0"/>
-                </a:ext>
-              </a:extLst>
-            </a:blip>
-            <a:srcRect/>
-            <a:stretch>
-              <a:fillRect/>
-            </a:stretch>
-          </p:blipFill>
-          <p:spPr bwMode="auto">
-            <a:xfrm>
-              <a:off x="1781178" y="3040176"/>
-              <a:ext cx="695325" cy="695325"/>
-            </a:xfrm>
-            <a:prstGeom prst="rect">
-              <a:avLst/>
-            </a:prstGeom>
-            <a:noFill/>
-            <a:extLst>
-              <a:ext uri="{909E8E84-426E-40DD-AFC4-6F175D3DCCD1}">
-                <a14:hiddenFill xmlns:a14="http://schemas.microsoft.com/office/drawing/2010/main">
-                  <a:solidFill>
-                    <a:srgbClr val="FFFFFF"/>
-                  </a:solidFill>
-                </a14:hiddenFill>
-              </a:ext>
-            </a:extLst>
-          </p:spPr>
-        </p:pic>
-        <p:pic>
-          <p:nvPicPr>
-            <p:cNvPr id="17" name="Picture 4" descr="Более 38 900 работ на тему «Tomato Cartoon»: стоковые фото, картинки и  изображения royalty-free - iStock">
-              <a:extLst>
-                <a:ext uri="{FF2B5EF4-FFF2-40B4-BE49-F238E27FC236}">
-                  <a16:creationId xmlns:a16="http://schemas.microsoft.com/office/drawing/2014/main" id="{D317C934-4465-0524-D56B-F1BCA9865540}"/>
-                </a:ext>
-              </a:extLst>
-            </p:cNvPr>
-            <p:cNvPicPr>
-              <a:picLocks noChangeAspect="1" noChangeArrowheads="1"/>
-            </p:cNvPicPr>
-            <p:nvPr/>
-          </p:nvPicPr>
-          <p:blipFill>
-            <a:blip r:embed="rId6">
-              <a:extLst>
-                <a:ext uri="{BEBA8EAE-BF5A-486C-A8C5-ECC9F3942E4B}">
-                  <a14:imgProps xmlns:a14="http://schemas.microsoft.com/office/drawing/2010/main">
-                    <a14:imgLayer r:embed="rId7">
-                      <a14:imgEffect>
-                        <a14:backgroundRemoval t="10000" b="90000" l="10000" r="90000"/>
-                      </a14:imgEffect>
-                    </a14:imgLayer>
-                  </a14:imgProps>
-                </a:ext>
-                <a:ext uri="{28A0092B-C50C-407E-A947-70E740481C1C}">
-                  <a14:useLocalDpi xmlns:a14="http://schemas.microsoft.com/office/drawing/2010/main" val="0"/>
-                </a:ext>
-              </a:extLst>
-            </a:blip>
-            <a:srcRect/>
-            <a:stretch>
-              <a:fillRect/>
-            </a:stretch>
-          </p:blipFill>
-          <p:spPr bwMode="auto">
-            <a:xfrm>
-              <a:off x="2301875" y="3040176"/>
-              <a:ext cx="695325" cy="695325"/>
-            </a:xfrm>
-            <a:prstGeom prst="rect">
-              <a:avLst/>
-            </a:prstGeom>
-            <a:noFill/>
-            <a:extLst>
-              <a:ext uri="{909E8E84-426E-40DD-AFC4-6F175D3DCCD1}">
-                <a14:hiddenFill xmlns:a14="http://schemas.microsoft.com/office/drawing/2010/main">
-                  <a:solidFill>
-                    <a:srgbClr val="FFFFFF"/>
-                  </a:solidFill>
-                </a14:hiddenFill>
-              </a:ext>
-            </a:extLst>
-          </p:spPr>
-        </p:pic>
-      </p:grpSp>
     </p:spTree>
     <p:extLst>
       <p:ext uri="{BB962C8B-B14F-4D97-AF65-F5344CB8AC3E}">
-        <p14:creationId xmlns:p14="http://schemas.microsoft.com/office/powerpoint/2010/main" val="1338858694"/>
+        <p14:creationId xmlns:p14="http://schemas.microsoft.com/office/powerpoint/2010/main" val="3393069724"/>
       </p:ext>
     </p:extLst>
   </p:cSld>

--- a/Docs/Куратор - виртуальный куратор.pptx
+++ b/Docs/Куратор - виртуальный куратор.pptx
@@ -5,7 +5,7 @@
     <p:sldMasterId id="2147483648" r:id="rId1"/>
   </p:sldMasterIdLst>
   <p:notesMasterIdLst>
-    <p:notesMasterId r:id="rId20"/>
+    <p:notesMasterId r:id="rId22"/>
   </p:notesMasterIdLst>
   <p:sldIdLst>
     <p:sldId id="256" r:id="rId2"/>
@@ -18,14 +18,16 @@
     <p:sldId id="260" r:id="rId9"/>
     <p:sldId id="276" r:id="rId10"/>
     <p:sldId id="268" r:id="rId11"/>
-    <p:sldId id="263" r:id="rId12"/>
-    <p:sldId id="262" r:id="rId13"/>
-    <p:sldId id="267" r:id="rId14"/>
-    <p:sldId id="271" r:id="rId15"/>
-    <p:sldId id="272" r:id="rId16"/>
-    <p:sldId id="273" r:id="rId17"/>
-    <p:sldId id="269" r:id="rId18"/>
-    <p:sldId id="270" r:id="rId19"/>
+    <p:sldId id="277" r:id="rId12"/>
+    <p:sldId id="278" r:id="rId13"/>
+    <p:sldId id="263" r:id="rId14"/>
+    <p:sldId id="262" r:id="rId15"/>
+    <p:sldId id="267" r:id="rId16"/>
+    <p:sldId id="271" r:id="rId17"/>
+    <p:sldId id="272" r:id="rId18"/>
+    <p:sldId id="273" r:id="rId19"/>
+    <p:sldId id="269" r:id="rId20"/>
+    <p:sldId id="270" r:id="rId21"/>
   </p:sldIdLst>
   <p:sldSz cx="12192000" cy="6858000"/>
   <p:notesSz cx="6858000" cy="9144000"/>
@@ -7854,7 +7856,7 @@
           <a:p>
             <a:r>
               <a:rPr lang="ru-RU" dirty="0"/>
-              <a:t>Интеграция с популярными календарями расширит область применения и полезность продукта.</a:t>
+              <a:t>Используйте персонажа, который авторитетен и приятен вашему глазу. </a:t>
             </a:r>
           </a:p>
         </p:txBody>
@@ -7876,7 +7878,7 @@
           <a:p>
             <a:fld id="{F81985B3-CC42-460E-B3BD-EBD81321C544}" type="slidenum">
               <a:rPr lang="ru-RU" smtClean="0"/>
-              <a:t>12</a:t>
+              <a:t>13</a:t>
             </a:fld>
             <a:endParaRPr lang="ru-RU"/>
           </a:p>
@@ -7885,7 +7887,7 @@
     </p:spTree>
     <p:extLst>
       <p:ext uri="{BB962C8B-B14F-4D97-AF65-F5344CB8AC3E}">
-        <p14:creationId xmlns:p14="http://schemas.microsoft.com/office/powerpoint/2010/main" val="2228422916"/>
+        <p14:creationId xmlns:p14="http://schemas.microsoft.com/office/powerpoint/2010/main" val="229807873"/>
       </p:ext>
     </p:extLst>
   </p:cSld>
@@ -7941,7 +7943,7 @@
           <a:p>
             <a:r>
               <a:rPr lang="ru-RU" dirty="0"/>
-              <a:t>Планировщик задач подготовит для конечного пользователя самые актуальные задачи и не будет перегружать мозг большим списком дел.</a:t>
+              <a:t>Интеграция с популярными календарями расширит область применения и полезность продукта.</a:t>
             </a:r>
           </a:p>
         </p:txBody>
@@ -7963,7 +7965,7 @@
           <a:p>
             <a:fld id="{F81985B3-CC42-460E-B3BD-EBD81321C544}" type="slidenum">
               <a:rPr lang="ru-RU" smtClean="0"/>
-              <a:t>13</a:t>
+              <a:t>14</a:t>
             </a:fld>
             <a:endParaRPr lang="ru-RU"/>
           </a:p>
@@ -7972,7 +7974,7 @@
     </p:spTree>
     <p:extLst>
       <p:ext uri="{BB962C8B-B14F-4D97-AF65-F5344CB8AC3E}">
-        <p14:creationId xmlns:p14="http://schemas.microsoft.com/office/powerpoint/2010/main" val="1935675411"/>
+        <p14:creationId xmlns:p14="http://schemas.microsoft.com/office/powerpoint/2010/main" val="2228422916"/>
       </p:ext>
     </p:extLst>
   </p:cSld>
@@ -8026,7 +8028,10 @@
           <a:bodyPr/>
           <a:lstStyle/>
           <a:p>
-            <a:endParaRPr lang="ru-RU" dirty="0"/>
+            <a:r>
+              <a:rPr lang="ru-RU" dirty="0"/>
+              <a:t>Планировщик задач подготовит для конечного пользователя самые актуальные задачи и не будет перегружать мозг большим списком дел.</a:t>
+            </a:r>
           </a:p>
         </p:txBody>
       </p:sp>
@@ -8047,7 +8052,7 @@
           <a:p>
             <a:fld id="{F81985B3-CC42-460E-B3BD-EBD81321C544}" type="slidenum">
               <a:rPr lang="ru-RU" smtClean="0"/>
-              <a:t>14</a:t>
+              <a:t>15</a:t>
             </a:fld>
             <a:endParaRPr lang="ru-RU"/>
           </a:p>
@@ -8056,7 +8061,7 @@
     </p:spTree>
     <p:extLst>
       <p:ext uri="{BB962C8B-B14F-4D97-AF65-F5344CB8AC3E}">
-        <p14:creationId xmlns:p14="http://schemas.microsoft.com/office/powerpoint/2010/main" val="1176806581"/>
+        <p14:creationId xmlns:p14="http://schemas.microsoft.com/office/powerpoint/2010/main" val="1935675411"/>
       </p:ext>
     </p:extLst>
   </p:cSld>
@@ -8131,7 +8136,91 @@
           <a:p>
             <a:fld id="{F81985B3-CC42-460E-B3BD-EBD81321C544}" type="slidenum">
               <a:rPr lang="ru-RU" smtClean="0"/>
-              <a:t>17</a:t>
+              <a:t>16</a:t>
+            </a:fld>
+            <a:endParaRPr lang="ru-RU"/>
+          </a:p>
+        </p:txBody>
+      </p:sp>
+    </p:spTree>
+    <p:extLst>
+      <p:ext uri="{BB962C8B-B14F-4D97-AF65-F5344CB8AC3E}">
+        <p14:creationId xmlns:p14="http://schemas.microsoft.com/office/powerpoint/2010/main" val="1176806581"/>
+      </p:ext>
+    </p:extLst>
+  </p:cSld>
+  <p:clrMapOvr>
+    <a:masterClrMapping/>
+  </p:clrMapOvr>
+</p:notes>
+</file>
+
+<file path=ppt/notesSlides/notesSlide14.xml><?xml version="1.0" encoding="utf-8"?>
+<p:notes xmlns:a="http://schemas.openxmlformats.org/drawingml/2006/main" xmlns:r="http://schemas.openxmlformats.org/officeDocument/2006/relationships" xmlns:p="http://schemas.openxmlformats.org/presentationml/2006/main">
+  <p:cSld>
+    <p:spTree>
+      <p:nvGrpSpPr>
+        <p:cNvPr id="1" name=""/>
+        <p:cNvGrpSpPr/>
+        <p:nvPr/>
+      </p:nvGrpSpPr>
+      <p:grpSpPr>
+        <a:xfrm>
+          <a:off x="0" y="0"/>
+          <a:ext cx="0" cy="0"/>
+          <a:chOff x="0" y="0"/>
+          <a:chExt cx="0" cy="0"/>
+        </a:xfrm>
+      </p:grpSpPr>
+      <p:sp>
+        <p:nvSpPr>
+          <p:cNvPr id="2" name="Образ слайда 1"/>
+          <p:cNvSpPr>
+            <a:spLocks noGrp="1" noRot="1" noChangeAspect="1"/>
+          </p:cNvSpPr>
+          <p:nvPr>
+            <p:ph type="sldImg"/>
+          </p:nvPr>
+        </p:nvSpPr>
+        <p:spPr/>
+      </p:sp>
+      <p:sp>
+        <p:nvSpPr>
+          <p:cNvPr id="3" name="Заметки 2"/>
+          <p:cNvSpPr>
+            <a:spLocks noGrp="1"/>
+          </p:cNvSpPr>
+          <p:nvPr>
+            <p:ph type="body" idx="1"/>
+          </p:nvPr>
+        </p:nvSpPr>
+        <p:spPr/>
+        <p:txBody>
+          <a:bodyPr/>
+          <a:lstStyle/>
+          <a:p>
+            <a:endParaRPr lang="ru-RU" dirty="0"/>
+          </a:p>
+        </p:txBody>
+      </p:sp>
+      <p:sp>
+        <p:nvSpPr>
+          <p:cNvPr id="4" name="Номер слайда 3"/>
+          <p:cNvSpPr>
+            <a:spLocks noGrp="1"/>
+          </p:cNvSpPr>
+          <p:nvPr>
+            <p:ph type="sldNum" sz="quarter" idx="5"/>
+          </p:nvPr>
+        </p:nvSpPr>
+        <p:spPr/>
+        <p:txBody>
+          <a:bodyPr/>
+          <a:lstStyle/>
+          <a:p>
+            <a:fld id="{F81985B3-CC42-460E-B3BD-EBD81321C544}" type="slidenum">
+              <a:rPr lang="ru-RU" smtClean="0"/>
+              <a:t>19</a:t>
             </a:fld>
             <a:endParaRPr lang="ru-RU"/>
           </a:p>
@@ -8817,10 +8906,7 @@
           <a:bodyPr/>
           <a:lstStyle/>
           <a:p>
-            <a:r>
-              <a:rPr lang="ru-RU" dirty="0"/>
-              <a:t>Используйте персонажа, который авторитетен и приятен вашему глазу. </a:t>
-            </a:r>
+            <a:endParaRPr lang="ru-RU" dirty="0"/>
           </a:p>
         </p:txBody>
       </p:sp>
@@ -8850,7 +8936,7 @@
     </p:spTree>
     <p:extLst>
       <p:ext uri="{BB962C8B-B14F-4D97-AF65-F5344CB8AC3E}">
-        <p14:creationId xmlns:p14="http://schemas.microsoft.com/office/powerpoint/2010/main" val="229807873"/>
+        <p14:creationId xmlns:p14="http://schemas.microsoft.com/office/powerpoint/2010/main" val="3063586923"/>
       </p:ext>
     </p:extLst>
   </p:cSld>
@@ -12439,7 +12525,7 @@
         <p:spPr>
           <a:xfrm>
             <a:off x="407988" y="1125538"/>
-            <a:ext cx="5688012" cy="4524315"/>
+            <a:ext cx="5688012" cy="3046988"/>
           </a:xfrm>
           <a:prstGeom prst="rect">
             <a:avLst/>
@@ -12454,13 +12540,16 @@
           <a:p>
             <a:r>
               <a:rPr lang="ru-RU" sz="2400" dirty="0"/>
-              <a:t>Ассистент проверяет, как долго пользователь используете ту или иную соц. Сеть и какие страницы в соц. Сети он просматривает. Если открыты «сообщения», то ничего страшного, но если открыты «клипы», ассистент об этом сразу предупредит. </a:t>
-            </a:r>
+              <a:t>Ассистент проверяет, как долго пользователь используете ту или иную соц. Сеть и какие страницы в соц. Сети он просматривает. </a:t>
+            </a:r>
+          </a:p>
+          <a:p>
+            <a:endParaRPr lang="ru-RU" sz="2400" dirty="0"/>
           </a:p>
           <a:p>
             <a:r>
               <a:rPr lang="ru-RU" sz="2400" dirty="0"/>
-              <a:t>Это осуществляется с помощью заголовка вкладки браузера, саму страницу ассистент не видит, так что все данные пользователя остаются конфиденциальны!</a:t>
+              <a:t>Если открыты «сообщения», то ничего страшного, но если открыты «клипы», ассистент об этом сразу предупредит. </a:t>
             </a:r>
           </a:p>
         </p:txBody>
@@ -12736,6 +12825,414 @@
           <a:chExt cx="0" cy="0"/>
         </a:xfrm>
       </p:grpSpPr>
+      <p:sp>
+        <p:nvSpPr>
+          <p:cNvPr id="3" name="TextBox 2">
+            <a:extLst>
+              <a:ext uri="{FF2B5EF4-FFF2-40B4-BE49-F238E27FC236}">
+                <a16:creationId xmlns:a16="http://schemas.microsoft.com/office/drawing/2014/main" id="{F021662E-79DD-47E3-ABE7-1938A9AE60EB}"/>
+              </a:ext>
+            </a:extLst>
+          </p:cNvPr>
+          <p:cNvSpPr txBox="1"/>
+          <p:nvPr/>
+        </p:nvSpPr>
+        <p:spPr>
+          <a:xfrm>
+            <a:off x="6275388" y="1125538"/>
+            <a:ext cx="5508625" cy="1938992"/>
+          </a:xfrm>
+          <a:prstGeom prst="rect">
+            <a:avLst/>
+          </a:prstGeom>
+          <a:noFill/>
+        </p:spPr>
+        <p:txBody>
+          <a:bodyPr wrap="square">
+            <a:spAutoFit/>
+          </a:bodyPr>
+          <a:lstStyle/>
+          <a:p>
+            <a:r>
+              <a:rPr lang="ru-RU" sz="2400" dirty="0"/>
+              <a:t>Это осуществляется с помощью заголовка вкладки браузера, саму страницу ассистент не видит, так что все данные пользователя остаются </a:t>
+            </a:r>
+            <a:r>
+              <a:rPr lang="ru-RU" sz="2400" b="1" dirty="0"/>
+              <a:t>конфиденциальны</a:t>
+            </a:r>
+            <a:r>
+              <a:rPr lang="ru-RU" sz="2400" dirty="0"/>
+              <a:t>!</a:t>
+            </a:r>
+          </a:p>
+        </p:txBody>
+      </p:sp>
+      <p:sp>
+        <p:nvSpPr>
+          <p:cNvPr id="4" name="TextBox 3">
+            <a:extLst>
+              <a:ext uri="{FF2B5EF4-FFF2-40B4-BE49-F238E27FC236}">
+                <a16:creationId xmlns:a16="http://schemas.microsoft.com/office/drawing/2014/main" id="{4669706B-5334-4784-8E0C-669C0AED5374}"/>
+              </a:ext>
+            </a:extLst>
+          </p:cNvPr>
+          <p:cNvSpPr txBox="1"/>
+          <p:nvPr/>
+        </p:nvSpPr>
+        <p:spPr>
+          <a:xfrm>
+            <a:off x="407988" y="333375"/>
+            <a:ext cx="11376024" cy="707886"/>
+          </a:xfrm>
+          <a:prstGeom prst="rect">
+            <a:avLst/>
+          </a:prstGeom>
+          <a:noFill/>
+        </p:spPr>
+        <p:txBody>
+          <a:bodyPr wrap="square" rtlCol="0">
+            <a:spAutoFit/>
+          </a:bodyPr>
+          <a:lstStyle/>
+          <a:p>
+            <a:pPr algn="ctr"/>
+            <a:r>
+              <a:rPr lang="ru-RU" sz="4000" b="1" dirty="0"/>
+              <a:t>Гарантия конфиденциальности</a:t>
+            </a:r>
+          </a:p>
+        </p:txBody>
+      </p:sp>
+      <p:grpSp>
+        <p:nvGrpSpPr>
+          <p:cNvPr id="7" name="Группа 6">
+            <a:extLst>
+              <a:ext uri="{FF2B5EF4-FFF2-40B4-BE49-F238E27FC236}">
+                <a16:creationId xmlns:a16="http://schemas.microsoft.com/office/drawing/2014/main" id="{251E0FD6-9FA0-40F9-83A0-FFED68059E8B}"/>
+              </a:ext>
+            </a:extLst>
+          </p:cNvPr>
+          <p:cNvGrpSpPr/>
+          <p:nvPr/>
+        </p:nvGrpSpPr>
+        <p:grpSpPr>
+          <a:xfrm>
+            <a:off x="5589" y="1125538"/>
+            <a:ext cx="5916612" cy="5732462"/>
+            <a:chOff x="6275388" y="1125538"/>
+            <a:chExt cx="5916612" cy="5732462"/>
+          </a:xfrm>
+        </p:grpSpPr>
+        <p:pic>
+          <p:nvPicPr>
+            <p:cNvPr id="5" name="Picture 6" descr="Новости — Microsoft начала тестировать виджеты на рабочем столе Windows 11">
+              <a:extLst>
+                <a:ext uri="{FF2B5EF4-FFF2-40B4-BE49-F238E27FC236}">
+                  <a16:creationId xmlns:a16="http://schemas.microsoft.com/office/drawing/2014/main" id="{A6374DAD-7A60-4D38-842B-B2BAC1993DD7}"/>
+                </a:ext>
+              </a:extLst>
+            </p:cNvPr>
+            <p:cNvPicPr>
+              <a:picLocks noChangeAspect="1" noChangeArrowheads="1"/>
+            </p:cNvPicPr>
+            <p:nvPr/>
+          </p:nvPicPr>
+          <p:blipFill rotWithShape="1">
+            <a:blip r:embed="rId3">
+              <a:extLst>
+                <a:ext uri="{28A0092B-C50C-407E-A947-70E740481C1C}">
+                  <a14:useLocalDpi xmlns:a14="http://schemas.microsoft.com/office/drawing/2010/main" val="0"/>
+                </a:ext>
+              </a:extLst>
+            </a:blip>
+            <a:srcRect l="51312" t="20061" r="5431" b="5433"/>
+            <a:stretch/>
+          </p:blipFill>
+          <p:spPr bwMode="auto">
+            <a:xfrm>
+              <a:off x="6275388" y="1125538"/>
+              <a:ext cx="5916612" cy="5732462"/>
+            </a:xfrm>
+            <a:prstGeom prst="rect">
+              <a:avLst/>
+            </a:prstGeom>
+            <a:noFill/>
+            <a:extLst>
+              <a:ext uri="{909E8E84-426E-40DD-AFC4-6F175D3DCCD1}">
+                <a14:hiddenFill xmlns:a14="http://schemas.microsoft.com/office/drawing/2010/main">
+                  <a:solidFill>
+                    <a:srgbClr val="FFFFFF"/>
+                  </a:solidFill>
+                </a14:hiddenFill>
+              </a:ext>
+            </a:extLst>
+          </p:spPr>
+        </p:pic>
+        <p:pic>
+          <p:nvPicPr>
+            <p:cNvPr id="1026" name="Picture 2" descr="Picture background">
+              <a:extLst>
+                <a:ext uri="{FF2B5EF4-FFF2-40B4-BE49-F238E27FC236}">
+                  <a16:creationId xmlns:a16="http://schemas.microsoft.com/office/drawing/2014/main" id="{3F4D7559-498A-47B0-8F74-4B8B7DE780BD}"/>
+                </a:ext>
+              </a:extLst>
+            </p:cNvPr>
+            <p:cNvPicPr>
+              <a:picLocks noChangeAspect="1" noChangeArrowheads="1"/>
+            </p:cNvPicPr>
+            <p:nvPr/>
+          </p:nvPicPr>
+          <p:blipFill rotWithShape="1">
+            <a:blip r:embed="rId4">
+              <a:extLst>
+                <a:ext uri="{BEBA8EAE-BF5A-486C-A8C5-ECC9F3942E4B}">
+                  <a14:imgProps xmlns:a14="http://schemas.microsoft.com/office/drawing/2010/main">
+                    <a14:imgLayer r:embed="rId5">
+                      <a14:imgEffect>
+                        <a14:backgroundRemoval t="9975" b="92145" l="10000" r="90000">
+                          <a14:foregroundMark x1="50333" y1="78554" x2="57750" y2="80050"/>
+                          <a14:foregroundMark x1="57750" y1="80050" x2="49823" y2="89109"/>
+                          <a14:foregroundMark x1="49890" y1="89786" x2="53500" y2="86658"/>
+                          <a14:foregroundMark x1="27500" y1="27431" x2="27500" y2="30923"/>
+                          <a14:foregroundMark x1="82667" y1="64838" x2="82167" y2="64838"/>
+                          <a14:foregroundMark x1="87750" y1="69451" x2="86417" y2="66085"/>
+                          <a14:foregroundMark x1="30833" y1="76683" x2="32167" y2="80424"/>
+                          <a14:backgroundMark x1="21667" y1="59601" x2="18500" y2="71696"/>
+                          <a14:backgroundMark x1="18500" y1="71696" x2="25583" y2="79676"/>
+                          <a14:backgroundMark x1="25583" y1="79676" x2="30439" y2="80080"/>
+                          <a14:backgroundMark x1="47000" y1="93766" x2="49000" y2="93392"/>
+                          <a14:backgroundMark x1="47250" y1="90898" x2="49417" y2="90898"/>
+                        </a14:backgroundRemoval>
+                      </a14:imgEffect>
+                      <a14:imgEffect>
+                        <a14:artisticPaintStrokes/>
+                      </a14:imgEffect>
+                    </a14:imgLayer>
+                  </a14:imgProps>
+                </a:ext>
+                <a:ext uri="{28A0092B-C50C-407E-A947-70E740481C1C}">
+                  <a14:useLocalDpi xmlns:a14="http://schemas.microsoft.com/office/drawing/2010/main" val="0"/>
+                </a:ext>
+              </a:extLst>
+            </a:blip>
+            <a:srcRect l="20497"/>
+            <a:stretch/>
+          </p:blipFill>
+          <p:spPr bwMode="auto">
+            <a:xfrm>
+              <a:off x="6515100" y="2371725"/>
+              <a:ext cx="4940300" cy="4152900"/>
+            </a:xfrm>
+            <a:prstGeom prst="rect">
+              <a:avLst/>
+            </a:prstGeom>
+            <a:noFill/>
+            <a:extLst>
+              <a:ext uri="{909E8E84-426E-40DD-AFC4-6F175D3DCCD1}">
+                <a14:hiddenFill xmlns:a14="http://schemas.microsoft.com/office/drawing/2010/main">
+                  <a:solidFill>
+                    <a:srgbClr val="FFFFFF"/>
+                  </a:solidFill>
+                </a14:hiddenFill>
+              </a:ext>
+            </a:extLst>
+          </p:spPr>
+        </p:pic>
+      </p:grpSp>
+    </p:spTree>
+    <p:extLst>
+      <p:ext uri="{BB962C8B-B14F-4D97-AF65-F5344CB8AC3E}">
+        <p14:creationId xmlns:p14="http://schemas.microsoft.com/office/powerpoint/2010/main" val="827958555"/>
+      </p:ext>
+    </p:extLst>
+  </p:cSld>
+  <p:clrMapOvr>
+    <a:masterClrMapping/>
+  </p:clrMapOvr>
+</p:sld>
+</file>
+
+<file path=ppt/slides/slide12.xml><?xml version="1.0" encoding="utf-8"?>
+<p:sld xmlns:a="http://schemas.openxmlformats.org/drawingml/2006/main" xmlns:r="http://schemas.openxmlformats.org/officeDocument/2006/relationships" xmlns:p="http://schemas.openxmlformats.org/presentationml/2006/main">
+  <p:cSld>
+    <p:spTree>
+      <p:nvGrpSpPr>
+        <p:cNvPr id="1" name=""/>
+        <p:cNvGrpSpPr/>
+        <p:nvPr/>
+      </p:nvGrpSpPr>
+      <p:grpSpPr>
+        <a:xfrm>
+          <a:off x="0" y="0"/>
+          <a:ext cx="0" cy="0"/>
+          <a:chOff x="0" y="0"/>
+          <a:chExt cx="0" cy="0"/>
+        </a:xfrm>
+      </p:grpSpPr>
+      <p:sp>
+        <p:nvSpPr>
+          <p:cNvPr id="2" name="TextBox 1">
+            <a:extLst>
+              <a:ext uri="{FF2B5EF4-FFF2-40B4-BE49-F238E27FC236}">
+                <a16:creationId xmlns:a16="http://schemas.microsoft.com/office/drawing/2014/main" id="{27EA4C8E-0735-4809-B5A4-2100E03B278A}"/>
+              </a:ext>
+            </a:extLst>
+          </p:cNvPr>
+          <p:cNvSpPr txBox="1"/>
+          <p:nvPr/>
+        </p:nvSpPr>
+        <p:spPr>
+          <a:xfrm>
+            <a:off x="407988" y="333375"/>
+            <a:ext cx="11376024" cy="707886"/>
+          </a:xfrm>
+          <a:prstGeom prst="rect">
+            <a:avLst/>
+          </a:prstGeom>
+          <a:noFill/>
+        </p:spPr>
+        <p:txBody>
+          <a:bodyPr wrap="square" rtlCol="0">
+            <a:spAutoFit/>
+          </a:bodyPr>
+          <a:lstStyle/>
+          <a:p>
+            <a:pPr algn="ctr"/>
+            <a:r>
+              <a:rPr lang="ru-RU" sz="4000" b="1" dirty="0"/>
+              <a:t>Размещение</a:t>
+            </a:r>
+          </a:p>
+        </p:txBody>
+      </p:sp>
+      <p:pic>
+        <p:nvPicPr>
+          <p:cNvPr id="2050" name="Picture 2" descr="GitHub - CNews">
+            <a:extLst>
+              <a:ext uri="{FF2B5EF4-FFF2-40B4-BE49-F238E27FC236}">
+                <a16:creationId xmlns:a16="http://schemas.microsoft.com/office/drawing/2014/main" id="{70E12515-5917-4F4E-90FE-3F820D3FE7ED}"/>
+              </a:ext>
+            </a:extLst>
+          </p:cNvPr>
+          <p:cNvPicPr>
+            <a:picLocks noChangeAspect="1" noChangeArrowheads="1"/>
+          </p:cNvPicPr>
+          <p:nvPr/>
+        </p:nvPicPr>
+        <p:blipFill>
+          <a:blip r:embed="rId2">
+            <a:extLst>
+              <a:ext uri="{28A0092B-C50C-407E-A947-70E740481C1C}">
+                <a14:useLocalDpi xmlns:a14="http://schemas.microsoft.com/office/drawing/2010/main" val="0"/>
+              </a:ext>
+            </a:extLst>
+          </a:blip>
+          <a:srcRect/>
+          <a:stretch>
+            <a:fillRect/>
+          </a:stretch>
+        </p:blipFill>
+        <p:spPr bwMode="auto">
+          <a:xfrm>
+            <a:off x="5369255" y="1041261"/>
+            <a:ext cx="7285966" cy="2700665"/>
+          </a:xfrm>
+          <a:prstGeom prst="rect">
+            <a:avLst/>
+          </a:prstGeom>
+          <a:noFill/>
+          <a:extLst>
+            <a:ext uri="{909E8E84-426E-40DD-AFC4-6F175D3DCCD1}">
+              <a14:hiddenFill xmlns:a14="http://schemas.microsoft.com/office/drawing/2010/main">
+                <a:solidFill>
+                  <a:srgbClr val="FFFFFF"/>
+                </a:solidFill>
+              </a14:hiddenFill>
+            </a:ext>
+          </a:extLst>
+        </p:spPr>
+      </p:pic>
+      <p:sp>
+        <p:nvSpPr>
+          <p:cNvPr id="3" name="TextBox 2">
+            <a:extLst>
+              <a:ext uri="{FF2B5EF4-FFF2-40B4-BE49-F238E27FC236}">
+                <a16:creationId xmlns:a16="http://schemas.microsoft.com/office/drawing/2014/main" id="{AE5D64AA-D28D-4A84-9BCF-0CE9F6F0CC28}"/>
+              </a:ext>
+            </a:extLst>
+          </p:cNvPr>
+          <p:cNvSpPr txBox="1"/>
+          <p:nvPr/>
+        </p:nvSpPr>
+        <p:spPr>
+          <a:xfrm>
+            <a:off x="407988" y="1125537"/>
+            <a:ext cx="5508625" cy="1569660"/>
+          </a:xfrm>
+          <a:prstGeom prst="rect">
+            <a:avLst/>
+          </a:prstGeom>
+          <a:noFill/>
+        </p:spPr>
+        <p:txBody>
+          <a:bodyPr wrap="square" rtlCol="0">
+            <a:spAutoFit/>
+          </a:bodyPr>
+          <a:lstStyle/>
+          <a:p>
+            <a:r>
+              <a:rPr lang="ru-RU" sz="2400" dirty="0"/>
+              <a:t>Размещение проекта планируется на </a:t>
+            </a:r>
+            <a:r>
+              <a:rPr lang="en-US" sz="2400" dirty="0"/>
+              <a:t>GitHub</a:t>
+            </a:r>
+            <a:r>
+              <a:rPr lang="ru-RU" sz="2400" dirty="0"/>
+              <a:t>. Исходный код полностью открыт, использование бесплатно</a:t>
+            </a:r>
+            <a:r>
+              <a:rPr lang="en-US" sz="2400" dirty="0"/>
+              <a:t>.</a:t>
+            </a:r>
+          </a:p>
+          <a:p>
+            <a:endParaRPr lang="ru-RU" sz="2400" dirty="0"/>
+          </a:p>
+        </p:txBody>
+      </p:sp>
+    </p:spTree>
+    <p:extLst>
+      <p:ext uri="{BB962C8B-B14F-4D97-AF65-F5344CB8AC3E}">
+        <p14:creationId xmlns:p14="http://schemas.microsoft.com/office/powerpoint/2010/main" val="3460994002"/>
+      </p:ext>
+    </p:extLst>
+  </p:cSld>
+  <p:clrMapOvr>
+    <a:masterClrMapping/>
+  </p:clrMapOvr>
+</p:sld>
+</file>
+
+<file path=ppt/slides/slide13.xml><?xml version="1.0" encoding="utf-8"?>
+<p:sld xmlns:a="http://schemas.openxmlformats.org/drawingml/2006/main" xmlns:r="http://schemas.openxmlformats.org/officeDocument/2006/relationships" xmlns:p="http://schemas.openxmlformats.org/presentationml/2006/main">
+  <p:cSld>
+    <p:spTree>
+      <p:nvGrpSpPr>
+        <p:cNvPr id="1" name=""/>
+        <p:cNvGrpSpPr/>
+        <p:nvPr/>
+      </p:nvGrpSpPr>
+      <p:grpSpPr>
+        <a:xfrm>
+          <a:off x="0" y="0"/>
+          <a:ext cx="0" cy="0"/>
+          <a:chOff x="0" y="0"/>
+          <a:chExt cx="0" cy="0"/>
+        </a:xfrm>
+      </p:grpSpPr>
       <p:pic>
         <p:nvPicPr>
           <p:cNvPr id="2" name="Picture 6" descr="Новости — Microsoft начала тестировать виджеты на рабочем столе Windows 11">
@@ -12986,7 +13483,7 @@
 </p:sld>
 </file>
 
-<file path=ppt/slides/slide12.xml><?xml version="1.0" encoding="utf-8"?>
+<file path=ppt/slides/slide14.xml><?xml version="1.0" encoding="utf-8"?>
 <p:sld xmlns:a="http://schemas.openxmlformats.org/drawingml/2006/main" xmlns:r="http://schemas.openxmlformats.org/officeDocument/2006/relationships" xmlns:p="http://schemas.openxmlformats.org/presentationml/2006/main">
   <p:cSld>
     <p:spTree>
@@ -13292,7 +13789,7 @@
 </p:sld>
 </file>
 
-<file path=ppt/slides/slide13.xml><?xml version="1.0" encoding="utf-8"?>
+<file path=ppt/slides/slide15.xml><?xml version="1.0" encoding="utf-8"?>
 <p:sld xmlns:a="http://schemas.openxmlformats.org/drawingml/2006/main" xmlns:r="http://schemas.openxmlformats.org/officeDocument/2006/relationships" xmlns:p="http://schemas.openxmlformats.org/presentationml/2006/main">
   <p:cSld>
     <p:spTree>
@@ -13880,7 +14377,7 @@
 </p:sld>
 </file>
 
-<file path=ppt/slides/slide14.xml><?xml version="1.0" encoding="utf-8"?>
+<file path=ppt/slides/slide16.xml><?xml version="1.0" encoding="utf-8"?>
 <p:sld xmlns:a="http://schemas.openxmlformats.org/drawingml/2006/main" xmlns:r="http://schemas.openxmlformats.org/officeDocument/2006/relationships" xmlns:p="http://schemas.openxmlformats.org/presentationml/2006/main">
   <p:cSld>
     <p:spTree>
@@ -14227,7 +14724,7 @@
 </p:sld>
 </file>
 
-<file path=ppt/slides/slide15.xml><?xml version="1.0" encoding="utf-8"?>
+<file path=ppt/slides/slide17.xml><?xml version="1.0" encoding="utf-8"?>
 <p:sld xmlns:a="http://schemas.openxmlformats.org/drawingml/2006/main" xmlns:r="http://schemas.openxmlformats.org/officeDocument/2006/relationships" xmlns:p="http://schemas.openxmlformats.org/presentationml/2006/main">
   <p:cSld>
     <p:spTree>
@@ -14873,7 +15370,7 @@
 </p:sld>
 </file>
 
-<file path=ppt/slides/slide16.xml><?xml version="1.0" encoding="utf-8"?>
+<file path=ppt/slides/slide18.xml><?xml version="1.0" encoding="utf-8"?>
 <p:sld xmlns:a="http://schemas.openxmlformats.org/drawingml/2006/main" xmlns:r="http://schemas.openxmlformats.org/officeDocument/2006/relationships" xmlns:p="http://schemas.openxmlformats.org/presentationml/2006/main">
   <p:cSld>
     <p:spTree>
@@ -15462,7 +15959,7 @@
 </p:sld>
 </file>
 
-<file path=ppt/slides/slide17.xml><?xml version="1.0" encoding="utf-8"?>
+<file path=ppt/slides/slide19.xml><?xml version="1.0" encoding="utf-8"?>
 <p:sld xmlns:a="http://schemas.openxmlformats.org/drawingml/2006/main" xmlns:r="http://schemas.openxmlformats.org/officeDocument/2006/relationships" xmlns:p="http://schemas.openxmlformats.org/presentationml/2006/main">
   <p:cSld>
     <p:spTree>
@@ -15815,72 +16312,6 @@
 </p:sld>
 </file>
 
-<file path=ppt/slides/slide18.xml><?xml version="1.0" encoding="utf-8"?>
-<p:sld xmlns:a="http://schemas.openxmlformats.org/drawingml/2006/main" xmlns:r="http://schemas.openxmlformats.org/officeDocument/2006/relationships" xmlns:p="http://schemas.openxmlformats.org/presentationml/2006/main">
-  <p:cSld>
-    <p:spTree>
-      <p:nvGrpSpPr>
-        <p:cNvPr id="1" name=""/>
-        <p:cNvGrpSpPr/>
-        <p:nvPr/>
-      </p:nvGrpSpPr>
-      <p:grpSpPr>
-        <a:xfrm>
-          <a:off x="0" y="0"/>
-          <a:ext cx="0" cy="0"/>
-          <a:chOff x="0" y="0"/>
-          <a:chExt cx="0" cy="0"/>
-        </a:xfrm>
-      </p:grpSpPr>
-      <p:sp>
-        <p:nvSpPr>
-          <p:cNvPr id="2" name="TextBox 1">
-            <a:extLst>
-              <a:ext uri="{FF2B5EF4-FFF2-40B4-BE49-F238E27FC236}">
-                <a16:creationId xmlns:a16="http://schemas.microsoft.com/office/drawing/2014/main" id="{7438812E-574F-4F61-5520-BFD52E7E091D}"/>
-              </a:ext>
-            </a:extLst>
-          </p:cNvPr>
-          <p:cNvSpPr txBox="1"/>
-          <p:nvPr/>
-        </p:nvSpPr>
-        <p:spPr>
-          <a:xfrm>
-            <a:off x="396876" y="3075057"/>
-            <a:ext cx="11376024" cy="707886"/>
-          </a:xfrm>
-          <a:prstGeom prst="rect">
-            <a:avLst/>
-          </a:prstGeom>
-          <a:noFill/>
-        </p:spPr>
-        <p:txBody>
-          <a:bodyPr wrap="square" rtlCol="0">
-            <a:spAutoFit/>
-          </a:bodyPr>
-          <a:lstStyle/>
-          <a:p>
-            <a:pPr algn="ctr"/>
-            <a:r>
-              <a:rPr lang="ru-RU" sz="4000" b="1" dirty="0"/>
-              <a:t>Спасибо за внимание!</a:t>
-            </a:r>
-          </a:p>
-        </p:txBody>
-      </p:sp>
-    </p:spTree>
-    <p:extLst>
-      <p:ext uri="{BB962C8B-B14F-4D97-AF65-F5344CB8AC3E}">
-        <p14:creationId xmlns:p14="http://schemas.microsoft.com/office/powerpoint/2010/main" val="3637464247"/>
-      </p:ext>
-    </p:extLst>
-  </p:cSld>
-  <p:clrMapOvr>
-    <a:masterClrMapping/>
-  </p:clrMapOvr>
-</p:sld>
-</file>
-
 <file path=ppt/slides/slide2.xml><?xml version="1.0" encoding="utf-8"?>
 <p:sld xmlns:a="http://schemas.openxmlformats.org/drawingml/2006/main" xmlns:r="http://schemas.openxmlformats.org/officeDocument/2006/relationships" xmlns:p="http://schemas.openxmlformats.org/presentationml/2006/main">
   <p:cSld>
@@ -16198,6 +16629,72 @@
     <p:extLst>
       <p:ext uri="{BB962C8B-B14F-4D97-AF65-F5344CB8AC3E}">
         <p14:creationId xmlns:p14="http://schemas.microsoft.com/office/powerpoint/2010/main" val="2427214013"/>
+      </p:ext>
+    </p:extLst>
+  </p:cSld>
+  <p:clrMapOvr>
+    <a:masterClrMapping/>
+  </p:clrMapOvr>
+</p:sld>
+</file>
+
+<file path=ppt/slides/slide20.xml><?xml version="1.0" encoding="utf-8"?>
+<p:sld xmlns:a="http://schemas.openxmlformats.org/drawingml/2006/main" xmlns:r="http://schemas.openxmlformats.org/officeDocument/2006/relationships" xmlns:p="http://schemas.openxmlformats.org/presentationml/2006/main">
+  <p:cSld>
+    <p:spTree>
+      <p:nvGrpSpPr>
+        <p:cNvPr id="1" name=""/>
+        <p:cNvGrpSpPr/>
+        <p:nvPr/>
+      </p:nvGrpSpPr>
+      <p:grpSpPr>
+        <a:xfrm>
+          <a:off x="0" y="0"/>
+          <a:ext cx="0" cy="0"/>
+          <a:chOff x="0" y="0"/>
+          <a:chExt cx="0" cy="0"/>
+        </a:xfrm>
+      </p:grpSpPr>
+      <p:sp>
+        <p:nvSpPr>
+          <p:cNvPr id="2" name="TextBox 1">
+            <a:extLst>
+              <a:ext uri="{FF2B5EF4-FFF2-40B4-BE49-F238E27FC236}">
+                <a16:creationId xmlns:a16="http://schemas.microsoft.com/office/drawing/2014/main" id="{7438812E-574F-4F61-5520-BFD52E7E091D}"/>
+              </a:ext>
+            </a:extLst>
+          </p:cNvPr>
+          <p:cNvSpPr txBox="1"/>
+          <p:nvPr/>
+        </p:nvSpPr>
+        <p:spPr>
+          <a:xfrm>
+            <a:off x="396876" y="3075057"/>
+            <a:ext cx="11376024" cy="707886"/>
+          </a:xfrm>
+          <a:prstGeom prst="rect">
+            <a:avLst/>
+          </a:prstGeom>
+          <a:noFill/>
+        </p:spPr>
+        <p:txBody>
+          <a:bodyPr wrap="square" rtlCol="0">
+            <a:spAutoFit/>
+          </a:bodyPr>
+          <a:lstStyle/>
+          <a:p>
+            <a:pPr algn="ctr"/>
+            <a:r>
+              <a:rPr lang="ru-RU" sz="4000" b="1" dirty="0"/>
+              <a:t>Спасибо за внимание!</a:t>
+            </a:r>
+          </a:p>
+        </p:txBody>
+      </p:sp>
+    </p:spTree>
+    <p:extLst>
+      <p:ext uri="{BB962C8B-B14F-4D97-AF65-F5344CB8AC3E}">
+        <p14:creationId xmlns:p14="http://schemas.microsoft.com/office/powerpoint/2010/main" val="3637464247"/>
       </p:ext>
     </p:extLst>
   </p:cSld>

--- a/Docs/Куратор - виртуальный куратор.pptx
+++ b/Docs/Куратор - виртуальный куратор.pptx
@@ -13168,7 +13168,7 @@
         <p:spPr>
           <a:xfrm>
             <a:off x="407988" y="1125537"/>
-            <a:ext cx="5508625" cy="1569660"/>
+            <a:ext cx="5508625" cy="1938992"/>
           </a:xfrm>
           <a:prstGeom prst="rect">
             <a:avLst/>
@@ -13195,7 +13195,15 @@
             </a:r>
             <a:r>
               <a:rPr lang="en-US" sz="2400" dirty="0"/>
-              <a:t>.</a:t>
+              <a:t> </a:t>
+            </a:r>
+            <a:r>
+              <a:rPr lang="ru-RU" sz="2400" dirty="0"/>
+              <a:t>на условия лицензии </a:t>
+            </a:r>
+            <a:r>
+              <a:rPr lang="en-US" sz="2400" dirty="0"/>
+              <a:t>MIT. </a:t>
             </a:r>
           </a:p>
           <a:p>
@@ -13309,7 +13317,7 @@
             <a:pPr algn="ctr"/>
             <a:r>
               <a:rPr lang="ru-RU" sz="4000" b="1" dirty="0"/>
-              <a:t>Кастомизация ассистента</a:t>
+              <a:t>Развитие проекта</a:t>
             </a:r>
           </a:p>
         </p:txBody>
@@ -13441,7 +13449,7 @@
         <p:spPr>
           <a:xfrm>
             <a:off x="6096000" y="1125538"/>
-            <a:ext cx="5688012" cy="4524315"/>
+            <a:ext cx="5688012" cy="5262979"/>
           </a:xfrm>
           <a:prstGeom prst="rect">
             <a:avLst/>
@@ -13453,6 +13461,15 @@
             <a:spAutoFit/>
           </a:bodyPr>
           <a:lstStyle/>
+          <a:p>
+            <a:r>
+              <a:rPr lang="ru-RU" sz="2400" b="1" dirty="0"/>
+              <a:t>Кастомизация ассистента</a:t>
+            </a:r>
+          </a:p>
+          <a:p>
+            <a:endParaRPr lang="ru-RU" sz="2400" dirty="0"/>
+          </a:p>
           <a:p>
             <a:r>
               <a:rPr lang="ru-RU" sz="2400" dirty="0"/>
@@ -13515,7 +13532,7 @@
         <p:spPr>
           <a:xfrm>
             <a:off x="407988" y="1125538"/>
-            <a:ext cx="5688012" cy="3046988"/>
+            <a:ext cx="5688012" cy="3785652"/>
           </a:xfrm>
           <a:prstGeom prst="rect">
             <a:avLst/>
@@ -13527,6 +13544,15 @@
             <a:spAutoFit/>
           </a:bodyPr>
           <a:lstStyle/>
+          <a:p>
+            <a:r>
+              <a:rPr lang="ru-RU" sz="2400" b="1" dirty="0"/>
+              <a:t>Встроенные заметки и календарь</a:t>
+            </a:r>
+          </a:p>
+          <a:p>
+            <a:endParaRPr lang="ru-RU" sz="2400" dirty="0"/>
+          </a:p>
           <a:p>
             <a:r>
               <a:rPr lang="ru-RU" sz="2400" dirty="0"/>
@@ -13771,7 +13797,7 @@
             <a:pPr algn="ctr"/>
             <a:r>
               <a:rPr lang="ru-RU" sz="4000" b="1" dirty="0"/>
-              <a:t>Встроенные заметки и календарь</a:t>
+              <a:t>Развитие проекта</a:t>
             </a:r>
           </a:p>
         </p:txBody>
@@ -13837,7 +13863,7 @@
             <a:pPr algn="ctr"/>
             <a:r>
               <a:rPr lang="ru-RU" sz="4000" b="1" dirty="0"/>
-              <a:t>Планирование задач</a:t>
+              <a:t>Развитие проекта</a:t>
             </a:r>
           </a:p>
         </p:txBody>
@@ -13967,7 +13993,7 @@
         <p:spPr>
           <a:xfrm>
             <a:off x="6096000" y="1125538"/>
-            <a:ext cx="5688012" cy="4154984"/>
+            <a:ext cx="5688012" cy="4893647"/>
           </a:xfrm>
           <a:prstGeom prst="rect">
             <a:avLst/>
@@ -13979,6 +14005,15 @@
             <a:spAutoFit/>
           </a:bodyPr>
           <a:lstStyle/>
+          <a:p>
+            <a:r>
+              <a:rPr lang="ru-RU" sz="2400" b="1" dirty="0"/>
+              <a:t>Планирование задач</a:t>
+            </a:r>
+          </a:p>
+          <a:p>
+            <a:endParaRPr lang="ru-RU" sz="2400" b="1" dirty="0"/>
+          </a:p>
           <a:p>
             <a:r>
               <a:rPr lang="ru-RU" sz="2400" dirty="0"/>
@@ -14756,7 +14791,7 @@
           <p:nvPr>
             <p:extLst>
               <p:ext uri="{D42A27DB-BD31-4B8C-83A1-F6EECF244321}">
-                <p14:modId xmlns:p14="http://schemas.microsoft.com/office/powerpoint/2010/main" val="621765443"/>
+                <p14:modId xmlns:p14="http://schemas.microsoft.com/office/powerpoint/2010/main" val="2589242636"/>
               </p:ext>
             </p:extLst>
           </p:nvPr>
@@ -16014,10 +16049,10 @@
       </p:sp>
       <p:pic>
         <p:nvPicPr>
-          <p:cNvPr id="3" name="Рисунок 2">
+          <p:cNvPr id="6" name="Рисунок 5">
             <a:extLst>
               <a:ext uri="{FF2B5EF4-FFF2-40B4-BE49-F238E27FC236}">
-                <a16:creationId xmlns:a16="http://schemas.microsoft.com/office/drawing/2014/main" id="{4BE67CB1-09C5-F620-B9D2-F788F62110D9}"/>
+                <a16:creationId xmlns:a16="http://schemas.microsoft.com/office/drawing/2014/main" id="{ABD047B6-88A1-F7B1-3F19-4E46D055567A}"/>
               </a:ext>
             </a:extLst>
           </p:cNvPr>
@@ -16027,14 +16062,20 @@
           <p:nvPr/>
         </p:nvPicPr>
         <p:blipFill rotWithShape="1">
-          <a:blip r:embed="rId3"/>
-          <a:srcRect l="26546" t="5937" r="8570" b="45956"/>
+          <a:blip r:embed="rId3">
+            <a:extLst>
+              <a:ext uri="{28A0092B-C50C-407E-A947-70E740481C1C}">
+                <a14:useLocalDpi xmlns:a14="http://schemas.microsoft.com/office/drawing/2010/main" val="0"/>
+              </a:ext>
+            </a:extLst>
+          </a:blip>
+          <a:srcRect l="1786" r="1786"/>
           <a:stretch/>
         </p:blipFill>
         <p:spPr>
           <a:xfrm>
-            <a:off x="2101710" y="1991592"/>
-            <a:ext cx="2156106" cy="2874810"/>
+            <a:off x="2101711" y="1991597"/>
+            <a:ext cx="2156106" cy="2874808"/>
           </a:xfrm>
           <a:prstGeom prst="rect">
             <a:avLst/>
@@ -16043,10 +16084,10 @@
       </p:pic>
       <p:sp>
         <p:nvSpPr>
-          <p:cNvPr id="7" name="TextBox 6">
+          <p:cNvPr id="8" name="TextBox 7">
             <a:extLst>
               <a:ext uri="{FF2B5EF4-FFF2-40B4-BE49-F238E27FC236}">
-                <a16:creationId xmlns:a16="http://schemas.microsoft.com/office/drawing/2014/main" id="{CBB9DD4F-16A3-F8D0-1E4A-ECFC826373E5}"/>
+                <a16:creationId xmlns:a16="http://schemas.microsoft.com/office/drawing/2014/main" id="{3E1C5DE1-1D83-BA7B-8C4F-29C17E82E9D0}"/>
               </a:ext>
             </a:extLst>
           </p:cNvPr>
@@ -16055,8 +16096,8 @@
         </p:nvSpPr>
         <p:spPr>
           <a:xfrm>
-            <a:off x="407988" y="4866403"/>
-            <a:ext cx="5508625" cy="923330"/>
+            <a:off x="407988" y="4866404"/>
+            <a:ext cx="5508625" cy="1200329"/>
           </a:xfrm>
           <a:prstGeom prst="rect">
             <a:avLst/>
@@ -16071,144 +16112,33 @@
           <a:p>
             <a:pPr algn="ctr"/>
             <a:r>
-              <a:rPr lang="ru-RU" b="1" dirty="0" err="1"/>
-              <a:t>Мешалов</a:t>
-            </a:r>
-            <a:r>
               <a:rPr lang="ru-RU" b="1" dirty="0"/>
-              <a:t> Лев</a:t>
+              <a:t>Коновалов Андрей</a:t>
             </a:r>
             <a:br>
               <a:rPr lang="ru-RU" b="1" dirty="0"/>
             </a:br>
             <a:r>
               <a:rPr lang="ru-RU" dirty="0"/>
-              <a:t>Маркетолог</a:t>
-            </a:r>
-            <a:br>
+              <a:t>Лидер</a:t>
+            </a:r>
+          </a:p>
+          <a:p>
+            <a:pPr algn="ctr"/>
+            <a:r>
               <a:rPr lang="ru-RU" dirty="0"/>
-            </a:br>
+              <a:t>Коммуникатор</a:t>
+            </a:r>
+          </a:p>
+          <a:p>
+            <a:pPr algn="ctr"/>
             <a:r>
               <a:rPr lang="ru-RU" dirty="0"/>
-              <a:t>Экономист</a:t>
-            </a:r>
-            <a:endParaRPr lang="ru-RU" b="1" dirty="0"/>
+              <a:t>Программист-технолог</a:t>
+            </a:r>
           </a:p>
         </p:txBody>
       </p:sp>
-      <p:grpSp>
-        <p:nvGrpSpPr>
-          <p:cNvPr id="2" name="Группа 1">
-            <a:extLst>
-              <a:ext uri="{FF2B5EF4-FFF2-40B4-BE49-F238E27FC236}">
-                <a16:creationId xmlns:a16="http://schemas.microsoft.com/office/drawing/2014/main" id="{920C5078-D253-46F6-B02B-2D3169C1247F}"/>
-              </a:ext>
-            </a:extLst>
-          </p:cNvPr>
-          <p:cNvGrpSpPr/>
-          <p:nvPr/>
-        </p:nvGrpSpPr>
-        <p:grpSpPr>
-          <a:xfrm>
-            <a:off x="3341688" y="1991591"/>
-            <a:ext cx="5508623" cy="4075136"/>
-            <a:chOff x="6275388" y="1991595"/>
-            <a:chExt cx="5508623" cy="4075136"/>
-          </a:xfrm>
-        </p:grpSpPr>
-        <p:pic>
-          <p:nvPicPr>
-            <p:cNvPr id="6" name="Рисунок 5">
-              <a:extLst>
-                <a:ext uri="{FF2B5EF4-FFF2-40B4-BE49-F238E27FC236}">
-                  <a16:creationId xmlns:a16="http://schemas.microsoft.com/office/drawing/2014/main" id="{ABD047B6-88A1-F7B1-3F19-4E46D055567A}"/>
-                </a:ext>
-              </a:extLst>
-            </p:cNvPr>
-            <p:cNvPicPr>
-              <a:picLocks noChangeAspect="1"/>
-            </p:cNvPicPr>
-            <p:nvPr/>
-          </p:nvPicPr>
-          <p:blipFill rotWithShape="1">
-            <a:blip r:embed="rId4">
-              <a:extLst>
-                <a:ext uri="{28A0092B-C50C-407E-A947-70E740481C1C}">
-                  <a14:useLocalDpi xmlns:a14="http://schemas.microsoft.com/office/drawing/2010/main" val="0"/>
-                </a:ext>
-              </a:extLst>
-            </a:blip>
-            <a:srcRect l="1786" r="1786"/>
-            <a:stretch/>
-          </p:blipFill>
-          <p:spPr>
-            <a:xfrm>
-              <a:off x="7934185" y="1991595"/>
-              <a:ext cx="2156106" cy="2874808"/>
-            </a:xfrm>
-            <a:prstGeom prst="rect">
-              <a:avLst/>
-            </a:prstGeom>
-          </p:spPr>
-        </p:pic>
-        <p:sp>
-          <p:nvSpPr>
-            <p:cNvPr id="8" name="TextBox 7">
-              <a:extLst>
-                <a:ext uri="{FF2B5EF4-FFF2-40B4-BE49-F238E27FC236}">
-                  <a16:creationId xmlns:a16="http://schemas.microsoft.com/office/drawing/2014/main" id="{3E1C5DE1-1D83-BA7B-8C4F-29C17E82E9D0}"/>
-                </a:ext>
-              </a:extLst>
-            </p:cNvPr>
-            <p:cNvSpPr txBox="1"/>
-            <p:nvPr/>
-          </p:nvSpPr>
-          <p:spPr>
-            <a:xfrm>
-              <a:off x="6275388" y="4866402"/>
-              <a:ext cx="5508623" cy="1200329"/>
-            </a:xfrm>
-            <a:prstGeom prst="rect">
-              <a:avLst/>
-            </a:prstGeom>
-            <a:noFill/>
-          </p:spPr>
-          <p:txBody>
-            <a:bodyPr wrap="square" rtlCol="0">
-              <a:spAutoFit/>
-            </a:bodyPr>
-            <a:lstStyle/>
-            <a:p>
-              <a:pPr algn="ctr"/>
-              <a:r>
-                <a:rPr lang="ru-RU" b="1" dirty="0"/>
-                <a:t>Коновалов Андрей</a:t>
-              </a:r>
-              <a:br>
-                <a:rPr lang="ru-RU" b="1" dirty="0"/>
-              </a:br>
-              <a:r>
-                <a:rPr lang="ru-RU" dirty="0"/>
-                <a:t>Лидер</a:t>
-              </a:r>
-            </a:p>
-            <a:p>
-              <a:pPr algn="ctr"/>
-              <a:r>
-                <a:rPr lang="ru-RU" dirty="0"/>
-                <a:t>Коммуникатор</a:t>
-              </a:r>
-            </a:p>
-            <a:p>
-              <a:pPr algn="ctr"/>
-              <a:r>
-                <a:rPr lang="ru-RU" dirty="0"/>
-                <a:t>Программист-технолог</a:t>
-              </a:r>
-            </a:p>
-          </p:txBody>
-        </p:sp>
-      </p:grpSp>
       <p:pic>
         <p:nvPicPr>
           <p:cNvPr id="5" name="Рисунок 4">
@@ -16224,13 +16154,13 @@
           <p:nvPr/>
         </p:nvPicPr>
         <p:blipFill rotWithShape="1">
-          <a:blip r:embed="rId5"/>
+          <a:blip r:embed="rId4"/>
           <a:srcRect l="26310" t="17714" r="22494" b="20004"/>
           <a:stretch/>
         </p:blipFill>
         <p:spPr>
           <a:xfrm>
-            <a:off x="7899260" y="1991587"/>
+            <a:off x="7934184" y="1991595"/>
             <a:ext cx="2156108" cy="2874810"/>
           </a:xfrm>
           <a:prstGeom prst="rect">
@@ -16252,8 +16182,8 @@
         </p:nvSpPr>
         <p:spPr>
           <a:xfrm>
-            <a:off x="6275390" y="4893393"/>
-            <a:ext cx="5508623" cy="1477328"/>
+            <a:off x="6240466" y="4866404"/>
+            <a:ext cx="5543548" cy="923330"/>
           </a:xfrm>
           <a:prstGeom prst="rect">
             <a:avLst/>
@@ -16271,13 +16201,7 @@
               <a:rPr lang="ru-RU" b="1" dirty="0"/>
               <a:t>Зарубин Антон</a:t>
             </a:r>
-          </a:p>
-          <a:p>
-            <a:pPr algn="ctr"/>
-            <a:r>
-              <a:rPr lang="ru-RU" dirty="0"/>
-              <a:t>Экономист</a:t>
-            </a:r>
+            <a:endParaRPr lang="ru-RU" dirty="0"/>
           </a:p>
           <a:p>
             <a:pPr algn="ctr"/>
@@ -16292,10 +16216,6 @@
               <a:rPr lang="ru-RU" dirty="0"/>
               <a:t>Дизайнер</a:t>
             </a:r>
-            <a:br>
-              <a:rPr lang="ru-RU" dirty="0"/>
-            </a:br>
-            <a:endParaRPr lang="ru-RU" dirty="0"/>
           </a:p>
         </p:txBody>
       </p:sp>

--- a/Docs/Куратор - виртуальный куратор.pptx
+++ b/Docs/Куратор - виртуальный куратор.pptx
@@ -348,7 +348,7 @@
               <a:lstStyle/>
               <a:p>
                 <a:pPr>
-                  <a:defRPr sz="1197" b="0" i="0" u="none" strike="noStrike" kern="1200" baseline="0">
+                  <a:defRPr sz="1600" b="0" i="0" u="none" strike="noStrike" kern="1200" baseline="0">
                     <a:solidFill>
                       <a:schemeClr val="tx1">
                         <a:lumMod val="75000"/>
@@ -677,7 +677,7 @@
               <a:lstStyle/>
               <a:p>
                 <a:pPr>
-                  <a:defRPr sz="1197" b="0" i="0" u="none" strike="noStrike" kern="1200" baseline="0">
+                  <a:defRPr sz="1600" b="0" i="0" u="none" strike="noStrike" kern="1200" baseline="0">
                     <a:solidFill>
                       <a:schemeClr val="tx1">
                         <a:lumMod val="75000"/>
@@ -988,7 +988,7 @@
               <a:lstStyle/>
               <a:p>
                 <a:pPr>
-                  <a:defRPr sz="1197" b="0" i="0" u="none" strike="noStrike" kern="1200" baseline="0">
+                  <a:defRPr sz="1600" b="0" i="0" u="none" strike="noStrike" kern="1200" baseline="0">
                     <a:solidFill>
                       <a:schemeClr val="tx1">
                         <a:lumMod val="75000"/>
@@ -1323,7 +1323,7 @@
               <a:lstStyle/>
               <a:p>
                 <a:pPr>
-                  <a:defRPr sz="1197" b="0" i="0" u="none" strike="noStrike" kern="1200" baseline="0">
+                  <a:defRPr sz="1600" b="0" i="0" u="none" strike="noStrike" kern="1200" baseline="0">
                     <a:solidFill>
                       <a:schemeClr val="tx1">
                         <a:lumMod val="75000"/>
@@ -2188,10 +2188,7 @@
           <a:pPr>
             <a:defRPr sz="1862" b="0" i="0" u="none" strike="noStrike" kern="1200" spc="0" baseline="0">
               <a:solidFill>
-                <a:schemeClr val="tx1">
-                  <a:lumMod val="65000"/>
-                  <a:lumOff val="35000"/>
-                </a:schemeClr>
+                <a:schemeClr val="tx1"/>
               </a:solidFill>
               <a:latin typeface="+mn-lt"/>
               <a:ea typeface="+mn-ea"/>
@@ -2209,8 +2206,8 @@
           <c:layoutTarget val="inner"/>
           <c:xMode val="edge"/>
           <c:yMode val="edge"/>
-          <c:x val="0.11404969479679593"/>
-          <c:y val="0.27211206535784932"/>
+          <c:x val="8.6383988744922729E-2"/>
+          <c:y val="0.26100095100640164"/>
           <c:w val="0.41758206448977742"/>
           <c:h val="0.67083804923827628"/>
         </c:manualLayout>
@@ -2340,18 +2337,13 @@
               <a:effectLst/>
             </c:spPr>
             <c:txPr>
-              <a:bodyPr rot="0" spcFirstLastPara="1" vertOverflow="ellipsis" vert="horz" wrap="square" lIns="38100" tIns="19050" rIns="38100" bIns="19050" anchor="ctr" anchorCtr="1">
-                <a:spAutoFit/>
-              </a:bodyPr>
+              <a:bodyPr rot="0" spcFirstLastPara="1" vertOverflow="ellipsis" vert="horz" wrap="square" anchor="ctr" anchorCtr="1"/>
               <a:lstStyle/>
               <a:p>
                 <a:pPr>
                   <a:defRPr sz="1197" b="0" i="0" u="none" strike="noStrike" kern="1200" baseline="0">
                     <a:solidFill>
-                      <a:schemeClr val="tx1">
-                        <a:lumMod val="75000"/>
-                        <a:lumOff val="25000"/>
-                      </a:schemeClr>
+                      <a:schemeClr val="tx1"/>
                     </a:solidFill>
                     <a:latin typeface="+mn-lt"/>
                     <a:ea typeface="+mn-ea"/>
@@ -2451,9 +2443,9 @@
         <c:manualLayout>
           <c:xMode val="edge"/>
           <c:yMode val="edge"/>
-          <c:x val="0.56381253772246054"/>
+          <c:x val="0.5338413851006375"/>
           <c:y val="0.26139632545931757"/>
-          <c:w val="0.4361874333431664"/>
+          <c:w val="0.46615861489936239"/>
           <c:h val="0.73799146631422174"/>
         </c:manualLayout>
       </c:layout>
@@ -2472,10 +2464,7 @@
           <a:pPr>
             <a:defRPr sz="1800" b="0" i="0" u="none" strike="noStrike" kern="1200" baseline="0">
               <a:solidFill>
-                <a:schemeClr val="tx1">
-                  <a:lumMod val="65000"/>
-                  <a:lumOff val="35000"/>
-                </a:schemeClr>
+                <a:schemeClr val="tx1"/>
               </a:solidFill>
               <a:latin typeface="+mn-lt"/>
               <a:ea typeface="+mn-ea"/>
@@ -2509,7 +2498,11 @@
     <a:lstStyle/>
     <a:p>
       <a:pPr>
-        <a:defRPr/>
+        <a:defRPr>
+          <a:solidFill>
+            <a:schemeClr val="tx1"/>
+          </a:solidFill>
+        </a:defRPr>
       </a:pPr>
       <a:endParaRPr lang="ru-RU"/>
     </a:p>
@@ -2543,10 +2536,7 @@
             <a:pPr>
               <a:defRPr sz="2800" b="0" i="0" u="none" strike="noStrike" kern="1200" spc="0" baseline="0">
                 <a:solidFill>
-                  <a:schemeClr val="tx1">
-                    <a:lumMod val="65000"/>
-                    <a:lumOff val="35000"/>
-                  </a:schemeClr>
+                  <a:schemeClr val="tx1"/>
                 </a:solidFill>
                 <a:latin typeface="+mn-lt"/>
                 <a:ea typeface="+mn-ea"/>
@@ -2554,7 +2544,11 @@
               </a:defRPr>
             </a:pPr>
             <a:r>
-              <a:rPr lang="ru-RU" sz="2800" dirty="0"/>
+              <a:rPr lang="ru-RU" sz="2800" dirty="0">
+                <a:solidFill>
+                  <a:schemeClr val="tx1"/>
+                </a:solidFill>
+              </a:rPr>
               <a:t>Как Вы относитесь к идее создания виртуального куратора?</a:t>
             </a:r>
           </a:p>
@@ -2575,10 +2569,7 @@
           <a:pPr>
             <a:defRPr sz="2800" b="0" i="0" u="none" strike="noStrike" kern="1200" spc="0" baseline="0">
               <a:solidFill>
-                <a:schemeClr val="tx1">
-                  <a:lumMod val="65000"/>
-                  <a:lumOff val="35000"/>
-                </a:schemeClr>
+                <a:schemeClr val="tx1"/>
               </a:solidFill>
               <a:latin typeface="+mn-lt"/>
               <a:ea typeface="+mn-ea"/>
@@ -2798,10 +2789,7 @@
           <a:pPr>
             <a:defRPr sz="2200" b="0" i="0" u="none" strike="noStrike" kern="1200" baseline="0">
               <a:solidFill>
-                <a:schemeClr val="tx1">
-                  <a:lumMod val="65000"/>
-                  <a:lumOff val="35000"/>
-                </a:schemeClr>
+                <a:schemeClr val="tx1"/>
               </a:solidFill>
               <a:latin typeface="+mn-lt"/>
               <a:ea typeface="+mn-ea"/>
@@ -17316,7 +17304,7 @@
           <p:nvPr>
             <p:extLst>
               <p:ext uri="{D42A27DB-BD31-4B8C-83A1-F6EECF244321}">
-                <p14:modId xmlns:p14="http://schemas.microsoft.com/office/powerpoint/2010/main" val="2995128425"/>
+                <p14:modId xmlns:p14="http://schemas.microsoft.com/office/powerpoint/2010/main" val="3219797636"/>
               </p:ext>
             </p:extLst>
           </p:nvPr>
@@ -17344,7 +17332,7 @@
           <p:nvPr>
             <p:extLst>
               <p:ext uri="{D42A27DB-BD31-4B8C-83A1-F6EECF244321}">
-                <p14:modId xmlns:p14="http://schemas.microsoft.com/office/powerpoint/2010/main" val="3993396644"/>
+                <p14:modId xmlns:p14="http://schemas.microsoft.com/office/powerpoint/2010/main" val="2256175533"/>
               </p:ext>
             </p:extLst>
           </p:nvPr>
@@ -17372,7 +17360,7 @@
           <p:nvPr>
             <p:extLst>
               <p:ext uri="{D42A27DB-BD31-4B8C-83A1-F6EECF244321}">
-                <p14:modId xmlns:p14="http://schemas.microsoft.com/office/powerpoint/2010/main" val="2631413137"/>
+                <p14:modId xmlns:p14="http://schemas.microsoft.com/office/powerpoint/2010/main" val="2214435766"/>
               </p:ext>
             </p:extLst>
           </p:nvPr>
@@ -17436,7 +17424,7 @@
           <p:nvPr>
             <p:extLst>
               <p:ext uri="{D42A27DB-BD31-4B8C-83A1-F6EECF244321}">
-                <p14:modId xmlns:p14="http://schemas.microsoft.com/office/powerpoint/2010/main" val="1779738459"/>
+                <p14:modId xmlns:p14="http://schemas.microsoft.com/office/powerpoint/2010/main" val="3920939951"/>
               </p:ext>
             </p:extLst>
           </p:nvPr>
@@ -17550,7 +17538,7 @@
           <p:nvPr>
             <p:extLst>
               <p:ext uri="{D42A27DB-BD31-4B8C-83A1-F6EECF244321}">
-                <p14:modId xmlns:p14="http://schemas.microsoft.com/office/powerpoint/2010/main" val="1992422777"/>
+                <p14:modId xmlns:p14="http://schemas.microsoft.com/office/powerpoint/2010/main" val="3434230341"/>
               </p:ext>
             </p:extLst>
           </p:nvPr>
@@ -17917,7 +17905,7 @@
           <p:nvPr>
             <p:extLst>
               <p:ext uri="{D42A27DB-BD31-4B8C-83A1-F6EECF244321}">
-                <p14:modId xmlns:p14="http://schemas.microsoft.com/office/powerpoint/2010/main" val="1014701790"/>
+                <p14:modId xmlns:p14="http://schemas.microsoft.com/office/powerpoint/2010/main" val="1309022139"/>
               </p:ext>
             </p:extLst>
           </p:nvPr>
